--- a/Soutenance_miProjet.pptx
+++ b/Soutenance_miProjet.pptx
@@ -201,7 +201,7 @@
           <a:p>
             <a:fld id="{33A439F9-8DCE-794B-AB34-EBB3DE4A108F}" type="datetimeFigureOut">
               <a:rPr lang="fr-FR" smtClean="0"/>
-              <a:t>16/12/2013</a:t>
+              <a:t>17/12/2013</a:t>
             </a:fld>
             <a:endParaRPr lang="fr-FR"/>
           </a:p>
@@ -360,7 +360,7 @@
           <a:p>
             <a:fld id="{B956A79E-FAC0-1942-8597-B8D8938A06DC}" type="slidenum">
               <a:rPr lang="fr-FR" smtClean="0"/>
-              <a:t>‹N°›</a:t>
+              <a:t>‹#›</a:t>
             </a:fld>
             <a:endParaRPr lang="fr-FR"/>
           </a:p>
@@ -922,7 +922,7 @@
             <a:pPr eaLnBrk="1" latinLnBrk="0" hangingPunct="1"/>
             <a:fld id="{7E67FBA8-66D5-45E8-A9CB-6E4000F8E69E}" type="datetime1">
               <a:rPr lang="en-US" smtClean="0"/>
-              <a:t>12/16/2013</a:t>
+              <a:t>17/12/2013</a:t>
             </a:fld>
             <a:endParaRPr lang="en-US"/>
           </a:p>
@@ -968,7 +968,7 @@
           <a:p>
             <a:fld id="{7F5CE407-6216-4202-80E4-A30DC2F709B2}" type="slidenum">
               <a:rPr lang="en-US" smtClean="0"/>
-              <a:t>‹N°›</a:t>
+              <a:t>‹#›</a:t>
             </a:fld>
             <a:endParaRPr lang="en-US"/>
           </a:p>
@@ -1055,7 +1055,7 @@
           <a:p>
             <a:fld id="{3FFF98ED-0755-4755-8632-F7C31FD349F7}" type="datetime1">
               <a:rPr lang="en-US" smtClean="0"/>
-              <a:t>12/16/2013</a:t>
+              <a:t>17/12/2013</a:t>
             </a:fld>
             <a:endParaRPr lang="en-US"/>
           </a:p>
@@ -1101,7 +1101,7 @@
           <a:p>
             <a:fld id="{886BB73A-582F-4420-9A14-CB10A2B2E5E8}" type="slidenum">
               <a:rPr lang="en-US" smtClean="0"/>
-              <a:t>‹N°›</a:t>
+              <a:t>‹#›</a:t>
             </a:fld>
             <a:endParaRPr lang="en-US"/>
           </a:p>
@@ -1364,7 +1364,7 @@
           <a:p>
             <a:fld id="{5A1A947A-C5EE-4C17-A02D-6B0D5BC94F10}" type="datetime1">
               <a:rPr lang="en-US" smtClean="0"/>
-              <a:t>12/16/2013</a:t>
+              <a:t>17/12/2013</a:t>
             </a:fld>
             <a:endParaRPr lang="en-US"/>
           </a:p>
@@ -1410,7 +1410,7 @@
           <a:p>
             <a:fld id="{7F5CE407-6216-4202-80E4-A30DC2F709B2}" type="slidenum">
               <a:rPr lang="en-US" smtClean="0"/>
-              <a:t>‹N°›</a:t>
+              <a:t>‹#›</a:t>
             </a:fld>
             <a:endParaRPr lang="en-US"/>
           </a:p>
@@ -1593,7 +1593,7 @@
           <a:p>
             <a:fld id="{A0CE5133-35BD-4B9D-A767-7CFF8D1AB082}" type="datetime1">
               <a:rPr lang="en-US" smtClean="0"/>
-              <a:t>12/16/2013</a:t>
+              <a:t>17/12/2013</a:t>
             </a:fld>
             <a:endParaRPr lang="en-US"/>
           </a:p>
@@ -1639,7 +1639,7 @@
           <a:p>
             <a:fld id="{886BB73A-582F-4420-9A14-CB10A2B2E5E8}" type="slidenum">
               <a:rPr lang="en-US" smtClean="0"/>
-              <a:t>‹N°›</a:t>
+              <a:t>‹#›</a:t>
             </a:fld>
             <a:endParaRPr lang="en-US"/>
           </a:p>
@@ -1867,7 +1867,7 @@
           <a:p>
             <a:fld id="{DD548307-BFB2-4F00-9A09-ABF429E2346C}" type="datetime1">
               <a:rPr lang="en-US" smtClean="0"/>
-              <a:t>12/16/2013</a:t>
+              <a:t>17/12/2013</a:t>
             </a:fld>
             <a:endParaRPr lang="en-US"/>
           </a:p>
@@ -1913,7 +1913,7 @@
           <a:p>
             <a:fld id="{886BB73A-582F-4420-9A14-CB10A2B2E5E8}" type="slidenum">
               <a:rPr lang="en-US" smtClean="0"/>
-              <a:t>‹N°›</a:t>
+              <a:t>‹#›</a:t>
             </a:fld>
             <a:endParaRPr lang="en-US"/>
           </a:p>
@@ -2196,7 +2196,7 @@
           <a:p>
             <a:fld id="{5D07E66A-D2B8-49C1-B953-A60E29E54617}" type="datetime1">
               <a:rPr lang="en-US" smtClean="0"/>
-              <a:t>12/16/2013</a:t>
+              <a:t>17/12/2013</a:t>
             </a:fld>
             <a:endParaRPr lang="en-US"/>
           </a:p>
@@ -2242,7 +2242,7 @@
           <a:p>
             <a:fld id="{886BB73A-582F-4420-9A14-CB10A2B2E5E8}" type="slidenum">
               <a:rPr lang="en-US" smtClean="0"/>
-              <a:t>‹N°›</a:t>
+              <a:t>‹#›</a:t>
             </a:fld>
             <a:endParaRPr lang="en-US"/>
           </a:p>
@@ -2393,7 +2393,7 @@
           <a:p>
             <a:fld id="{49118059-27B3-498F-8140-2579206B8D99}" type="datetime1">
               <a:rPr lang="en-US" smtClean="0"/>
-              <a:t>12/16/2013</a:t>
+              <a:t>17/12/2013</a:t>
             </a:fld>
             <a:endParaRPr lang="en-US"/>
           </a:p>
@@ -2439,7 +2439,7 @@
           <a:p>
             <a:fld id="{886BB73A-582F-4420-9A14-CB10A2B2E5E8}" type="slidenum">
               <a:rPr lang="en-US" smtClean="0"/>
-              <a:t>‹N°›</a:t>
+              <a:t>‹#›</a:t>
             </a:fld>
             <a:endParaRPr lang="en-US"/>
           </a:p>
@@ -2501,7 +2501,7 @@
           <a:p>
             <a:fld id="{495AAB71-EB13-4CC7-B74A-37B7843E29AD}" type="datetime1">
               <a:rPr lang="en-US" smtClean="0"/>
-              <a:t>12/16/2013</a:t>
+              <a:t>17/12/2013</a:t>
             </a:fld>
             <a:endParaRPr lang="en-US"/>
           </a:p>
@@ -2547,7 +2547,7 @@
           <a:p>
             <a:fld id="{886BB73A-582F-4420-9A14-CB10A2B2E5E8}" type="slidenum">
               <a:rPr lang="en-US" smtClean="0"/>
-              <a:t>‹N°›</a:t>
+              <a:t>‹#›</a:t>
             </a:fld>
             <a:endParaRPr lang="en-US"/>
           </a:p>
@@ -2674,7 +2674,7 @@
           <a:p>
             <a:fld id="{56DDDAB1-01C0-4E58-8631-78ED1D427A3A}" type="datetime1">
               <a:rPr lang="en-US" smtClean="0"/>
-              <a:t>12/16/2013</a:t>
+              <a:t>17/12/2013</a:t>
             </a:fld>
             <a:endParaRPr lang="en-US"/>
           </a:p>
@@ -2720,7 +2720,7 @@
           <a:p>
             <a:fld id="{886BB73A-582F-4420-9A14-CB10A2B2E5E8}" type="slidenum">
               <a:rPr lang="en-US" smtClean="0"/>
-              <a:t>‹N°›</a:t>
+              <a:t>‹#›</a:t>
             </a:fld>
             <a:endParaRPr lang="en-US"/>
           </a:p>
@@ -2943,7 +2943,7 @@
             <a:pPr eaLnBrk="1" latinLnBrk="0" hangingPunct="1"/>
             <a:fld id="{E53AAB49-BFD3-4F12-BD10-7962ECE1A1D8}" type="datetime1">
               <a:rPr lang="en-US" smtClean="0"/>
-              <a:t>12/16/2013</a:t>
+              <a:t>17/12/2013</a:t>
             </a:fld>
             <a:endParaRPr lang="en-US"/>
           </a:p>
@@ -3004,7 +3004,7 @@
             <a:fld id="{2C6B1FF6-39B9-40F5-8B67-33C6354A3D4F}" type="slidenum">
               <a:rPr kumimoji="0" lang="en-US" smtClean="0"/>
               <a:pPr eaLnBrk="1" latinLnBrk="0" hangingPunct="1"/>
-              <a:t>‹N°›</a:t>
+              <a:t>‹#›</a:t>
             </a:fld>
             <a:endParaRPr kumimoji="0" lang="en-US" dirty="0">
               <a:solidFill>
@@ -3289,7 +3289,7 @@
           <a:p>
             <a:fld id="{FDEC4510-1BAC-4F24-BDE2-91A02A60B456}" type="datetime1">
               <a:rPr lang="en-US" smtClean="0"/>
-              <a:t>12/16/2013</a:t>
+              <a:t>17/12/2013</a:t>
             </a:fld>
             <a:endParaRPr lang="en-US"/>
           </a:p>
@@ -3335,7 +3335,7 @@
           <a:p>
             <a:fld id="{886BB73A-582F-4420-9A14-CB10A2B2E5E8}" type="slidenum">
               <a:rPr lang="en-US" smtClean="0"/>
-              <a:t>‹N°›</a:t>
+              <a:t>‹#›</a:t>
             </a:fld>
             <a:endParaRPr lang="en-US"/>
           </a:p>
@@ -3734,7 +3734,7 @@
           <a:p>
             <a:fld id="{032462A4-1693-4D59-9D5E-9D89B5989000}" type="datetime1">
               <a:rPr lang="en-US" smtClean="0"/>
-              <a:t>12/16/2013</a:t>
+              <a:t>17/12/2013</a:t>
             </a:fld>
             <a:endParaRPr lang="en-US"/>
           </a:p>
@@ -3780,7 +3780,7 @@
           <a:p>
             <a:fld id="{886BB73A-582F-4420-9A14-CB10A2B2E5E8}" type="slidenum">
               <a:rPr lang="en-US" smtClean="0"/>
-              <a:t>‹N°›</a:t>
+              <a:t>‹#›</a:t>
             </a:fld>
             <a:endParaRPr lang="en-US"/>
           </a:p>
@@ -3936,7 +3936,7 @@
           <a:p>
             <a:fld id="{B70ACB4D-32FE-4358-A04E-417D554E1309}" type="datetime1">
               <a:rPr lang="en-US" smtClean="0"/>
-              <a:t>12/16/2013</a:t>
+              <a:t>17/12/2013</a:t>
             </a:fld>
             <a:endParaRPr lang="en-US"/>
           </a:p>
@@ -3982,7 +3982,7 @@
           <a:p>
             <a:fld id="{886BB73A-582F-4420-9A14-CB10A2B2E5E8}" type="slidenum">
               <a:rPr lang="en-US" smtClean="0"/>
-              <a:t>‹N°›</a:t>
+              <a:t>‹#›</a:t>
             </a:fld>
             <a:endParaRPr lang="en-US"/>
           </a:p>
@@ -4223,7 +4223,7 @@
           <a:p>
             <a:fld id="{20B8108D-308F-4812-B17B-BFC5677CF8EB}" type="datetime1">
               <a:rPr lang="en-US" smtClean="0"/>
-              <a:t>12/16/2013</a:t>
+              <a:t>17/12/2013</a:t>
             </a:fld>
             <a:endParaRPr lang="en-US"/>
           </a:p>
@@ -4269,7 +4269,7 @@
           <a:p>
             <a:fld id="{886BB73A-582F-4420-9A14-CB10A2B2E5E8}" type="slidenum">
               <a:rPr lang="en-US" smtClean="0"/>
-              <a:t>‹N°›</a:t>
+              <a:t>‹#›</a:t>
             </a:fld>
             <a:endParaRPr lang="en-US"/>
           </a:p>
@@ -4595,7 +4595,7 @@
           <a:p>
             <a:fld id="{311E8696-9CA1-4A92-9AD2-9FBEEE051D4A}" type="datetime1">
               <a:rPr lang="en-US" smtClean="0"/>
-              <a:t>12/16/2013</a:t>
+              <a:t>17/12/2013</a:t>
             </a:fld>
             <a:endParaRPr lang="en-US"/>
           </a:p>
@@ -4641,7 +4641,7 @@
           <a:p>
             <a:fld id="{886BB73A-582F-4420-9A14-CB10A2B2E5E8}" type="slidenum">
               <a:rPr lang="en-US" smtClean="0"/>
-              <a:t>‹N°›</a:t>
+              <a:t>‹#›</a:t>
             </a:fld>
             <a:endParaRPr lang="en-US"/>
           </a:p>
@@ -5095,7 +5095,7 @@
           <a:p>
             <a:fld id="{FACE8EBF-4B78-47A5-9C4D-C65549CADC98}" type="datetime1">
               <a:rPr lang="en-US" smtClean="0"/>
-              <a:t>12/16/2013</a:t>
+              <a:t>17/12/2013</a:t>
             </a:fld>
             <a:endParaRPr lang="en-US"/>
           </a:p>
@@ -5141,7 +5141,7 @@
           <a:p>
             <a:fld id="{886BB73A-582F-4420-9A14-CB10A2B2E5E8}" type="slidenum">
               <a:rPr lang="en-US" smtClean="0"/>
-              <a:t>‹N°›</a:t>
+              <a:t>‹#›</a:t>
             </a:fld>
             <a:endParaRPr lang="en-US"/>
           </a:p>
@@ -5308,7 +5308,7 @@
           <a:p>
             <a:fld id="{7B44FFAE-43F3-46B8-9C5E-4838052BC682}" type="datetime1">
               <a:rPr lang="en-US" smtClean="0"/>
-              <a:t>12/16/2013</a:t>
+              <a:t>17/12/2013</a:t>
             </a:fld>
             <a:endParaRPr lang="en-US"/>
           </a:p>
@@ -5392,7 +5392,7 @@
           <a:p>
             <a:fld id="{886BB73A-582F-4420-9A14-CB10A2B2E5E8}" type="slidenum">
               <a:rPr lang="en-US" smtClean="0"/>
-              <a:t>‹N°›</a:t>
+              <a:t>‹#›</a:t>
             </a:fld>
             <a:endParaRPr lang="en-US"/>
           </a:p>
@@ -5858,14 +5858,14 @@
             <a:noFill/>
           </a:ln>
           <a:extLst>
-            <a:ext uri="{909E8E84-426E-40DD-AFC4-6F175D3DCCD1}">
+            <a:ext uri="{909E8E84-426E-40dd-AFC4-6F175D3DCCD1}">
               <a14:hiddenFill xmlns:a14="http://schemas.microsoft.com/office/drawing/2010/main">
                 <a:solidFill>
                   <a:schemeClr val="accent1"/>
                 </a:solidFill>
               </a14:hiddenFill>
             </a:ext>
-            <a:ext uri="{91240B29-F687-4F45-9708-019B960494DF}">
+            <a:ext uri="{91240B29-F687-4f45-9708-019B960494DF}">
               <a14:hiddenLine xmlns:a14="http://schemas.microsoft.com/office/drawing/2010/main" w="9525">
                 <a:solidFill>
                   <a:schemeClr val="tx1"/>
@@ -5891,7 +5891,7 @@
   <p:timing>
     <p:tnLst>
       <p:par>
-        <p:cTn id="1" dur="indefinite" restart="never" nodeType="tmRoot"/>
+        <p:cTn xmlns:p14="http://schemas.microsoft.com/office/powerpoint/2010/main" id="1" dur="indefinite" restart="never" nodeType="tmRoot"/>
       </p:par>
     </p:tnLst>
   </p:timing>
@@ -6095,7 +6095,7 @@
   <p:timing>
     <p:tnLst>
       <p:par>
-        <p:cTn id="1" dur="indefinite" restart="never" nodeType="tmRoot"/>
+        <p:cTn xmlns:p14="http://schemas.microsoft.com/office/powerpoint/2010/main" id="1" dur="indefinite" restart="never" nodeType="tmRoot"/>
       </p:par>
     </p:tnLst>
   </p:timing>
@@ -6208,7 +6208,6 @@
               <a:rPr lang="fr-FR" sz="2800" dirty="0" smtClean="0"/>
               <a:t>Bilan</a:t>
             </a:r>
-            <a:endParaRPr lang="fr-FR" sz="2800" dirty="0" smtClean="0"/>
           </a:p>
         </p:txBody>
       </p:sp>
@@ -6294,7 +6293,7 @@
   <p:timing>
     <p:tnLst>
       <p:par>
-        <p:cTn id="1" dur="indefinite" restart="never" nodeType="tmRoot"/>
+        <p:cTn xmlns:p14="http://schemas.microsoft.com/office/powerpoint/2010/main" id="1" dur="indefinite" restart="never" nodeType="tmRoot"/>
       </p:par>
     </p:tnLst>
   </p:timing>
@@ -6364,13 +6363,8 @@
             </a:pPr>
             <a:r>
               <a:rPr lang="fr-FR" sz="2800" dirty="0" smtClean="0"/>
-              <a:t>Automatiser la création des emplois du temps de </a:t>
-            </a:r>
-            <a:r>
-              <a:rPr lang="fr-FR" sz="2800" dirty="0" smtClean="0"/>
-              <a:t>l’école</a:t>
-            </a:r>
-            <a:endParaRPr lang="fr-FR" sz="2800" dirty="0" smtClean="0"/>
+              <a:t>Automatiser la création des emplois du temps de l’école</a:t>
+            </a:r>
           </a:p>
           <a:p>
             <a:pPr>
@@ -6379,11 +6373,7 @@
             </a:pPr>
             <a:r>
               <a:rPr lang="fr-FR" sz="2800" dirty="0" smtClean="0"/>
-              <a:t>Problème d’ordonnancement </a:t>
-            </a:r>
-            <a:r>
-              <a:rPr lang="fr-FR" sz="2800" dirty="0" smtClean="0"/>
-              <a:t>complexe</a:t>
+              <a:t>Problème d’ordonnancement complexe</a:t>
             </a:r>
             <a:endParaRPr lang="fr-FR" sz="2800" dirty="0"/>
           </a:p>
@@ -6394,11 +6384,7 @@
             </a:pPr>
             <a:r>
               <a:rPr lang="fr-FR" sz="2800" dirty="0" smtClean="0"/>
-              <a:t>Pas de solution optimale </a:t>
-            </a:r>
-            <a:r>
-              <a:rPr lang="fr-FR" sz="2800" dirty="0" smtClean="0"/>
-              <a:t>!</a:t>
+              <a:t>Pas de solution optimale !</a:t>
             </a:r>
           </a:p>
           <a:p>
@@ -6410,7 +6396,6 @@
               <a:rPr lang="fr-FR" sz="2800" dirty="0" smtClean="0"/>
               <a:t>Comparaison l’existant</a:t>
             </a:r>
-            <a:endParaRPr lang="fr-FR" sz="2800" dirty="0" smtClean="0"/>
           </a:p>
         </p:txBody>
       </p:sp>
@@ -6496,7 +6481,7 @@
   <p:timing>
     <p:tnLst>
       <p:par>
-        <p:cTn id="1" dur="indefinite" restart="never" nodeType="tmRoot"/>
+        <p:cTn xmlns:p14="http://schemas.microsoft.com/office/powerpoint/2010/main" id="1" dur="indefinite" restart="never" nodeType="tmRoot"/>
       </p:par>
     </p:tnLst>
   </p:timing>
@@ -6543,9 +6528,78 @@
           </a:p>
         </p:txBody>
       </p:sp>
+      <p:sp>
+        <p:nvSpPr>
+          <p:cNvPr id="8" name="Espace réservé du pied de page 3"/>
+          <p:cNvSpPr>
+            <a:spLocks noGrp="1"/>
+          </p:cNvSpPr>
+          <p:nvPr>
+            <p:ph type="ftr" sz="quarter" idx="11"/>
+          </p:nvPr>
+        </p:nvSpPr>
+        <p:spPr>
+          <a:xfrm>
+            <a:off x="2603733" y="6270171"/>
+            <a:ext cx="4188958" cy="508454"/>
+          </a:xfrm>
+        </p:spPr>
+        <p:txBody>
+          <a:bodyPr/>
+          <a:lstStyle/>
+          <a:p>
+            <a:pPr algn="ctr"/>
+            <a:r>
+              <a:rPr lang="en-US" sz="1600" b="0" dirty="0" smtClean="0">
+                <a:solidFill>
+                  <a:schemeClr val="bg1">
+                    <a:lumMod val="75000"/>
+                  </a:schemeClr>
+                </a:solidFill>
+              </a:rPr>
+              <a:t>COUDRAY</a:t>
+            </a:r>
+            <a:r>
+              <a:rPr lang="en-US" sz="1600" dirty="0" smtClean="0">
+                <a:solidFill>
+                  <a:schemeClr val="bg1">
+                    <a:lumMod val="75000"/>
+                  </a:schemeClr>
+                </a:solidFill>
+              </a:rPr>
+              <a:t> - </a:t>
+            </a:r>
+            <a:r>
+              <a:rPr lang="en-US" sz="1600" b="0" dirty="0" smtClean="0">
+                <a:solidFill>
+                  <a:schemeClr val="bg1">
+                    <a:lumMod val="75000"/>
+                  </a:schemeClr>
+                </a:solidFill>
+              </a:rPr>
+              <a:t>JULIEN</a:t>
+            </a:r>
+            <a:r>
+              <a:rPr lang="en-US" sz="1600" dirty="0" smtClean="0">
+                <a:solidFill>
+                  <a:schemeClr val="bg1">
+                    <a:lumMod val="75000"/>
+                  </a:schemeClr>
+                </a:solidFill>
+              </a:rPr>
+              <a:t> - </a:t>
+            </a:r>
+            <a:r>
+              <a:rPr lang="en-US" sz="1600" dirty="0" smtClean="0"/>
+              <a:t>TRAN</a:t>
+            </a:r>
+            <a:endParaRPr lang="en-US" sz="1600" dirty="0"/>
+          </a:p>
+        </p:txBody>
+      </p:sp>
       <p:pic>
         <p:nvPicPr>
-          <p:cNvPr id="7" name="Image 6" descr="DiagrammeClasse2.png"/>
+          <p:cNvPr id="4" name="Image 3" descr="DiagrammeClassePPT (1).png"/>
           <p:cNvPicPr>
             <a:picLocks noChangeAspect="1"/>
           </p:cNvPicPr>
@@ -6565,86 +6619,14 @@
         </p:blipFill>
         <p:spPr>
           <a:xfrm>
-            <a:off x="962189" y="179588"/>
-            <a:ext cx="6924551" cy="6196080"/>
+            <a:off x="-38487" y="2168196"/>
+            <a:ext cx="9144000" cy="4354286"/>
           </a:xfrm>
           <a:prstGeom prst="rect">
             <a:avLst/>
           </a:prstGeom>
-          <a:ln w="12700" cmpd="sng">
-            <a:noFill/>
-          </a:ln>
         </p:spPr>
       </p:pic>
-      <p:sp>
-        <p:nvSpPr>
-          <p:cNvPr id="8" name="Espace réservé du pied de page 3"/>
-          <p:cNvSpPr>
-            <a:spLocks noGrp="1"/>
-          </p:cNvSpPr>
-          <p:nvPr>
-            <p:ph type="ftr" sz="quarter" idx="11"/>
-          </p:nvPr>
-        </p:nvSpPr>
-        <p:spPr>
-          <a:xfrm>
-            <a:off x="2603733" y="6270171"/>
-            <a:ext cx="4188958" cy="508454"/>
-          </a:xfrm>
-        </p:spPr>
-        <p:txBody>
-          <a:bodyPr/>
-          <a:lstStyle/>
-          <a:p>
-            <a:pPr algn="ctr"/>
-            <a:r>
-              <a:rPr lang="en-US" sz="1600" b="0" dirty="0" smtClean="0">
-                <a:solidFill>
-                  <a:schemeClr val="bg1">
-                    <a:lumMod val="75000"/>
-                  </a:schemeClr>
-                </a:solidFill>
-              </a:rPr>
-              <a:t>COUDRAY</a:t>
-            </a:r>
-            <a:r>
-              <a:rPr lang="en-US" sz="1600" dirty="0" smtClean="0">
-                <a:solidFill>
-                  <a:schemeClr val="bg1">
-                    <a:lumMod val="75000"/>
-                  </a:schemeClr>
-                </a:solidFill>
-              </a:rPr>
-              <a:t> - </a:t>
-            </a:r>
-            <a:r>
-              <a:rPr lang="en-US" sz="1600" b="0" dirty="0" smtClean="0">
-                <a:solidFill>
-                  <a:schemeClr val="bg1">
-                    <a:lumMod val="75000"/>
-                  </a:schemeClr>
-                </a:solidFill>
-              </a:rPr>
-              <a:t>JULIEN</a:t>
-            </a:r>
-            <a:r>
-              <a:rPr lang="en-US" sz="1600" dirty="0" smtClean="0">
-                <a:solidFill>
-                  <a:schemeClr val="bg1">
-                    <a:lumMod val="75000"/>
-                  </a:schemeClr>
-                </a:solidFill>
-              </a:rPr>
-              <a:t> - </a:t>
-            </a:r>
-            <a:r>
-              <a:rPr lang="en-US" sz="1600" dirty="0" smtClean="0"/>
-              <a:t>TRAN</a:t>
-            </a:r>
-            <a:endParaRPr lang="en-US" sz="1600" dirty="0"/>
-          </a:p>
-        </p:txBody>
-      </p:sp>
     </p:spTree>
     <p:extLst>
       <p:ext uri="{BB962C8B-B14F-4D97-AF65-F5344CB8AC3E}">
@@ -6658,121 +6640,7 @@
   <p:timing>
     <p:tnLst>
       <p:par>
-        <p:cTn id="1" dur="indefinite" restart="never" nodeType="tmRoot">
-          <p:childTnLst>
-            <p:seq concurrent="1" nextAc="seek">
-              <p:cTn id="2" dur="indefinite" nodeType="mainSeq">
-                <p:childTnLst>
-                  <p:par>
-                    <p:cTn id="3" fill="hold">
-                      <p:stCondLst>
-                        <p:cond delay="indefinite"/>
-                      </p:stCondLst>
-                      <p:childTnLst>
-                        <p:par>
-                          <p:cTn id="4" fill="hold">
-                            <p:stCondLst>
-                              <p:cond delay="0"/>
-                            </p:stCondLst>
-                            <p:childTnLst>
-                              <p:par>
-                                <p:cTn id="5" presetID="23" presetClass="entr" presetSubtype="16" fill="hold" nodeType="clickEffect">
-                                  <p:stCondLst>
-                                    <p:cond delay="0"/>
-                                  </p:stCondLst>
-                                  <p:childTnLst>
-                                    <p:set>
-                                      <p:cBhvr>
-                                        <p:cTn id="6" dur="1" fill="hold">
-                                          <p:stCondLst>
-                                            <p:cond delay="0"/>
-                                          </p:stCondLst>
-                                        </p:cTn>
-                                        <p:tgtEl>
-                                          <p:spTgt spid="7"/>
-                                        </p:tgtEl>
-                                        <p:attrNameLst>
-                                          <p:attrName>style.visibility</p:attrName>
-                                        </p:attrNameLst>
-                                      </p:cBhvr>
-                                      <p:to>
-                                        <p:strVal val="visible"/>
-                                      </p:to>
-                                    </p:set>
-                                    <p:anim calcmode="lin" valueType="num">
-                                      <p:cBhvr>
-                                        <p:cTn id="7" dur="500" fill="hold"/>
-                                        <p:tgtEl>
-                                          <p:spTgt spid="7"/>
-                                        </p:tgtEl>
-                                        <p:attrNameLst>
-                                          <p:attrName>ppt_w</p:attrName>
-                                        </p:attrNameLst>
-                                      </p:cBhvr>
-                                      <p:tavLst>
-                                        <p:tav tm="0">
-                                          <p:val>
-                                            <p:fltVal val="0"/>
-                                          </p:val>
-                                        </p:tav>
-                                        <p:tav tm="100000">
-                                          <p:val>
-                                            <p:strVal val="#ppt_w"/>
-                                          </p:val>
-                                        </p:tav>
-                                      </p:tavLst>
-                                    </p:anim>
-                                    <p:anim calcmode="lin" valueType="num">
-                                      <p:cBhvr>
-                                        <p:cTn id="8" dur="500" fill="hold"/>
-                                        <p:tgtEl>
-                                          <p:spTgt spid="7"/>
-                                        </p:tgtEl>
-                                        <p:attrNameLst>
-                                          <p:attrName>ppt_h</p:attrName>
-                                        </p:attrNameLst>
-                                      </p:cBhvr>
-                                      <p:tavLst>
-                                        <p:tav tm="0">
-                                          <p:val>
-                                            <p:fltVal val="0"/>
-                                          </p:val>
-                                        </p:tav>
-                                        <p:tav tm="100000">
-                                          <p:val>
-                                            <p:strVal val="#ppt_h"/>
-                                          </p:val>
-                                        </p:tav>
-                                      </p:tavLst>
-                                    </p:anim>
-                                  </p:childTnLst>
-                                </p:cTn>
-                              </p:par>
-                            </p:childTnLst>
-                          </p:cTn>
-                        </p:par>
-                      </p:childTnLst>
-                    </p:cTn>
-                  </p:par>
-                </p:childTnLst>
-              </p:cTn>
-              <p:prevCondLst>
-                <p:cond evt="onPrev" delay="0">
-                  <p:tgtEl>
-                    <p:sldTgt/>
-                  </p:tgtEl>
-                </p:cond>
-              </p:prevCondLst>
-              <p:nextCondLst>
-                <p:cond evt="onNext" delay="0">
-                  <p:tgtEl>
-                    <p:sldTgt/>
-                  </p:tgtEl>
-                </p:cond>
-              </p:nextCondLst>
-            </p:seq>
-          </p:childTnLst>
-        </p:cTn>
+        <p:cTn xmlns:p14="http://schemas.microsoft.com/office/powerpoint/2010/main" id="1" dur="indefinite" restart="never" nodeType="tmRoot"/>
       </p:par>
     </p:tnLst>
   </p:timing>
@@ -6986,7 +6854,7 @@
   <p:timing>
     <p:tnLst>
       <p:par>
-        <p:cTn id="1" dur="indefinite" restart="never" nodeType="tmRoot"/>
+        <p:cTn xmlns:p14="http://schemas.microsoft.com/office/powerpoint/2010/main" id="1" dur="indefinite" restart="never" nodeType="tmRoot"/>
       </p:par>
     </p:tnLst>
   </p:timing>
@@ -7218,7 +7086,7 @@
   <p:timing>
     <p:tnLst>
       <p:par>
-        <p:cTn id="1" dur="indefinite" restart="never" nodeType="tmRoot"/>
+        <p:cTn xmlns:p14="http://schemas.microsoft.com/office/powerpoint/2010/main" id="1" dur="indefinite" restart="never" nodeType="tmRoot"/>
       </p:par>
     </p:tnLst>
   </p:timing>
@@ -8703,7 +8571,7 @@
   <p:timing>
     <p:tnLst>
       <p:par>
-        <p:cTn id="1" dur="indefinite" restart="never" nodeType="tmRoot">
+        <p:cTn xmlns:p14="http://schemas.microsoft.com/office/powerpoint/2010/main" id="1" dur="indefinite" restart="never" nodeType="tmRoot">
           <p:childTnLst>
             <p:seq concurrent="1" nextAc="seek">
               <p:cTn id="2" dur="indefinite" nodeType="mainSeq">
@@ -9430,7 +9298,7 @@
   <p:timing>
     <p:tnLst>
       <p:par>
-        <p:cTn id="1" dur="indefinite" restart="never" nodeType="tmRoot">
+        <p:cTn xmlns:p14="http://schemas.microsoft.com/office/powerpoint/2010/main" id="1" dur="indefinite" restart="never" nodeType="tmRoot">
           <p:childTnLst>
             <p:seq concurrent="1" nextAc="seek">
               <p:cTn id="2" dur="indefinite" nodeType="mainSeq">
@@ -11967,7 +11835,7 @@
   <p:timing>
     <p:tnLst>
       <p:par>
-        <p:cTn id="1" dur="indefinite" restart="never" nodeType="tmRoot">
+        <p:cTn xmlns:p14="http://schemas.microsoft.com/office/powerpoint/2010/main" id="1" dur="indefinite" restart="never" nodeType="tmRoot">
           <p:childTnLst>
             <p:seq concurrent="1" nextAc="seek">
               <p:cTn id="2" dur="indefinite" nodeType="mainSeq">

--- a/Soutenance_miProjet.pptx
+++ b/Soutenance_miProjet.pptx
@@ -6599,7 +6599,7 @@
       </p:sp>
       <p:pic>
         <p:nvPicPr>
-          <p:cNvPr id="4" name="Image 3" descr="DiagrammeClassePPT (1).png"/>
+          <p:cNvPr id="5" name="Image 4" descr="DiagrammeClassePPT (2).png"/>
           <p:cNvPicPr>
             <a:picLocks noChangeAspect="1"/>
           </p:cNvPicPr>
@@ -6619,7 +6619,7 @@
         </p:blipFill>
         <p:spPr>
           <a:xfrm>
-            <a:off x="-38487" y="2168196"/>
+            <a:off x="-38487" y="2185273"/>
             <a:ext cx="9144000" cy="4354286"/>
           </a:xfrm>
           <a:prstGeom prst="rect">

--- a/Soutenance_miProjet.pptx
+++ b/Soutenance_miProjet.pptx
@@ -360,7 +360,7 @@
           <a:p>
             <a:fld id="{B956A79E-FAC0-1942-8597-B8D8938A06DC}" type="slidenum">
               <a:rPr lang="fr-FR" smtClean="0"/>
-              <a:t>‹#›</a:t>
+              <a:t>‹N°›</a:t>
             </a:fld>
             <a:endParaRPr lang="fr-FR"/>
           </a:p>
@@ -922,7 +922,7 @@
             <a:pPr eaLnBrk="1" latinLnBrk="0" hangingPunct="1"/>
             <a:fld id="{7E67FBA8-66D5-45E8-A9CB-6E4000F8E69E}" type="datetime1">
               <a:rPr lang="en-US" smtClean="0"/>
-              <a:t>17/12/2013</a:t>
+              <a:t>12/17/2013</a:t>
             </a:fld>
             <a:endParaRPr lang="en-US"/>
           </a:p>
@@ -968,7 +968,7 @@
           <a:p>
             <a:fld id="{7F5CE407-6216-4202-80E4-A30DC2F709B2}" type="slidenum">
               <a:rPr lang="en-US" smtClean="0"/>
-              <a:t>‹#›</a:t>
+              <a:t>‹N°›</a:t>
             </a:fld>
             <a:endParaRPr lang="en-US"/>
           </a:p>
@@ -1055,7 +1055,7 @@
           <a:p>
             <a:fld id="{3FFF98ED-0755-4755-8632-F7C31FD349F7}" type="datetime1">
               <a:rPr lang="en-US" smtClean="0"/>
-              <a:t>17/12/2013</a:t>
+              <a:t>12/17/2013</a:t>
             </a:fld>
             <a:endParaRPr lang="en-US"/>
           </a:p>
@@ -1101,7 +1101,7 @@
           <a:p>
             <a:fld id="{886BB73A-582F-4420-9A14-CB10A2B2E5E8}" type="slidenum">
               <a:rPr lang="en-US" smtClean="0"/>
-              <a:t>‹#›</a:t>
+              <a:t>‹N°›</a:t>
             </a:fld>
             <a:endParaRPr lang="en-US"/>
           </a:p>
@@ -1364,7 +1364,7 @@
           <a:p>
             <a:fld id="{5A1A947A-C5EE-4C17-A02D-6B0D5BC94F10}" type="datetime1">
               <a:rPr lang="en-US" smtClean="0"/>
-              <a:t>17/12/2013</a:t>
+              <a:t>12/17/2013</a:t>
             </a:fld>
             <a:endParaRPr lang="en-US"/>
           </a:p>
@@ -1410,7 +1410,7 @@
           <a:p>
             <a:fld id="{7F5CE407-6216-4202-80E4-A30DC2F709B2}" type="slidenum">
               <a:rPr lang="en-US" smtClean="0"/>
-              <a:t>‹#›</a:t>
+              <a:t>‹N°›</a:t>
             </a:fld>
             <a:endParaRPr lang="en-US"/>
           </a:p>
@@ -1593,7 +1593,7 @@
           <a:p>
             <a:fld id="{A0CE5133-35BD-4B9D-A767-7CFF8D1AB082}" type="datetime1">
               <a:rPr lang="en-US" smtClean="0"/>
-              <a:t>17/12/2013</a:t>
+              <a:t>12/17/2013</a:t>
             </a:fld>
             <a:endParaRPr lang="en-US"/>
           </a:p>
@@ -1639,7 +1639,7 @@
           <a:p>
             <a:fld id="{886BB73A-582F-4420-9A14-CB10A2B2E5E8}" type="slidenum">
               <a:rPr lang="en-US" smtClean="0"/>
-              <a:t>‹#›</a:t>
+              <a:t>‹N°›</a:t>
             </a:fld>
             <a:endParaRPr lang="en-US"/>
           </a:p>
@@ -1867,7 +1867,7 @@
           <a:p>
             <a:fld id="{DD548307-BFB2-4F00-9A09-ABF429E2346C}" type="datetime1">
               <a:rPr lang="en-US" smtClean="0"/>
-              <a:t>17/12/2013</a:t>
+              <a:t>12/17/2013</a:t>
             </a:fld>
             <a:endParaRPr lang="en-US"/>
           </a:p>
@@ -1913,7 +1913,7 @@
           <a:p>
             <a:fld id="{886BB73A-582F-4420-9A14-CB10A2B2E5E8}" type="slidenum">
               <a:rPr lang="en-US" smtClean="0"/>
-              <a:t>‹#›</a:t>
+              <a:t>‹N°›</a:t>
             </a:fld>
             <a:endParaRPr lang="en-US"/>
           </a:p>
@@ -2196,7 +2196,7 @@
           <a:p>
             <a:fld id="{5D07E66A-D2B8-49C1-B953-A60E29E54617}" type="datetime1">
               <a:rPr lang="en-US" smtClean="0"/>
-              <a:t>17/12/2013</a:t>
+              <a:t>12/17/2013</a:t>
             </a:fld>
             <a:endParaRPr lang="en-US"/>
           </a:p>
@@ -2242,7 +2242,7 @@
           <a:p>
             <a:fld id="{886BB73A-582F-4420-9A14-CB10A2B2E5E8}" type="slidenum">
               <a:rPr lang="en-US" smtClean="0"/>
-              <a:t>‹#›</a:t>
+              <a:t>‹N°›</a:t>
             </a:fld>
             <a:endParaRPr lang="en-US"/>
           </a:p>
@@ -2393,7 +2393,7 @@
           <a:p>
             <a:fld id="{49118059-27B3-498F-8140-2579206B8D99}" type="datetime1">
               <a:rPr lang="en-US" smtClean="0"/>
-              <a:t>17/12/2013</a:t>
+              <a:t>12/17/2013</a:t>
             </a:fld>
             <a:endParaRPr lang="en-US"/>
           </a:p>
@@ -2439,7 +2439,7 @@
           <a:p>
             <a:fld id="{886BB73A-582F-4420-9A14-CB10A2B2E5E8}" type="slidenum">
               <a:rPr lang="en-US" smtClean="0"/>
-              <a:t>‹#›</a:t>
+              <a:t>‹N°›</a:t>
             </a:fld>
             <a:endParaRPr lang="en-US"/>
           </a:p>
@@ -2501,7 +2501,7 @@
           <a:p>
             <a:fld id="{495AAB71-EB13-4CC7-B74A-37B7843E29AD}" type="datetime1">
               <a:rPr lang="en-US" smtClean="0"/>
-              <a:t>17/12/2013</a:t>
+              <a:t>12/17/2013</a:t>
             </a:fld>
             <a:endParaRPr lang="en-US"/>
           </a:p>
@@ -2547,7 +2547,7 @@
           <a:p>
             <a:fld id="{886BB73A-582F-4420-9A14-CB10A2B2E5E8}" type="slidenum">
               <a:rPr lang="en-US" smtClean="0"/>
-              <a:t>‹#›</a:t>
+              <a:t>‹N°›</a:t>
             </a:fld>
             <a:endParaRPr lang="en-US"/>
           </a:p>
@@ -2674,7 +2674,7 @@
           <a:p>
             <a:fld id="{56DDDAB1-01C0-4E58-8631-78ED1D427A3A}" type="datetime1">
               <a:rPr lang="en-US" smtClean="0"/>
-              <a:t>17/12/2013</a:t>
+              <a:t>12/17/2013</a:t>
             </a:fld>
             <a:endParaRPr lang="en-US"/>
           </a:p>
@@ -2720,7 +2720,7 @@
           <a:p>
             <a:fld id="{886BB73A-582F-4420-9A14-CB10A2B2E5E8}" type="slidenum">
               <a:rPr lang="en-US" smtClean="0"/>
-              <a:t>‹#›</a:t>
+              <a:t>‹N°›</a:t>
             </a:fld>
             <a:endParaRPr lang="en-US"/>
           </a:p>
@@ -2943,7 +2943,7 @@
             <a:pPr eaLnBrk="1" latinLnBrk="0" hangingPunct="1"/>
             <a:fld id="{E53AAB49-BFD3-4F12-BD10-7962ECE1A1D8}" type="datetime1">
               <a:rPr lang="en-US" smtClean="0"/>
-              <a:t>17/12/2013</a:t>
+              <a:t>12/17/2013</a:t>
             </a:fld>
             <a:endParaRPr lang="en-US"/>
           </a:p>
@@ -3004,7 +3004,7 @@
             <a:fld id="{2C6B1FF6-39B9-40F5-8B67-33C6354A3D4F}" type="slidenum">
               <a:rPr kumimoji="0" lang="en-US" smtClean="0"/>
               <a:pPr eaLnBrk="1" latinLnBrk="0" hangingPunct="1"/>
-              <a:t>‹#›</a:t>
+              <a:t>‹N°›</a:t>
             </a:fld>
             <a:endParaRPr kumimoji="0" lang="en-US" dirty="0">
               <a:solidFill>
@@ -3289,7 +3289,7 @@
           <a:p>
             <a:fld id="{FDEC4510-1BAC-4F24-BDE2-91A02A60B456}" type="datetime1">
               <a:rPr lang="en-US" smtClean="0"/>
-              <a:t>17/12/2013</a:t>
+              <a:t>12/17/2013</a:t>
             </a:fld>
             <a:endParaRPr lang="en-US"/>
           </a:p>
@@ -3335,7 +3335,7 @@
           <a:p>
             <a:fld id="{886BB73A-582F-4420-9A14-CB10A2B2E5E8}" type="slidenum">
               <a:rPr lang="en-US" smtClean="0"/>
-              <a:t>‹#›</a:t>
+              <a:t>‹N°›</a:t>
             </a:fld>
             <a:endParaRPr lang="en-US"/>
           </a:p>
@@ -3734,7 +3734,7 @@
           <a:p>
             <a:fld id="{032462A4-1693-4D59-9D5E-9D89B5989000}" type="datetime1">
               <a:rPr lang="en-US" smtClean="0"/>
-              <a:t>17/12/2013</a:t>
+              <a:t>12/17/2013</a:t>
             </a:fld>
             <a:endParaRPr lang="en-US"/>
           </a:p>
@@ -3780,7 +3780,7 @@
           <a:p>
             <a:fld id="{886BB73A-582F-4420-9A14-CB10A2B2E5E8}" type="slidenum">
               <a:rPr lang="en-US" smtClean="0"/>
-              <a:t>‹#›</a:t>
+              <a:t>‹N°›</a:t>
             </a:fld>
             <a:endParaRPr lang="en-US"/>
           </a:p>
@@ -3936,7 +3936,7 @@
           <a:p>
             <a:fld id="{B70ACB4D-32FE-4358-A04E-417D554E1309}" type="datetime1">
               <a:rPr lang="en-US" smtClean="0"/>
-              <a:t>17/12/2013</a:t>
+              <a:t>12/17/2013</a:t>
             </a:fld>
             <a:endParaRPr lang="en-US"/>
           </a:p>
@@ -3982,7 +3982,7 @@
           <a:p>
             <a:fld id="{886BB73A-582F-4420-9A14-CB10A2B2E5E8}" type="slidenum">
               <a:rPr lang="en-US" smtClean="0"/>
-              <a:t>‹#›</a:t>
+              <a:t>‹N°›</a:t>
             </a:fld>
             <a:endParaRPr lang="en-US"/>
           </a:p>
@@ -4223,7 +4223,7 @@
           <a:p>
             <a:fld id="{20B8108D-308F-4812-B17B-BFC5677CF8EB}" type="datetime1">
               <a:rPr lang="en-US" smtClean="0"/>
-              <a:t>17/12/2013</a:t>
+              <a:t>12/17/2013</a:t>
             </a:fld>
             <a:endParaRPr lang="en-US"/>
           </a:p>
@@ -4269,7 +4269,7 @@
           <a:p>
             <a:fld id="{886BB73A-582F-4420-9A14-CB10A2B2E5E8}" type="slidenum">
               <a:rPr lang="en-US" smtClean="0"/>
-              <a:t>‹#›</a:t>
+              <a:t>‹N°›</a:t>
             </a:fld>
             <a:endParaRPr lang="en-US"/>
           </a:p>
@@ -4595,7 +4595,7 @@
           <a:p>
             <a:fld id="{311E8696-9CA1-4A92-9AD2-9FBEEE051D4A}" type="datetime1">
               <a:rPr lang="en-US" smtClean="0"/>
-              <a:t>17/12/2013</a:t>
+              <a:t>12/17/2013</a:t>
             </a:fld>
             <a:endParaRPr lang="en-US"/>
           </a:p>
@@ -4641,7 +4641,7 @@
           <a:p>
             <a:fld id="{886BB73A-582F-4420-9A14-CB10A2B2E5E8}" type="slidenum">
               <a:rPr lang="en-US" smtClean="0"/>
-              <a:t>‹#›</a:t>
+              <a:t>‹N°›</a:t>
             </a:fld>
             <a:endParaRPr lang="en-US"/>
           </a:p>
@@ -5095,7 +5095,7 @@
           <a:p>
             <a:fld id="{FACE8EBF-4B78-47A5-9C4D-C65549CADC98}" type="datetime1">
               <a:rPr lang="en-US" smtClean="0"/>
-              <a:t>17/12/2013</a:t>
+              <a:t>12/17/2013</a:t>
             </a:fld>
             <a:endParaRPr lang="en-US"/>
           </a:p>
@@ -5141,7 +5141,7 @@
           <a:p>
             <a:fld id="{886BB73A-582F-4420-9A14-CB10A2B2E5E8}" type="slidenum">
               <a:rPr lang="en-US" smtClean="0"/>
-              <a:t>‹#›</a:t>
+              <a:t>‹N°›</a:t>
             </a:fld>
             <a:endParaRPr lang="en-US"/>
           </a:p>
@@ -5308,7 +5308,7 @@
           <a:p>
             <a:fld id="{7B44FFAE-43F3-46B8-9C5E-4838052BC682}" type="datetime1">
               <a:rPr lang="en-US" smtClean="0"/>
-              <a:t>17/12/2013</a:t>
+              <a:t>12/17/2013</a:t>
             </a:fld>
             <a:endParaRPr lang="en-US"/>
           </a:p>
@@ -5392,7 +5392,7 @@
           <a:p>
             <a:fld id="{886BB73A-582F-4420-9A14-CB10A2B2E5E8}" type="slidenum">
               <a:rPr lang="en-US" smtClean="0"/>
-              <a:t>‹#›</a:t>
+              <a:t>‹N°›</a:t>
             </a:fld>
             <a:endParaRPr lang="en-US"/>
           </a:p>
@@ -5858,14 +5858,14 @@
             <a:noFill/>
           </a:ln>
           <a:extLst>
-            <a:ext uri="{909E8E84-426E-40dd-AFC4-6F175D3DCCD1}">
+            <a:ext uri="{909E8E84-426E-40DD-AFC4-6F175D3DCCD1}">
               <a14:hiddenFill xmlns:a14="http://schemas.microsoft.com/office/drawing/2010/main">
                 <a:solidFill>
                   <a:schemeClr val="accent1"/>
                 </a:solidFill>
               </a14:hiddenFill>
             </a:ext>
-            <a:ext uri="{91240B29-F687-4f45-9708-019B960494DF}">
+            <a:ext uri="{91240B29-F687-4F45-9708-019B960494DF}">
               <a14:hiddenLine xmlns:a14="http://schemas.microsoft.com/office/drawing/2010/main" w="9525">
                 <a:solidFill>
                   <a:schemeClr val="tx1"/>
@@ -5891,7 +5891,7 @@
   <p:timing>
     <p:tnLst>
       <p:par>
-        <p:cTn xmlns:p14="http://schemas.microsoft.com/office/powerpoint/2010/main" id="1" dur="indefinite" restart="never" nodeType="tmRoot"/>
+        <p:cTn id="1" dur="indefinite" restart="never" nodeType="tmRoot"/>
       </p:par>
     </p:tnLst>
   </p:timing>
@@ -6095,7 +6095,7 @@
   <p:timing>
     <p:tnLst>
       <p:par>
-        <p:cTn xmlns:p14="http://schemas.microsoft.com/office/powerpoint/2010/main" id="1" dur="indefinite" restart="never" nodeType="tmRoot"/>
+        <p:cTn id="1" dur="indefinite" restart="never" nodeType="tmRoot"/>
       </p:par>
     </p:tnLst>
   </p:timing>
@@ -6155,57 +6155,72 @@
         <p:spPr/>
         <p:txBody>
           <a:bodyPr>
-            <a:normAutofit/>
+            <a:noAutofit/>
           </a:bodyPr>
           <a:lstStyle/>
           <a:p>
             <a:pPr>
+              <a:spcBef>
+                <a:spcPts val="1200"/>
+              </a:spcBef>
               <a:buFont typeface="Wingdings" charset="2"/>
               <a:buChar char="§"/>
             </a:pPr>
             <a:r>
-              <a:rPr lang="fr-FR" sz="2800" dirty="0" smtClean="0"/>
+              <a:rPr lang="fr-FR" sz="3200" dirty="0" smtClean="0"/>
               <a:t>Présentation</a:t>
             </a:r>
           </a:p>
           <a:p>
             <a:pPr>
+              <a:spcBef>
+                <a:spcPts val="1200"/>
+              </a:spcBef>
               <a:buFont typeface="Wingdings" charset="2"/>
               <a:buChar char="§"/>
             </a:pPr>
             <a:r>
-              <a:rPr lang="fr-FR" sz="2800" dirty="0"/>
+              <a:rPr lang="fr-FR" sz="3200" dirty="0"/>
               <a:t>Mise en forme des données</a:t>
             </a:r>
           </a:p>
           <a:p>
             <a:pPr>
+              <a:spcBef>
+                <a:spcPts val="1200"/>
+              </a:spcBef>
               <a:buFont typeface="Wingdings" charset="2"/>
               <a:buChar char="§"/>
             </a:pPr>
             <a:r>
-              <a:rPr lang="fr-FR" sz="2800" dirty="0" smtClean="0"/>
+              <a:rPr lang="fr-FR" sz="3200" dirty="0" smtClean="0"/>
               <a:t>Etape de conception</a:t>
             </a:r>
-            <a:endParaRPr lang="fr-FR" sz="2800" dirty="0"/>
+            <a:endParaRPr lang="fr-FR" sz="3200" dirty="0"/>
           </a:p>
           <a:p>
             <a:pPr>
+              <a:spcBef>
+                <a:spcPts val="1200"/>
+              </a:spcBef>
               <a:buFont typeface="Wingdings" charset="2"/>
               <a:buChar char="§"/>
             </a:pPr>
             <a:r>
-              <a:rPr lang="fr-FR" sz="2800" dirty="0" smtClean="0"/>
+              <a:rPr lang="fr-FR" sz="3200" dirty="0" smtClean="0"/>
               <a:t>Instance du problème</a:t>
             </a:r>
           </a:p>
           <a:p>
             <a:pPr>
+              <a:spcBef>
+                <a:spcPts val="1200"/>
+              </a:spcBef>
               <a:buFont typeface="Wingdings" charset="2"/>
               <a:buChar char="§"/>
             </a:pPr>
             <a:r>
-              <a:rPr lang="fr-FR" sz="2800" dirty="0" smtClean="0"/>
+              <a:rPr lang="fr-FR" sz="3200" dirty="0" smtClean="0"/>
               <a:t>Bilan</a:t>
             </a:r>
           </a:p>
@@ -6293,7 +6308,7 @@
   <p:timing>
     <p:tnLst>
       <p:par>
-        <p:cTn xmlns:p14="http://schemas.microsoft.com/office/powerpoint/2010/main" id="1" dur="indefinite" restart="never" nodeType="tmRoot"/>
+        <p:cTn id="1" dur="indefinite" restart="never" nodeType="tmRoot"/>
       </p:par>
     </p:tnLst>
   </p:timing>
@@ -6362,7 +6377,7 @@
               <a:buChar char="§"/>
             </a:pPr>
             <a:r>
-              <a:rPr lang="fr-FR" sz="2800" dirty="0" smtClean="0"/>
+              <a:rPr lang="fr-FR" sz="3200" dirty="0" smtClean="0"/>
               <a:t>Automatiser la création des emplois du temps de l’école</a:t>
             </a:r>
           </a:p>
@@ -6372,10 +6387,10 @@
               <a:buChar char="§"/>
             </a:pPr>
             <a:r>
-              <a:rPr lang="fr-FR" sz="2800" dirty="0" smtClean="0"/>
+              <a:rPr lang="fr-FR" sz="3200" dirty="0" smtClean="0"/>
               <a:t>Problème d’ordonnancement complexe</a:t>
             </a:r>
-            <a:endParaRPr lang="fr-FR" sz="2800" dirty="0"/>
+            <a:endParaRPr lang="fr-FR" sz="3200" dirty="0"/>
           </a:p>
           <a:p>
             <a:pPr>
@@ -6383,7 +6398,7 @@
               <a:buChar char="§"/>
             </a:pPr>
             <a:r>
-              <a:rPr lang="fr-FR" sz="2800" dirty="0" smtClean="0"/>
+              <a:rPr lang="fr-FR" sz="3200" dirty="0" smtClean="0"/>
               <a:t>Pas de solution optimale !</a:t>
             </a:r>
           </a:p>
@@ -6393,7 +6408,7 @@
               <a:buChar char="§"/>
             </a:pPr>
             <a:r>
-              <a:rPr lang="fr-FR" sz="2800" dirty="0" smtClean="0"/>
+              <a:rPr lang="fr-FR" sz="3200" dirty="0" smtClean="0"/>
               <a:t>Comparaison l’existant</a:t>
             </a:r>
           </a:p>
@@ -6481,7 +6496,7 @@
   <p:timing>
     <p:tnLst>
       <p:par>
-        <p:cTn xmlns:p14="http://schemas.microsoft.com/office/powerpoint/2010/main" id="1" dur="indefinite" restart="never" nodeType="tmRoot"/>
+        <p:cTn id="1" dur="indefinite" restart="never" nodeType="tmRoot"/>
       </p:par>
     </p:tnLst>
   </p:timing>
@@ -6640,7 +6655,7 @@
   <p:timing>
     <p:tnLst>
       <p:par>
-        <p:cTn xmlns:p14="http://schemas.microsoft.com/office/powerpoint/2010/main" id="1" dur="indefinite" restart="never" nodeType="tmRoot"/>
+        <p:cTn id="1" dur="indefinite" restart="never" nodeType="tmRoot"/>
       </p:par>
     </p:tnLst>
   </p:timing>
@@ -6854,7 +6869,7 @@
   <p:timing>
     <p:tnLst>
       <p:par>
-        <p:cTn xmlns:p14="http://schemas.microsoft.com/office/powerpoint/2010/main" id="1" dur="indefinite" restart="never" nodeType="tmRoot"/>
+        <p:cTn id="1" dur="indefinite" restart="never" nodeType="tmRoot"/>
       </p:par>
     </p:tnLst>
   </p:timing>
@@ -7086,7 +7101,7 @@
   <p:timing>
     <p:tnLst>
       <p:par>
-        <p:cTn xmlns:p14="http://schemas.microsoft.com/office/powerpoint/2010/main" id="1" dur="indefinite" restart="never" nodeType="tmRoot"/>
+        <p:cTn id="1" dur="indefinite" restart="never" nodeType="tmRoot"/>
       </p:par>
     </p:tnLst>
   </p:timing>
@@ -8571,7 +8586,7 @@
   <p:timing>
     <p:tnLst>
       <p:par>
-        <p:cTn xmlns:p14="http://schemas.microsoft.com/office/powerpoint/2010/main" id="1" dur="indefinite" restart="never" nodeType="tmRoot">
+        <p:cTn id="1" dur="indefinite" restart="never" nodeType="tmRoot">
           <p:childTnLst>
             <p:seq concurrent="1" nextAc="seek">
               <p:cTn id="2" dur="indefinite" nodeType="mainSeq">
@@ -9298,7 +9313,7 @@
   <p:timing>
     <p:tnLst>
       <p:par>
-        <p:cTn xmlns:p14="http://schemas.microsoft.com/office/powerpoint/2010/main" id="1" dur="indefinite" restart="never" nodeType="tmRoot">
+        <p:cTn id="1" dur="indefinite" restart="never" nodeType="tmRoot">
           <p:childTnLst>
             <p:seq concurrent="1" nextAc="seek">
               <p:cTn id="2" dur="indefinite" nodeType="mainSeq">
@@ -11835,7 +11850,7 @@
   <p:timing>
     <p:tnLst>
       <p:par>
-        <p:cTn xmlns:p14="http://schemas.microsoft.com/office/powerpoint/2010/main" id="1" dur="indefinite" restart="never" nodeType="tmRoot">
+        <p:cTn id="1" dur="indefinite" restart="never" nodeType="tmRoot">
           <p:childTnLst>
             <p:seq concurrent="1" nextAc="seek">
               <p:cTn id="2" dur="indefinite" nodeType="mainSeq">

--- a/Soutenance_miProjet.pptx
+++ b/Soutenance_miProjet.pptx
@@ -12,9 +12,9 @@
     <p:sldId id="257" r:id="rId3"/>
     <p:sldId id="258" r:id="rId4"/>
     <p:sldId id="259" r:id="rId5"/>
-    <p:sldId id="260" r:id="rId6"/>
-    <p:sldId id="261" r:id="rId7"/>
-    <p:sldId id="262" r:id="rId8"/>
+    <p:sldId id="262" r:id="rId6"/>
+    <p:sldId id="260" r:id="rId7"/>
+    <p:sldId id="261" r:id="rId8"/>
     <p:sldId id="263" r:id="rId9"/>
     <p:sldId id="264" r:id="rId10"/>
     <p:sldId id="265" r:id="rId11"/>
@@ -706,7 +706,7 @@
           <a:p>
             <a:fld id="{B956A79E-FAC0-1942-8597-B8D8938A06DC}" type="slidenum">
               <a:rPr lang="fr-FR" smtClean="0"/>
-              <a:t>5</a:t>
+              <a:t>6</a:t>
             </a:fld>
             <a:endParaRPr lang="fr-FR"/>
           </a:p>
@@ -6681,460 +6681,14 @@
       </p:grpSpPr>
       <p:sp>
         <p:nvSpPr>
-          <p:cNvPr id="2" name="Titre 1"/>
-          <p:cNvSpPr>
-            <a:spLocks noGrp="1"/>
-          </p:cNvSpPr>
-          <p:nvPr>
-            <p:ph type="title"/>
-          </p:nvPr>
-        </p:nvSpPr>
-        <p:spPr/>
-        <p:txBody>
-          <a:bodyPr/>
-          <a:lstStyle/>
-          <a:p>
-            <a:r>
-              <a:rPr lang="fr-FR" dirty="0" smtClean="0"/>
-              <a:t>ETAPES DE CONCEPTION</a:t>
-            </a:r>
-            <a:endParaRPr lang="fr-FR" dirty="0"/>
-          </a:p>
-        </p:txBody>
-      </p:sp>
-      <p:sp>
-        <p:nvSpPr>
-          <p:cNvPr id="3" name="Espace réservé du contenu 2"/>
-          <p:cNvSpPr>
-            <a:spLocks noGrp="1"/>
-          </p:cNvSpPr>
-          <p:nvPr>
-            <p:ph idx="1"/>
-          </p:nvPr>
-        </p:nvSpPr>
-        <p:spPr/>
-        <p:txBody>
-          <a:bodyPr>
-            <a:normAutofit/>
-          </a:bodyPr>
-          <a:lstStyle/>
-          <a:p>
-            <a:pPr>
-              <a:buFont typeface="Wingdings" charset="2"/>
-              <a:buChar char="§"/>
-            </a:pPr>
-            <a:r>
-              <a:rPr lang="fr-FR" sz="2800" dirty="0" smtClean="0"/>
-              <a:t>Simplification du problème</a:t>
-            </a:r>
-          </a:p>
-          <a:p>
-            <a:pPr lvl="1">
-              <a:buFont typeface="Wingdings" charset="2"/>
-              <a:buChar char="§"/>
-            </a:pPr>
-            <a:r>
-              <a:rPr lang="fr-FR" sz="2800" dirty="0" smtClean="0"/>
-              <a:t>Une promotion d’une classe sans les salles</a:t>
-            </a:r>
-          </a:p>
-          <a:p>
-            <a:pPr lvl="1">
-              <a:buFont typeface="Wingdings" charset="2"/>
-              <a:buChar char="§"/>
-            </a:pPr>
-            <a:r>
-              <a:rPr lang="fr-FR" sz="2800" dirty="0" smtClean="0"/>
-              <a:t>Ajout de plusieurs classes</a:t>
-            </a:r>
-          </a:p>
-          <a:p>
-            <a:pPr lvl="1">
-              <a:buFont typeface="Wingdings" charset="2"/>
-              <a:buChar char="§"/>
-            </a:pPr>
-            <a:r>
-              <a:rPr lang="fr-FR" sz="2800" dirty="0" smtClean="0"/>
-              <a:t>Ajout de l’ensemble des promotions</a:t>
-            </a:r>
-          </a:p>
-          <a:p>
-            <a:pPr lvl="1">
-              <a:buFont typeface="Wingdings" charset="2"/>
-              <a:buChar char="§"/>
-            </a:pPr>
-            <a:r>
-              <a:rPr lang="fr-FR" sz="2800" dirty="0" smtClean="0"/>
-              <a:t>Ajout des salles</a:t>
-            </a:r>
-          </a:p>
-          <a:p>
-            <a:pPr lvl="1">
-              <a:buFont typeface="Wingdings" charset="2"/>
-              <a:buChar char="§"/>
-            </a:pPr>
-            <a:r>
-              <a:rPr lang="fr-FR" sz="2800" dirty="0" smtClean="0"/>
-              <a:t>Prise en compte des différents locaux</a:t>
-            </a:r>
-            <a:endParaRPr lang="fr-FR" sz="2800" dirty="0"/>
-          </a:p>
-        </p:txBody>
-      </p:sp>
-      <p:sp>
-        <p:nvSpPr>
-          <p:cNvPr id="7" name="Espace réservé du pied de page 3"/>
-          <p:cNvSpPr>
-            <a:spLocks noGrp="1"/>
-          </p:cNvSpPr>
-          <p:nvPr>
-            <p:ph type="ftr" sz="quarter" idx="11"/>
-          </p:nvPr>
-        </p:nvSpPr>
-        <p:spPr>
-          <a:xfrm>
-            <a:off x="2603733" y="6270171"/>
-            <a:ext cx="4188958" cy="508454"/>
-          </a:xfrm>
-        </p:spPr>
-        <p:txBody>
-          <a:bodyPr/>
-          <a:lstStyle/>
-          <a:p>
-            <a:pPr algn="ctr"/>
-            <a:r>
-              <a:rPr lang="en-US" sz="1600" dirty="0" smtClean="0"/>
-              <a:t>COUDRAY</a:t>
-            </a:r>
-            <a:r>
-              <a:rPr lang="en-US" sz="1600" dirty="0" smtClean="0">
-                <a:solidFill>
-                  <a:schemeClr val="bg1">
-                    <a:lumMod val="75000"/>
-                  </a:schemeClr>
-                </a:solidFill>
-              </a:rPr>
-              <a:t> - </a:t>
-            </a:r>
-            <a:r>
-              <a:rPr lang="en-US" sz="1600" b="0" dirty="0" smtClean="0">
-                <a:solidFill>
-                  <a:schemeClr val="bg1">
-                    <a:lumMod val="75000"/>
-                  </a:schemeClr>
-                </a:solidFill>
-              </a:rPr>
-              <a:t>JULIEN</a:t>
-            </a:r>
-            <a:r>
-              <a:rPr lang="en-US" sz="1600" dirty="0" smtClean="0">
-                <a:solidFill>
-                  <a:schemeClr val="bg1">
-                    <a:lumMod val="75000"/>
-                  </a:schemeClr>
-                </a:solidFill>
-              </a:rPr>
-              <a:t> - </a:t>
-            </a:r>
-            <a:r>
-              <a:rPr lang="en-US" sz="1600" b="0" dirty="0" smtClean="0">
-                <a:solidFill>
-                  <a:schemeClr val="bg1">
-                    <a:lumMod val="75000"/>
-                  </a:schemeClr>
-                </a:solidFill>
-              </a:rPr>
-              <a:t>TRAN</a:t>
-            </a:r>
-            <a:endParaRPr lang="en-US" sz="1600" b="0" dirty="0">
-              <a:solidFill>
-                <a:schemeClr val="bg1">
-                  <a:lumMod val="75000"/>
-                </a:schemeClr>
-              </a:solidFill>
-            </a:endParaRPr>
-          </a:p>
-        </p:txBody>
-      </p:sp>
-    </p:spTree>
-    <p:extLst>
-      <p:ext uri="{BB962C8B-B14F-4D97-AF65-F5344CB8AC3E}">
-        <p14:creationId xmlns:p14="http://schemas.microsoft.com/office/powerpoint/2010/main" val="3766399618"/>
-      </p:ext>
-    </p:extLst>
-  </p:cSld>
-  <p:clrMapOvr>
-    <a:masterClrMapping/>
-  </p:clrMapOvr>
-  <p:timing>
-    <p:tnLst>
-      <p:par>
-        <p:cTn id="1" dur="indefinite" restart="never" nodeType="tmRoot"/>
-      </p:par>
-    </p:tnLst>
-  </p:timing>
-</p:sld>
-</file>
-
-<file path=ppt/slides/slide6.xml><?xml version="1.0" encoding="utf-8"?>
-<p:sld xmlns:a="http://schemas.openxmlformats.org/drawingml/2006/main" xmlns:r="http://schemas.openxmlformats.org/officeDocument/2006/relationships" xmlns:p="http://schemas.openxmlformats.org/presentationml/2006/main">
-  <p:cSld>
-    <p:spTree>
-      <p:nvGrpSpPr>
-        <p:cNvPr id="1" name=""/>
-        <p:cNvGrpSpPr/>
-        <p:nvPr/>
-      </p:nvGrpSpPr>
-      <p:grpSpPr>
-        <a:xfrm>
-          <a:off x="0" y="0"/>
-          <a:ext cx="0" cy="0"/>
-          <a:chOff x="0" y="0"/>
-          <a:chExt cx="0" cy="0"/>
-        </a:xfrm>
-      </p:grpSpPr>
-      <p:sp>
-        <p:nvSpPr>
-          <p:cNvPr id="2" name="Titre 1"/>
-          <p:cNvSpPr>
-            <a:spLocks noGrp="1"/>
-          </p:cNvSpPr>
-          <p:nvPr>
-            <p:ph type="title"/>
-          </p:nvPr>
-        </p:nvSpPr>
-        <p:spPr/>
-        <p:txBody>
-          <a:bodyPr/>
-          <a:lstStyle/>
-          <a:p>
-            <a:r>
-              <a:rPr lang="fr-FR" dirty="0"/>
-              <a:t>ETAPES DE CONCEPTION</a:t>
-            </a:r>
-          </a:p>
-        </p:txBody>
-      </p:sp>
-      <p:sp>
-        <p:nvSpPr>
-          <p:cNvPr id="3" name="Espace réservé du contenu 2"/>
-          <p:cNvSpPr>
-            <a:spLocks noGrp="1"/>
-          </p:cNvSpPr>
-          <p:nvPr>
-            <p:ph idx="1"/>
-          </p:nvPr>
-        </p:nvSpPr>
-        <p:spPr/>
-        <p:txBody>
-          <a:bodyPr>
-            <a:noAutofit/>
-          </a:bodyPr>
-          <a:lstStyle/>
-          <a:p>
-            <a:pPr marL="342900" lvl="1" indent="-342900">
-              <a:spcBef>
-                <a:spcPts val="2000"/>
-              </a:spcBef>
-              <a:buClr>
-                <a:schemeClr val="accent1"/>
-              </a:buClr>
-              <a:buFont typeface="Wingdings" charset="2"/>
-              <a:buChar char="§"/>
-            </a:pPr>
-            <a:r>
-              <a:rPr lang="fr-FR" sz="2400" dirty="0"/>
-              <a:t>Une promotion d’une classe sans les salles</a:t>
-            </a:r>
-          </a:p>
-          <a:p>
-            <a:pPr lvl="1">
-              <a:buFont typeface="Wingdings" charset="2"/>
-              <a:buChar char="§"/>
-            </a:pPr>
-            <a:r>
-              <a:rPr lang="fr-FR" sz="2400" dirty="0" smtClean="0"/>
-              <a:t>Répartition des cours sur les créneaux</a:t>
-            </a:r>
-          </a:p>
-          <a:p>
-            <a:pPr lvl="1">
-              <a:buFont typeface="Wingdings" charset="2"/>
-              <a:buChar char="§"/>
-            </a:pPr>
-            <a:r>
-              <a:rPr lang="fr-FR" sz="2400" dirty="0" smtClean="0"/>
-              <a:t>Gestion de conflits</a:t>
-            </a:r>
-          </a:p>
-          <a:p>
-            <a:pPr lvl="1">
-              <a:buFont typeface="Wingdings" charset="2"/>
-              <a:buChar char="§"/>
-            </a:pPr>
-            <a:r>
-              <a:rPr lang="fr-FR" sz="2400" dirty="0" smtClean="0"/>
-              <a:t>Prise en compte des disponibilités des professeurs</a:t>
-            </a:r>
-          </a:p>
-          <a:p>
-            <a:pPr lvl="1">
-              <a:buFont typeface="Wingdings" charset="2"/>
-              <a:buChar char="§"/>
-            </a:pPr>
-            <a:r>
-              <a:rPr lang="fr-FR" sz="2400" dirty="0" smtClean="0"/>
-              <a:t>Ordre de priorité des professeurs</a:t>
-            </a:r>
-          </a:p>
-          <a:p>
-            <a:pPr lvl="1">
-              <a:buFont typeface="Wingdings" charset="2"/>
-              <a:buChar char="§"/>
-            </a:pPr>
-            <a:r>
-              <a:rPr lang="fr-FR" sz="2400" dirty="0" smtClean="0"/>
-              <a:t>Cours sur le même créneau sur des semaines consécutives</a:t>
-            </a:r>
-          </a:p>
-          <a:p>
-            <a:pPr lvl="1">
-              <a:buFont typeface="Wingdings" charset="2"/>
-              <a:buChar char="§"/>
-            </a:pPr>
-            <a:endParaRPr lang="fr-FR" sz="2400" dirty="0" smtClean="0"/>
-          </a:p>
-          <a:p>
-            <a:pPr lvl="1">
-              <a:buFont typeface="Wingdings" charset="2"/>
-              <a:buChar char="§"/>
-            </a:pPr>
-            <a:endParaRPr lang="fr-FR" sz="2400" dirty="0"/>
-          </a:p>
-        </p:txBody>
-      </p:sp>
-      <p:sp>
-        <p:nvSpPr>
-          <p:cNvPr id="7" name="Espace réservé du pied de page 3"/>
-          <p:cNvSpPr>
-            <a:spLocks noGrp="1"/>
-          </p:cNvSpPr>
-          <p:nvPr>
-            <p:ph type="ftr" sz="quarter" idx="11"/>
-          </p:nvPr>
-        </p:nvSpPr>
-        <p:spPr>
-          <a:xfrm>
-            <a:off x="2603733" y="6270171"/>
-            <a:ext cx="4188958" cy="508454"/>
-          </a:xfrm>
-        </p:spPr>
-        <p:txBody>
-          <a:bodyPr/>
-          <a:lstStyle/>
-          <a:p>
-            <a:pPr algn="ctr"/>
-            <a:r>
-              <a:rPr lang="en-US" sz="1600" dirty="0" smtClean="0"/>
-              <a:t>COUDRAY</a:t>
-            </a:r>
-            <a:r>
-              <a:rPr lang="en-US" sz="1600" dirty="0" smtClean="0">
-                <a:solidFill>
-                  <a:schemeClr val="bg1">
-                    <a:lumMod val="75000"/>
-                  </a:schemeClr>
-                </a:solidFill>
-              </a:rPr>
-              <a:t> - </a:t>
-            </a:r>
-            <a:r>
-              <a:rPr lang="en-US" sz="1600" b="0" dirty="0" smtClean="0">
-                <a:solidFill>
-                  <a:schemeClr val="bg1">
-                    <a:lumMod val="75000"/>
-                  </a:schemeClr>
-                </a:solidFill>
-              </a:rPr>
-              <a:t>JULIEN</a:t>
-            </a:r>
-            <a:r>
-              <a:rPr lang="en-US" sz="1600" dirty="0" smtClean="0">
-                <a:solidFill>
-                  <a:schemeClr val="bg1">
-                    <a:lumMod val="75000"/>
-                  </a:schemeClr>
-                </a:solidFill>
-              </a:rPr>
-              <a:t> - </a:t>
-            </a:r>
-            <a:r>
-              <a:rPr lang="en-US" sz="1600" b="0" dirty="0" smtClean="0">
-                <a:solidFill>
-                  <a:schemeClr val="bg1">
-                    <a:lumMod val="75000"/>
-                  </a:schemeClr>
-                </a:solidFill>
-              </a:rPr>
-              <a:t>TRAN</a:t>
-            </a:r>
-            <a:endParaRPr lang="en-US" sz="1600" b="0" dirty="0">
-              <a:solidFill>
-                <a:schemeClr val="bg1">
-                  <a:lumMod val="75000"/>
-                </a:schemeClr>
-              </a:solidFill>
-            </a:endParaRPr>
-          </a:p>
-        </p:txBody>
-      </p:sp>
-    </p:spTree>
-    <p:extLst>
-      <p:ext uri="{BB962C8B-B14F-4D97-AF65-F5344CB8AC3E}">
-        <p14:creationId xmlns:p14="http://schemas.microsoft.com/office/powerpoint/2010/main" val="2525283958"/>
-      </p:ext>
-    </p:extLst>
-  </p:cSld>
-  <p:clrMapOvr>
-    <a:masterClrMapping/>
-  </p:clrMapOvr>
-  <p:timing>
-    <p:tnLst>
-      <p:par>
-        <p:cTn id="1" dur="indefinite" restart="never" nodeType="tmRoot"/>
-      </p:par>
-    </p:tnLst>
-  </p:timing>
-</p:sld>
-</file>
-
-<file path=ppt/slides/slide7.xml><?xml version="1.0" encoding="utf-8"?>
-<p:sld xmlns:a="http://schemas.openxmlformats.org/drawingml/2006/main" xmlns:r="http://schemas.openxmlformats.org/officeDocument/2006/relationships" xmlns:p="http://schemas.openxmlformats.org/presentationml/2006/main">
-  <p:cSld>
-    <p:spTree>
-      <p:nvGrpSpPr>
-        <p:cNvPr id="1" name=""/>
-        <p:cNvGrpSpPr/>
-        <p:nvPr/>
-      </p:nvGrpSpPr>
-      <p:grpSpPr>
-        <a:xfrm>
-          <a:off x="0" y="0"/>
-          <a:ext cx="0" cy="0"/>
-          <a:chOff x="0" y="0"/>
-          <a:chExt cx="0" cy="0"/>
-        </a:xfrm>
-      </p:grpSpPr>
-      <p:sp>
-        <p:nvSpPr>
           <p:cNvPr id="8" name="ZoneTexte 7"/>
           <p:cNvSpPr txBox="1"/>
           <p:nvPr/>
         </p:nvSpPr>
         <p:spPr>
           <a:xfrm>
-            <a:off x="525997" y="2411604"/>
-            <a:ext cx="6748150" cy="523220"/>
+            <a:off x="525996" y="2411604"/>
+            <a:ext cx="7857873" cy="523220"/>
           </a:xfrm>
           <a:prstGeom prst="rect">
             <a:avLst/>
@@ -7149,7 +6703,7 @@
           <a:p>
             <a:r>
               <a:rPr lang="fr-FR" sz="2800" dirty="0" smtClean="0"/>
-              <a:t>Modélisation de l’emploi du temps</a:t>
+              <a:t>Disponibilités d’un professeur sur une semaine</a:t>
             </a:r>
             <a:endParaRPr lang="fr-FR" sz="2800" dirty="0"/>
           </a:p>
@@ -8449,8 +8003,8 @@
         </p:nvSpPr>
         <p:spPr>
           <a:xfrm>
-            <a:off x="574213" y="2473159"/>
-            <a:ext cx="6093862" cy="461665"/>
+            <a:off x="574212" y="2473159"/>
+            <a:ext cx="4770907" cy="461665"/>
           </a:xfrm>
           <a:prstGeom prst="rect">
             <a:avLst/>
@@ -8492,9 +8046,10 @@
           <a:lstStyle/>
           <a:p>
             <a:r>
-              <a:rPr lang="fr-FR" dirty="0"/>
-              <a:t>INSTANCE DU PROBLEME</a:t>
-            </a:r>
+              <a:rPr lang="fr-FR" dirty="0" smtClean="0"/>
+              <a:t>MISE EN FORME DES DONNEES</a:t>
+            </a:r>
+            <a:endParaRPr lang="fr-FR" dirty="0"/>
           </a:p>
         </p:txBody>
       </p:sp>
@@ -9014,6 +8569,452 @@
       <p:bldP spid="24" grpId="0"/>
       <p:bldP spid="25" grpId="0"/>
     </p:bldLst>
+  </p:timing>
+</p:sld>
+</file>
+
+<file path=ppt/slides/slide6.xml><?xml version="1.0" encoding="utf-8"?>
+<p:sld xmlns:a="http://schemas.openxmlformats.org/drawingml/2006/main" xmlns:r="http://schemas.openxmlformats.org/officeDocument/2006/relationships" xmlns:p="http://schemas.openxmlformats.org/presentationml/2006/main">
+  <p:cSld>
+    <p:spTree>
+      <p:nvGrpSpPr>
+        <p:cNvPr id="1" name=""/>
+        <p:cNvGrpSpPr/>
+        <p:nvPr/>
+      </p:nvGrpSpPr>
+      <p:grpSpPr>
+        <a:xfrm>
+          <a:off x="0" y="0"/>
+          <a:ext cx="0" cy="0"/>
+          <a:chOff x="0" y="0"/>
+          <a:chExt cx="0" cy="0"/>
+        </a:xfrm>
+      </p:grpSpPr>
+      <p:sp>
+        <p:nvSpPr>
+          <p:cNvPr id="2" name="Titre 1"/>
+          <p:cNvSpPr>
+            <a:spLocks noGrp="1"/>
+          </p:cNvSpPr>
+          <p:nvPr>
+            <p:ph type="title"/>
+          </p:nvPr>
+        </p:nvSpPr>
+        <p:spPr/>
+        <p:txBody>
+          <a:bodyPr/>
+          <a:lstStyle/>
+          <a:p>
+            <a:r>
+              <a:rPr lang="fr-FR" dirty="0" smtClean="0"/>
+              <a:t>ETAPES DE CONCEPTION</a:t>
+            </a:r>
+            <a:endParaRPr lang="fr-FR" dirty="0"/>
+          </a:p>
+        </p:txBody>
+      </p:sp>
+      <p:sp>
+        <p:nvSpPr>
+          <p:cNvPr id="3" name="Espace réservé du contenu 2"/>
+          <p:cNvSpPr>
+            <a:spLocks noGrp="1"/>
+          </p:cNvSpPr>
+          <p:nvPr>
+            <p:ph idx="1"/>
+          </p:nvPr>
+        </p:nvSpPr>
+        <p:spPr/>
+        <p:txBody>
+          <a:bodyPr>
+            <a:normAutofit/>
+          </a:bodyPr>
+          <a:lstStyle/>
+          <a:p>
+            <a:pPr>
+              <a:buFont typeface="Wingdings" charset="2"/>
+              <a:buChar char="§"/>
+            </a:pPr>
+            <a:r>
+              <a:rPr lang="fr-FR" sz="2800" dirty="0" smtClean="0"/>
+              <a:t>Simplification du problème</a:t>
+            </a:r>
+          </a:p>
+          <a:p>
+            <a:pPr lvl="1">
+              <a:buFont typeface="Wingdings" charset="2"/>
+              <a:buChar char="§"/>
+            </a:pPr>
+            <a:r>
+              <a:rPr lang="fr-FR" sz="2800" dirty="0" smtClean="0"/>
+              <a:t>Une promotion d’une classe sans les salles</a:t>
+            </a:r>
+          </a:p>
+          <a:p>
+            <a:pPr lvl="1">
+              <a:buFont typeface="Wingdings" charset="2"/>
+              <a:buChar char="§"/>
+            </a:pPr>
+            <a:r>
+              <a:rPr lang="fr-FR" sz="2800" dirty="0" smtClean="0"/>
+              <a:t>Ajout de plusieurs classes</a:t>
+            </a:r>
+          </a:p>
+          <a:p>
+            <a:pPr lvl="1">
+              <a:buFont typeface="Wingdings" charset="2"/>
+              <a:buChar char="§"/>
+            </a:pPr>
+            <a:r>
+              <a:rPr lang="fr-FR" sz="2800" dirty="0" smtClean="0"/>
+              <a:t>Ajout de l’ensemble des promotions</a:t>
+            </a:r>
+          </a:p>
+          <a:p>
+            <a:pPr lvl="1">
+              <a:buFont typeface="Wingdings" charset="2"/>
+              <a:buChar char="§"/>
+            </a:pPr>
+            <a:r>
+              <a:rPr lang="fr-FR" sz="2800" dirty="0" smtClean="0"/>
+              <a:t>Ajout des salles</a:t>
+            </a:r>
+          </a:p>
+          <a:p>
+            <a:pPr lvl="1">
+              <a:buFont typeface="Wingdings" charset="2"/>
+              <a:buChar char="§"/>
+            </a:pPr>
+            <a:r>
+              <a:rPr lang="fr-FR" sz="2800" dirty="0" smtClean="0"/>
+              <a:t>Prise en compte des différents locaux</a:t>
+            </a:r>
+            <a:endParaRPr lang="fr-FR" sz="2800" dirty="0"/>
+          </a:p>
+        </p:txBody>
+      </p:sp>
+      <p:sp>
+        <p:nvSpPr>
+          <p:cNvPr id="7" name="Espace réservé du pied de page 3"/>
+          <p:cNvSpPr>
+            <a:spLocks noGrp="1"/>
+          </p:cNvSpPr>
+          <p:nvPr>
+            <p:ph type="ftr" sz="quarter" idx="11"/>
+          </p:nvPr>
+        </p:nvSpPr>
+        <p:spPr>
+          <a:xfrm>
+            <a:off x="2603733" y="6270171"/>
+            <a:ext cx="4188958" cy="508454"/>
+          </a:xfrm>
+        </p:spPr>
+        <p:txBody>
+          <a:bodyPr/>
+          <a:lstStyle/>
+          <a:p>
+            <a:pPr algn="ctr"/>
+            <a:r>
+              <a:rPr lang="en-US" sz="1600" dirty="0" smtClean="0"/>
+              <a:t>COUDRAY</a:t>
+            </a:r>
+            <a:r>
+              <a:rPr lang="en-US" sz="1600" dirty="0" smtClean="0">
+                <a:solidFill>
+                  <a:schemeClr val="bg1">
+                    <a:lumMod val="75000"/>
+                  </a:schemeClr>
+                </a:solidFill>
+              </a:rPr>
+              <a:t> - </a:t>
+            </a:r>
+            <a:r>
+              <a:rPr lang="en-US" sz="1600" b="0" dirty="0" smtClean="0">
+                <a:solidFill>
+                  <a:schemeClr val="bg1">
+                    <a:lumMod val="75000"/>
+                  </a:schemeClr>
+                </a:solidFill>
+              </a:rPr>
+              <a:t>JULIEN</a:t>
+            </a:r>
+            <a:r>
+              <a:rPr lang="en-US" sz="1600" dirty="0" smtClean="0">
+                <a:solidFill>
+                  <a:schemeClr val="bg1">
+                    <a:lumMod val="75000"/>
+                  </a:schemeClr>
+                </a:solidFill>
+              </a:rPr>
+              <a:t> - </a:t>
+            </a:r>
+            <a:r>
+              <a:rPr lang="en-US" sz="1600" b="0" dirty="0" smtClean="0">
+                <a:solidFill>
+                  <a:schemeClr val="bg1">
+                    <a:lumMod val="75000"/>
+                  </a:schemeClr>
+                </a:solidFill>
+              </a:rPr>
+              <a:t>TRAN</a:t>
+            </a:r>
+            <a:endParaRPr lang="en-US" sz="1600" b="0" dirty="0">
+              <a:solidFill>
+                <a:schemeClr val="bg1">
+                  <a:lumMod val="75000"/>
+                </a:schemeClr>
+              </a:solidFill>
+            </a:endParaRPr>
+          </a:p>
+        </p:txBody>
+      </p:sp>
+    </p:spTree>
+    <p:extLst>
+      <p:ext uri="{BB962C8B-B14F-4D97-AF65-F5344CB8AC3E}">
+        <p14:creationId xmlns:p14="http://schemas.microsoft.com/office/powerpoint/2010/main" val="3766399618"/>
+      </p:ext>
+    </p:extLst>
+  </p:cSld>
+  <p:clrMapOvr>
+    <a:masterClrMapping/>
+  </p:clrMapOvr>
+  <p:timing>
+    <p:tnLst>
+      <p:par>
+        <p:cTn id="1" dur="indefinite" restart="never" nodeType="tmRoot"/>
+      </p:par>
+    </p:tnLst>
+  </p:timing>
+</p:sld>
+</file>
+
+<file path=ppt/slides/slide7.xml><?xml version="1.0" encoding="utf-8"?>
+<p:sld xmlns:a="http://schemas.openxmlformats.org/drawingml/2006/main" xmlns:r="http://schemas.openxmlformats.org/officeDocument/2006/relationships" xmlns:p="http://schemas.openxmlformats.org/presentationml/2006/main">
+  <p:cSld>
+    <p:spTree>
+      <p:nvGrpSpPr>
+        <p:cNvPr id="1" name=""/>
+        <p:cNvGrpSpPr/>
+        <p:nvPr/>
+      </p:nvGrpSpPr>
+      <p:grpSpPr>
+        <a:xfrm>
+          <a:off x="0" y="0"/>
+          <a:ext cx="0" cy="0"/>
+          <a:chOff x="0" y="0"/>
+          <a:chExt cx="0" cy="0"/>
+        </a:xfrm>
+      </p:grpSpPr>
+      <p:sp>
+        <p:nvSpPr>
+          <p:cNvPr id="2" name="Titre 1"/>
+          <p:cNvSpPr>
+            <a:spLocks noGrp="1"/>
+          </p:cNvSpPr>
+          <p:nvPr>
+            <p:ph type="title"/>
+          </p:nvPr>
+        </p:nvSpPr>
+        <p:spPr/>
+        <p:txBody>
+          <a:bodyPr/>
+          <a:lstStyle/>
+          <a:p>
+            <a:r>
+              <a:rPr lang="fr-FR" dirty="0"/>
+              <a:t>ETAPES DE CONCEPTION</a:t>
+            </a:r>
+          </a:p>
+        </p:txBody>
+      </p:sp>
+      <p:sp>
+        <p:nvSpPr>
+          <p:cNvPr id="3" name="Espace réservé du contenu 2"/>
+          <p:cNvSpPr>
+            <a:spLocks noGrp="1"/>
+          </p:cNvSpPr>
+          <p:nvPr>
+            <p:ph idx="1"/>
+          </p:nvPr>
+        </p:nvSpPr>
+        <p:spPr/>
+        <p:txBody>
+          <a:bodyPr>
+            <a:noAutofit/>
+          </a:bodyPr>
+          <a:lstStyle/>
+          <a:p>
+            <a:pPr marL="342900" lvl="1" indent="-342900">
+              <a:spcBef>
+                <a:spcPts val="2000"/>
+              </a:spcBef>
+              <a:buClr>
+                <a:schemeClr val="accent1"/>
+              </a:buClr>
+              <a:buFont typeface="Wingdings" charset="2"/>
+              <a:buChar char="§"/>
+            </a:pPr>
+            <a:r>
+              <a:rPr lang="fr-FR" sz="2400" dirty="0"/>
+              <a:t>Une promotion d’une classe sans les salles</a:t>
+            </a:r>
+          </a:p>
+          <a:p>
+            <a:pPr lvl="1">
+              <a:buFont typeface="Wingdings" charset="2"/>
+              <a:buChar char="§"/>
+            </a:pPr>
+            <a:r>
+              <a:rPr lang="fr-FR" sz="2400" dirty="0" smtClean="0"/>
+              <a:t>Répartition des cours sur les créneaux</a:t>
+            </a:r>
+          </a:p>
+          <a:p>
+            <a:pPr lvl="1">
+              <a:buFont typeface="Wingdings" charset="2"/>
+              <a:buChar char="§"/>
+            </a:pPr>
+            <a:r>
+              <a:rPr lang="fr-FR" sz="2400" dirty="0" smtClean="0"/>
+              <a:t>Gestion de conflits</a:t>
+            </a:r>
+          </a:p>
+          <a:p>
+            <a:pPr lvl="1">
+              <a:buFont typeface="Wingdings" charset="2"/>
+              <a:buChar char="§"/>
+            </a:pPr>
+            <a:r>
+              <a:rPr lang="fr-FR" sz="2400" dirty="0" smtClean="0"/>
+              <a:t>Prise en compte des disponibilités des professeurs</a:t>
+            </a:r>
+          </a:p>
+          <a:p>
+            <a:pPr lvl="1">
+              <a:buFont typeface="Wingdings" charset="2"/>
+              <a:buChar char="§"/>
+            </a:pPr>
+            <a:r>
+              <a:rPr lang="fr-FR" sz="2400" dirty="0" smtClean="0"/>
+              <a:t>Ordre de priorité des professeurs</a:t>
+            </a:r>
+          </a:p>
+          <a:p>
+            <a:pPr lvl="1">
+              <a:buFont typeface="Wingdings" charset="2"/>
+              <a:buChar char="§"/>
+            </a:pPr>
+            <a:r>
+              <a:rPr lang="fr-FR" sz="2400" dirty="0" smtClean="0"/>
+              <a:t>Cours sur le même créneau sur des semaines consécutives</a:t>
+            </a:r>
+          </a:p>
+          <a:p>
+            <a:pPr lvl="1">
+              <a:buFont typeface="Wingdings" charset="2"/>
+              <a:buChar char="§"/>
+            </a:pPr>
+            <a:endParaRPr lang="fr-FR" sz="2400" dirty="0" smtClean="0"/>
+          </a:p>
+          <a:p>
+            <a:pPr lvl="1">
+              <a:buFont typeface="Wingdings" charset="2"/>
+              <a:buChar char="§"/>
+            </a:pPr>
+            <a:endParaRPr lang="fr-FR" sz="2400" dirty="0"/>
+          </a:p>
+        </p:txBody>
+      </p:sp>
+      <p:sp>
+        <p:nvSpPr>
+          <p:cNvPr id="7" name="Espace réservé du pied de page 3"/>
+          <p:cNvSpPr>
+            <a:spLocks noGrp="1"/>
+          </p:cNvSpPr>
+          <p:nvPr>
+            <p:ph type="ftr" sz="quarter" idx="11"/>
+          </p:nvPr>
+        </p:nvSpPr>
+        <p:spPr>
+          <a:xfrm>
+            <a:off x="2603733" y="6270171"/>
+            <a:ext cx="4188958" cy="508454"/>
+          </a:xfrm>
+        </p:spPr>
+        <p:txBody>
+          <a:bodyPr/>
+          <a:lstStyle/>
+          <a:p>
+            <a:pPr algn="ctr"/>
+            <a:r>
+              <a:rPr lang="en-US" sz="1600" dirty="0" smtClean="0"/>
+              <a:t>COUDRAY</a:t>
+            </a:r>
+            <a:r>
+              <a:rPr lang="en-US" sz="1600" dirty="0" smtClean="0">
+                <a:solidFill>
+                  <a:schemeClr val="bg1">
+                    <a:lumMod val="75000"/>
+                  </a:schemeClr>
+                </a:solidFill>
+              </a:rPr>
+              <a:t> - </a:t>
+            </a:r>
+            <a:r>
+              <a:rPr lang="en-US" sz="1600" b="0" dirty="0" smtClean="0">
+                <a:solidFill>
+                  <a:schemeClr val="bg1">
+                    <a:lumMod val="75000"/>
+                  </a:schemeClr>
+                </a:solidFill>
+              </a:rPr>
+              <a:t>JULIEN</a:t>
+            </a:r>
+            <a:r>
+              <a:rPr lang="en-US" sz="1600" dirty="0" smtClean="0">
+                <a:solidFill>
+                  <a:schemeClr val="bg1">
+                    <a:lumMod val="75000"/>
+                  </a:schemeClr>
+                </a:solidFill>
+              </a:rPr>
+              <a:t> - </a:t>
+            </a:r>
+            <a:r>
+              <a:rPr lang="en-US" sz="1600" b="0" dirty="0" smtClean="0">
+                <a:solidFill>
+                  <a:schemeClr val="bg1">
+                    <a:lumMod val="75000"/>
+                  </a:schemeClr>
+                </a:solidFill>
+              </a:rPr>
+              <a:t>TRAN</a:t>
+            </a:r>
+            <a:endParaRPr lang="en-US" sz="1600" b="0" dirty="0">
+              <a:solidFill>
+                <a:schemeClr val="bg1">
+                  <a:lumMod val="75000"/>
+                </a:schemeClr>
+              </a:solidFill>
+            </a:endParaRPr>
+          </a:p>
+        </p:txBody>
+      </p:sp>
+    </p:spTree>
+    <p:extLst>
+      <p:ext uri="{BB962C8B-B14F-4D97-AF65-F5344CB8AC3E}">
+        <p14:creationId xmlns:p14="http://schemas.microsoft.com/office/powerpoint/2010/main" val="2525283958"/>
+      </p:ext>
+    </p:extLst>
+  </p:cSld>
+  <p:clrMapOvr>
+    <a:masterClrMapping/>
+  </p:clrMapOvr>
+  <p:timing>
+    <p:tnLst>
+      <p:par>
+        <p:cTn id="1" dur="indefinite" restart="never" nodeType="tmRoot"/>
+      </p:par>
+    </p:tnLst>
   </p:timing>
 </p:sld>
 </file>

--- a/Soutenance_miProjet.pptx
+++ b/Soutenance_miProjet.pptx
@@ -5,7 +5,7 @@
     <p:sldMasterId id="2147484344" r:id="rId1"/>
   </p:sldMasterIdLst>
   <p:notesMasterIdLst>
-    <p:notesMasterId r:id="rId12"/>
+    <p:notesMasterId r:id="rId11"/>
   </p:notesMasterIdLst>
   <p:sldIdLst>
     <p:sldId id="256" r:id="rId2"/>
@@ -14,10 +14,9 @@
     <p:sldId id="259" r:id="rId5"/>
     <p:sldId id="262" r:id="rId6"/>
     <p:sldId id="260" r:id="rId7"/>
-    <p:sldId id="261" r:id="rId8"/>
-    <p:sldId id="263" r:id="rId9"/>
-    <p:sldId id="264" r:id="rId10"/>
-    <p:sldId id="265" r:id="rId11"/>
+    <p:sldId id="263" r:id="rId8"/>
+    <p:sldId id="264" r:id="rId9"/>
+    <p:sldId id="265" r:id="rId10"/>
   </p:sldIdLst>
   <p:sldSz cx="9144000" cy="6858000" type="screen4x3"/>
   <p:notesSz cx="6858000" cy="9144000"/>
@@ -360,7 +359,7 @@
           <a:p>
             <a:fld id="{B956A79E-FAC0-1942-8597-B8D8938A06DC}" type="slidenum">
               <a:rPr lang="fr-FR" smtClean="0"/>
-              <a:t>‹N°›</a:t>
+              <a:t>‹#›</a:t>
             </a:fld>
             <a:endParaRPr lang="fr-FR"/>
           </a:p>
@@ -685,6 +684,72 @@
           <a:bodyPr/>
           <a:lstStyle/>
           <a:p>
+            <a:pPr marL="342900" lvl="1" indent="-342900">
+              <a:spcBef>
+                <a:spcPts val="2000"/>
+              </a:spcBef>
+              <a:buClr>
+                <a:schemeClr val="accent1"/>
+              </a:buClr>
+              <a:buFont typeface="Wingdings" charset="2"/>
+              <a:buChar char="§"/>
+            </a:pPr>
+            <a:r>
+              <a:rPr lang="fr-FR" sz="2400" dirty="0" smtClean="0"/>
+              <a:t>Une promotion d’une classe sans les salles</a:t>
+            </a:r>
+          </a:p>
+          <a:p>
+            <a:pPr lvl="1">
+              <a:buFont typeface="Wingdings" charset="2"/>
+              <a:buChar char="§"/>
+            </a:pPr>
+            <a:r>
+              <a:rPr lang="fr-FR" sz="2400" dirty="0" smtClean="0"/>
+              <a:t>Répartition des cours sur les créneaux</a:t>
+            </a:r>
+          </a:p>
+          <a:p>
+            <a:pPr lvl="1">
+              <a:buFont typeface="Wingdings" charset="2"/>
+              <a:buChar char="§"/>
+            </a:pPr>
+            <a:r>
+              <a:rPr lang="fr-FR" sz="2400" dirty="0" smtClean="0"/>
+              <a:t>Gestion de conflits</a:t>
+            </a:r>
+          </a:p>
+          <a:p>
+            <a:pPr lvl="1">
+              <a:buFont typeface="Wingdings" charset="2"/>
+              <a:buChar char="§"/>
+            </a:pPr>
+            <a:r>
+              <a:rPr lang="fr-FR" sz="2400" dirty="0" smtClean="0"/>
+              <a:t>Prise en compte des disponibilités des professeurs</a:t>
+            </a:r>
+          </a:p>
+          <a:p>
+            <a:pPr lvl="1">
+              <a:buFont typeface="Wingdings" charset="2"/>
+              <a:buChar char="§"/>
+            </a:pPr>
+            <a:r>
+              <a:rPr lang="fr-FR" sz="2400" dirty="0" smtClean="0"/>
+              <a:t>Ordre de priorité des professeurs</a:t>
+            </a:r>
+          </a:p>
+          <a:p>
+            <a:pPr lvl="1">
+              <a:buFont typeface="Wingdings" charset="2"/>
+              <a:buChar char="§"/>
+            </a:pPr>
+            <a:r>
+              <a:rPr lang="fr-FR" sz="2400" dirty="0" smtClean="0"/>
+              <a:t>Cours sur le même créneau sur des semaines consécutives</a:t>
+            </a:r>
+          </a:p>
+          <a:p>
             <a:endParaRPr lang="fr-FR" dirty="0"/>
           </a:p>
         </p:txBody>
@@ -922,7 +987,7 @@
             <a:pPr eaLnBrk="1" latinLnBrk="0" hangingPunct="1"/>
             <a:fld id="{7E67FBA8-66D5-45E8-A9CB-6E4000F8E69E}" type="datetime1">
               <a:rPr lang="en-US" smtClean="0"/>
-              <a:t>12/17/2013</a:t>
+              <a:t>17/12/2013</a:t>
             </a:fld>
             <a:endParaRPr lang="en-US"/>
           </a:p>
@@ -968,7 +1033,7 @@
           <a:p>
             <a:fld id="{7F5CE407-6216-4202-80E4-A30DC2F709B2}" type="slidenum">
               <a:rPr lang="en-US" smtClean="0"/>
-              <a:t>‹N°›</a:t>
+              <a:t>‹#›</a:t>
             </a:fld>
             <a:endParaRPr lang="en-US"/>
           </a:p>
@@ -1055,7 +1120,7 @@
           <a:p>
             <a:fld id="{3FFF98ED-0755-4755-8632-F7C31FD349F7}" type="datetime1">
               <a:rPr lang="en-US" smtClean="0"/>
-              <a:t>12/17/2013</a:t>
+              <a:t>17/12/2013</a:t>
             </a:fld>
             <a:endParaRPr lang="en-US"/>
           </a:p>
@@ -1101,7 +1166,7 @@
           <a:p>
             <a:fld id="{886BB73A-582F-4420-9A14-CB10A2B2E5E8}" type="slidenum">
               <a:rPr lang="en-US" smtClean="0"/>
-              <a:t>‹N°›</a:t>
+              <a:t>‹#›</a:t>
             </a:fld>
             <a:endParaRPr lang="en-US"/>
           </a:p>
@@ -1364,7 +1429,7 @@
           <a:p>
             <a:fld id="{5A1A947A-C5EE-4C17-A02D-6B0D5BC94F10}" type="datetime1">
               <a:rPr lang="en-US" smtClean="0"/>
-              <a:t>12/17/2013</a:t>
+              <a:t>17/12/2013</a:t>
             </a:fld>
             <a:endParaRPr lang="en-US"/>
           </a:p>
@@ -1410,7 +1475,7 @@
           <a:p>
             <a:fld id="{7F5CE407-6216-4202-80E4-A30DC2F709B2}" type="slidenum">
               <a:rPr lang="en-US" smtClean="0"/>
-              <a:t>‹N°›</a:t>
+              <a:t>‹#›</a:t>
             </a:fld>
             <a:endParaRPr lang="en-US"/>
           </a:p>
@@ -1593,7 +1658,7 @@
           <a:p>
             <a:fld id="{A0CE5133-35BD-4B9D-A767-7CFF8D1AB082}" type="datetime1">
               <a:rPr lang="en-US" smtClean="0"/>
-              <a:t>12/17/2013</a:t>
+              <a:t>17/12/2013</a:t>
             </a:fld>
             <a:endParaRPr lang="en-US"/>
           </a:p>
@@ -1639,7 +1704,7 @@
           <a:p>
             <a:fld id="{886BB73A-582F-4420-9A14-CB10A2B2E5E8}" type="slidenum">
               <a:rPr lang="en-US" smtClean="0"/>
-              <a:t>‹N°›</a:t>
+              <a:t>‹#›</a:t>
             </a:fld>
             <a:endParaRPr lang="en-US"/>
           </a:p>
@@ -1867,7 +1932,7 @@
           <a:p>
             <a:fld id="{DD548307-BFB2-4F00-9A09-ABF429E2346C}" type="datetime1">
               <a:rPr lang="en-US" smtClean="0"/>
-              <a:t>12/17/2013</a:t>
+              <a:t>17/12/2013</a:t>
             </a:fld>
             <a:endParaRPr lang="en-US"/>
           </a:p>
@@ -1913,7 +1978,7 @@
           <a:p>
             <a:fld id="{886BB73A-582F-4420-9A14-CB10A2B2E5E8}" type="slidenum">
               <a:rPr lang="en-US" smtClean="0"/>
-              <a:t>‹N°›</a:t>
+              <a:t>‹#›</a:t>
             </a:fld>
             <a:endParaRPr lang="en-US"/>
           </a:p>
@@ -2196,7 +2261,7 @@
           <a:p>
             <a:fld id="{5D07E66A-D2B8-49C1-B953-A60E29E54617}" type="datetime1">
               <a:rPr lang="en-US" smtClean="0"/>
-              <a:t>12/17/2013</a:t>
+              <a:t>17/12/2013</a:t>
             </a:fld>
             <a:endParaRPr lang="en-US"/>
           </a:p>
@@ -2242,7 +2307,7 @@
           <a:p>
             <a:fld id="{886BB73A-582F-4420-9A14-CB10A2B2E5E8}" type="slidenum">
               <a:rPr lang="en-US" smtClean="0"/>
-              <a:t>‹N°›</a:t>
+              <a:t>‹#›</a:t>
             </a:fld>
             <a:endParaRPr lang="en-US"/>
           </a:p>
@@ -2393,7 +2458,7 @@
           <a:p>
             <a:fld id="{49118059-27B3-498F-8140-2579206B8D99}" type="datetime1">
               <a:rPr lang="en-US" smtClean="0"/>
-              <a:t>12/17/2013</a:t>
+              <a:t>17/12/2013</a:t>
             </a:fld>
             <a:endParaRPr lang="en-US"/>
           </a:p>
@@ -2439,7 +2504,7 @@
           <a:p>
             <a:fld id="{886BB73A-582F-4420-9A14-CB10A2B2E5E8}" type="slidenum">
               <a:rPr lang="en-US" smtClean="0"/>
-              <a:t>‹N°›</a:t>
+              <a:t>‹#›</a:t>
             </a:fld>
             <a:endParaRPr lang="en-US"/>
           </a:p>
@@ -2501,7 +2566,7 @@
           <a:p>
             <a:fld id="{495AAB71-EB13-4CC7-B74A-37B7843E29AD}" type="datetime1">
               <a:rPr lang="en-US" smtClean="0"/>
-              <a:t>12/17/2013</a:t>
+              <a:t>17/12/2013</a:t>
             </a:fld>
             <a:endParaRPr lang="en-US"/>
           </a:p>
@@ -2547,7 +2612,7 @@
           <a:p>
             <a:fld id="{886BB73A-582F-4420-9A14-CB10A2B2E5E8}" type="slidenum">
               <a:rPr lang="en-US" smtClean="0"/>
-              <a:t>‹N°›</a:t>
+              <a:t>‹#›</a:t>
             </a:fld>
             <a:endParaRPr lang="en-US"/>
           </a:p>
@@ -2674,7 +2739,7 @@
           <a:p>
             <a:fld id="{56DDDAB1-01C0-4E58-8631-78ED1D427A3A}" type="datetime1">
               <a:rPr lang="en-US" smtClean="0"/>
-              <a:t>12/17/2013</a:t>
+              <a:t>17/12/2013</a:t>
             </a:fld>
             <a:endParaRPr lang="en-US"/>
           </a:p>
@@ -2720,7 +2785,7 @@
           <a:p>
             <a:fld id="{886BB73A-582F-4420-9A14-CB10A2B2E5E8}" type="slidenum">
               <a:rPr lang="en-US" smtClean="0"/>
-              <a:t>‹N°›</a:t>
+              <a:t>‹#›</a:t>
             </a:fld>
             <a:endParaRPr lang="en-US"/>
           </a:p>
@@ -2943,7 +3008,7 @@
             <a:pPr eaLnBrk="1" latinLnBrk="0" hangingPunct="1"/>
             <a:fld id="{E53AAB49-BFD3-4F12-BD10-7962ECE1A1D8}" type="datetime1">
               <a:rPr lang="en-US" smtClean="0"/>
-              <a:t>12/17/2013</a:t>
+              <a:t>17/12/2013</a:t>
             </a:fld>
             <a:endParaRPr lang="en-US"/>
           </a:p>
@@ -3004,7 +3069,7 @@
             <a:fld id="{2C6B1FF6-39B9-40F5-8B67-33C6354A3D4F}" type="slidenum">
               <a:rPr kumimoji="0" lang="en-US" smtClean="0"/>
               <a:pPr eaLnBrk="1" latinLnBrk="0" hangingPunct="1"/>
-              <a:t>‹N°›</a:t>
+              <a:t>‹#›</a:t>
             </a:fld>
             <a:endParaRPr kumimoji="0" lang="en-US" dirty="0">
               <a:solidFill>
@@ -3289,7 +3354,7 @@
           <a:p>
             <a:fld id="{FDEC4510-1BAC-4F24-BDE2-91A02A60B456}" type="datetime1">
               <a:rPr lang="en-US" smtClean="0"/>
-              <a:t>12/17/2013</a:t>
+              <a:t>17/12/2013</a:t>
             </a:fld>
             <a:endParaRPr lang="en-US"/>
           </a:p>
@@ -3335,7 +3400,7 @@
           <a:p>
             <a:fld id="{886BB73A-582F-4420-9A14-CB10A2B2E5E8}" type="slidenum">
               <a:rPr lang="en-US" smtClean="0"/>
-              <a:t>‹N°›</a:t>
+              <a:t>‹#›</a:t>
             </a:fld>
             <a:endParaRPr lang="en-US"/>
           </a:p>
@@ -3734,7 +3799,7 @@
           <a:p>
             <a:fld id="{032462A4-1693-4D59-9D5E-9D89B5989000}" type="datetime1">
               <a:rPr lang="en-US" smtClean="0"/>
-              <a:t>12/17/2013</a:t>
+              <a:t>17/12/2013</a:t>
             </a:fld>
             <a:endParaRPr lang="en-US"/>
           </a:p>
@@ -3780,7 +3845,7 @@
           <a:p>
             <a:fld id="{886BB73A-582F-4420-9A14-CB10A2B2E5E8}" type="slidenum">
               <a:rPr lang="en-US" smtClean="0"/>
-              <a:t>‹N°›</a:t>
+              <a:t>‹#›</a:t>
             </a:fld>
             <a:endParaRPr lang="en-US"/>
           </a:p>
@@ -3936,7 +4001,7 @@
           <a:p>
             <a:fld id="{B70ACB4D-32FE-4358-A04E-417D554E1309}" type="datetime1">
               <a:rPr lang="en-US" smtClean="0"/>
-              <a:t>12/17/2013</a:t>
+              <a:t>17/12/2013</a:t>
             </a:fld>
             <a:endParaRPr lang="en-US"/>
           </a:p>
@@ -3982,7 +4047,7 @@
           <a:p>
             <a:fld id="{886BB73A-582F-4420-9A14-CB10A2B2E5E8}" type="slidenum">
               <a:rPr lang="en-US" smtClean="0"/>
-              <a:t>‹N°›</a:t>
+              <a:t>‹#›</a:t>
             </a:fld>
             <a:endParaRPr lang="en-US"/>
           </a:p>
@@ -4223,7 +4288,7 @@
           <a:p>
             <a:fld id="{20B8108D-308F-4812-B17B-BFC5677CF8EB}" type="datetime1">
               <a:rPr lang="en-US" smtClean="0"/>
-              <a:t>12/17/2013</a:t>
+              <a:t>17/12/2013</a:t>
             </a:fld>
             <a:endParaRPr lang="en-US"/>
           </a:p>
@@ -4269,7 +4334,7 @@
           <a:p>
             <a:fld id="{886BB73A-582F-4420-9A14-CB10A2B2E5E8}" type="slidenum">
               <a:rPr lang="en-US" smtClean="0"/>
-              <a:t>‹N°›</a:t>
+              <a:t>‹#›</a:t>
             </a:fld>
             <a:endParaRPr lang="en-US"/>
           </a:p>
@@ -4595,7 +4660,7 @@
           <a:p>
             <a:fld id="{311E8696-9CA1-4A92-9AD2-9FBEEE051D4A}" type="datetime1">
               <a:rPr lang="en-US" smtClean="0"/>
-              <a:t>12/17/2013</a:t>
+              <a:t>17/12/2013</a:t>
             </a:fld>
             <a:endParaRPr lang="en-US"/>
           </a:p>
@@ -4641,7 +4706,7 @@
           <a:p>
             <a:fld id="{886BB73A-582F-4420-9A14-CB10A2B2E5E8}" type="slidenum">
               <a:rPr lang="en-US" smtClean="0"/>
-              <a:t>‹N°›</a:t>
+              <a:t>‹#›</a:t>
             </a:fld>
             <a:endParaRPr lang="en-US"/>
           </a:p>
@@ -5095,7 +5160,7 @@
           <a:p>
             <a:fld id="{FACE8EBF-4B78-47A5-9C4D-C65549CADC98}" type="datetime1">
               <a:rPr lang="en-US" smtClean="0"/>
-              <a:t>12/17/2013</a:t>
+              <a:t>17/12/2013</a:t>
             </a:fld>
             <a:endParaRPr lang="en-US"/>
           </a:p>
@@ -5141,7 +5206,7 @@
           <a:p>
             <a:fld id="{886BB73A-582F-4420-9A14-CB10A2B2E5E8}" type="slidenum">
               <a:rPr lang="en-US" smtClean="0"/>
-              <a:t>‹N°›</a:t>
+              <a:t>‹#›</a:t>
             </a:fld>
             <a:endParaRPr lang="en-US"/>
           </a:p>
@@ -5308,7 +5373,7 @@
           <a:p>
             <a:fld id="{7B44FFAE-43F3-46B8-9C5E-4838052BC682}" type="datetime1">
               <a:rPr lang="en-US" smtClean="0"/>
-              <a:t>12/17/2013</a:t>
+              <a:t>17/12/2013</a:t>
             </a:fld>
             <a:endParaRPr lang="en-US"/>
           </a:p>
@@ -5392,7 +5457,7 @@
           <a:p>
             <a:fld id="{886BB73A-582F-4420-9A14-CB10A2B2E5E8}" type="slidenum">
               <a:rPr lang="en-US" smtClean="0"/>
-              <a:t>‹N°›</a:t>
+              <a:t>‹#›</a:t>
             </a:fld>
             <a:endParaRPr lang="en-US"/>
           </a:p>
@@ -5858,14 +5923,14 @@
             <a:noFill/>
           </a:ln>
           <a:extLst>
-            <a:ext uri="{909E8E84-426E-40DD-AFC4-6F175D3DCCD1}">
+            <a:ext uri="{909E8E84-426E-40dd-AFC4-6F175D3DCCD1}">
               <a14:hiddenFill xmlns:a14="http://schemas.microsoft.com/office/drawing/2010/main">
                 <a:solidFill>
                   <a:schemeClr val="accent1"/>
                 </a:solidFill>
               </a14:hiddenFill>
             </a:ext>
-            <a:ext uri="{91240B29-F687-4F45-9708-019B960494DF}">
+            <a:ext uri="{91240B29-F687-4f45-9708-019B960494DF}">
               <a14:hiddenLine xmlns:a14="http://schemas.microsoft.com/office/drawing/2010/main" w="9525">
                 <a:solidFill>
                   <a:schemeClr val="tx1"/>
@@ -5891,211 +5956,7 @@
   <p:timing>
     <p:tnLst>
       <p:par>
-        <p:cTn id="1" dur="indefinite" restart="never" nodeType="tmRoot"/>
-      </p:par>
-    </p:tnLst>
-  </p:timing>
-</p:sld>
-</file>
-
-<file path=ppt/slides/slide10.xml><?xml version="1.0" encoding="utf-8"?>
-<p:sld xmlns:a="http://schemas.openxmlformats.org/drawingml/2006/main" xmlns:r="http://schemas.openxmlformats.org/officeDocument/2006/relationships" xmlns:p="http://schemas.openxmlformats.org/presentationml/2006/main">
-  <p:cSld>
-    <p:spTree>
-      <p:nvGrpSpPr>
-        <p:cNvPr id="1" name=""/>
-        <p:cNvGrpSpPr/>
-        <p:nvPr/>
-      </p:nvGrpSpPr>
-      <p:grpSpPr>
-        <a:xfrm>
-          <a:off x="0" y="0"/>
-          <a:ext cx="0" cy="0"/>
-          <a:chOff x="0" y="0"/>
-          <a:chExt cx="0" cy="0"/>
-        </a:xfrm>
-      </p:grpSpPr>
-      <p:sp>
-        <p:nvSpPr>
-          <p:cNvPr id="2" name="Titre 1"/>
-          <p:cNvSpPr>
-            <a:spLocks noGrp="1"/>
-          </p:cNvSpPr>
-          <p:nvPr>
-            <p:ph type="title"/>
-          </p:nvPr>
-        </p:nvSpPr>
-        <p:spPr/>
-        <p:txBody>
-          <a:bodyPr/>
-          <a:lstStyle/>
-          <a:p>
-            <a:r>
-              <a:rPr lang="fr-FR" dirty="0" smtClean="0"/>
-              <a:t>BILAN</a:t>
-            </a:r>
-            <a:endParaRPr lang="fr-FR" dirty="0"/>
-          </a:p>
-        </p:txBody>
-      </p:sp>
-      <p:sp>
-        <p:nvSpPr>
-          <p:cNvPr id="3" name="Espace réservé du contenu 2"/>
-          <p:cNvSpPr>
-            <a:spLocks noGrp="1"/>
-          </p:cNvSpPr>
-          <p:nvPr>
-            <p:ph idx="1"/>
-          </p:nvPr>
-        </p:nvSpPr>
-        <p:spPr/>
-        <p:txBody>
-          <a:bodyPr>
-            <a:normAutofit/>
-          </a:bodyPr>
-          <a:lstStyle/>
-          <a:p>
-            <a:pPr>
-              <a:buFont typeface="Wingdings" panose="05000000000000000000" pitchFamily="2" charset="2"/>
-              <a:buChar char="§"/>
-            </a:pPr>
-            <a:r>
-              <a:rPr lang="fr-FR" sz="2800" dirty="0" smtClean="0"/>
-              <a:t>Ce qu’on a fait jusqu’à présent</a:t>
-            </a:r>
-          </a:p>
-          <a:p>
-            <a:pPr lvl="1">
-              <a:buFont typeface="Wingdings" panose="05000000000000000000" pitchFamily="2" charset="2"/>
-              <a:buChar char="§"/>
-            </a:pPr>
-            <a:r>
-              <a:rPr lang="fr-FR" sz="2800" dirty="0" smtClean="0"/>
-              <a:t>Architecture fonctionnelle</a:t>
-            </a:r>
-          </a:p>
-          <a:p>
-            <a:pPr>
-              <a:buFont typeface="Wingdings" panose="05000000000000000000" pitchFamily="2" charset="2"/>
-              <a:buChar char="§"/>
-            </a:pPr>
-            <a:r>
-              <a:rPr lang="fr-FR" sz="2800" dirty="0" smtClean="0"/>
-              <a:t>Ce qu’il nous reste à faire</a:t>
-            </a:r>
-            <a:endParaRPr lang="fr-FR" sz="2800" dirty="0"/>
-          </a:p>
-          <a:p>
-            <a:pPr lvl="1">
-              <a:buFont typeface="Wingdings" panose="05000000000000000000" pitchFamily="2" charset="2"/>
-              <a:buChar char="§"/>
-            </a:pPr>
-            <a:r>
-              <a:rPr lang="fr-FR" sz="2800" dirty="0" smtClean="0"/>
-              <a:t>Ordonnancement automatisé</a:t>
-            </a:r>
-          </a:p>
-          <a:p>
-            <a:pPr lvl="1">
-              <a:buFont typeface="Wingdings" panose="05000000000000000000" pitchFamily="2" charset="2"/>
-              <a:buChar char="§"/>
-            </a:pPr>
-            <a:r>
-              <a:rPr lang="fr-FR" sz="2800" dirty="0" smtClean="0"/>
-              <a:t>Fonctions de maintenance</a:t>
-            </a:r>
-          </a:p>
-        </p:txBody>
-      </p:sp>
-      <p:sp>
-        <p:nvSpPr>
-          <p:cNvPr id="7" name="Espace réservé du pied de page 3"/>
-          <p:cNvSpPr>
-            <a:spLocks noGrp="1"/>
-          </p:cNvSpPr>
-          <p:nvPr>
-            <p:ph type="ftr" sz="quarter" idx="11"/>
-          </p:nvPr>
-        </p:nvSpPr>
-        <p:spPr>
-          <a:xfrm>
-            <a:off x="2603733" y="6270171"/>
-            <a:ext cx="4188958" cy="508454"/>
-          </a:xfrm>
-        </p:spPr>
-        <p:txBody>
-          <a:bodyPr/>
-          <a:lstStyle/>
-          <a:p>
-            <a:pPr algn="ctr"/>
-            <a:r>
-              <a:rPr lang="en-US" sz="1600" b="0" dirty="0" smtClean="0">
-                <a:solidFill>
-                  <a:schemeClr val="bg1">
-                    <a:lumMod val="75000"/>
-                  </a:schemeClr>
-                </a:solidFill>
-              </a:rPr>
-              <a:t>COUDRAY</a:t>
-            </a:r>
-            <a:r>
-              <a:rPr lang="en-US" sz="1600" dirty="0" smtClean="0">
-                <a:solidFill>
-                  <a:schemeClr val="bg1">
-                    <a:lumMod val="75000"/>
-                  </a:schemeClr>
-                </a:solidFill>
-              </a:rPr>
-              <a:t> - </a:t>
-            </a:r>
-            <a:r>
-              <a:rPr lang="en-US" sz="1600" dirty="0" smtClean="0"/>
-              <a:t>JULIEN</a:t>
-            </a:r>
-            <a:r>
-              <a:rPr lang="en-US" sz="1600" dirty="0" smtClean="0">
-                <a:solidFill>
-                  <a:schemeClr val="bg1">
-                    <a:lumMod val="75000"/>
-                  </a:schemeClr>
-                </a:solidFill>
-              </a:rPr>
-              <a:t> - </a:t>
-            </a:r>
-            <a:r>
-              <a:rPr lang="en-US" sz="1600" b="0" dirty="0" smtClean="0">
-                <a:solidFill>
-                  <a:schemeClr val="bg1">
-                    <a:lumMod val="75000"/>
-                  </a:schemeClr>
-                </a:solidFill>
-              </a:rPr>
-              <a:t>TRAN</a:t>
-            </a:r>
-            <a:endParaRPr lang="en-US" sz="1600" b="0" dirty="0">
-              <a:solidFill>
-                <a:schemeClr val="bg1">
-                  <a:lumMod val="75000"/>
-                </a:schemeClr>
-              </a:solidFill>
-            </a:endParaRPr>
-          </a:p>
-        </p:txBody>
-      </p:sp>
-    </p:spTree>
-    <p:extLst>
-      <p:ext uri="{BB962C8B-B14F-4D97-AF65-F5344CB8AC3E}">
-        <p14:creationId xmlns:p14="http://schemas.microsoft.com/office/powerpoint/2010/main" val="3020867775"/>
-      </p:ext>
-    </p:extLst>
-  </p:cSld>
-  <p:clrMapOvr>
-    <a:masterClrMapping/>
-  </p:clrMapOvr>
-  <p:timing>
-    <p:tnLst>
-      <p:par>
-        <p:cTn id="1" dur="indefinite" restart="never" nodeType="tmRoot"/>
+        <p:cTn xmlns:p14="http://schemas.microsoft.com/office/powerpoint/2010/main" id="1" dur="indefinite" restart="never" nodeType="tmRoot"/>
       </p:par>
     </p:tnLst>
   </p:timing>
@@ -6308,7 +6169,7 @@
   <p:timing>
     <p:tnLst>
       <p:par>
-        <p:cTn id="1" dur="indefinite" restart="never" nodeType="tmRoot"/>
+        <p:cTn xmlns:p14="http://schemas.microsoft.com/office/powerpoint/2010/main" id="1" dur="indefinite" restart="never" nodeType="tmRoot"/>
       </p:par>
     </p:tnLst>
   </p:timing>
@@ -6496,7 +6357,7 @@
   <p:timing>
     <p:tnLst>
       <p:par>
-        <p:cTn id="1" dur="indefinite" restart="never" nodeType="tmRoot"/>
+        <p:cTn xmlns:p14="http://schemas.microsoft.com/office/powerpoint/2010/main" id="1" dur="indefinite" restart="never" nodeType="tmRoot"/>
       </p:par>
     </p:tnLst>
   </p:timing>
@@ -6655,7 +6516,7 @@
   <p:timing>
     <p:tnLst>
       <p:par>
-        <p:cTn id="1" dur="indefinite" restart="never" nodeType="tmRoot"/>
+        <p:cTn xmlns:p14="http://schemas.microsoft.com/office/powerpoint/2010/main" id="1" dur="indefinite" restart="never" nodeType="tmRoot"/>
       </p:par>
     </p:tnLst>
   </p:timing>
@@ -8141,7 +8002,7 @@
   <p:timing>
     <p:tnLst>
       <p:par>
-        <p:cTn id="1" dur="indefinite" restart="never" nodeType="tmRoot">
+        <p:cTn xmlns:p14="http://schemas.microsoft.com/office/powerpoint/2010/main" id="1" dur="indefinite" restart="never" nodeType="tmRoot">
           <p:childTnLst>
             <p:seq concurrent="1" nextAc="seek">
               <p:cTn id="2" dur="indefinite" nodeType="mainSeq">
@@ -8615,85 +8476,6 @@
       </p:sp>
       <p:sp>
         <p:nvSpPr>
-          <p:cNvPr id="3" name="Espace réservé du contenu 2"/>
-          <p:cNvSpPr>
-            <a:spLocks noGrp="1"/>
-          </p:cNvSpPr>
-          <p:nvPr>
-            <p:ph idx="1"/>
-          </p:nvPr>
-        </p:nvSpPr>
-        <p:spPr/>
-        <p:txBody>
-          <a:bodyPr>
-            <a:normAutofit/>
-          </a:bodyPr>
-          <a:lstStyle/>
-          <a:p>
-            <a:pPr>
-              <a:buFont typeface="Wingdings" charset="2"/>
-              <a:buChar char="§"/>
-            </a:pPr>
-            <a:r>
-              <a:rPr lang="fr-FR" sz="2800" dirty="0" smtClean="0"/>
-              <a:t>Simplification du problème</a:t>
-            </a:r>
-          </a:p>
-          <a:p>
-            <a:pPr lvl="1">
-              <a:buFont typeface="Wingdings" charset="2"/>
-              <a:buChar char="§"/>
-            </a:pPr>
-            <a:r>
-              <a:rPr lang="fr-FR" sz="2800" dirty="0" smtClean="0"/>
-              <a:t>Une promotion d’une classe sans les salles</a:t>
-            </a:r>
-          </a:p>
-          <a:p>
-            <a:pPr lvl="1">
-              <a:buFont typeface="Wingdings" charset="2"/>
-              <a:buChar char="§"/>
-            </a:pPr>
-            <a:r>
-              <a:rPr lang="fr-FR" sz="2800" dirty="0" smtClean="0"/>
-              <a:t>Ajout de plusieurs classes</a:t>
-            </a:r>
-          </a:p>
-          <a:p>
-            <a:pPr lvl="1">
-              <a:buFont typeface="Wingdings" charset="2"/>
-              <a:buChar char="§"/>
-            </a:pPr>
-            <a:r>
-              <a:rPr lang="fr-FR" sz="2800" dirty="0" smtClean="0"/>
-              <a:t>Ajout de l’ensemble des promotions</a:t>
-            </a:r>
-          </a:p>
-          <a:p>
-            <a:pPr lvl="1">
-              <a:buFont typeface="Wingdings" charset="2"/>
-              <a:buChar char="§"/>
-            </a:pPr>
-            <a:r>
-              <a:rPr lang="fr-FR" sz="2800" dirty="0" smtClean="0"/>
-              <a:t>Ajout des salles</a:t>
-            </a:r>
-          </a:p>
-          <a:p>
-            <a:pPr lvl="1">
-              <a:buFont typeface="Wingdings" charset="2"/>
-              <a:buChar char="§"/>
-            </a:pPr>
-            <a:r>
-              <a:rPr lang="fr-FR" sz="2800" dirty="0" smtClean="0"/>
-              <a:t>Prise en compte des différents locaux</a:t>
-            </a:r>
-            <a:endParaRPr lang="fr-FR" sz="2800" dirty="0"/>
-          </a:p>
-        </p:txBody>
-      </p:sp>
-      <p:sp>
-        <p:nvSpPr>
           <p:cNvPr id="7" name="Espace réservé du pied de page 3"/>
           <p:cNvSpPr>
             <a:spLocks noGrp="1"/>
@@ -8764,6 +8546,124 @@
                 </a:schemeClr>
               </a:solidFill>
             </a:endParaRPr>
+          </a:p>
+        </p:txBody>
+      </p:sp>
+      <p:pic>
+        <p:nvPicPr>
+          <p:cNvPr id="6" name="Image 5" descr="DiagrammeClassePPT (2).png"/>
+          <p:cNvPicPr>
+            <a:picLocks noChangeAspect="1"/>
+          </p:cNvPicPr>
+          <p:nvPr/>
+        </p:nvPicPr>
+        <p:blipFill>
+          <a:blip r:embed="rId3">
+            <a:extLst>
+              <a:ext uri="{28A0092B-C50C-407E-A947-70E740481C1C}">
+                <a14:useLocalDpi xmlns:a14="http://schemas.microsoft.com/office/drawing/2010/main" val="0"/>
+              </a:ext>
+            </a:extLst>
+          </a:blip>
+          <a:stretch>
+            <a:fillRect/>
+          </a:stretch>
+        </p:blipFill>
+        <p:spPr>
+          <a:xfrm>
+            <a:off x="-38487" y="2185273"/>
+            <a:ext cx="9144000" cy="4354286"/>
+          </a:xfrm>
+          <a:prstGeom prst="rect">
+            <a:avLst/>
+          </a:prstGeom>
+        </p:spPr>
+      </p:pic>
+      <p:sp>
+        <p:nvSpPr>
+          <p:cNvPr id="5" name="ZoneTexte 4"/>
+          <p:cNvSpPr txBox="1"/>
+          <p:nvPr/>
+        </p:nvSpPr>
+        <p:spPr>
+          <a:xfrm>
+            <a:off x="7235657" y="3501955"/>
+            <a:ext cx="1869855" cy="3037603"/>
+          </a:xfrm>
+          <a:prstGeom prst="rect">
+            <a:avLst/>
+          </a:prstGeom>
+          <a:solidFill>
+            <a:schemeClr val="bg1"/>
+          </a:solidFill>
+        </p:spPr>
+        <p:txBody>
+          <a:bodyPr wrap="square" rtlCol="0">
+            <a:spAutoFit/>
+          </a:bodyPr>
+          <a:lstStyle/>
+          <a:p>
+            <a:endParaRPr lang="fr-FR" dirty="0"/>
+          </a:p>
+        </p:txBody>
+      </p:sp>
+      <p:sp>
+        <p:nvSpPr>
+          <p:cNvPr id="8" name="ZoneTexte 7"/>
+          <p:cNvSpPr txBox="1"/>
+          <p:nvPr/>
+        </p:nvSpPr>
+        <p:spPr>
+          <a:xfrm>
+            <a:off x="3656317" y="3809953"/>
+            <a:ext cx="1924378" cy="461665"/>
+          </a:xfrm>
+          <a:prstGeom prst="rect">
+            <a:avLst/>
+          </a:prstGeom>
+          <a:noFill/>
+        </p:spPr>
+        <p:txBody>
+          <a:bodyPr wrap="square" rtlCol="0">
+            <a:spAutoFit/>
+          </a:bodyPr>
+          <a:lstStyle/>
+          <a:p>
+            <a:r>
+              <a:rPr lang="fr-FR" sz="2400" b="1" dirty="0" smtClean="0"/>
+              <a:t>1 promotion</a:t>
+            </a:r>
+            <a:endParaRPr lang="fr-FR" sz="2400" b="1" dirty="0"/>
+          </a:p>
+        </p:txBody>
+      </p:sp>
+      <p:sp>
+        <p:nvSpPr>
+          <p:cNvPr id="9" name="ZoneTexte 8"/>
+          <p:cNvSpPr txBox="1"/>
+          <p:nvPr/>
+        </p:nvSpPr>
+        <p:spPr>
+          <a:xfrm>
+            <a:off x="3964216" y="4294208"/>
+            <a:ext cx="1924378" cy="461665"/>
+          </a:xfrm>
+          <a:prstGeom prst="rect">
+            <a:avLst/>
+          </a:prstGeom>
+          <a:noFill/>
+        </p:spPr>
+        <p:txBody>
+          <a:bodyPr wrap="square" rtlCol="0">
+            <a:spAutoFit/>
+          </a:bodyPr>
+          <a:lstStyle/>
+          <a:p>
+            <a:r>
+              <a:rPr lang="fr-FR" sz="2400" b="1" dirty="0" smtClean="0"/>
+              <a:t>1 classe</a:t>
+            </a:r>
+            <a:endParaRPr lang="fr-FR" sz="2400" b="1" dirty="0"/>
           </a:p>
         </p:txBody>
       </p:sp>
@@ -8780,9 +8680,172 @@
   <p:timing>
     <p:tnLst>
       <p:par>
-        <p:cTn id="1" dur="indefinite" restart="never" nodeType="tmRoot"/>
+        <p:cTn xmlns:p14="http://schemas.microsoft.com/office/powerpoint/2010/main" id="1" dur="indefinite" restart="never" nodeType="tmRoot">
+          <p:childTnLst>
+            <p:seq concurrent="1" nextAc="seek">
+              <p:cTn id="2" dur="indefinite" nodeType="mainSeq">
+                <p:childTnLst>
+                  <p:par>
+                    <p:cTn id="3" fill="hold">
+                      <p:stCondLst>
+                        <p:cond delay="indefinite"/>
+                      </p:stCondLst>
+                      <p:childTnLst>
+                        <p:par>
+                          <p:cTn id="4" fill="hold">
+                            <p:stCondLst>
+                              <p:cond delay="0"/>
+                            </p:stCondLst>
+                            <p:childTnLst>
+                              <p:par>
+                                <p:cTn id="5" presetID="1" presetClass="exit" presetSubtype="0" fill="hold" grpId="0" nodeType="clickEffect">
+                                  <p:stCondLst>
+                                    <p:cond delay="0"/>
+                                  </p:stCondLst>
+                                  <p:childTnLst>
+                                    <p:set>
+                                      <p:cBhvr>
+                                        <p:cTn id="6" dur="1" fill="hold">
+                                          <p:stCondLst>
+                                            <p:cond delay="0"/>
+                                          </p:stCondLst>
+                                        </p:cTn>
+                                        <p:tgtEl>
+                                          <p:spTgt spid="9"/>
+                                        </p:tgtEl>
+                                        <p:attrNameLst>
+                                          <p:attrName>style.visibility</p:attrName>
+                                        </p:attrNameLst>
+                                      </p:cBhvr>
+                                      <p:to>
+                                        <p:strVal val="hidden"/>
+                                      </p:to>
+                                    </p:set>
+                                  </p:childTnLst>
+                                </p:cTn>
+                              </p:par>
+                            </p:childTnLst>
+                          </p:cTn>
+                        </p:par>
+                      </p:childTnLst>
+                    </p:cTn>
+                  </p:par>
+                  <p:par>
+                    <p:cTn id="7" fill="hold">
+                      <p:stCondLst>
+                        <p:cond delay="indefinite"/>
+                      </p:stCondLst>
+                      <p:childTnLst>
+                        <p:par>
+                          <p:cTn id="8" fill="hold">
+                            <p:stCondLst>
+                              <p:cond delay="0"/>
+                            </p:stCondLst>
+                            <p:childTnLst>
+                              <p:par>
+                                <p:cTn id="9" presetID="1" presetClass="exit" presetSubtype="0" fill="hold" grpId="0" nodeType="clickEffect">
+                                  <p:stCondLst>
+                                    <p:cond delay="0"/>
+                                  </p:stCondLst>
+                                  <p:childTnLst>
+                                    <p:set>
+                                      <p:cBhvr>
+                                        <p:cTn id="10" dur="1" fill="hold">
+                                          <p:stCondLst>
+                                            <p:cond delay="0"/>
+                                          </p:stCondLst>
+                                        </p:cTn>
+                                        <p:tgtEl>
+                                          <p:spTgt spid="8"/>
+                                        </p:tgtEl>
+                                        <p:attrNameLst>
+                                          <p:attrName>style.visibility</p:attrName>
+                                        </p:attrNameLst>
+                                      </p:cBhvr>
+                                      <p:to>
+                                        <p:strVal val="hidden"/>
+                                      </p:to>
+                                    </p:set>
+                                  </p:childTnLst>
+                                </p:cTn>
+                              </p:par>
+                            </p:childTnLst>
+                          </p:cTn>
+                        </p:par>
+                      </p:childTnLst>
+                    </p:cTn>
+                  </p:par>
+                  <p:par>
+                    <p:cTn id="11" fill="hold">
+                      <p:stCondLst>
+                        <p:cond delay="indefinite"/>
+                      </p:stCondLst>
+                      <p:childTnLst>
+                        <p:par>
+                          <p:cTn id="12" fill="hold">
+                            <p:stCondLst>
+                              <p:cond delay="0"/>
+                            </p:stCondLst>
+                            <p:childTnLst>
+                              <p:par>
+                                <p:cTn id="13" presetID="1" presetClass="exit" presetSubtype="0" fill="hold" grpId="0" nodeType="clickEffect">
+                                  <p:stCondLst>
+                                    <p:cond delay="0"/>
+                                  </p:stCondLst>
+                                  <p:childTnLst>
+                                    <p:set>
+                                      <p:cBhvr>
+                                        <p:cTn id="14" dur="1" fill="hold">
+                                          <p:stCondLst>
+                                            <p:cond delay="0"/>
+                                          </p:stCondLst>
+                                        </p:cTn>
+                                        <p:tgtEl>
+                                          <p:spTgt spid="5"/>
+                                        </p:tgtEl>
+                                        <p:attrNameLst>
+                                          <p:attrName>style.visibility</p:attrName>
+                                        </p:attrNameLst>
+                                      </p:cBhvr>
+                                      <p:to>
+                                        <p:strVal val="hidden"/>
+                                      </p:to>
+                                    </p:set>
+                                  </p:childTnLst>
+                                </p:cTn>
+                              </p:par>
+                            </p:childTnLst>
+                          </p:cTn>
+                        </p:par>
+                      </p:childTnLst>
+                    </p:cTn>
+                  </p:par>
+                </p:childTnLst>
+              </p:cTn>
+              <p:prevCondLst>
+                <p:cond evt="onPrev" delay="0">
+                  <p:tgtEl>
+                    <p:sldTgt/>
+                  </p:tgtEl>
+                </p:cond>
+              </p:prevCondLst>
+              <p:nextCondLst>
+                <p:cond evt="onNext" delay="0">
+                  <p:tgtEl>
+                    <p:sldTgt/>
+                  </p:tgtEl>
+                </p:cond>
+              </p:nextCondLst>
+            </p:seq>
+          </p:childTnLst>
+        </p:cTn>
       </p:par>
     </p:tnLst>
+    <p:bldLst>
+      <p:bldP spid="5" grpId="0" animBg="1"/>
+      <p:bldP spid="8" grpId="0"/>
+      <p:bldP spid="9" grpId="0"/>
+    </p:bldLst>
   </p:timing>
 </p:sld>
 </file>
@@ -8821,238 +8884,6 @@
           <a:p>
             <a:r>
               <a:rPr lang="fr-FR" dirty="0"/>
-              <a:t>ETAPES DE CONCEPTION</a:t>
-            </a:r>
-          </a:p>
-        </p:txBody>
-      </p:sp>
-      <p:sp>
-        <p:nvSpPr>
-          <p:cNvPr id="3" name="Espace réservé du contenu 2"/>
-          <p:cNvSpPr>
-            <a:spLocks noGrp="1"/>
-          </p:cNvSpPr>
-          <p:nvPr>
-            <p:ph idx="1"/>
-          </p:nvPr>
-        </p:nvSpPr>
-        <p:spPr/>
-        <p:txBody>
-          <a:bodyPr>
-            <a:noAutofit/>
-          </a:bodyPr>
-          <a:lstStyle/>
-          <a:p>
-            <a:pPr marL="342900" lvl="1" indent="-342900">
-              <a:spcBef>
-                <a:spcPts val="2000"/>
-              </a:spcBef>
-              <a:buClr>
-                <a:schemeClr val="accent1"/>
-              </a:buClr>
-              <a:buFont typeface="Wingdings" charset="2"/>
-              <a:buChar char="§"/>
-            </a:pPr>
-            <a:r>
-              <a:rPr lang="fr-FR" sz="2400" dirty="0"/>
-              <a:t>Une promotion d’une classe sans les salles</a:t>
-            </a:r>
-          </a:p>
-          <a:p>
-            <a:pPr lvl="1">
-              <a:buFont typeface="Wingdings" charset="2"/>
-              <a:buChar char="§"/>
-            </a:pPr>
-            <a:r>
-              <a:rPr lang="fr-FR" sz="2400" dirty="0" smtClean="0"/>
-              <a:t>Répartition des cours sur les créneaux</a:t>
-            </a:r>
-          </a:p>
-          <a:p>
-            <a:pPr lvl="1">
-              <a:buFont typeface="Wingdings" charset="2"/>
-              <a:buChar char="§"/>
-            </a:pPr>
-            <a:r>
-              <a:rPr lang="fr-FR" sz="2400" dirty="0" smtClean="0"/>
-              <a:t>Gestion de conflits</a:t>
-            </a:r>
-          </a:p>
-          <a:p>
-            <a:pPr lvl="1">
-              <a:buFont typeface="Wingdings" charset="2"/>
-              <a:buChar char="§"/>
-            </a:pPr>
-            <a:r>
-              <a:rPr lang="fr-FR" sz="2400" dirty="0" smtClean="0"/>
-              <a:t>Prise en compte des disponibilités des professeurs</a:t>
-            </a:r>
-          </a:p>
-          <a:p>
-            <a:pPr lvl="1">
-              <a:buFont typeface="Wingdings" charset="2"/>
-              <a:buChar char="§"/>
-            </a:pPr>
-            <a:r>
-              <a:rPr lang="fr-FR" sz="2400" dirty="0" smtClean="0"/>
-              <a:t>Ordre de priorité des professeurs</a:t>
-            </a:r>
-          </a:p>
-          <a:p>
-            <a:pPr lvl="1">
-              <a:buFont typeface="Wingdings" charset="2"/>
-              <a:buChar char="§"/>
-            </a:pPr>
-            <a:r>
-              <a:rPr lang="fr-FR" sz="2400" dirty="0" smtClean="0"/>
-              <a:t>Cours sur le même créneau sur des semaines consécutives</a:t>
-            </a:r>
-          </a:p>
-          <a:p>
-            <a:pPr lvl="1">
-              <a:buFont typeface="Wingdings" charset="2"/>
-              <a:buChar char="§"/>
-            </a:pPr>
-            <a:endParaRPr lang="fr-FR" sz="2400" dirty="0" smtClean="0"/>
-          </a:p>
-          <a:p>
-            <a:pPr lvl="1">
-              <a:buFont typeface="Wingdings" charset="2"/>
-              <a:buChar char="§"/>
-            </a:pPr>
-            <a:endParaRPr lang="fr-FR" sz="2400" dirty="0"/>
-          </a:p>
-        </p:txBody>
-      </p:sp>
-      <p:sp>
-        <p:nvSpPr>
-          <p:cNvPr id="7" name="Espace réservé du pied de page 3"/>
-          <p:cNvSpPr>
-            <a:spLocks noGrp="1"/>
-          </p:cNvSpPr>
-          <p:nvPr>
-            <p:ph type="ftr" sz="quarter" idx="11"/>
-          </p:nvPr>
-        </p:nvSpPr>
-        <p:spPr>
-          <a:xfrm>
-            <a:off x="2603733" y="6270171"/>
-            <a:ext cx="4188958" cy="508454"/>
-          </a:xfrm>
-        </p:spPr>
-        <p:txBody>
-          <a:bodyPr/>
-          <a:lstStyle/>
-          <a:p>
-            <a:pPr algn="ctr"/>
-            <a:r>
-              <a:rPr lang="en-US" sz="1600" dirty="0" smtClean="0"/>
-              <a:t>COUDRAY</a:t>
-            </a:r>
-            <a:r>
-              <a:rPr lang="en-US" sz="1600" dirty="0" smtClean="0">
-                <a:solidFill>
-                  <a:schemeClr val="bg1">
-                    <a:lumMod val="75000"/>
-                  </a:schemeClr>
-                </a:solidFill>
-              </a:rPr>
-              <a:t> - </a:t>
-            </a:r>
-            <a:r>
-              <a:rPr lang="en-US" sz="1600" b="0" dirty="0" smtClean="0">
-                <a:solidFill>
-                  <a:schemeClr val="bg1">
-                    <a:lumMod val="75000"/>
-                  </a:schemeClr>
-                </a:solidFill>
-              </a:rPr>
-              <a:t>JULIEN</a:t>
-            </a:r>
-            <a:r>
-              <a:rPr lang="en-US" sz="1600" dirty="0" smtClean="0">
-                <a:solidFill>
-                  <a:schemeClr val="bg1">
-                    <a:lumMod val="75000"/>
-                  </a:schemeClr>
-                </a:solidFill>
-              </a:rPr>
-              <a:t> - </a:t>
-            </a:r>
-            <a:r>
-              <a:rPr lang="en-US" sz="1600" b="0" dirty="0" smtClean="0">
-                <a:solidFill>
-                  <a:schemeClr val="bg1">
-                    <a:lumMod val="75000"/>
-                  </a:schemeClr>
-                </a:solidFill>
-              </a:rPr>
-              <a:t>TRAN</a:t>
-            </a:r>
-            <a:endParaRPr lang="en-US" sz="1600" b="0" dirty="0">
-              <a:solidFill>
-                <a:schemeClr val="bg1">
-                  <a:lumMod val="75000"/>
-                </a:schemeClr>
-              </a:solidFill>
-            </a:endParaRPr>
-          </a:p>
-        </p:txBody>
-      </p:sp>
-    </p:spTree>
-    <p:extLst>
-      <p:ext uri="{BB962C8B-B14F-4D97-AF65-F5344CB8AC3E}">
-        <p14:creationId xmlns:p14="http://schemas.microsoft.com/office/powerpoint/2010/main" val="2525283958"/>
-      </p:ext>
-    </p:extLst>
-  </p:cSld>
-  <p:clrMapOvr>
-    <a:masterClrMapping/>
-  </p:clrMapOvr>
-  <p:timing>
-    <p:tnLst>
-      <p:par>
-        <p:cTn id="1" dur="indefinite" restart="never" nodeType="tmRoot"/>
-      </p:par>
-    </p:tnLst>
-  </p:timing>
-</p:sld>
-</file>
-
-<file path=ppt/slides/slide8.xml><?xml version="1.0" encoding="utf-8"?>
-<p:sld xmlns:a="http://schemas.openxmlformats.org/drawingml/2006/main" xmlns:r="http://schemas.openxmlformats.org/officeDocument/2006/relationships" xmlns:p="http://schemas.openxmlformats.org/presentationml/2006/main">
-  <p:cSld>
-    <p:spTree>
-      <p:nvGrpSpPr>
-        <p:cNvPr id="1" name=""/>
-        <p:cNvGrpSpPr/>
-        <p:nvPr/>
-      </p:nvGrpSpPr>
-      <p:grpSpPr>
-        <a:xfrm>
-          <a:off x="0" y="0"/>
-          <a:ext cx="0" cy="0"/>
-          <a:chOff x="0" y="0"/>
-          <a:chExt cx="0" cy="0"/>
-        </a:xfrm>
-      </p:grpSpPr>
-      <p:sp>
-        <p:nvSpPr>
-          <p:cNvPr id="2" name="Titre 1"/>
-          <p:cNvSpPr>
-            <a:spLocks noGrp="1"/>
-          </p:cNvSpPr>
-          <p:nvPr>
-            <p:ph type="title"/>
-          </p:nvPr>
-        </p:nvSpPr>
-        <p:spPr/>
-        <p:txBody>
-          <a:bodyPr/>
-          <a:lstStyle/>
-          <a:p>
-            <a:r>
-              <a:rPr lang="fr-FR" dirty="0"/>
               <a:t>INSTANCE DU PROBLEME</a:t>
             </a:r>
           </a:p>
@@ -9314,7 +9145,7 @@
   <p:timing>
     <p:tnLst>
       <p:par>
-        <p:cTn id="1" dur="indefinite" restart="never" nodeType="tmRoot">
+        <p:cTn xmlns:p14="http://schemas.microsoft.com/office/powerpoint/2010/main" id="1" dur="indefinite" restart="never" nodeType="tmRoot">
           <p:childTnLst>
             <p:seq concurrent="1" nextAc="seek">
               <p:cTn id="2" dur="indefinite" nodeType="mainSeq">
@@ -9433,7 +9264,7 @@
 </p:sld>
 </file>
 
-<file path=ppt/slides/slide9.xml><?xml version="1.0" encoding="utf-8"?>
+<file path=ppt/slides/slide8.xml><?xml version="1.0" encoding="utf-8"?>
 <p:sld xmlns:a="http://schemas.openxmlformats.org/drawingml/2006/main" xmlns:r="http://schemas.openxmlformats.org/officeDocument/2006/relationships" xmlns:p="http://schemas.openxmlformats.org/presentationml/2006/main">
   <p:cSld>
     <p:spTree>
@@ -11851,7 +11682,7 @@
   <p:timing>
     <p:tnLst>
       <p:par>
-        <p:cTn id="1" dur="indefinite" restart="never" nodeType="tmRoot">
+        <p:cTn xmlns:p14="http://schemas.microsoft.com/office/powerpoint/2010/main" id="1" dur="indefinite" restart="never" nodeType="tmRoot">
           <p:childTnLst>
             <p:seq concurrent="1" nextAc="seek">
               <p:cTn id="2" dur="indefinite" nodeType="mainSeq">
@@ -12239,6 +12070,210 @@
       <p:bldP spid="49" grpId="0"/>
       <p:bldP spid="50" grpId="0"/>
     </p:bldLst>
+  </p:timing>
+</p:sld>
+</file>
+
+<file path=ppt/slides/slide9.xml><?xml version="1.0" encoding="utf-8"?>
+<p:sld xmlns:a="http://schemas.openxmlformats.org/drawingml/2006/main" xmlns:r="http://schemas.openxmlformats.org/officeDocument/2006/relationships" xmlns:p="http://schemas.openxmlformats.org/presentationml/2006/main">
+  <p:cSld>
+    <p:spTree>
+      <p:nvGrpSpPr>
+        <p:cNvPr id="1" name=""/>
+        <p:cNvGrpSpPr/>
+        <p:nvPr/>
+      </p:nvGrpSpPr>
+      <p:grpSpPr>
+        <a:xfrm>
+          <a:off x="0" y="0"/>
+          <a:ext cx="0" cy="0"/>
+          <a:chOff x="0" y="0"/>
+          <a:chExt cx="0" cy="0"/>
+        </a:xfrm>
+      </p:grpSpPr>
+      <p:sp>
+        <p:nvSpPr>
+          <p:cNvPr id="2" name="Titre 1"/>
+          <p:cNvSpPr>
+            <a:spLocks noGrp="1"/>
+          </p:cNvSpPr>
+          <p:nvPr>
+            <p:ph type="title"/>
+          </p:nvPr>
+        </p:nvSpPr>
+        <p:spPr/>
+        <p:txBody>
+          <a:bodyPr/>
+          <a:lstStyle/>
+          <a:p>
+            <a:r>
+              <a:rPr lang="fr-FR" dirty="0" smtClean="0"/>
+              <a:t>BILAN</a:t>
+            </a:r>
+            <a:endParaRPr lang="fr-FR" dirty="0"/>
+          </a:p>
+        </p:txBody>
+      </p:sp>
+      <p:sp>
+        <p:nvSpPr>
+          <p:cNvPr id="3" name="Espace réservé du contenu 2"/>
+          <p:cNvSpPr>
+            <a:spLocks noGrp="1"/>
+          </p:cNvSpPr>
+          <p:nvPr>
+            <p:ph idx="1"/>
+          </p:nvPr>
+        </p:nvSpPr>
+        <p:spPr/>
+        <p:txBody>
+          <a:bodyPr>
+            <a:normAutofit/>
+          </a:bodyPr>
+          <a:lstStyle/>
+          <a:p>
+            <a:pPr>
+              <a:buFont typeface="Wingdings" panose="05000000000000000000" pitchFamily="2" charset="2"/>
+              <a:buChar char="§"/>
+            </a:pPr>
+            <a:r>
+              <a:rPr lang="fr-FR" sz="2800" dirty="0" smtClean="0"/>
+              <a:t>Ce qu’on a fait jusqu’à présent</a:t>
+            </a:r>
+          </a:p>
+          <a:p>
+            <a:pPr lvl="1">
+              <a:buFont typeface="Wingdings" panose="05000000000000000000" pitchFamily="2" charset="2"/>
+              <a:buChar char="§"/>
+            </a:pPr>
+            <a:r>
+              <a:rPr lang="fr-FR" sz="2800" dirty="0" smtClean="0"/>
+              <a:t>Architecture fonctionnelle</a:t>
+            </a:r>
+          </a:p>
+          <a:p>
+            <a:pPr>
+              <a:buFont typeface="Wingdings" panose="05000000000000000000" pitchFamily="2" charset="2"/>
+              <a:buChar char="§"/>
+            </a:pPr>
+            <a:r>
+              <a:rPr lang="fr-FR" sz="2800" dirty="0" smtClean="0"/>
+              <a:t>Ce qu’il nous reste à faire</a:t>
+            </a:r>
+            <a:endParaRPr lang="fr-FR" sz="2800" dirty="0"/>
+          </a:p>
+          <a:p>
+            <a:pPr lvl="1">
+              <a:buFont typeface="Wingdings" panose="05000000000000000000" pitchFamily="2" charset="2"/>
+              <a:buChar char="§"/>
+            </a:pPr>
+            <a:r>
+              <a:rPr lang="fr-FR" sz="2800" dirty="0" smtClean="0"/>
+              <a:t>Ordonnancement automatisé</a:t>
+            </a:r>
+          </a:p>
+          <a:p>
+            <a:pPr lvl="1">
+              <a:buFont typeface="Wingdings" panose="05000000000000000000" pitchFamily="2" charset="2"/>
+              <a:buChar char="§"/>
+            </a:pPr>
+            <a:r>
+              <a:rPr lang="fr-FR" sz="2800" dirty="0" smtClean="0"/>
+              <a:t>Fonctions de maintenance</a:t>
+            </a:r>
+          </a:p>
+        </p:txBody>
+      </p:sp>
+      <p:sp>
+        <p:nvSpPr>
+          <p:cNvPr id="7" name="Espace réservé du pied de page 3"/>
+          <p:cNvSpPr>
+            <a:spLocks noGrp="1"/>
+          </p:cNvSpPr>
+          <p:nvPr>
+            <p:ph type="ftr" sz="quarter" idx="11"/>
+          </p:nvPr>
+        </p:nvSpPr>
+        <p:spPr>
+          <a:xfrm>
+            <a:off x="2603733" y="6270171"/>
+            <a:ext cx="4188958" cy="508454"/>
+          </a:xfrm>
+        </p:spPr>
+        <p:txBody>
+          <a:bodyPr/>
+          <a:lstStyle/>
+          <a:p>
+            <a:pPr algn="ctr"/>
+            <a:r>
+              <a:rPr lang="en-US" sz="1600" b="0" dirty="0" smtClean="0">
+                <a:solidFill>
+                  <a:schemeClr val="bg1">
+                    <a:lumMod val="75000"/>
+                  </a:schemeClr>
+                </a:solidFill>
+              </a:rPr>
+              <a:t>COUDRAY</a:t>
+            </a:r>
+            <a:r>
+              <a:rPr lang="en-US" sz="1600" dirty="0" smtClean="0">
+                <a:solidFill>
+                  <a:schemeClr val="bg1">
+                    <a:lumMod val="75000"/>
+                  </a:schemeClr>
+                </a:solidFill>
+              </a:rPr>
+              <a:t> - </a:t>
+            </a:r>
+            <a:r>
+              <a:rPr lang="en-US" sz="1600" dirty="0" smtClean="0"/>
+              <a:t>JULIEN</a:t>
+            </a:r>
+            <a:r>
+              <a:rPr lang="en-US" sz="1600" dirty="0" smtClean="0">
+                <a:solidFill>
+                  <a:schemeClr val="bg1">
+                    <a:lumMod val="75000"/>
+                  </a:schemeClr>
+                </a:solidFill>
+              </a:rPr>
+              <a:t> - </a:t>
+            </a:r>
+            <a:r>
+              <a:rPr lang="en-US" sz="1600" b="0" dirty="0" smtClean="0">
+                <a:solidFill>
+                  <a:schemeClr val="bg1">
+                    <a:lumMod val="75000"/>
+                  </a:schemeClr>
+                </a:solidFill>
+              </a:rPr>
+              <a:t>TRAN</a:t>
+            </a:r>
+            <a:endParaRPr lang="en-US" sz="1600" b="0" dirty="0">
+              <a:solidFill>
+                <a:schemeClr val="bg1">
+                  <a:lumMod val="75000"/>
+                </a:schemeClr>
+              </a:solidFill>
+            </a:endParaRPr>
+          </a:p>
+        </p:txBody>
+      </p:sp>
+    </p:spTree>
+    <p:extLst>
+      <p:ext uri="{BB962C8B-B14F-4D97-AF65-F5344CB8AC3E}">
+        <p14:creationId xmlns:p14="http://schemas.microsoft.com/office/powerpoint/2010/main" val="3020867775"/>
+      </p:ext>
+    </p:extLst>
+  </p:cSld>
+  <p:clrMapOvr>
+    <a:masterClrMapping/>
+  </p:clrMapOvr>
+  <p:timing>
+    <p:tnLst>
+      <p:par>
+        <p:cTn xmlns:p14="http://schemas.microsoft.com/office/powerpoint/2010/main" id="1" dur="indefinite" restart="never" nodeType="tmRoot"/>
+      </p:par>
+    </p:tnLst>
   </p:timing>
 </p:sld>
 </file>

--- a/Soutenance_miProjet.pptx
+++ b/Soutenance_miProjet.pptx
@@ -512,7 +512,7 @@
           <a:bodyPr/>
           <a:lstStyle/>
           <a:p>
-            <a:endParaRPr lang="fr-FR"/>
+            <a:endParaRPr lang="fr-FR" dirty="0"/>
           </a:p>
         </p:txBody>
       </p:sp>
@@ -533,7 +533,7 @@
           <a:p>
             <a:fld id="{B956A79E-FAC0-1942-8597-B8D8938A06DC}" type="slidenum">
               <a:rPr lang="fr-FR" smtClean="0"/>
-              <a:t>2</a:t>
+              <a:t>1</a:t>
             </a:fld>
             <a:endParaRPr lang="fr-FR"/>
           </a:p>
@@ -542,7 +542,7 @@
     </p:spTree>
     <p:extLst>
       <p:ext uri="{BB962C8B-B14F-4D97-AF65-F5344CB8AC3E}">
-        <p14:creationId xmlns:p14="http://schemas.microsoft.com/office/powerpoint/2010/main" val="2897059572"/>
+        <p14:creationId xmlns:p14="http://schemas.microsoft.com/office/powerpoint/2010/main" val="538859809"/>
       </p:ext>
     </p:extLst>
   </p:cSld>
@@ -596,10 +596,100 @@
           <a:bodyPr/>
           <a:lstStyle/>
           <a:p>
+            <a:endParaRPr lang="fr-FR"/>
+          </a:p>
+        </p:txBody>
+      </p:sp>
+      <p:sp>
+        <p:nvSpPr>
+          <p:cNvPr id="4" name="Espace réservé du numéro de diapositive 3"/>
+          <p:cNvSpPr>
+            <a:spLocks noGrp="1"/>
+          </p:cNvSpPr>
+          <p:nvPr>
+            <p:ph type="sldNum" sz="quarter" idx="10"/>
+          </p:nvPr>
+        </p:nvSpPr>
+        <p:spPr/>
+        <p:txBody>
+          <a:bodyPr/>
+          <a:lstStyle/>
+          <a:p>
+            <a:fld id="{B956A79E-FAC0-1942-8597-B8D8938A06DC}" type="slidenum">
+              <a:rPr lang="fr-FR" smtClean="0"/>
+              <a:t>2</a:t>
+            </a:fld>
+            <a:endParaRPr lang="fr-FR"/>
+          </a:p>
+        </p:txBody>
+      </p:sp>
+    </p:spTree>
+    <p:extLst>
+      <p:ext uri="{BB962C8B-B14F-4D97-AF65-F5344CB8AC3E}">
+        <p14:creationId xmlns:p14="http://schemas.microsoft.com/office/powerpoint/2010/main" val="2897059572"/>
+      </p:ext>
+    </p:extLst>
+  </p:cSld>
+  <p:clrMapOvr>
+    <a:masterClrMapping/>
+  </p:clrMapOvr>
+</p:notes>
+</file>
+
+<file path=ppt/notesSlides/notesSlide3.xml><?xml version="1.0" encoding="utf-8"?>
+<p:notes xmlns:a="http://schemas.openxmlformats.org/drawingml/2006/main" xmlns:r="http://schemas.openxmlformats.org/officeDocument/2006/relationships" xmlns:p="http://schemas.openxmlformats.org/presentationml/2006/main">
+  <p:cSld>
+    <p:spTree>
+      <p:nvGrpSpPr>
+        <p:cNvPr id="1" name=""/>
+        <p:cNvGrpSpPr/>
+        <p:nvPr/>
+      </p:nvGrpSpPr>
+      <p:grpSpPr>
+        <a:xfrm>
+          <a:off x="0" y="0"/>
+          <a:ext cx="0" cy="0"/>
+          <a:chOff x="0" y="0"/>
+          <a:chExt cx="0" cy="0"/>
+        </a:xfrm>
+      </p:grpSpPr>
+      <p:sp>
+        <p:nvSpPr>
+          <p:cNvPr id="2" name="Espace réservé de l'image des diapositives 1"/>
+          <p:cNvSpPr>
+            <a:spLocks noGrp="1" noRot="1" noChangeAspect="1"/>
+          </p:cNvSpPr>
+          <p:nvPr>
+            <p:ph type="sldImg"/>
+          </p:nvPr>
+        </p:nvSpPr>
+        <p:spPr/>
+      </p:sp>
+      <p:sp>
+        <p:nvSpPr>
+          <p:cNvPr id="3" name="Espace réservé des commentaires 2"/>
+          <p:cNvSpPr>
+            <a:spLocks noGrp="1"/>
+          </p:cNvSpPr>
+          <p:nvPr>
+            <p:ph type="body" idx="1"/>
+          </p:nvPr>
+        </p:nvSpPr>
+        <p:spPr/>
+        <p:txBody>
+          <a:bodyPr/>
+          <a:lstStyle/>
+          <a:p>
             <a:r>
               <a:rPr lang="fr-FR" dirty="0" smtClean="0"/>
-              <a:t>Existant mais solution particulière, à adapter à chaque cas!</a:t>
-            </a:r>
+              <a:t>Existant mais solution particulière, à adapter à chaque cas</a:t>
+            </a:r>
+            <a:r>
+              <a:rPr lang="fr-FR" dirty="0" smtClean="0"/>
+              <a:t>!</a:t>
+            </a:r>
+          </a:p>
+          <a:p>
             <a:endParaRPr lang="fr-FR" dirty="0"/>
           </a:p>
         </p:txBody>
@@ -640,7 +730,7 @@
 </p:notes>
 </file>
 
-<file path=ppt/notesSlides/notesSlide3.xml><?xml version="1.0" encoding="utf-8"?>
+<file path=ppt/notesSlides/notesSlide4.xml><?xml version="1.0" encoding="utf-8"?>
 <p:notes xmlns:a="http://schemas.openxmlformats.org/drawingml/2006/main" xmlns:r="http://schemas.openxmlformats.org/officeDocument/2006/relationships" xmlns:p="http://schemas.openxmlformats.org/presentationml/2006/main">
   <p:cSld>
     <p:spTree>
@@ -5843,15 +5933,22 @@
         <p:spPr/>
         <p:txBody>
           <a:bodyPr>
-            <a:normAutofit/>
+            <a:normAutofit fontScale="90000"/>
           </a:bodyPr>
           <a:lstStyle/>
           <a:p>
             <a:r>
               <a:rPr lang="fr-FR" dirty="0" smtClean="0"/>
-              <a:t>PLANING INTELLIGENT</a:t>
-            </a:r>
-            <a:endParaRPr lang="fr-FR" dirty="0"/>
+              <a:t>Résolution approchée du problème d’ordonnancement</a:t>
+            </a:r>
+            <a:br>
+              <a:rPr lang="fr-FR" dirty="0" smtClean="0"/>
+            </a:br>
+            <a:r>
+              <a:rPr lang="fr-FR" sz="2700" dirty="0" smtClean="0"/>
+              <a:t>Cas de l’emploi du temps de l’ESME SUDRIA</a:t>
+            </a:r>
+            <a:endParaRPr lang="fr-FR" sz="2700" dirty="0"/>
           </a:p>
         </p:txBody>
       </p:sp>
@@ -5898,7 +5995,7 @@
           <p:nvPr/>
         </p:nvPicPr>
         <p:blipFill>
-          <a:blip r:embed="rId2">
+          <a:blip r:embed="rId3">
             <a:extLst>
               <a:ext uri="{28A0092B-C50C-407E-A947-70E740481C1C}">
                 <a14:useLocalDpi xmlns:a14="http://schemas.microsoft.com/office/drawing/2010/main" val="0"/>
@@ -5997,7 +6094,7 @@
           <a:p>
             <a:r>
               <a:rPr lang="fr-FR" dirty="0" smtClean="0"/>
-              <a:t>PLAN DE DEVELOPPEMENT</a:t>
+              <a:t>PLAN</a:t>
             </a:r>
             <a:endParaRPr lang="fr-FR" dirty="0"/>
           </a:p>
@@ -6029,8 +6126,9 @@
             </a:pPr>
             <a:r>
               <a:rPr lang="fr-FR" sz="3200" dirty="0" smtClean="0"/>
-              <a:t>Présentation</a:t>
-            </a:r>
+              <a:t>Présentation du problème</a:t>
+            </a:r>
+            <a:endParaRPr lang="fr-FR" sz="3200" dirty="0" smtClean="0"/>
           </a:p>
           <a:p>
             <a:pPr>
@@ -6041,9 +6139,10 @@
               <a:buChar char="§"/>
             </a:pPr>
             <a:r>
-              <a:rPr lang="fr-FR" sz="3200" dirty="0"/>
-              <a:t>Mise en forme des données</a:t>
-            </a:r>
+              <a:rPr lang="fr-FR" sz="3200" dirty="0" smtClean="0"/>
+              <a:t>Modélisation des données</a:t>
+            </a:r>
+            <a:endParaRPr lang="fr-FR" sz="3200" dirty="0"/>
           </a:p>
           <a:p>
             <a:pPr>
@@ -6055,7 +6154,11 @@
             </a:pPr>
             <a:r>
               <a:rPr lang="fr-FR" sz="3200" dirty="0" smtClean="0"/>
-              <a:t>Etape de conception</a:t>
+              <a:t>Etapes </a:t>
+            </a:r>
+            <a:r>
+              <a:rPr lang="fr-FR" sz="3200" dirty="0" smtClean="0"/>
+              <a:t>de conception</a:t>
             </a:r>
             <a:endParaRPr lang="fr-FR" sz="3200" dirty="0"/>
           </a:p>

--- a/Soutenance_miProjet.pptx
+++ b/Soutenance_miProjet.pptx
@@ -6363,18 +6363,13 @@
             </a:pPr>
             <a:r>
               <a:rPr lang="fr-FR" sz="3200" dirty="0" smtClean="0"/>
-              <a:t>Pas de solution optimale !</a:t>
-            </a:r>
-          </a:p>
-          <a:p>
-            <a:pPr>
-              <a:buFont typeface="Wingdings" charset="2"/>
-              <a:buChar char="§"/>
-            </a:pPr>
+              <a:t>Pas de solution optimale </a:t>
+            </a:r>
             <a:r>
               <a:rPr lang="fr-FR" sz="3200" dirty="0" smtClean="0"/>
-              <a:t>Comparaison l’existant</a:t>
-            </a:r>
+              <a:t>(dans un temps raisonnable)</a:t>
+            </a:r>
+            <a:endParaRPr lang="fr-FR" sz="3200" dirty="0" smtClean="0"/>
           </a:p>
         </p:txBody>
       </p:sp>

--- a/Soutenance_miProjet.pptx
+++ b/Soutenance_miProjet.pptx
@@ -682,11 +682,7 @@
           <a:p>
             <a:r>
               <a:rPr lang="fr-FR" dirty="0" smtClean="0"/>
-              <a:t>Existant mais solution particulière, à adapter à chaque cas</a:t>
-            </a:r>
-            <a:r>
-              <a:rPr lang="fr-FR" dirty="0" smtClean="0"/>
-              <a:t>!</a:t>
+              <a:t>Existant mais solution particulière, à adapter à chaque cas!</a:t>
             </a:r>
           </a:p>
           <a:p>
@@ -6128,7 +6124,6 @@
               <a:rPr lang="fr-FR" sz="3200" dirty="0" smtClean="0"/>
               <a:t>Présentation du problème</a:t>
             </a:r>
-            <a:endParaRPr lang="fr-FR" sz="3200" dirty="0" smtClean="0"/>
           </a:p>
           <a:p>
             <a:pPr>
@@ -6154,11 +6149,7 @@
             </a:pPr>
             <a:r>
               <a:rPr lang="fr-FR" sz="3200" dirty="0" smtClean="0"/>
-              <a:t>Etapes </a:t>
-            </a:r>
-            <a:r>
-              <a:rPr lang="fr-FR" sz="3200" dirty="0" smtClean="0"/>
-              <a:t>de conception</a:t>
+              <a:t>Etapes de conception</a:t>
             </a:r>
             <a:endParaRPr lang="fr-FR" sz="3200" dirty="0"/>
           </a:p>
@@ -6363,13 +6354,8 @@
             </a:pPr>
             <a:r>
               <a:rPr lang="fr-FR" sz="3200" dirty="0" smtClean="0"/>
-              <a:t>Pas de solution optimale </a:t>
-            </a:r>
-            <a:r>
-              <a:rPr lang="fr-FR" sz="3200" dirty="0" smtClean="0"/>
-              <a:t>(dans un temps raisonnable)</a:t>
-            </a:r>
-            <a:endParaRPr lang="fr-FR" sz="3200" dirty="0" smtClean="0"/>
+              <a:t>Pas de solution optimale (dans un temps raisonnable)</a:t>
+            </a:r>
           </a:p>
         </p:txBody>
       </p:sp>

--- a/Soutenance_miProjet.pptx
+++ b/Soutenance_miProjet.pptx
@@ -13,7 +13,7 @@
     <p:sldId id="258" r:id="rId4"/>
     <p:sldId id="259" r:id="rId5"/>
     <p:sldId id="262" r:id="rId6"/>
-    <p:sldId id="260" r:id="rId7"/>
+    <p:sldId id="266" r:id="rId7"/>
     <p:sldId id="263" r:id="rId8"/>
     <p:sldId id="264" r:id="rId9"/>
     <p:sldId id="265" r:id="rId10"/>
@@ -359,7 +359,7 @@
           <a:p>
             <a:fld id="{B956A79E-FAC0-1942-8597-B8D8938A06DC}" type="slidenum">
               <a:rPr lang="fr-FR" smtClean="0"/>
-              <a:t>‹#›</a:t>
+              <a:t>‹N°›</a:t>
             </a:fld>
             <a:endParaRPr lang="fr-FR"/>
           </a:p>
@@ -682,11 +682,7 @@
           <a:p>
             <a:r>
               <a:rPr lang="fr-FR" dirty="0" smtClean="0"/>
-              <a:t>Existant mais solution particulière, à adapter à chaque cas</a:t>
-            </a:r>
-            <a:r>
-              <a:rPr lang="fr-FR" dirty="0" smtClean="0"/>
-              <a:t>!</a:t>
+              <a:t>Existant mais solution particulière, à adapter à chaque cas!</a:t>
             </a:r>
           </a:p>
           <a:p>
@@ -773,72 +769,6 @@
         <p:txBody>
           <a:bodyPr/>
           <a:lstStyle/>
-          <a:p>
-            <a:pPr marL="342900" lvl="1" indent="-342900">
-              <a:spcBef>
-                <a:spcPts val="2000"/>
-              </a:spcBef>
-              <a:buClr>
-                <a:schemeClr val="accent1"/>
-              </a:buClr>
-              <a:buFont typeface="Wingdings" charset="2"/>
-              <a:buChar char="§"/>
-            </a:pPr>
-            <a:r>
-              <a:rPr lang="fr-FR" sz="2400" dirty="0" smtClean="0"/>
-              <a:t>Une promotion d’une classe sans les salles</a:t>
-            </a:r>
-          </a:p>
-          <a:p>
-            <a:pPr lvl="1">
-              <a:buFont typeface="Wingdings" charset="2"/>
-              <a:buChar char="§"/>
-            </a:pPr>
-            <a:r>
-              <a:rPr lang="fr-FR" sz="2400" dirty="0" smtClean="0"/>
-              <a:t>Répartition des cours sur les créneaux</a:t>
-            </a:r>
-          </a:p>
-          <a:p>
-            <a:pPr lvl="1">
-              <a:buFont typeface="Wingdings" charset="2"/>
-              <a:buChar char="§"/>
-            </a:pPr>
-            <a:r>
-              <a:rPr lang="fr-FR" sz="2400" dirty="0" smtClean="0"/>
-              <a:t>Gestion de conflits</a:t>
-            </a:r>
-          </a:p>
-          <a:p>
-            <a:pPr lvl="1">
-              <a:buFont typeface="Wingdings" charset="2"/>
-              <a:buChar char="§"/>
-            </a:pPr>
-            <a:r>
-              <a:rPr lang="fr-FR" sz="2400" dirty="0" smtClean="0"/>
-              <a:t>Prise en compte des disponibilités des professeurs</a:t>
-            </a:r>
-          </a:p>
-          <a:p>
-            <a:pPr lvl="1">
-              <a:buFont typeface="Wingdings" charset="2"/>
-              <a:buChar char="§"/>
-            </a:pPr>
-            <a:r>
-              <a:rPr lang="fr-FR" sz="2400" dirty="0" smtClean="0"/>
-              <a:t>Ordre de priorité des professeurs</a:t>
-            </a:r>
-          </a:p>
-          <a:p>
-            <a:pPr lvl="1">
-              <a:buFont typeface="Wingdings" charset="2"/>
-              <a:buChar char="§"/>
-            </a:pPr>
-            <a:r>
-              <a:rPr lang="fr-FR" sz="2400" dirty="0" smtClean="0"/>
-              <a:t>Cours sur le même créneau sur des semaines consécutives</a:t>
-            </a:r>
-          </a:p>
           <a:p>
             <a:endParaRPr lang="fr-FR" dirty="0"/>
           </a:p>
@@ -1077,7 +1007,7 @@
             <a:pPr eaLnBrk="1" latinLnBrk="0" hangingPunct="1"/>
             <a:fld id="{7E67FBA8-66D5-45E8-A9CB-6E4000F8E69E}" type="datetime1">
               <a:rPr lang="en-US" smtClean="0"/>
-              <a:t>17/12/2013</a:t>
+              <a:t>12/17/2013</a:t>
             </a:fld>
             <a:endParaRPr lang="en-US"/>
           </a:p>
@@ -1123,7 +1053,7 @@
           <a:p>
             <a:fld id="{7F5CE407-6216-4202-80E4-A30DC2F709B2}" type="slidenum">
               <a:rPr lang="en-US" smtClean="0"/>
-              <a:t>‹#›</a:t>
+              <a:t>‹N°›</a:t>
             </a:fld>
             <a:endParaRPr lang="en-US"/>
           </a:p>
@@ -1210,7 +1140,7 @@
           <a:p>
             <a:fld id="{3FFF98ED-0755-4755-8632-F7C31FD349F7}" type="datetime1">
               <a:rPr lang="en-US" smtClean="0"/>
-              <a:t>17/12/2013</a:t>
+              <a:t>12/17/2013</a:t>
             </a:fld>
             <a:endParaRPr lang="en-US"/>
           </a:p>
@@ -1256,7 +1186,7 @@
           <a:p>
             <a:fld id="{886BB73A-582F-4420-9A14-CB10A2B2E5E8}" type="slidenum">
               <a:rPr lang="en-US" smtClean="0"/>
-              <a:t>‹#›</a:t>
+              <a:t>‹N°›</a:t>
             </a:fld>
             <a:endParaRPr lang="en-US"/>
           </a:p>
@@ -1519,7 +1449,7 @@
           <a:p>
             <a:fld id="{5A1A947A-C5EE-4C17-A02D-6B0D5BC94F10}" type="datetime1">
               <a:rPr lang="en-US" smtClean="0"/>
-              <a:t>17/12/2013</a:t>
+              <a:t>12/17/2013</a:t>
             </a:fld>
             <a:endParaRPr lang="en-US"/>
           </a:p>
@@ -1565,7 +1495,7 @@
           <a:p>
             <a:fld id="{7F5CE407-6216-4202-80E4-A30DC2F709B2}" type="slidenum">
               <a:rPr lang="en-US" smtClean="0"/>
-              <a:t>‹#›</a:t>
+              <a:t>‹N°›</a:t>
             </a:fld>
             <a:endParaRPr lang="en-US"/>
           </a:p>
@@ -1748,7 +1678,7 @@
           <a:p>
             <a:fld id="{A0CE5133-35BD-4B9D-A767-7CFF8D1AB082}" type="datetime1">
               <a:rPr lang="en-US" smtClean="0"/>
-              <a:t>17/12/2013</a:t>
+              <a:t>12/17/2013</a:t>
             </a:fld>
             <a:endParaRPr lang="en-US"/>
           </a:p>
@@ -1794,7 +1724,7 @@
           <a:p>
             <a:fld id="{886BB73A-582F-4420-9A14-CB10A2B2E5E8}" type="slidenum">
               <a:rPr lang="en-US" smtClean="0"/>
-              <a:t>‹#›</a:t>
+              <a:t>‹N°›</a:t>
             </a:fld>
             <a:endParaRPr lang="en-US"/>
           </a:p>
@@ -2022,7 +1952,7 @@
           <a:p>
             <a:fld id="{DD548307-BFB2-4F00-9A09-ABF429E2346C}" type="datetime1">
               <a:rPr lang="en-US" smtClean="0"/>
-              <a:t>17/12/2013</a:t>
+              <a:t>12/17/2013</a:t>
             </a:fld>
             <a:endParaRPr lang="en-US"/>
           </a:p>
@@ -2068,7 +1998,7 @@
           <a:p>
             <a:fld id="{886BB73A-582F-4420-9A14-CB10A2B2E5E8}" type="slidenum">
               <a:rPr lang="en-US" smtClean="0"/>
-              <a:t>‹#›</a:t>
+              <a:t>‹N°›</a:t>
             </a:fld>
             <a:endParaRPr lang="en-US"/>
           </a:p>
@@ -2351,7 +2281,7 @@
           <a:p>
             <a:fld id="{5D07E66A-D2B8-49C1-B953-A60E29E54617}" type="datetime1">
               <a:rPr lang="en-US" smtClean="0"/>
-              <a:t>17/12/2013</a:t>
+              <a:t>12/17/2013</a:t>
             </a:fld>
             <a:endParaRPr lang="en-US"/>
           </a:p>
@@ -2397,7 +2327,7 @@
           <a:p>
             <a:fld id="{886BB73A-582F-4420-9A14-CB10A2B2E5E8}" type="slidenum">
               <a:rPr lang="en-US" smtClean="0"/>
-              <a:t>‹#›</a:t>
+              <a:t>‹N°›</a:t>
             </a:fld>
             <a:endParaRPr lang="en-US"/>
           </a:p>
@@ -2548,7 +2478,7 @@
           <a:p>
             <a:fld id="{49118059-27B3-498F-8140-2579206B8D99}" type="datetime1">
               <a:rPr lang="en-US" smtClean="0"/>
-              <a:t>17/12/2013</a:t>
+              <a:t>12/17/2013</a:t>
             </a:fld>
             <a:endParaRPr lang="en-US"/>
           </a:p>
@@ -2594,7 +2524,7 @@
           <a:p>
             <a:fld id="{886BB73A-582F-4420-9A14-CB10A2B2E5E8}" type="slidenum">
               <a:rPr lang="en-US" smtClean="0"/>
-              <a:t>‹#›</a:t>
+              <a:t>‹N°›</a:t>
             </a:fld>
             <a:endParaRPr lang="en-US"/>
           </a:p>
@@ -2656,7 +2586,7 @@
           <a:p>
             <a:fld id="{495AAB71-EB13-4CC7-B74A-37B7843E29AD}" type="datetime1">
               <a:rPr lang="en-US" smtClean="0"/>
-              <a:t>17/12/2013</a:t>
+              <a:t>12/17/2013</a:t>
             </a:fld>
             <a:endParaRPr lang="en-US"/>
           </a:p>
@@ -2702,7 +2632,7 @@
           <a:p>
             <a:fld id="{886BB73A-582F-4420-9A14-CB10A2B2E5E8}" type="slidenum">
               <a:rPr lang="en-US" smtClean="0"/>
-              <a:t>‹#›</a:t>
+              <a:t>‹N°›</a:t>
             </a:fld>
             <a:endParaRPr lang="en-US"/>
           </a:p>
@@ -2829,7 +2759,7 @@
           <a:p>
             <a:fld id="{56DDDAB1-01C0-4E58-8631-78ED1D427A3A}" type="datetime1">
               <a:rPr lang="en-US" smtClean="0"/>
-              <a:t>17/12/2013</a:t>
+              <a:t>12/17/2013</a:t>
             </a:fld>
             <a:endParaRPr lang="en-US"/>
           </a:p>
@@ -2875,7 +2805,7 @@
           <a:p>
             <a:fld id="{886BB73A-582F-4420-9A14-CB10A2B2E5E8}" type="slidenum">
               <a:rPr lang="en-US" smtClean="0"/>
-              <a:t>‹#›</a:t>
+              <a:t>‹N°›</a:t>
             </a:fld>
             <a:endParaRPr lang="en-US"/>
           </a:p>
@@ -3098,7 +3028,7 @@
             <a:pPr eaLnBrk="1" latinLnBrk="0" hangingPunct="1"/>
             <a:fld id="{E53AAB49-BFD3-4F12-BD10-7962ECE1A1D8}" type="datetime1">
               <a:rPr lang="en-US" smtClean="0"/>
-              <a:t>17/12/2013</a:t>
+              <a:t>12/17/2013</a:t>
             </a:fld>
             <a:endParaRPr lang="en-US"/>
           </a:p>
@@ -3159,7 +3089,7 @@
             <a:fld id="{2C6B1FF6-39B9-40F5-8B67-33C6354A3D4F}" type="slidenum">
               <a:rPr kumimoji="0" lang="en-US" smtClean="0"/>
               <a:pPr eaLnBrk="1" latinLnBrk="0" hangingPunct="1"/>
-              <a:t>‹#›</a:t>
+              <a:t>‹N°›</a:t>
             </a:fld>
             <a:endParaRPr kumimoji="0" lang="en-US" dirty="0">
               <a:solidFill>
@@ -3444,7 +3374,7 @@
           <a:p>
             <a:fld id="{FDEC4510-1BAC-4F24-BDE2-91A02A60B456}" type="datetime1">
               <a:rPr lang="en-US" smtClean="0"/>
-              <a:t>17/12/2013</a:t>
+              <a:t>12/17/2013</a:t>
             </a:fld>
             <a:endParaRPr lang="en-US"/>
           </a:p>
@@ -3490,7 +3420,7 @@
           <a:p>
             <a:fld id="{886BB73A-582F-4420-9A14-CB10A2B2E5E8}" type="slidenum">
               <a:rPr lang="en-US" smtClean="0"/>
-              <a:t>‹#›</a:t>
+              <a:t>‹N°›</a:t>
             </a:fld>
             <a:endParaRPr lang="en-US"/>
           </a:p>
@@ -3889,7 +3819,7 @@
           <a:p>
             <a:fld id="{032462A4-1693-4D59-9D5E-9D89B5989000}" type="datetime1">
               <a:rPr lang="en-US" smtClean="0"/>
-              <a:t>17/12/2013</a:t>
+              <a:t>12/17/2013</a:t>
             </a:fld>
             <a:endParaRPr lang="en-US"/>
           </a:p>
@@ -3935,7 +3865,7 @@
           <a:p>
             <a:fld id="{886BB73A-582F-4420-9A14-CB10A2B2E5E8}" type="slidenum">
               <a:rPr lang="en-US" smtClean="0"/>
-              <a:t>‹#›</a:t>
+              <a:t>‹N°›</a:t>
             </a:fld>
             <a:endParaRPr lang="en-US"/>
           </a:p>
@@ -4091,7 +4021,7 @@
           <a:p>
             <a:fld id="{B70ACB4D-32FE-4358-A04E-417D554E1309}" type="datetime1">
               <a:rPr lang="en-US" smtClean="0"/>
-              <a:t>17/12/2013</a:t>
+              <a:t>12/17/2013</a:t>
             </a:fld>
             <a:endParaRPr lang="en-US"/>
           </a:p>
@@ -4137,7 +4067,7 @@
           <a:p>
             <a:fld id="{886BB73A-582F-4420-9A14-CB10A2B2E5E8}" type="slidenum">
               <a:rPr lang="en-US" smtClean="0"/>
-              <a:t>‹#›</a:t>
+              <a:t>‹N°›</a:t>
             </a:fld>
             <a:endParaRPr lang="en-US"/>
           </a:p>
@@ -4378,7 +4308,7 @@
           <a:p>
             <a:fld id="{20B8108D-308F-4812-B17B-BFC5677CF8EB}" type="datetime1">
               <a:rPr lang="en-US" smtClean="0"/>
-              <a:t>17/12/2013</a:t>
+              <a:t>12/17/2013</a:t>
             </a:fld>
             <a:endParaRPr lang="en-US"/>
           </a:p>
@@ -4424,7 +4354,7 @@
           <a:p>
             <a:fld id="{886BB73A-582F-4420-9A14-CB10A2B2E5E8}" type="slidenum">
               <a:rPr lang="en-US" smtClean="0"/>
-              <a:t>‹#›</a:t>
+              <a:t>‹N°›</a:t>
             </a:fld>
             <a:endParaRPr lang="en-US"/>
           </a:p>
@@ -4750,7 +4680,7 @@
           <a:p>
             <a:fld id="{311E8696-9CA1-4A92-9AD2-9FBEEE051D4A}" type="datetime1">
               <a:rPr lang="en-US" smtClean="0"/>
-              <a:t>17/12/2013</a:t>
+              <a:t>12/17/2013</a:t>
             </a:fld>
             <a:endParaRPr lang="en-US"/>
           </a:p>
@@ -4796,7 +4726,7 @@
           <a:p>
             <a:fld id="{886BB73A-582F-4420-9A14-CB10A2B2E5E8}" type="slidenum">
               <a:rPr lang="en-US" smtClean="0"/>
-              <a:t>‹#›</a:t>
+              <a:t>‹N°›</a:t>
             </a:fld>
             <a:endParaRPr lang="en-US"/>
           </a:p>
@@ -5250,7 +5180,7 @@
           <a:p>
             <a:fld id="{FACE8EBF-4B78-47A5-9C4D-C65549CADC98}" type="datetime1">
               <a:rPr lang="en-US" smtClean="0"/>
-              <a:t>17/12/2013</a:t>
+              <a:t>12/17/2013</a:t>
             </a:fld>
             <a:endParaRPr lang="en-US"/>
           </a:p>
@@ -5296,7 +5226,7 @@
           <a:p>
             <a:fld id="{886BB73A-582F-4420-9A14-CB10A2B2E5E8}" type="slidenum">
               <a:rPr lang="en-US" smtClean="0"/>
-              <a:t>‹#›</a:t>
+              <a:t>‹N°›</a:t>
             </a:fld>
             <a:endParaRPr lang="en-US"/>
           </a:p>
@@ -5463,7 +5393,7 @@
           <a:p>
             <a:fld id="{7B44FFAE-43F3-46B8-9C5E-4838052BC682}" type="datetime1">
               <a:rPr lang="en-US" smtClean="0"/>
-              <a:t>17/12/2013</a:t>
+              <a:t>12/17/2013</a:t>
             </a:fld>
             <a:endParaRPr lang="en-US"/>
           </a:p>
@@ -5547,7 +5477,7 @@
           <a:p>
             <a:fld id="{886BB73A-582F-4420-9A14-CB10A2B2E5E8}" type="slidenum">
               <a:rPr lang="en-US" smtClean="0"/>
-              <a:t>‹#›</a:t>
+              <a:t>‹N°›</a:t>
             </a:fld>
             <a:endParaRPr lang="en-US"/>
           </a:p>
@@ -5930,25 +5860,23 @@
             <p:ph type="ctrTitle"/>
           </p:nvPr>
         </p:nvSpPr>
-        <p:spPr/>
+        <p:spPr>
+          <a:xfrm>
+            <a:off x="457199" y="509668"/>
+            <a:ext cx="8357017" cy="2563058"/>
+          </a:xfrm>
+        </p:spPr>
         <p:txBody>
           <a:bodyPr>
-            <a:normAutofit fontScale="90000"/>
+            <a:normAutofit/>
           </a:bodyPr>
           <a:lstStyle/>
           <a:p>
             <a:r>
-              <a:rPr lang="fr-FR" dirty="0" smtClean="0"/>
-              <a:t>Résolution approchée du problème d’ordonnancement</a:t>
-            </a:r>
-            <a:br>
-              <a:rPr lang="fr-FR" dirty="0" smtClean="0"/>
-            </a:br>
-            <a:r>
-              <a:rPr lang="fr-FR" sz="2700" dirty="0" smtClean="0"/>
-              <a:t>Cas de l’emploi du temps de l’ESME SUDRIA</a:t>
-            </a:r>
-            <a:endParaRPr lang="fr-FR" sz="2700" dirty="0"/>
+              <a:rPr lang="fr-FR" sz="4800" dirty="0" smtClean="0"/>
+              <a:t>RÉSOLUTION APPROCHÉE DU PROBLÈME D’ORDONNANCEMENT</a:t>
+            </a:r>
+            <a:endParaRPr lang="fr-FR" sz="5400" dirty="0"/>
           </a:p>
         </p:txBody>
       </p:sp>
@@ -5964,7 +5892,7 @@
         </p:nvSpPr>
         <p:spPr>
           <a:xfrm>
-            <a:off x="457199" y="3692807"/>
+            <a:off x="457199" y="4487277"/>
             <a:ext cx="8228013" cy="1066800"/>
           </a:xfrm>
         </p:spPr>
@@ -6020,14 +5948,14 @@
             <a:noFill/>
           </a:ln>
           <a:extLst>
-            <a:ext uri="{909E8E84-426E-40dd-AFC4-6F175D3DCCD1}">
+            <a:ext uri="{909E8E84-426E-40DD-AFC4-6F175D3DCCD1}">
               <a14:hiddenFill xmlns:a14="http://schemas.microsoft.com/office/drawing/2010/main">
                 <a:solidFill>
                   <a:schemeClr val="accent1"/>
                 </a:solidFill>
               </a14:hiddenFill>
             </a:ext>
-            <a:ext uri="{91240B29-F687-4f45-9708-019B960494DF}">
+            <a:ext uri="{91240B29-F687-4F45-9708-019B960494DF}">
               <a14:hiddenLine xmlns:a14="http://schemas.microsoft.com/office/drawing/2010/main" w="9525">
                 <a:solidFill>
                   <a:schemeClr val="tx1"/>
@@ -6040,6 +5968,40 @@
           </a:extLst>
         </p:spPr>
       </p:pic>
+      <p:sp>
+        <p:nvSpPr>
+          <p:cNvPr id="4" name="ZoneTexte 3"/>
+          <p:cNvSpPr txBox="1"/>
+          <p:nvPr/>
+        </p:nvSpPr>
+        <p:spPr>
+          <a:xfrm>
+            <a:off x="149902" y="3428125"/>
+            <a:ext cx="8794754" cy="523220"/>
+          </a:xfrm>
+          <a:prstGeom prst="rect">
+            <a:avLst/>
+          </a:prstGeom>
+          <a:noFill/>
+        </p:spPr>
+        <p:txBody>
+          <a:bodyPr wrap="square" rtlCol="0">
+            <a:spAutoFit/>
+          </a:bodyPr>
+          <a:lstStyle/>
+          <a:p>
+            <a:pPr algn="ctr"/>
+            <a:r>
+              <a:rPr lang="fr-FR" sz="2800" dirty="0">
+                <a:solidFill>
+                  <a:schemeClr val="bg1"/>
+                </a:solidFill>
+              </a:rPr>
+              <a:t>Cas de l’emploi du temps de l’ESME SUDRIA</a:t>
+            </a:r>
+          </a:p>
+        </p:txBody>
+      </p:sp>
     </p:spTree>
     <p:extLst>
       <p:ext uri="{BB962C8B-B14F-4D97-AF65-F5344CB8AC3E}">
@@ -6053,7 +6015,7 @@
   <p:timing>
     <p:tnLst>
       <p:par>
-        <p:cTn xmlns:p14="http://schemas.microsoft.com/office/powerpoint/2010/main" id="1" dur="indefinite" restart="never" nodeType="tmRoot"/>
+        <p:cTn id="1" dur="indefinite" restart="never" nodeType="tmRoot"/>
       </p:par>
     </p:tnLst>
   </p:timing>
@@ -6128,7 +6090,6 @@
               <a:rPr lang="fr-FR" sz="3200" dirty="0" smtClean="0"/>
               <a:t>Présentation du problème</a:t>
             </a:r>
-            <a:endParaRPr lang="fr-FR" sz="3200" dirty="0" smtClean="0"/>
           </a:p>
           <a:p>
             <a:pPr>
@@ -6153,8 +6114,12 @@
               <a:buChar char="§"/>
             </a:pPr>
             <a:r>
+              <a:rPr lang="fr-FR" sz="3200" dirty="0"/>
+              <a:t>É</a:t>
+            </a:r>
+            <a:r>
               <a:rPr lang="fr-FR" sz="3200" dirty="0" smtClean="0"/>
-              <a:t>Etapes </a:t>
+              <a:t>tapes </a:t>
             </a:r>
             <a:r>
               <a:rPr lang="fr-FR" sz="3200" dirty="0" smtClean="0"/>
@@ -6272,7 +6237,7 @@
   <p:timing>
     <p:tnLst>
       <p:par>
-        <p:cTn xmlns:p14="http://schemas.microsoft.com/office/powerpoint/2010/main" id="1" dur="indefinite" restart="never" nodeType="tmRoot"/>
+        <p:cTn id="1" dur="indefinite" restart="never" nodeType="tmRoot"/>
       </p:par>
     </p:tnLst>
   </p:timing>
@@ -6313,7 +6278,7 @@
           <a:p>
             <a:r>
               <a:rPr lang="fr-FR" dirty="0" smtClean="0"/>
-              <a:t>PRESENTATION</a:t>
+              <a:t>PRÉSENTATION</a:t>
             </a:r>
             <a:endParaRPr lang="fr-FR" dirty="0"/>
           </a:p>
@@ -6363,13 +6328,8 @@
             </a:pPr>
             <a:r>
               <a:rPr lang="fr-FR" sz="3200" dirty="0" smtClean="0"/>
-              <a:t>Pas de solution optimale </a:t>
-            </a:r>
-            <a:r>
-              <a:rPr lang="fr-FR" sz="3200" dirty="0" smtClean="0"/>
-              <a:t>(dans un temps raisonnable)</a:t>
-            </a:r>
-            <a:endParaRPr lang="fr-FR" sz="3200" dirty="0" smtClean="0"/>
+              <a:t>Pas de solution optimale (dans un temps raisonnable)</a:t>
+            </a:r>
           </a:p>
         </p:txBody>
       </p:sp>
@@ -6455,7 +6415,7 @@
   <p:timing>
     <p:tnLst>
       <p:par>
-        <p:cTn xmlns:p14="http://schemas.microsoft.com/office/powerpoint/2010/main" id="1" dur="indefinite" restart="never" nodeType="tmRoot"/>
+        <p:cTn id="1" dur="indefinite" restart="never" nodeType="tmRoot"/>
       </p:par>
     </p:tnLst>
   </p:timing>
@@ -6496,7 +6456,15 @@
           <a:p>
             <a:r>
               <a:rPr lang="fr-FR" dirty="0" smtClean="0"/>
-              <a:t>MISE EN FORME DES DONNEES</a:t>
+              <a:t>MODÉLISATION </a:t>
+            </a:r>
+            <a:r>
+              <a:rPr lang="fr-FR" dirty="0" smtClean="0"/>
+              <a:t>DES </a:t>
+            </a:r>
+            <a:r>
+              <a:rPr lang="fr-FR" dirty="0" smtClean="0"/>
+              <a:t>DONNÉES</a:t>
             </a:r>
             <a:endParaRPr lang="fr-FR" dirty="0"/>
           </a:p>
@@ -6514,7 +6482,7 @@
         </p:nvSpPr>
         <p:spPr>
           <a:xfrm>
-            <a:off x="2603733" y="6270171"/>
+            <a:off x="2603733" y="6304434"/>
             <a:ext cx="4188958" cy="508454"/>
           </a:xfrm>
         </p:spPr>
@@ -6571,36 +6539,1154 @@
           </a:p>
         </p:txBody>
       </p:sp>
-      <p:pic>
-        <p:nvPicPr>
-          <p:cNvPr id="5" name="Image 4" descr="DiagrammeClassePPT (2).png"/>
-          <p:cNvPicPr>
-            <a:picLocks noChangeAspect="1"/>
-          </p:cNvPicPr>
+      <p:grpSp>
+        <p:nvGrpSpPr>
+          <p:cNvPr id="13" name="Groupe 12"/>
+          <p:cNvGrpSpPr/>
           <p:nvPr/>
-        </p:nvPicPr>
-        <p:blipFill>
-          <a:blip r:embed="rId2">
-            <a:extLst>
-              <a:ext uri="{28A0092B-C50C-407E-A947-70E740481C1C}">
-                <a14:useLocalDpi xmlns:a14="http://schemas.microsoft.com/office/drawing/2010/main" val="0"/>
-              </a:ext>
-            </a:extLst>
-          </a:blip>
-          <a:stretch>
-            <a:fillRect/>
-          </a:stretch>
-        </p:blipFill>
+        </p:nvGrpSpPr>
+        <p:grpSpPr>
+          <a:xfrm>
+            <a:off x="419730" y="2582597"/>
+            <a:ext cx="1644363" cy="2218569"/>
+            <a:chOff x="959370" y="3197187"/>
+            <a:chExt cx="1644363" cy="2218569"/>
+          </a:xfrm>
+        </p:grpSpPr>
+        <p:grpSp>
+          <p:nvGrpSpPr>
+            <p:cNvPr id="12" name="Groupe 11"/>
+            <p:cNvGrpSpPr/>
+            <p:nvPr/>
+          </p:nvGrpSpPr>
+          <p:grpSpPr>
+            <a:xfrm>
+              <a:off x="959370" y="3197187"/>
+              <a:ext cx="1644363" cy="2218569"/>
+              <a:chOff x="959370" y="3197187"/>
+              <a:chExt cx="1644363" cy="2218569"/>
+            </a:xfrm>
+          </p:grpSpPr>
+          <p:sp>
+            <p:nvSpPr>
+              <p:cNvPr id="9" name="Rectangle à coins arrondis 8"/>
+              <p:cNvSpPr/>
+              <p:nvPr/>
+            </p:nvSpPr>
+            <p:spPr>
+              <a:xfrm>
+                <a:off x="959370" y="3657598"/>
+                <a:ext cx="1644363" cy="1758158"/>
+              </a:xfrm>
+              <a:prstGeom prst="roundRect">
+                <a:avLst>
+                  <a:gd name="adj" fmla="val 10286"/>
+                </a:avLst>
+              </a:prstGeom>
+              <a:noFill/>
+              <a:ln>
+                <a:solidFill>
+                  <a:schemeClr val="tx1"/>
+                </a:solidFill>
+              </a:ln>
+              <a:effectLst/>
+            </p:spPr>
+            <p:style>
+              <a:lnRef idx="1">
+                <a:schemeClr val="accent1"/>
+              </a:lnRef>
+              <a:fillRef idx="3">
+                <a:schemeClr val="accent1"/>
+              </a:fillRef>
+              <a:effectRef idx="2">
+                <a:schemeClr val="accent1"/>
+              </a:effectRef>
+              <a:fontRef idx="minor">
+                <a:schemeClr val="lt1"/>
+              </a:fontRef>
+            </p:style>
+            <p:txBody>
+              <a:bodyPr rtlCol="0" anchor="ctr"/>
+              <a:lstStyle/>
+              <a:p>
+                <a:pPr algn="ctr"/>
+                <a:endParaRPr lang="fr-FR"/>
+              </a:p>
+            </p:txBody>
+          </p:sp>
+          <p:sp>
+            <p:nvSpPr>
+              <p:cNvPr id="4" name="Rectangle à coins arrondis 3"/>
+              <p:cNvSpPr/>
+              <p:nvPr/>
+            </p:nvSpPr>
+            <p:spPr>
+              <a:xfrm>
+                <a:off x="959370" y="3197187"/>
+                <a:ext cx="1644363" cy="779488"/>
+              </a:xfrm>
+              <a:prstGeom prst="roundRect">
+                <a:avLst/>
+              </a:prstGeom>
+              <a:solidFill>
+                <a:srgbClr val="05BEFF"/>
+              </a:solidFill>
+              <a:ln>
+                <a:solidFill>
+                  <a:schemeClr val="bg2">
+                    <a:lumMod val="50000"/>
+                  </a:schemeClr>
+                </a:solidFill>
+              </a:ln>
+              <a:effectLst/>
+            </p:spPr>
+            <p:style>
+              <a:lnRef idx="1">
+                <a:schemeClr val="accent1"/>
+              </a:lnRef>
+              <a:fillRef idx="3">
+                <a:schemeClr val="accent1"/>
+              </a:fillRef>
+              <a:effectRef idx="2">
+                <a:schemeClr val="accent1"/>
+              </a:effectRef>
+              <a:fontRef idx="minor">
+                <a:schemeClr val="lt1"/>
+              </a:fontRef>
+            </p:style>
+            <p:txBody>
+              <a:bodyPr rtlCol="0" anchor="ctr"/>
+              <a:lstStyle/>
+              <a:p>
+                <a:pPr algn="ctr"/>
+                <a:r>
+                  <a:rPr lang="fr-FR" sz="3200" dirty="0"/>
+                  <a:t>C</a:t>
+                </a:r>
+                <a:r>
+                  <a:rPr lang="fr-FR" sz="3200" dirty="0" smtClean="0"/>
+                  <a:t>ours</a:t>
+                </a:r>
+                <a:endParaRPr lang="fr-FR" dirty="0"/>
+              </a:p>
+            </p:txBody>
+          </p:sp>
+        </p:grpSp>
+        <p:sp>
+          <p:nvSpPr>
+            <p:cNvPr id="10" name="ZoneTexte 9"/>
+            <p:cNvSpPr txBox="1"/>
+            <p:nvPr/>
+          </p:nvSpPr>
+          <p:spPr>
+            <a:xfrm>
+              <a:off x="959370" y="4092317"/>
+              <a:ext cx="1644363" cy="1323439"/>
+            </a:xfrm>
+            <a:prstGeom prst="rect">
+              <a:avLst/>
+            </a:prstGeom>
+            <a:noFill/>
+          </p:spPr>
+          <p:txBody>
+            <a:bodyPr wrap="square" rtlCol="0">
+              <a:spAutoFit/>
+            </a:bodyPr>
+            <a:lstStyle/>
+            <a:p>
+              <a:pPr marL="285750" indent="-285750">
+                <a:buFontTx/>
+                <a:buChar char="-"/>
+              </a:pPr>
+              <a:r>
+                <a:rPr lang="fr-FR" sz="2000" dirty="0" smtClean="0"/>
+                <a:t>Professeur</a:t>
+              </a:r>
+            </a:p>
+            <a:p>
+              <a:pPr marL="285750" indent="-285750">
+                <a:buFontTx/>
+                <a:buChar char="-"/>
+              </a:pPr>
+              <a:r>
+                <a:rPr lang="fr-FR" sz="2000" dirty="0" smtClean="0"/>
+                <a:t>Matière</a:t>
+              </a:r>
+            </a:p>
+            <a:p>
+              <a:pPr marL="285750" indent="-285750">
+                <a:buFontTx/>
+                <a:buChar char="-"/>
+              </a:pPr>
+              <a:r>
+                <a:rPr lang="fr-FR" sz="2000" dirty="0" smtClean="0"/>
+                <a:t>Classe</a:t>
+              </a:r>
+            </a:p>
+            <a:p>
+              <a:pPr marL="285750" indent="-285750">
+                <a:buFontTx/>
+                <a:buChar char="-"/>
+              </a:pPr>
+              <a:r>
+                <a:rPr lang="fr-FR" sz="2000" dirty="0" smtClean="0"/>
+                <a:t>Salle</a:t>
+              </a:r>
+              <a:endParaRPr lang="fr-FR" sz="2000" dirty="0"/>
+            </a:p>
+          </p:txBody>
+        </p:sp>
+      </p:grpSp>
+      <p:graphicFrame>
+        <p:nvGraphicFramePr>
+          <p:cNvPr id="11" name="Tableau 10"/>
+          <p:cNvGraphicFramePr>
+            <a:graphicFrameLocks noGrp="1"/>
+          </p:cNvGraphicFramePr>
+          <p:nvPr>
+            <p:extLst>
+              <p:ext uri="{D42A27DB-BD31-4B8C-83A1-F6EECF244321}">
+                <p14:modId xmlns:p14="http://schemas.microsoft.com/office/powerpoint/2010/main" val="269784474"/>
+              </p:ext>
+            </p:extLst>
+          </p:nvPr>
+        </p:nvGraphicFramePr>
+        <p:xfrm>
+          <a:off x="2743201" y="3669590"/>
+          <a:ext cx="6042355" cy="2302732"/>
+        </p:xfrm>
+        <a:graphic>
+          <a:graphicData uri="http://schemas.openxmlformats.org/drawingml/2006/table">
+            <a:tbl>
+              <a:tblPr firstRow="1" bandRow="1">
+                <a:tableStyleId>{F2DE63D5-997A-4646-A377-4702673A728D}</a:tableStyleId>
+              </a:tblPr>
+              <a:tblGrid>
+                <a:gridCol w="841230"/>
+                <a:gridCol w="781926"/>
+                <a:gridCol w="820240"/>
+                <a:gridCol w="1009379"/>
+                <a:gridCol w="735802"/>
+                <a:gridCol w="1045497"/>
+                <a:gridCol w="808281"/>
+              </a:tblGrid>
+              <a:tr h="694166">
+                <a:tc>
+                  <a:txBody>
+                    <a:bodyPr/>
+                    <a:lstStyle/>
+                    <a:p>
+                      <a:endParaRPr lang="fr-FR" dirty="0"/>
+                    </a:p>
+                  </a:txBody>
+                  <a:tcPr>
+                    <a:lnR w="12700" cap="flat" cmpd="sng" algn="ctr">
+                      <a:solidFill>
+                        <a:srgbClr val="000000"/>
+                      </a:solidFill>
+                      <a:prstDash val="solid"/>
+                      <a:round/>
+                      <a:headEnd type="none" w="med" len="med"/>
+                      <a:tailEnd type="none" w="med" len="med"/>
+                    </a:lnR>
+                    <a:lnB w="12700" cap="flat" cmpd="sng" algn="ctr">
+                      <a:solidFill>
+                        <a:srgbClr val="000000"/>
+                      </a:solidFill>
+                      <a:prstDash val="solid"/>
+                      <a:round/>
+                      <a:headEnd type="none" w="med" len="med"/>
+                      <a:tailEnd type="none" w="med" len="med"/>
+                    </a:lnB>
+                  </a:tcPr>
+                </a:tc>
+                <a:tc>
+                  <a:txBody>
+                    <a:bodyPr/>
+                    <a:lstStyle/>
+                    <a:p>
+                      <a:pPr algn="ctr"/>
+                      <a:r>
+                        <a:rPr lang="fr-FR" sz="1800" dirty="0" smtClean="0"/>
+                        <a:t>LUN</a:t>
+                      </a:r>
+                      <a:endParaRPr lang="fr-FR" sz="1200" dirty="0"/>
+                    </a:p>
+                  </a:txBody>
+                  <a:tcPr anchor="ctr">
+                    <a:lnL w="12700" cap="flat" cmpd="sng" algn="ctr">
+                      <a:solidFill>
+                        <a:srgbClr val="000000"/>
+                      </a:solidFill>
+                      <a:prstDash val="solid"/>
+                      <a:round/>
+                      <a:headEnd type="none" w="med" len="med"/>
+                      <a:tailEnd type="none" w="med" len="med"/>
+                    </a:lnL>
+                    <a:lnR w="12700" cap="flat" cmpd="sng" algn="ctr">
+                      <a:solidFill>
+                        <a:srgbClr val="000000"/>
+                      </a:solidFill>
+                      <a:prstDash val="solid"/>
+                      <a:round/>
+                      <a:headEnd type="none" w="med" len="med"/>
+                      <a:tailEnd type="none" w="med" len="med"/>
+                    </a:lnR>
+                    <a:lnB w="12700" cap="flat" cmpd="sng" algn="ctr">
+                      <a:solidFill>
+                        <a:srgbClr val="000000"/>
+                      </a:solidFill>
+                      <a:prstDash val="solid"/>
+                      <a:round/>
+                      <a:headEnd type="none" w="med" len="med"/>
+                      <a:tailEnd type="none" w="med" len="med"/>
+                    </a:lnB>
+                  </a:tcPr>
+                </a:tc>
+                <a:tc>
+                  <a:txBody>
+                    <a:bodyPr/>
+                    <a:lstStyle/>
+                    <a:p>
+                      <a:pPr algn="ctr"/>
+                      <a:r>
+                        <a:rPr lang="fr-FR" sz="1800" dirty="0" smtClean="0"/>
+                        <a:t>MAR</a:t>
+                      </a:r>
+                      <a:endParaRPr lang="fr-FR" dirty="0"/>
+                    </a:p>
+                  </a:txBody>
+                  <a:tcPr anchor="ctr">
+                    <a:lnL w="12700" cap="flat" cmpd="sng" algn="ctr">
+                      <a:solidFill>
+                        <a:srgbClr val="000000"/>
+                      </a:solidFill>
+                      <a:prstDash val="solid"/>
+                      <a:round/>
+                      <a:headEnd type="none" w="med" len="med"/>
+                      <a:tailEnd type="none" w="med" len="med"/>
+                    </a:lnL>
+                    <a:lnR w="12700" cap="flat" cmpd="sng" algn="ctr">
+                      <a:solidFill>
+                        <a:srgbClr val="000000"/>
+                      </a:solidFill>
+                      <a:prstDash val="solid"/>
+                      <a:round/>
+                      <a:headEnd type="none" w="med" len="med"/>
+                      <a:tailEnd type="none" w="med" len="med"/>
+                    </a:lnR>
+                    <a:lnB w="12700" cap="flat" cmpd="sng" algn="ctr">
+                      <a:solidFill>
+                        <a:srgbClr val="000000"/>
+                      </a:solidFill>
+                      <a:prstDash val="solid"/>
+                      <a:round/>
+                      <a:headEnd type="none" w="med" len="med"/>
+                      <a:tailEnd type="none" w="med" len="med"/>
+                    </a:lnB>
+                  </a:tcPr>
+                </a:tc>
+                <a:tc>
+                  <a:txBody>
+                    <a:bodyPr/>
+                    <a:lstStyle/>
+                    <a:p>
+                      <a:pPr algn="ctr"/>
+                      <a:r>
+                        <a:rPr lang="fr-FR" sz="1800" dirty="0" smtClean="0"/>
+                        <a:t>MER</a:t>
+                      </a:r>
+                      <a:endParaRPr lang="fr-FR" dirty="0"/>
+                    </a:p>
+                  </a:txBody>
+                  <a:tcPr anchor="ctr">
+                    <a:lnL w="12700" cap="flat" cmpd="sng" algn="ctr">
+                      <a:solidFill>
+                        <a:srgbClr val="000000"/>
+                      </a:solidFill>
+                      <a:prstDash val="solid"/>
+                      <a:round/>
+                      <a:headEnd type="none" w="med" len="med"/>
+                      <a:tailEnd type="none" w="med" len="med"/>
+                    </a:lnL>
+                    <a:lnR w="12700" cap="flat" cmpd="sng" algn="ctr">
+                      <a:solidFill>
+                        <a:srgbClr val="000000"/>
+                      </a:solidFill>
+                      <a:prstDash val="solid"/>
+                      <a:round/>
+                      <a:headEnd type="none" w="med" len="med"/>
+                      <a:tailEnd type="none" w="med" len="med"/>
+                    </a:lnR>
+                    <a:lnB w="12700" cap="flat" cmpd="sng" algn="ctr">
+                      <a:solidFill>
+                        <a:srgbClr val="000000"/>
+                      </a:solidFill>
+                      <a:prstDash val="solid"/>
+                      <a:round/>
+                      <a:headEnd type="none" w="med" len="med"/>
+                      <a:tailEnd type="none" w="med" len="med"/>
+                    </a:lnB>
+                  </a:tcPr>
+                </a:tc>
+                <a:tc>
+                  <a:txBody>
+                    <a:bodyPr/>
+                    <a:lstStyle/>
+                    <a:p>
+                      <a:pPr algn="ctr"/>
+                      <a:r>
+                        <a:rPr lang="fr-FR" sz="1800" dirty="0" smtClean="0"/>
+                        <a:t>JEU</a:t>
+                      </a:r>
+                      <a:endParaRPr lang="fr-FR" dirty="0"/>
+                    </a:p>
+                  </a:txBody>
+                  <a:tcPr anchor="ctr">
+                    <a:lnL w="12700" cap="flat" cmpd="sng" algn="ctr">
+                      <a:solidFill>
+                        <a:srgbClr val="000000"/>
+                      </a:solidFill>
+                      <a:prstDash val="solid"/>
+                      <a:round/>
+                      <a:headEnd type="none" w="med" len="med"/>
+                      <a:tailEnd type="none" w="med" len="med"/>
+                    </a:lnL>
+                    <a:lnR w="12700" cap="flat" cmpd="sng" algn="ctr">
+                      <a:solidFill>
+                        <a:srgbClr val="000000"/>
+                      </a:solidFill>
+                      <a:prstDash val="solid"/>
+                      <a:round/>
+                      <a:headEnd type="none" w="med" len="med"/>
+                      <a:tailEnd type="none" w="med" len="med"/>
+                    </a:lnR>
+                    <a:lnB w="12700" cap="flat" cmpd="sng" algn="ctr">
+                      <a:solidFill>
+                        <a:srgbClr val="000000"/>
+                      </a:solidFill>
+                      <a:prstDash val="solid"/>
+                      <a:round/>
+                      <a:headEnd type="none" w="med" len="med"/>
+                      <a:tailEnd type="none" w="med" len="med"/>
+                    </a:lnB>
+                  </a:tcPr>
+                </a:tc>
+                <a:tc>
+                  <a:txBody>
+                    <a:bodyPr/>
+                    <a:lstStyle/>
+                    <a:p>
+                      <a:pPr algn="ctr"/>
+                      <a:r>
+                        <a:rPr lang="fr-FR" dirty="0" smtClean="0"/>
+                        <a:t>VEN</a:t>
+                      </a:r>
+                      <a:endParaRPr lang="fr-FR" dirty="0"/>
+                    </a:p>
+                  </a:txBody>
+                  <a:tcPr anchor="ctr">
+                    <a:lnL w="12700" cap="flat" cmpd="sng" algn="ctr">
+                      <a:solidFill>
+                        <a:srgbClr val="000000"/>
+                      </a:solidFill>
+                      <a:prstDash val="solid"/>
+                      <a:round/>
+                      <a:headEnd type="none" w="med" len="med"/>
+                      <a:tailEnd type="none" w="med" len="med"/>
+                    </a:lnL>
+                    <a:lnR w="12700" cap="flat" cmpd="sng" algn="ctr">
+                      <a:solidFill>
+                        <a:srgbClr val="000000"/>
+                      </a:solidFill>
+                      <a:prstDash val="solid"/>
+                      <a:round/>
+                      <a:headEnd type="none" w="med" len="med"/>
+                      <a:tailEnd type="none" w="med" len="med"/>
+                    </a:lnR>
+                    <a:lnB w="12700" cap="flat" cmpd="sng" algn="ctr">
+                      <a:solidFill>
+                        <a:srgbClr val="000000"/>
+                      </a:solidFill>
+                      <a:prstDash val="solid"/>
+                      <a:round/>
+                      <a:headEnd type="none" w="med" len="med"/>
+                      <a:tailEnd type="none" w="med" len="med"/>
+                    </a:lnB>
+                  </a:tcPr>
+                </a:tc>
+                <a:tc>
+                  <a:txBody>
+                    <a:bodyPr/>
+                    <a:lstStyle/>
+                    <a:p>
+                      <a:pPr algn="ctr"/>
+                      <a:r>
+                        <a:rPr lang="fr-FR" dirty="0" smtClean="0"/>
+                        <a:t>SAM</a:t>
+                      </a:r>
+                      <a:endParaRPr lang="fr-FR" dirty="0"/>
+                    </a:p>
+                  </a:txBody>
+                  <a:tcPr anchor="ctr">
+                    <a:lnL w="12700" cap="flat" cmpd="sng" algn="ctr">
+                      <a:solidFill>
+                        <a:srgbClr val="000000"/>
+                      </a:solidFill>
+                      <a:prstDash val="solid"/>
+                      <a:round/>
+                      <a:headEnd type="none" w="med" len="med"/>
+                      <a:tailEnd type="none" w="med" len="med"/>
+                    </a:lnL>
+                    <a:lnB w="12700" cap="flat" cmpd="sng" algn="ctr">
+                      <a:solidFill>
+                        <a:srgbClr val="000000"/>
+                      </a:solidFill>
+                      <a:prstDash val="solid"/>
+                      <a:round/>
+                      <a:headEnd type="none" w="med" len="med"/>
+                      <a:tailEnd type="none" w="med" len="med"/>
+                    </a:lnB>
+                  </a:tcPr>
+                </a:tc>
+              </a:tr>
+              <a:tr h="694166">
+                <a:tc>
+                  <a:txBody>
+                    <a:bodyPr/>
+                    <a:lstStyle/>
+                    <a:p>
+                      <a:r>
+                        <a:rPr lang="fr-FR" dirty="0" smtClean="0"/>
+                        <a:t>Matin</a:t>
+                      </a:r>
+                    </a:p>
+                    <a:p>
+                      <a:r>
+                        <a:rPr lang="fr-FR" dirty="0" smtClean="0"/>
+                        <a:t>(4H)</a:t>
+                      </a:r>
+                      <a:endParaRPr lang="fr-FR" dirty="0"/>
+                    </a:p>
+                  </a:txBody>
+                  <a:tcPr>
+                    <a:lnR w="12700" cap="flat" cmpd="sng" algn="ctr">
+                      <a:solidFill>
+                        <a:srgbClr val="000000"/>
+                      </a:solidFill>
+                      <a:prstDash val="solid"/>
+                      <a:round/>
+                      <a:headEnd type="none" w="med" len="med"/>
+                      <a:tailEnd type="none" w="med" len="med"/>
+                    </a:lnR>
+                    <a:lnT w="12700" cap="flat" cmpd="sng" algn="ctr">
+                      <a:solidFill>
+                        <a:srgbClr val="000000"/>
+                      </a:solidFill>
+                      <a:prstDash val="solid"/>
+                      <a:round/>
+                      <a:headEnd type="none" w="med" len="med"/>
+                      <a:tailEnd type="none" w="med" len="med"/>
+                    </a:lnT>
+                    <a:lnB w="12700" cap="flat" cmpd="sng" algn="ctr">
+                      <a:solidFill>
+                        <a:srgbClr val="000000"/>
+                      </a:solidFill>
+                      <a:prstDash val="solid"/>
+                      <a:round/>
+                      <a:headEnd type="none" w="med" len="med"/>
+                      <a:tailEnd type="none" w="med" len="med"/>
+                    </a:lnB>
+                  </a:tcPr>
+                </a:tc>
+                <a:tc>
+                  <a:txBody>
+                    <a:bodyPr/>
+                    <a:lstStyle/>
+                    <a:p>
+                      <a:pPr algn="ctr"/>
+                      <a:endParaRPr lang="fr-FR" sz="2400" dirty="0"/>
+                    </a:p>
+                  </a:txBody>
+                  <a:tcPr anchor="ctr">
+                    <a:lnL w="12700" cap="flat" cmpd="sng" algn="ctr">
+                      <a:solidFill>
+                        <a:srgbClr val="000000"/>
+                      </a:solidFill>
+                      <a:prstDash val="solid"/>
+                      <a:round/>
+                      <a:headEnd type="none" w="med" len="med"/>
+                      <a:tailEnd type="none" w="med" len="med"/>
+                    </a:lnL>
+                    <a:lnR w="12700" cap="flat" cmpd="sng" algn="ctr">
+                      <a:solidFill>
+                        <a:srgbClr val="000000"/>
+                      </a:solidFill>
+                      <a:prstDash val="solid"/>
+                      <a:round/>
+                      <a:headEnd type="none" w="med" len="med"/>
+                      <a:tailEnd type="none" w="med" len="med"/>
+                    </a:lnR>
+                    <a:lnT w="12700" cap="flat" cmpd="sng" algn="ctr">
+                      <a:solidFill>
+                        <a:srgbClr val="000000"/>
+                      </a:solidFill>
+                      <a:prstDash val="solid"/>
+                      <a:round/>
+                      <a:headEnd type="none" w="med" len="med"/>
+                      <a:tailEnd type="none" w="med" len="med"/>
+                    </a:lnT>
+                    <a:lnB w="12700" cap="flat" cmpd="sng" algn="ctr">
+                      <a:solidFill>
+                        <a:srgbClr val="000000"/>
+                      </a:solidFill>
+                      <a:prstDash val="solid"/>
+                      <a:round/>
+                      <a:headEnd type="none" w="med" len="med"/>
+                      <a:tailEnd type="none" w="med" len="med"/>
+                    </a:lnB>
+                  </a:tcPr>
+                </a:tc>
+                <a:tc>
+                  <a:txBody>
+                    <a:bodyPr/>
+                    <a:lstStyle/>
+                    <a:p>
+                      <a:pPr algn="ctr"/>
+                      <a:endParaRPr lang="fr-FR" sz="2400" dirty="0"/>
+                    </a:p>
+                  </a:txBody>
+                  <a:tcPr anchor="ctr">
+                    <a:lnL w="12700" cap="flat" cmpd="sng" algn="ctr">
+                      <a:solidFill>
+                        <a:srgbClr val="000000"/>
+                      </a:solidFill>
+                      <a:prstDash val="solid"/>
+                      <a:round/>
+                      <a:headEnd type="none" w="med" len="med"/>
+                      <a:tailEnd type="none" w="med" len="med"/>
+                    </a:lnL>
+                    <a:lnR w="12700" cap="flat" cmpd="sng" algn="ctr">
+                      <a:solidFill>
+                        <a:srgbClr val="000000"/>
+                      </a:solidFill>
+                      <a:prstDash val="solid"/>
+                      <a:round/>
+                      <a:headEnd type="none" w="med" len="med"/>
+                      <a:tailEnd type="none" w="med" len="med"/>
+                    </a:lnR>
+                    <a:lnT w="12700" cap="flat" cmpd="sng" algn="ctr">
+                      <a:solidFill>
+                        <a:srgbClr val="000000"/>
+                      </a:solidFill>
+                      <a:prstDash val="solid"/>
+                      <a:round/>
+                      <a:headEnd type="none" w="med" len="med"/>
+                      <a:tailEnd type="none" w="med" len="med"/>
+                    </a:lnT>
+                    <a:lnB w="12700" cap="flat" cmpd="sng" algn="ctr">
+                      <a:solidFill>
+                        <a:srgbClr val="000000"/>
+                      </a:solidFill>
+                      <a:prstDash val="solid"/>
+                      <a:round/>
+                      <a:headEnd type="none" w="med" len="med"/>
+                      <a:tailEnd type="none" w="med" len="med"/>
+                    </a:lnB>
+                  </a:tcPr>
+                </a:tc>
+                <a:tc>
+                  <a:txBody>
+                    <a:bodyPr/>
+                    <a:lstStyle/>
+                    <a:p>
+                      <a:pPr algn="ctr"/>
+                      <a:endParaRPr lang="fr-FR" sz="2400" dirty="0"/>
+                    </a:p>
+                  </a:txBody>
+                  <a:tcPr anchor="ctr">
+                    <a:lnL w="12700" cap="flat" cmpd="sng" algn="ctr">
+                      <a:solidFill>
+                        <a:srgbClr val="000000"/>
+                      </a:solidFill>
+                      <a:prstDash val="solid"/>
+                      <a:round/>
+                      <a:headEnd type="none" w="med" len="med"/>
+                      <a:tailEnd type="none" w="med" len="med"/>
+                    </a:lnL>
+                    <a:lnR w="12700" cap="flat" cmpd="sng" algn="ctr">
+                      <a:solidFill>
+                        <a:srgbClr val="000000"/>
+                      </a:solidFill>
+                      <a:prstDash val="solid"/>
+                      <a:round/>
+                      <a:headEnd type="none" w="med" len="med"/>
+                      <a:tailEnd type="none" w="med" len="med"/>
+                    </a:lnR>
+                    <a:lnT w="12700" cap="flat" cmpd="sng" algn="ctr">
+                      <a:solidFill>
+                        <a:srgbClr val="000000"/>
+                      </a:solidFill>
+                      <a:prstDash val="solid"/>
+                      <a:round/>
+                      <a:headEnd type="none" w="med" len="med"/>
+                      <a:tailEnd type="none" w="med" len="med"/>
+                    </a:lnT>
+                    <a:lnB w="12700" cap="flat" cmpd="sng" algn="ctr">
+                      <a:solidFill>
+                        <a:srgbClr val="000000"/>
+                      </a:solidFill>
+                      <a:prstDash val="solid"/>
+                      <a:round/>
+                      <a:headEnd type="none" w="med" len="med"/>
+                      <a:tailEnd type="none" w="med" len="med"/>
+                    </a:lnB>
+                  </a:tcPr>
+                </a:tc>
+                <a:tc>
+                  <a:txBody>
+                    <a:bodyPr/>
+                    <a:lstStyle/>
+                    <a:p>
+                      <a:pPr algn="ctr"/>
+                      <a:endParaRPr lang="fr-FR" sz="2400" dirty="0"/>
+                    </a:p>
+                  </a:txBody>
+                  <a:tcPr anchor="ctr">
+                    <a:lnL w="12700" cap="flat" cmpd="sng" algn="ctr">
+                      <a:solidFill>
+                        <a:srgbClr val="000000"/>
+                      </a:solidFill>
+                      <a:prstDash val="solid"/>
+                      <a:round/>
+                      <a:headEnd type="none" w="med" len="med"/>
+                      <a:tailEnd type="none" w="med" len="med"/>
+                    </a:lnL>
+                    <a:lnR w="12700" cap="flat" cmpd="sng" algn="ctr">
+                      <a:solidFill>
+                        <a:srgbClr val="000000"/>
+                      </a:solidFill>
+                      <a:prstDash val="solid"/>
+                      <a:round/>
+                      <a:headEnd type="none" w="med" len="med"/>
+                      <a:tailEnd type="none" w="med" len="med"/>
+                    </a:lnR>
+                    <a:lnT w="12700" cap="flat" cmpd="sng" algn="ctr">
+                      <a:solidFill>
+                        <a:srgbClr val="000000"/>
+                      </a:solidFill>
+                      <a:prstDash val="solid"/>
+                      <a:round/>
+                      <a:headEnd type="none" w="med" len="med"/>
+                      <a:tailEnd type="none" w="med" len="med"/>
+                    </a:lnT>
+                    <a:lnB w="12700" cap="flat" cmpd="sng" algn="ctr">
+                      <a:solidFill>
+                        <a:srgbClr val="000000"/>
+                      </a:solidFill>
+                      <a:prstDash val="solid"/>
+                      <a:round/>
+                      <a:headEnd type="none" w="med" len="med"/>
+                      <a:tailEnd type="none" w="med" len="med"/>
+                    </a:lnB>
+                  </a:tcPr>
+                </a:tc>
+                <a:tc>
+                  <a:txBody>
+                    <a:bodyPr/>
+                    <a:lstStyle/>
+                    <a:p>
+                      <a:pPr algn="ctr"/>
+                      <a:endParaRPr lang="fr-FR" sz="2400" dirty="0"/>
+                    </a:p>
+                  </a:txBody>
+                  <a:tcPr anchor="ctr">
+                    <a:lnL w="12700" cap="flat" cmpd="sng" algn="ctr">
+                      <a:solidFill>
+                        <a:srgbClr val="000000"/>
+                      </a:solidFill>
+                      <a:prstDash val="solid"/>
+                      <a:round/>
+                      <a:headEnd type="none" w="med" len="med"/>
+                      <a:tailEnd type="none" w="med" len="med"/>
+                    </a:lnL>
+                    <a:lnR w="12700" cap="flat" cmpd="sng" algn="ctr">
+                      <a:solidFill>
+                        <a:srgbClr val="000000"/>
+                      </a:solidFill>
+                      <a:prstDash val="solid"/>
+                      <a:round/>
+                      <a:headEnd type="none" w="med" len="med"/>
+                      <a:tailEnd type="none" w="med" len="med"/>
+                    </a:lnR>
+                    <a:lnT w="12700" cap="flat" cmpd="sng" algn="ctr">
+                      <a:solidFill>
+                        <a:srgbClr val="000000"/>
+                      </a:solidFill>
+                      <a:prstDash val="solid"/>
+                      <a:round/>
+                      <a:headEnd type="none" w="med" len="med"/>
+                      <a:tailEnd type="none" w="med" len="med"/>
+                    </a:lnT>
+                    <a:lnB w="12700" cap="flat" cmpd="sng" algn="ctr">
+                      <a:solidFill>
+                        <a:srgbClr val="000000"/>
+                      </a:solidFill>
+                      <a:prstDash val="solid"/>
+                      <a:round/>
+                      <a:headEnd type="none" w="med" len="med"/>
+                      <a:tailEnd type="none" w="med" len="med"/>
+                    </a:lnB>
+                  </a:tcPr>
+                </a:tc>
+                <a:tc>
+                  <a:txBody>
+                    <a:bodyPr/>
+                    <a:lstStyle/>
+                    <a:p>
+                      <a:pPr algn="ctr"/>
+                      <a:endParaRPr lang="fr-FR" sz="2400" dirty="0"/>
+                    </a:p>
+                  </a:txBody>
+                  <a:tcPr anchor="ctr">
+                    <a:lnL w="12700" cap="flat" cmpd="sng" algn="ctr">
+                      <a:solidFill>
+                        <a:srgbClr val="000000"/>
+                      </a:solidFill>
+                      <a:prstDash val="solid"/>
+                      <a:round/>
+                      <a:headEnd type="none" w="med" len="med"/>
+                      <a:tailEnd type="none" w="med" len="med"/>
+                    </a:lnL>
+                    <a:lnT w="12700" cap="flat" cmpd="sng" algn="ctr">
+                      <a:solidFill>
+                        <a:srgbClr val="000000"/>
+                      </a:solidFill>
+                      <a:prstDash val="solid"/>
+                      <a:round/>
+                      <a:headEnd type="none" w="med" len="med"/>
+                      <a:tailEnd type="none" w="med" len="med"/>
+                    </a:lnT>
+                    <a:lnB w="12700" cap="flat" cmpd="sng" algn="ctr">
+                      <a:solidFill>
+                        <a:srgbClr val="000000"/>
+                      </a:solidFill>
+                      <a:prstDash val="solid"/>
+                      <a:round/>
+                      <a:headEnd type="none" w="med" len="med"/>
+                      <a:tailEnd type="none" w="med" len="med"/>
+                    </a:lnB>
+                  </a:tcPr>
+                </a:tc>
+              </a:tr>
+              <a:tr h="766432">
+                <a:tc>
+                  <a:txBody>
+                    <a:bodyPr/>
+                    <a:lstStyle/>
+                    <a:p>
+                      <a:r>
+                        <a:rPr lang="fr-FR" dirty="0" smtClean="0"/>
+                        <a:t>Après-midi</a:t>
+                      </a:r>
+                    </a:p>
+                    <a:p>
+                      <a:r>
+                        <a:rPr lang="fr-FR" dirty="0" smtClean="0"/>
+                        <a:t>(4H)</a:t>
+                      </a:r>
+                      <a:endParaRPr lang="fr-FR" dirty="0"/>
+                    </a:p>
+                  </a:txBody>
+                  <a:tcPr>
+                    <a:lnR w="12700" cap="flat" cmpd="sng" algn="ctr">
+                      <a:solidFill>
+                        <a:srgbClr val="000000"/>
+                      </a:solidFill>
+                      <a:prstDash val="solid"/>
+                      <a:round/>
+                      <a:headEnd type="none" w="med" len="med"/>
+                      <a:tailEnd type="none" w="med" len="med"/>
+                    </a:lnR>
+                    <a:lnT w="12700" cap="flat" cmpd="sng" algn="ctr">
+                      <a:solidFill>
+                        <a:srgbClr val="000000"/>
+                      </a:solidFill>
+                      <a:prstDash val="solid"/>
+                      <a:round/>
+                      <a:headEnd type="none" w="med" len="med"/>
+                      <a:tailEnd type="none" w="med" len="med"/>
+                    </a:lnT>
+                  </a:tcPr>
+                </a:tc>
+                <a:tc>
+                  <a:txBody>
+                    <a:bodyPr/>
+                    <a:lstStyle/>
+                    <a:p>
+                      <a:pPr algn="ctr"/>
+                      <a:endParaRPr lang="fr-FR" sz="2400" dirty="0"/>
+                    </a:p>
+                  </a:txBody>
+                  <a:tcPr anchor="ctr">
+                    <a:lnL w="12700" cap="flat" cmpd="sng" algn="ctr">
+                      <a:solidFill>
+                        <a:srgbClr val="000000"/>
+                      </a:solidFill>
+                      <a:prstDash val="solid"/>
+                      <a:round/>
+                      <a:headEnd type="none" w="med" len="med"/>
+                      <a:tailEnd type="none" w="med" len="med"/>
+                    </a:lnL>
+                    <a:lnR w="12700" cap="flat" cmpd="sng" algn="ctr">
+                      <a:solidFill>
+                        <a:srgbClr val="000000"/>
+                      </a:solidFill>
+                      <a:prstDash val="solid"/>
+                      <a:round/>
+                      <a:headEnd type="none" w="med" len="med"/>
+                      <a:tailEnd type="none" w="med" len="med"/>
+                    </a:lnR>
+                    <a:lnT w="12700" cap="flat" cmpd="sng" algn="ctr">
+                      <a:solidFill>
+                        <a:srgbClr val="000000"/>
+                      </a:solidFill>
+                      <a:prstDash val="solid"/>
+                      <a:round/>
+                      <a:headEnd type="none" w="med" len="med"/>
+                      <a:tailEnd type="none" w="med" len="med"/>
+                    </a:lnT>
+                  </a:tcPr>
+                </a:tc>
+                <a:tc>
+                  <a:txBody>
+                    <a:bodyPr/>
+                    <a:lstStyle/>
+                    <a:p>
+                      <a:pPr algn="ctr"/>
+                      <a:endParaRPr lang="fr-FR" sz="2400" dirty="0"/>
+                    </a:p>
+                  </a:txBody>
+                  <a:tcPr anchor="ctr">
+                    <a:lnL w="12700" cap="flat" cmpd="sng" algn="ctr">
+                      <a:solidFill>
+                        <a:srgbClr val="000000"/>
+                      </a:solidFill>
+                      <a:prstDash val="solid"/>
+                      <a:round/>
+                      <a:headEnd type="none" w="med" len="med"/>
+                      <a:tailEnd type="none" w="med" len="med"/>
+                    </a:lnL>
+                    <a:lnR w="12700" cap="flat" cmpd="sng" algn="ctr">
+                      <a:solidFill>
+                        <a:srgbClr val="000000"/>
+                      </a:solidFill>
+                      <a:prstDash val="solid"/>
+                      <a:round/>
+                      <a:headEnd type="none" w="med" len="med"/>
+                      <a:tailEnd type="none" w="med" len="med"/>
+                    </a:lnR>
+                    <a:lnT w="12700" cap="flat" cmpd="sng" algn="ctr">
+                      <a:solidFill>
+                        <a:srgbClr val="000000"/>
+                      </a:solidFill>
+                      <a:prstDash val="solid"/>
+                      <a:round/>
+                      <a:headEnd type="none" w="med" len="med"/>
+                      <a:tailEnd type="none" w="med" len="med"/>
+                    </a:lnT>
+                  </a:tcPr>
+                </a:tc>
+                <a:tc>
+                  <a:txBody>
+                    <a:bodyPr/>
+                    <a:lstStyle/>
+                    <a:p>
+                      <a:pPr algn="ctr"/>
+                      <a:endParaRPr lang="fr-FR" sz="2400" dirty="0"/>
+                    </a:p>
+                  </a:txBody>
+                  <a:tcPr anchor="ctr">
+                    <a:lnL w="12700" cap="flat" cmpd="sng" algn="ctr">
+                      <a:solidFill>
+                        <a:srgbClr val="000000"/>
+                      </a:solidFill>
+                      <a:prstDash val="solid"/>
+                      <a:round/>
+                      <a:headEnd type="none" w="med" len="med"/>
+                      <a:tailEnd type="none" w="med" len="med"/>
+                    </a:lnL>
+                    <a:lnR w="12700" cap="flat" cmpd="sng" algn="ctr">
+                      <a:solidFill>
+                        <a:srgbClr val="000000"/>
+                      </a:solidFill>
+                      <a:prstDash val="solid"/>
+                      <a:round/>
+                      <a:headEnd type="none" w="med" len="med"/>
+                      <a:tailEnd type="none" w="med" len="med"/>
+                    </a:lnR>
+                    <a:lnT w="12700" cap="flat" cmpd="sng" algn="ctr">
+                      <a:solidFill>
+                        <a:srgbClr val="000000"/>
+                      </a:solidFill>
+                      <a:prstDash val="solid"/>
+                      <a:round/>
+                      <a:headEnd type="none" w="med" len="med"/>
+                      <a:tailEnd type="none" w="med" len="med"/>
+                    </a:lnT>
+                  </a:tcPr>
+                </a:tc>
+                <a:tc>
+                  <a:txBody>
+                    <a:bodyPr/>
+                    <a:lstStyle/>
+                    <a:p>
+                      <a:pPr algn="ctr"/>
+                      <a:endParaRPr lang="fr-FR" sz="2400" dirty="0"/>
+                    </a:p>
+                  </a:txBody>
+                  <a:tcPr anchor="ctr">
+                    <a:lnL w="12700" cap="flat" cmpd="sng" algn="ctr">
+                      <a:solidFill>
+                        <a:srgbClr val="000000"/>
+                      </a:solidFill>
+                      <a:prstDash val="solid"/>
+                      <a:round/>
+                      <a:headEnd type="none" w="med" len="med"/>
+                      <a:tailEnd type="none" w="med" len="med"/>
+                    </a:lnL>
+                    <a:lnR w="12700" cap="flat" cmpd="sng" algn="ctr">
+                      <a:solidFill>
+                        <a:srgbClr val="000000"/>
+                      </a:solidFill>
+                      <a:prstDash val="solid"/>
+                      <a:round/>
+                      <a:headEnd type="none" w="med" len="med"/>
+                      <a:tailEnd type="none" w="med" len="med"/>
+                    </a:lnR>
+                    <a:lnT w="12700" cap="flat" cmpd="sng" algn="ctr">
+                      <a:solidFill>
+                        <a:srgbClr val="000000"/>
+                      </a:solidFill>
+                      <a:prstDash val="solid"/>
+                      <a:round/>
+                      <a:headEnd type="none" w="med" len="med"/>
+                      <a:tailEnd type="none" w="med" len="med"/>
+                    </a:lnT>
+                  </a:tcPr>
+                </a:tc>
+                <a:tc>
+                  <a:txBody>
+                    <a:bodyPr/>
+                    <a:lstStyle/>
+                    <a:p>
+                      <a:pPr algn="ctr"/>
+                      <a:endParaRPr lang="fr-FR" sz="2400" dirty="0"/>
+                    </a:p>
+                  </a:txBody>
+                  <a:tcPr anchor="ctr">
+                    <a:lnL w="12700" cap="flat" cmpd="sng" algn="ctr">
+                      <a:solidFill>
+                        <a:srgbClr val="000000"/>
+                      </a:solidFill>
+                      <a:prstDash val="solid"/>
+                      <a:round/>
+                      <a:headEnd type="none" w="med" len="med"/>
+                      <a:tailEnd type="none" w="med" len="med"/>
+                    </a:lnL>
+                    <a:lnR w="12700" cap="flat" cmpd="sng" algn="ctr">
+                      <a:solidFill>
+                        <a:srgbClr val="000000"/>
+                      </a:solidFill>
+                      <a:prstDash val="solid"/>
+                      <a:round/>
+                      <a:headEnd type="none" w="med" len="med"/>
+                      <a:tailEnd type="none" w="med" len="med"/>
+                    </a:lnR>
+                    <a:lnT w="12700" cap="flat" cmpd="sng" algn="ctr">
+                      <a:solidFill>
+                        <a:srgbClr val="000000"/>
+                      </a:solidFill>
+                      <a:prstDash val="solid"/>
+                      <a:round/>
+                      <a:headEnd type="none" w="med" len="med"/>
+                      <a:tailEnd type="none" w="med" len="med"/>
+                    </a:lnT>
+                  </a:tcPr>
+                </a:tc>
+                <a:tc>
+                  <a:txBody>
+                    <a:bodyPr/>
+                    <a:lstStyle/>
+                    <a:p>
+                      <a:pPr algn="ctr"/>
+                      <a:endParaRPr lang="fr-FR" sz="2400" dirty="0"/>
+                    </a:p>
+                  </a:txBody>
+                  <a:tcPr anchor="ctr">
+                    <a:lnL w="12700" cap="flat" cmpd="sng" algn="ctr">
+                      <a:solidFill>
+                        <a:srgbClr val="000000"/>
+                      </a:solidFill>
+                      <a:prstDash val="solid"/>
+                      <a:round/>
+                      <a:headEnd type="none" w="med" len="med"/>
+                      <a:tailEnd type="none" w="med" len="med"/>
+                    </a:lnL>
+                    <a:lnT w="12700" cap="flat" cmpd="sng" algn="ctr">
+                      <a:solidFill>
+                        <a:srgbClr val="000000"/>
+                      </a:solidFill>
+                      <a:prstDash val="solid"/>
+                      <a:round/>
+                      <a:headEnd type="none" w="med" len="med"/>
+                      <a:tailEnd type="none" w="med" len="med"/>
+                    </a:lnT>
+                  </a:tcPr>
+                </a:tc>
+              </a:tr>
+            </a:tbl>
+          </a:graphicData>
+        </a:graphic>
+      </p:graphicFrame>
+      <p:cxnSp>
+        <p:nvCxnSpPr>
+          <p:cNvPr id="15" name="Connecteur droit avec flèche 14"/>
+          <p:cNvCxnSpPr/>
+          <p:nvPr/>
+        </p:nvCxnSpPr>
         <p:spPr>
           <a:xfrm>
-            <a:off x="-38487" y="2185273"/>
-            <a:ext cx="9144000" cy="4354286"/>
+            <a:off x="2064093" y="3043008"/>
+            <a:ext cx="1878320" cy="1706206"/>
           </a:xfrm>
-          <a:prstGeom prst="rect">
+          <a:prstGeom prst="straightConnector1">
             <a:avLst/>
           </a:prstGeom>
+          <a:ln>
+            <a:solidFill>
+              <a:schemeClr val="bg2">
+                <a:lumMod val="50000"/>
+              </a:schemeClr>
+            </a:solidFill>
+            <a:tailEnd type="arrow"/>
+          </a:ln>
         </p:spPr>
-      </p:pic>
+        <p:style>
+          <a:lnRef idx="2">
+            <a:schemeClr val="accent1"/>
+          </a:lnRef>
+          <a:fillRef idx="0">
+            <a:schemeClr val="accent1"/>
+          </a:fillRef>
+          <a:effectRef idx="1">
+            <a:schemeClr val="accent1"/>
+          </a:effectRef>
+          <a:fontRef idx="minor">
+            <a:schemeClr val="tx1"/>
+          </a:fontRef>
+        </p:style>
+      </p:cxnSp>
     </p:spTree>
     <p:extLst>
       <p:ext uri="{BB962C8B-B14F-4D97-AF65-F5344CB8AC3E}">
@@ -6614,7 +7700,110 @@
   <p:timing>
     <p:tnLst>
       <p:par>
-        <p:cTn xmlns:p14="http://schemas.microsoft.com/office/powerpoint/2010/main" id="1" dur="indefinite" restart="never" nodeType="tmRoot"/>
+        <p:cTn id="1" dur="indefinite" restart="never" nodeType="tmRoot">
+          <p:childTnLst>
+            <p:seq concurrent="1" nextAc="seek">
+              <p:cTn id="2" dur="indefinite" nodeType="mainSeq">
+                <p:childTnLst>
+                  <p:par>
+                    <p:cTn id="3" fill="hold">
+                      <p:stCondLst>
+                        <p:cond delay="indefinite"/>
+                      </p:stCondLst>
+                      <p:childTnLst>
+                        <p:par>
+                          <p:cTn id="4" fill="hold">
+                            <p:stCondLst>
+                              <p:cond delay="0"/>
+                            </p:stCondLst>
+                            <p:childTnLst>
+                              <p:par>
+                                <p:cTn id="5" presetID="1" presetClass="entr" presetSubtype="0" fill="hold" nodeType="clickEffect">
+                                  <p:stCondLst>
+                                    <p:cond delay="0"/>
+                                  </p:stCondLst>
+                                  <p:childTnLst>
+                                    <p:set>
+                                      <p:cBhvr>
+                                        <p:cTn id="6" dur="1" fill="hold">
+                                          <p:stCondLst>
+                                            <p:cond delay="0"/>
+                                          </p:stCondLst>
+                                        </p:cTn>
+                                        <p:tgtEl>
+                                          <p:spTgt spid="11"/>
+                                        </p:tgtEl>
+                                        <p:attrNameLst>
+                                          <p:attrName>style.visibility</p:attrName>
+                                        </p:attrNameLst>
+                                      </p:cBhvr>
+                                      <p:to>
+                                        <p:strVal val="visible"/>
+                                      </p:to>
+                                    </p:set>
+                                  </p:childTnLst>
+                                </p:cTn>
+                              </p:par>
+                              <p:par>
+                                <p:cTn id="7" presetID="22" presetClass="entr" presetSubtype="1" fill="hold" nodeType="withEffect">
+                                  <p:stCondLst>
+                                    <p:cond delay="0"/>
+                                  </p:stCondLst>
+                                  <p:childTnLst>
+                                    <p:set>
+                                      <p:cBhvr>
+                                        <p:cTn id="8" dur="1" fill="hold">
+                                          <p:stCondLst>
+                                            <p:cond delay="0"/>
+                                          </p:stCondLst>
+                                        </p:cTn>
+                                        <p:tgtEl>
+                                          <p:spTgt spid="15"/>
+                                        </p:tgtEl>
+                                        <p:attrNameLst>
+                                          <p:attrName>style.visibility</p:attrName>
+                                        </p:attrNameLst>
+                                      </p:cBhvr>
+                                      <p:to>
+                                        <p:strVal val="visible"/>
+                                      </p:to>
+                                    </p:set>
+                                    <p:animEffect transition="in" filter="wipe(up)">
+                                      <p:cBhvr>
+                                        <p:cTn id="9" dur="250"/>
+                                        <p:tgtEl>
+                                          <p:spTgt spid="15"/>
+                                        </p:tgtEl>
+                                      </p:cBhvr>
+                                    </p:animEffect>
+                                  </p:childTnLst>
+                                </p:cTn>
+                              </p:par>
+                            </p:childTnLst>
+                          </p:cTn>
+                        </p:par>
+                      </p:childTnLst>
+                    </p:cTn>
+                  </p:par>
+                </p:childTnLst>
+              </p:cTn>
+              <p:prevCondLst>
+                <p:cond evt="onPrev" delay="0">
+                  <p:tgtEl>
+                    <p:sldTgt/>
+                  </p:tgtEl>
+                </p:cond>
+              </p:prevCondLst>
+              <p:nextCondLst>
+                <p:cond evt="onNext" delay="0">
+                  <p:tgtEl>
+                    <p:sldTgt/>
+                  </p:tgtEl>
+                </p:cond>
+              </p:nextCondLst>
+            </p:seq>
+          </p:childTnLst>
+        </p:cTn>
       </p:par>
     </p:tnLst>
   </p:timing>
@@ -8006,7 +9195,11 @@
           <a:p>
             <a:r>
               <a:rPr lang="fr-FR" dirty="0" smtClean="0"/>
-              <a:t>MISE EN FORME DES DONNEES</a:t>
+              <a:t>MISE EN FORME DES </a:t>
+            </a:r>
+            <a:r>
+              <a:rPr lang="fr-FR" dirty="0" smtClean="0"/>
+              <a:t>DONNÉES</a:t>
             </a:r>
             <a:endParaRPr lang="fr-FR" dirty="0"/>
           </a:p>
@@ -8100,7 +9293,7 @@
   <p:timing>
     <p:tnLst>
       <p:par>
-        <p:cTn xmlns:p14="http://schemas.microsoft.com/office/powerpoint/2010/main" id="1" dur="indefinite" restart="never" nodeType="tmRoot">
+        <p:cTn id="1" dur="indefinite" restart="never" nodeType="tmRoot">
           <p:childTnLst>
             <p:seq concurrent="1" nextAc="seek">
               <p:cTn id="2" dur="indefinite" nodeType="mainSeq">
@@ -8565,8 +9758,16 @@
           <a:lstStyle/>
           <a:p>
             <a:r>
+              <a:rPr lang="fr-FR" dirty="0"/>
+              <a:t>É</a:t>
+            </a:r>
+            <a:r>
               <a:rPr lang="fr-FR" dirty="0" smtClean="0"/>
-              <a:t>ETAPES DE CONCEPTION</a:t>
+              <a:t>TAPES </a:t>
+            </a:r>
+            <a:r>
+              <a:rPr lang="fr-FR" dirty="0" smtClean="0"/>
+              <a:t>DE CONCEPTION</a:t>
             </a:r>
             <a:endParaRPr lang="fr-FR" dirty="0"/>
           </a:p>
@@ -8768,7 +9969,7 @@
     </p:spTree>
     <p:extLst>
       <p:ext uri="{BB962C8B-B14F-4D97-AF65-F5344CB8AC3E}">
-        <p14:creationId xmlns:p14="http://schemas.microsoft.com/office/powerpoint/2010/main" val="3766399618"/>
+        <p14:creationId xmlns:p14="http://schemas.microsoft.com/office/powerpoint/2010/main" val="1027451656"/>
       </p:ext>
     </p:extLst>
   </p:cSld>
@@ -8778,7 +9979,7 @@
   <p:timing>
     <p:tnLst>
       <p:par>
-        <p:cTn xmlns:p14="http://schemas.microsoft.com/office/powerpoint/2010/main" id="1" dur="indefinite" restart="never" nodeType="tmRoot">
+        <p:cTn id="1" dur="indefinite" restart="never" nodeType="tmRoot">
           <p:childTnLst>
             <p:seq concurrent="1" nextAc="seek">
               <p:cTn id="2" dur="indefinite" nodeType="mainSeq">
@@ -8982,8 +10183,13 @@
           <a:p>
             <a:r>
               <a:rPr lang="fr-FR" dirty="0"/>
-              <a:t>INSTANCE DU PROBLEME</a:t>
-            </a:r>
+              <a:t>INSTANCE DU </a:t>
+            </a:r>
+            <a:r>
+              <a:rPr lang="fr-FR" dirty="0" smtClean="0"/>
+              <a:t>PROBLÈME</a:t>
+            </a:r>
+            <a:endParaRPr lang="fr-FR" dirty="0"/>
           </a:p>
         </p:txBody>
       </p:sp>
@@ -9243,7 +10449,7 @@
   <p:timing>
     <p:tnLst>
       <p:par>
-        <p:cTn xmlns:p14="http://schemas.microsoft.com/office/powerpoint/2010/main" id="1" dur="indefinite" restart="never" nodeType="tmRoot">
+        <p:cTn id="1" dur="indefinite" restart="never" nodeType="tmRoot">
           <p:childTnLst>
             <p:seq concurrent="1" nextAc="seek">
               <p:cTn id="2" dur="indefinite" nodeType="mainSeq">
@@ -9396,8 +10602,13 @@
           <a:p>
             <a:r>
               <a:rPr lang="fr-FR" dirty="0"/>
-              <a:t>INSTANCE DU PROBLEME</a:t>
-            </a:r>
+              <a:t>INSTANCE DU </a:t>
+            </a:r>
+            <a:r>
+              <a:rPr lang="fr-FR" dirty="0" smtClean="0"/>
+              <a:t>PROBLÈME</a:t>
+            </a:r>
+            <a:endParaRPr lang="fr-FR" dirty="0"/>
           </a:p>
         </p:txBody>
       </p:sp>
@@ -11780,7 +12991,7 @@
   <p:timing>
     <p:tnLst>
       <p:par>
-        <p:cTn xmlns:p14="http://schemas.microsoft.com/office/powerpoint/2010/main" id="1" dur="indefinite" restart="never" nodeType="tmRoot">
+        <p:cTn id="1" dur="indefinite" restart="never" nodeType="tmRoot">
           <p:childTnLst>
             <p:seq concurrent="1" nextAc="seek">
               <p:cTn id="2" dur="indefinite" nodeType="mainSeq">
@@ -12369,7 +13580,7 @@
   <p:timing>
     <p:tnLst>
       <p:par>
-        <p:cTn xmlns:p14="http://schemas.microsoft.com/office/powerpoint/2010/main" id="1" dur="indefinite" restart="never" nodeType="tmRoot"/>
+        <p:cTn id="1" dur="indefinite" restart="never" nodeType="tmRoot"/>
       </p:par>
     </p:tnLst>
   </p:timing>

--- a/Soutenance_miProjet.pptx
+++ b/Soutenance_miProjet.pptx
@@ -13,7 +13,7 @@
     <p:sldId id="258" r:id="rId4"/>
     <p:sldId id="259" r:id="rId5"/>
     <p:sldId id="262" r:id="rId6"/>
-    <p:sldId id="260" r:id="rId7"/>
+    <p:sldId id="266" r:id="rId7"/>
     <p:sldId id="263" r:id="rId8"/>
     <p:sldId id="264" r:id="rId9"/>
     <p:sldId id="265" r:id="rId10"/>
@@ -359,7 +359,7 @@
           <a:p>
             <a:fld id="{B956A79E-FAC0-1942-8597-B8D8938A06DC}" type="slidenum">
               <a:rPr lang="fr-FR" smtClean="0"/>
-              <a:t>‹#›</a:t>
+              <a:t>‹N°›</a:t>
             </a:fld>
             <a:endParaRPr lang="fr-FR"/>
           </a:p>
@@ -770,72 +770,6 @@
           <a:bodyPr/>
           <a:lstStyle/>
           <a:p>
-            <a:pPr marL="342900" lvl="1" indent="-342900">
-              <a:spcBef>
-                <a:spcPts val="2000"/>
-              </a:spcBef>
-              <a:buClr>
-                <a:schemeClr val="accent1"/>
-              </a:buClr>
-              <a:buFont typeface="Wingdings" charset="2"/>
-              <a:buChar char="§"/>
-            </a:pPr>
-            <a:r>
-              <a:rPr lang="fr-FR" sz="2400" dirty="0" smtClean="0"/>
-              <a:t>Une promotion d’une classe sans les salles</a:t>
-            </a:r>
-          </a:p>
-          <a:p>
-            <a:pPr lvl="1">
-              <a:buFont typeface="Wingdings" charset="2"/>
-              <a:buChar char="§"/>
-            </a:pPr>
-            <a:r>
-              <a:rPr lang="fr-FR" sz="2400" dirty="0" smtClean="0"/>
-              <a:t>Répartition des cours sur les créneaux</a:t>
-            </a:r>
-          </a:p>
-          <a:p>
-            <a:pPr lvl="1">
-              <a:buFont typeface="Wingdings" charset="2"/>
-              <a:buChar char="§"/>
-            </a:pPr>
-            <a:r>
-              <a:rPr lang="fr-FR" sz="2400" dirty="0" smtClean="0"/>
-              <a:t>Gestion de conflits</a:t>
-            </a:r>
-          </a:p>
-          <a:p>
-            <a:pPr lvl="1">
-              <a:buFont typeface="Wingdings" charset="2"/>
-              <a:buChar char="§"/>
-            </a:pPr>
-            <a:r>
-              <a:rPr lang="fr-FR" sz="2400" dirty="0" smtClean="0"/>
-              <a:t>Prise en compte des disponibilités des professeurs</a:t>
-            </a:r>
-          </a:p>
-          <a:p>
-            <a:pPr lvl="1">
-              <a:buFont typeface="Wingdings" charset="2"/>
-              <a:buChar char="§"/>
-            </a:pPr>
-            <a:r>
-              <a:rPr lang="fr-FR" sz="2400" dirty="0" smtClean="0"/>
-              <a:t>Ordre de priorité des professeurs</a:t>
-            </a:r>
-          </a:p>
-          <a:p>
-            <a:pPr lvl="1">
-              <a:buFont typeface="Wingdings" charset="2"/>
-              <a:buChar char="§"/>
-            </a:pPr>
-            <a:r>
-              <a:rPr lang="fr-FR" sz="2400" dirty="0" smtClean="0"/>
-              <a:t>Cours sur le même créneau sur des semaines consécutives</a:t>
-            </a:r>
-          </a:p>
-          <a:p>
             <a:endParaRPr lang="fr-FR" dirty="0"/>
           </a:p>
         </p:txBody>
@@ -1073,7 +1007,7 @@
             <a:pPr eaLnBrk="1" latinLnBrk="0" hangingPunct="1"/>
             <a:fld id="{7E67FBA8-66D5-45E8-A9CB-6E4000F8E69E}" type="datetime1">
               <a:rPr lang="en-US" smtClean="0"/>
-              <a:t>17/12/2013</a:t>
+              <a:t>12/17/2013</a:t>
             </a:fld>
             <a:endParaRPr lang="en-US"/>
           </a:p>
@@ -1119,7 +1053,7 @@
           <a:p>
             <a:fld id="{7F5CE407-6216-4202-80E4-A30DC2F709B2}" type="slidenum">
               <a:rPr lang="en-US" smtClean="0"/>
-              <a:t>‹#›</a:t>
+              <a:t>‹N°›</a:t>
             </a:fld>
             <a:endParaRPr lang="en-US"/>
           </a:p>
@@ -1206,7 +1140,7 @@
           <a:p>
             <a:fld id="{3FFF98ED-0755-4755-8632-F7C31FD349F7}" type="datetime1">
               <a:rPr lang="en-US" smtClean="0"/>
-              <a:t>17/12/2013</a:t>
+              <a:t>12/17/2013</a:t>
             </a:fld>
             <a:endParaRPr lang="en-US"/>
           </a:p>
@@ -1252,7 +1186,7 @@
           <a:p>
             <a:fld id="{886BB73A-582F-4420-9A14-CB10A2B2E5E8}" type="slidenum">
               <a:rPr lang="en-US" smtClean="0"/>
-              <a:t>‹#›</a:t>
+              <a:t>‹N°›</a:t>
             </a:fld>
             <a:endParaRPr lang="en-US"/>
           </a:p>
@@ -1515,7 +1449,7 @@
           <a:p>
             <a:fld id="{5A1A947A-C5EE-4C17-A02D-6B0D5BC94F10}" type="datetime1">
               <a:rPr lang="en-US" smtClean="0"/>
-              <a:t>17/12/2013</a:t>
+              <a:t>12/17/2013</a:t>
             </a:fld>
             <a:endParaRPr lang="en-US"/>
           </a:p>
@@ -1561,7 +1495,7 @@
           <a:p>
             <a:fld id="{7F5CE407-6216-4202-80E4-A30DC2F709B2}" type="slidenum">
               <a:rPr lang="en-US" smtClean="0"/>
-              <a:t>‹#›</a:t>
+              <a:t>‹N°›</a:t>
             </a:fld>
             <a:endParaRPr lang="en-US"/>
           </a:p>
@@ -1744,7 +1678,7 @@
           <a:p>
             <a:fld id="{A0CE5133-35BD-4B9D-A767-7CFF8D1AB082}" type="datetime1">
               <a:rPr lang="en-US" smtClean="0"/>
-              <a:t>17/12/2013</a:t>
+              <a:t>12/17/2013</a:t>
             </a:fld>
             <a:endParaRPr lang="en-US"/>
           </a:p>
@@ -1790,7 +1724,7 @@
           <a:p>
             <a:fld id="{886BB73A-582F-4420-9A14-CB10A2B2E5E8}" type="slidenum">
               <a:rPr lang="en-US" smtClean="0"/>
-              <a:t>‹#›</a:t>
+              <a:t>‹N°›</a:t>
             </a:fld>
             <a:endParaRPr lang="en-US"/>
           </a:p>
@@ -2018,7 +1952,7 @@
           <a:p>
             <a:fld id="{DD548307-BFB2-4F00-9A09-ABF429E2346C}" type="datetime1">
               <a:rPr lang="en-US" smtClean="0"/>
-              <a:t>17/12/2013</a:t>
+              <a:t>12/17/2013</a:t>
             </a:fld>
             <a:endParaRPr lang="en-US"/>
           </a:p>
@@ -2064,7 +1998,7 @@
           <a:p>
             <a:fld id="{886BB73A-582F-4420-9A14-CB10A2B2E5E8}" type="slidenum">
               <a:rPr lang="en-US" smtClean="0"/>
-              <a:t>‹#›</a:t>
+              <a:t>‹N°›</a:t>
             </a:fld>
             <a:endParaRPr lang="en-US"/>
           </a:p>
@@ -2347,7 +2281,7 @@
           <a:p>
             <a:fld id="{5D07E66A-D2B8-49C1-B953-A60E29E54617}" type="datetime1">
               <a:rPr lang="en-US" smtClean="0"/>
-              <a:t>17/12/2013</a:t>
+              <a:t>12/17/2013</a:t>
             </a:fld>
             <a:endParaRPr lang="en-US"/>
           </a:p>
@@ -2393,7 +2327,7 @@
           <a:p>
             <a:fld id="{886BB73A-582F-4420-9A14-CB10A2B2E5E8}" type="slidenum">
               <a:rPr lang="en-US" smtClean="0"/>
-              <a:t>‹#›</a:t>
+              <a:t>‹N°›</a:t>
             </a:fld>
             <a:endParaRPr lang="en-US"/>
           </a:p>
@@ -2544,7 +2478,7 @@
           <a:p>
             <a:fld id="{49118059-27B3-498F-8140-2579206B8D99}" type="datetime1">
               <a:rPr lang="en-US" smtClean="0"/>
-              <a:t>17/12/2013</a:t>
+              <a:t>12/17/2013</a:t>
             </a:fld>
             <a:endParaRPr lang="en-US"/>
           </a:p>
@@ -2590,7 +2524,7 @@
           <a:p>
             <a:fld id="{886BB73A-582F-4420-9A14-CB10A2B2E5E8}" type="slidenum">
               <a:rPr lang="en-US" smtClean="0"/>
-              <a:t>‹#›</a:t>
+              <a:t>‹N°›</a:t>
             </a:fld>
             <a:endParaRPr lang="en-US"/>
           </a:p>
@@ -2652,7 +2586,7 @@
           <a:p>
             <a:fld id="{495AAB71-EB13-4CC7-B74A-37B7843E29AD}" type="datetime1">
               <a:rPr lang="en-US" smtClean="0"/>
-              <a:t>17/12/2013</a:t>
+              <a:t>12/17/2013</a:t>
             </a:fld>
             <a:endParaRPr lang="en-US"/>
           </a:p>
@@ -2698,7 +2632,7 @@
           <a:p>
             <a:fld id="{886BB73A-582F-4420-9A14-CB10A2B2E5E8}" type="slidenum">
               <a:rPr lang="en-US" smtClean="0"/>
-              <a:t>‹#›</a:t>
+              <a:t>‹N°›</a:t>
             </a:fld>
             <a:endParaRPr lang="en-US"/>
           </a:p>
@@ -2825,7 +2759,7 @@
           <a:p>
             <a:fld id="{56DDDAB1-01C0-4E58-8631-78ED1D427A3A}" type="datetime1">
               <a:rPr lang="en-US" smtClean="0"/>
-              <a:t>17/12/2013</a:t>
+              <a:t>12/17/2013</a:t>
             </a:fld>
             <a:endParaRPr lang="en-US"/>
           </a:p>
@@ -2871,7 +2805,7 @@
           <a:p>
             <a:fld id="{886BB73A-582F-4420-9A14-CB10A2B2E5E8}" type="slidenum">
               <a:rPr lang="en-US" smtClean="0"/>
-              <a:t>‹#›</a:t>
+              <a:t>‹N°›</a:t>
             </a:fld>
             <a:endParaRPr lang="en-US"/>
           </a:p>
@@ -3094,7 +3028,7 @@
             <a:pPr eaLnBrk="1" latinLnBrk="0" hangingPunct="1"/>
             <a:fld id="{E53AAB49-BFD3-4F12-BD10-7962ECE1A1D8}" type="datetime1">
               <a:rPr lang="en-US" smtClean="0"/>
-              <a:t>17/12/2013</a:t>
+              <a:t>12/17/2013</a:t>
             </a:fld>
             <a:endParaRPr lang="en-US"/>
           </a:p>
@@ -3155,7 +3089,7 @@
             <a:fld id="{2C6B1FF6-39B9-40F5-8B67-33C6354A3D4F}" type="slidenum">
               <a:rPr kumimoji="0" lang="en-US" smtClean="0"/>
               <a:pPr eaLnBrk="1" latinLnBrk="0" hangingPunct="1"/>
-              <a:t>‹#›</a:t>
+              <a:t>‹N°›</a:t>
             </a:fld>
             <a:endParaRPr kumimoji="0" lang="en-US" dirty="0">
               <a:solidFill>
@@ -3440,7 +3374,7 @@
           <a:p>
             <a:fld id="{FDEC4510-1BAC-4F24-BDE2-91A02A60B456}" type="datetime1">
               <a:rPr lang="en-US" smtClean="0"/>
-              <a:t>17/12/2013</a:t>
+              <a:t>12/17/2013</a:t>
             </a:fld>
             <a:endParaRPr lang="en-US"/>
           </a:p>
@@ -3486,7 +3420,7 @@
           <a:p>
             <a:fld id="{886BB73A-582F-4420-9A14-CB10A2B2E5E8}" type="slidenum">
               <a:rPr lang="en-US" smtClean="0"/>
-              <a:t>‹#›</a:t>
+              <a:t>‹N°›</a:t>
             </a:fld>
             <a:endParaRPr lang="en-US"/>
           </a:p>
@@ -3885,7 +3819,7 @@
           <a:p>
             <a:fld id="{032462A4-1693-4D59-9D5E-9D89B5989000}" type="datetime1">
               <a:rPr lang="en-US" smtClean="0"/>
-              <a:t>17/12/2013</a:t>
+              <a:t>12/17/2013</a:t>
             </a:fld>
             <a:endParaRPr lang="en-US"/>
           </a:p>
@@ -3931,7 +3865,7 @@
           <a:p>
             <a:fld id="{886BB73A-582F-4420-9A14-CB10A2B2E5E8}" type="slidenum">
               <a:rPr lang="en-US" smtClean="0"/>
-              <a:t>‹#›</a:t>
+              <a:t>‹N°›</a:t>
             </a:fld>
             <a:endParaRPr lang="en-US"/>
           </a:p>
@@ -4087,7 +4021,7 @@
           <a:p>
             <a:fld id="{B70ACB4D-32FE-4358-A04E-417D554E1309}" type="datetime1">
               <a:rPr lang="en-US" smtClean="0"/>
-              <a:t>17/12/2013</a:t>
+              <a:t>12/17/2013</a:t>
             </a:fld>
             <a:endParaRPr lang="en-US"/>
           </a:p>
@@ -4133,7 +4067,7 @@
           <a:p>
             <a:fld id="{886BB73A-582F-4420-9A14-CB10A2B2E5E8}" type="slidenum">
               <a:rPr lang="en-US" smtClean="0"/>
-              <a:t>‹#›</a:t>
+              <a:t>‹N°›</a:t>
             </a:fld>
             <a:endParaRPr lang="en-US"/>
           </a:p>
@@ -4374,7 +4308,7 @@
           <a:p>
             <a:fld id="{20B8108D-308F-4812-B17B-BFC5677CF8EB}" type="datetime1">
               <a:rPr lang="en-US" smtClean="0"/>
-              <a:t>17/12/2013</a:t>
+              <a:t>12/17/2013</a:t>
             </a:fld>
             <a:endParaRPr lang="en-US"/>
           </a:p>
@@ -4420,7 +4354,7 @@
           <a:p>
             <a:fld id="{886BB73A-582F-4420-9A14-CB10A2B2E5E8}" type="slidenum">
               <a:rPr lang="en-US" smtClean="0"/>
-              <a:t>‹#›</a:t>
+              <a:t>‹N°›</a:t>
             </a:fld>
             <a:endParaRPr lang="en-US"/>
           </a:p>
@@ -4746,7 +4680,7 @@
           <a:p>
             <a:fld id="{311E8696-9CA1-4A92-9AD2-9FBEEE051D4A}" type="datetime1">
               <a:rPr lang="en-US" smtClean="0"/>
-              <a:t>17/12/2013</a:t>
+              <a:t>12/17/2013</a:t>
             </a:fld>
             <a:endParaRPr lang="en-US"/>
           </a:p>
@@ -4792,7 +4726,7 @@
           <a:p>
             <a:fld id="{886BB73A-582F-4420-9A14-CB10A2B2E5E8}" type="slidenum">
               <a:rPr lang="en-US" smtClean="0"/>
-              <a:t>‹#›</a:t>
+              <a:t>‹N°›</a:t>
             </a:fld>
             <a:endParaRPr lang="en-US"/>
           </a:p>
@@ -5246,7 +5180,7 @@
           <a:p>
             <a:fld id="{FACE8EBF-4B78-47A5-9C4D-C65549CADC98}" type="datetime1">
               <a:rPr lang="en-US" smtClean="0"/>
-              <a:t>17/12/2013</a:t>
+              <a:t>12/17/2013</a:t>
             </a:fld>
             <a:endParaRPr lang="en-US"/>
           </a:p>
@@ -5292,7 +5226,7 @@
           <a:p>
             <a:fld id="{886BB73A-582F-4420-9A14-CB10A2B2E5E8}" type="slidenum">
               <a:rPr lang="en-US" smtClean="0"/>
-              <a:t>‹#›</a:t>
+              <a:t>‹N°›</a:t>
             </a:fld>
             <a:endParaRPr lang="en-US"/>
           </a:p>
@@ -5459,7 +5393,7 @@
           <a:p>
             <a:fld id="{7B44FFAE-43F3-46B8-9C5E-4838052BC682}" type="datetime1">
               <a:rPr lang="en-US" smtClean="0"/>
-              <a:t>17/12/2013</a:t>
+              <a:t>12/17/2013</a:t>
             </a:fld>
             <a:endParaRPr lang="en-US"/>
           </a:p>
@@ -5543,7 +5477,7 @@
           <a:p>
             <a:fld id="{886BB73A-582F-4420-9A14-CB10A2B2E5E8}" type="slidenum">
               <a:rPr lang="en-US" smtClean="0"/>
-              <a:t>‹#›</a:t>
+              <a:t>‹N°›</a:t>
             </a:fld>
             <a:endParaRPr lang="en-US"/>
           </a:p>
@@ -5926,25 +5860,23 @@
             <p:ph type="ctrTitle"/>
           </p:nvPr>
         </p:nvSpPr>
-        <p:spPr/>
+        <p:spPr>
+          <a:xfrm>
+            <a:off x="457199" y="509668"/>
+            <a:ext cx="8357017" cy="2563058"/>
+          </a:xfrm>
+        </p:spPr>
         <p:txBody>
           <a:bodyPr>
-            <a:normAutofit fontScale="90000"/>
+            <a:normAutofit/>
           </a:bodyPr>
           <a:lstStyle/>
           <a:p>
             <a:r>
-              <a:rPr lang="fr-FR" dirty="0" smtClean="0"/>
-              <a:t>Résolution approchée du problème d’ordonnancement</a:t>
-            </a:r>
-            <a:br>
-              <a:rPr lang="fr-FR" dirty="0" smtClean="0"/>
-            </a:br>
-            <a:r>
-              <a:rPr lang="fr-FR" sz="2700" dirty="0" smtClean="0"/>
-              <a:t>Cas de l’emploi du temps de l’ESME SUDRIA</a:t>
-            </a:r>
-            <a:endParaRPr lang="fr-FR" sz="2700" dirty="0"/>
+              <a:rPr lang="fr-FR" sz="4800" dirty="0" smtClean="0"/>
+              <a:t>RÉSOLUTION APPROCHÉE DU PROBLÈME D’ORDONNANCEMENT</a:t>
+            </a:r>
+            <a:endParaRPr lang="fr-FR" sz="5400" dirty="0"/>
           </a:p>
         </p:txBody>
       </p:sp>
@@ -5960,7 +5892,7 @@
         </p:nvSpPr>
         <p:spPr>
           <a:xfrm>
-            <a:off x="457199" y="3692807"/>
+            <a:off x="457199" y="4487277"/>
             <a:ext cx="8228013" cy="1066800"/>
           </a:xfrm>
         </p:spPr>
@@ -6016,14 +5948,14 @@
             <a:noFill/>
           </a:ln>
           <a:extLst>
-            <a:ext uri="{909E8E84-426E-40dd-AFC4-6F175D3DCCD1}">
+            <a:ext uri="{909E8E84-426E-40DD-AFC4-6F175D3DCCD1}">
               <a14:hiddenFill xmlns:a14="http://schemas.microsoft.com/office/drawing/2010/main">
                 <a:solidFill>
                   <a:schemeClr val="accent1"/>
                 </a:solidFill>
               </a14:hiddenFill>
             </a:ext>
-            <a:ext uri="{91240B29-F687-4f45-9708-019B960494DF}">
+            <a:ext uri="{91240B29-F687-4F45-9708-019B960494DF}">
               <a14:hiddenLine xmlns:a14="http://schemas.microsoft.com/office/drawing/2010/main" w="9525">
                 <a:solidFill>
                   <a:schemeClr val="tx1"/>
@@ -6036,6 +5968,40 @@
           </a:extLst>
         </p:spPr>
       </p:pic>
+      <p:sp>
+        <p:nvSpPr>
+          <p:cNvPr id="4" name="ZoneTexte 3"/>
+          <p:cNvSpPr txBox="1"/>
+          <p:nvPr/>
+        </p:nvSpPr>
+        <p:spPr>
+          <a:xfrm>
+            <a:off x="149902" y="3428125"/>
+            <a:ext cx="8794754" cy="523220"/>
+          </a:xfrm>
+          <a:prstGeom prst="rect">
+            <a:avLst/>
+          </a:prstGeom>
+          <a:noFill/>
+        </p:spPr>
+        <p:txBody>
+          <a:bodyPr wrap="square" rtlCol="0">
+            <a:spAutoFit/>
+          </a:bodyPr>
+          <a:lstStyle/>
+          <a:p>
+            <a:pPr algn="ctr"/>
+            <a:r>
+              <a:rPr lang="fr-FR" sz="2800" dirty="0">
+                <a:solidFill>
+                  <a:schemeClr val="bg1"/>
+                </a:solidFill>
+              </a:rPr>
+              <a:t>Cas de l’emploi du temps de l’ESME SUDRIA</a:t>
+            </a:r>
+          </a:p>
+        </p:txBody>
+      </p:sp>
     </p:spTree>
     <p:extLst>
       <p:ext uri="{BB962C8B-B14F-4D97-AF65-F5344CB8AC3E}">
@@ -6049,7 +6015,7 @@
   <p:timing>
     <p:tnLst>
       <p:par>
-        <p:cTn xmlns:p14="http://schemas.microsoft.com/office/powerpoint/2010/main" id="1" dur="indefinite" restart="never" nodeType="tmRoot"/>
+        <p:cTn id="1" dur="indefinite" restart="never" nodeType="tmRoot"/>
       </p:par>
     </p:tnLst>
   </p:timing>
@@ -6148,8 +6114,16 @@
               <a:buChar char="§"/>
             </a:pPr>
             <a:r>
+              <a:rPr lang="fr-FR" sz="3200" dirty="0"/>
+              <a:t>É</a:t>
+            </a:r>
+            <a:r>
               <a:rPr lang="fr-FR" sz="3200" dirty="0" smtClean="0"/>
-              <a:t>Etapes de conception</a:t>
+              <a:t>tapes </a:t>
+            </a:r>
+            <a:r>
+              <a:rPr lang="fr-FR" sz="3200" dirty="0" smtClean="0"/>
+              <a:t>de conception</a:t>
             </a:r>
             <a:endParaRPr lang="fr-FR" sz="3200" dirty="0"/>
           </a:p>
@@ -6263,7 +6237,7 @@
   <p:timing>
     <p:tnLst>
       <p:par>
-        <p:cTn xmlns:p14="http://schemas.microsoft.com/office/powerpoint/2010/main" id="1" dur="indefinite" restart="never" nodeType="tmRoot"/>
+        <p:cTn id="1" dur="indefinite" restart="never" nodeType="tmRoot"/>
       </p:par>
     </p:tnLst>
   </p:timing>
@@ -6304,7 +6278,7 @@
           <a:p>
             <a:r>
               <a:rPr lang="fr-FR" dirty="0" smtClean="0"/>
-              <a:t>PRESENTATION</a:t>
+              <a:t>PRÉSENTATION</a:t>
             </a:r>
             <a:endParaRPr lang="fr-FR" dirty="0"/>
           </a:p>
@@ -6441,7 +6415,7 @@
   <p:timing>
     <p:tnLst>
       <p:par>
-        <p:cTn xmlns:p14="http://schemas.microsoft.com/office/powerpoint/2010/main" id="1" dur="indefinite" restart="never" nodeType="tmRoot"/>
+        <p:cTn id="1" dur="indefinite" restart="never" nodeType="tmRoot"/>
       </p:par>
     </p:tnLst>
   </p:timing>
@@ -6482,7 +6456,15 @@
           <a:p>
             <a:r>
               <a:rPr lang="fr-FR" dirty="0" smtClean="0"/>
-              <a:t>MISE EN FORME DES DONNEES</a:t>
+              <a:t>MODÉLISATION </a:t>
+            </a:r>
+            <a:r>
+              <a:rPr lang="fr-FR" dirty="0" smtClean="0"/>
+              <a:t>DES </a:t>
+            </a:r>
+            <a:r>
+              <a:rPr lang="fr-FR" dirty="0" smtClean="0"/>
+              <a:t>DONNÉES</a:t>
             </a:r>
             <a:endParaRPr lang="fr-FR" dirty="0"/>
           </a:p>
@@ -6500,7 +6482,7 @@
         </p:nvSpPr>
         <p:spPr>
           <a:xfrm>
-            <a:off x="2603733" y="6270171"/>
+            <a:off x="2603733" y="6304434"/>
             <a:ext cx="4188958" cy="508454"/>
           </a:xfrm>
         </p:spPr>
@@ -6557,36 +6539,1154 @@
           </a:p>
         </p:txBody>
       </p:sp>
-      <p:pic>
-        <p:nvPicPr>
-          <p:cNvPr id="5" name="Image 4" descr="DiagrammeClassePPT (2).png"/>
-          <p:cNvPicPr>
-            <a:picLocks noChangeAspect="1"/>
-          </p:cNvPicPr>
+      <p:grpSp>
+        <p:nvGrpSpPr>
+          <p:cNvPr id="13" name="Groupe 12"/>
+          <p:cNvGrpSpPr/>
           <p:nvPr/>
-        </p:nvPicPr>
-        <p:blipFill>
-          <a:blip r:embed="rId2">
-            <a:extLst>
-              <a:ext uri="{28A0092B-C50C-407E-A947-70E740481C1C}">
-                <a14:useLocalDpi xmlns:a14="http://schemas.microsoft.com/office/drawing/2010/main" val="0"/>
-              </a:ext>
-            </a:extLst>
-          </a:blip>
-          <a:stretch>
-            <a:fillRect/>
-          </a:stretch>
-        </p:blipFill>
+        </p:nvGrpSpPr>
+        <p:grpSpPr>
+          <a:xfrm>
+            <a:off x="419730" y="2582597"/>
+            <a:ext cx="1644363" cy="2218569"/>
+            <a:chOff x="959370" y="3197187"/>
+            <a:chExt cx="1644363" cy="2218569"/>
+          </a:xfrm>
+        </p:grpSpPr>
+        <p:grpSp>
+          <p:nvGrpSpPr>
+            <p:cNvPr id="12" name="Groupe 11"/>
+            <p:cNvGrpSpPr/>
+            <p:nvPr/>
+          </p:nvGrpSpPr>
+          <p:grpSpPr>
+            <a:xfrm>
+              <a:off x="959370" y="3197187"/>
+              <a:ext cx="1644363" cy="2218569"/>
+              <a:chOff x="959370" y="3197187"/>
+              <a:chExt cx="1644363" cy="2218569"/>
+            </a:xfrm>
+          </p:grpSpPr>
+          <p:sp>
+            <p:nvSpPr>
+              <p:cNvPr id="9" name="Rectangle à coins arrondis 8"/>
+              <p:cNvSpPr/>
+              <p:nvPr/>
+            </p:nvSpPr>
+            <p:spPr>
+              <a:xfrm>
+                <a:off x="959370" y="3657598"/>
+                <a:ext cx="1644363" cy="1758158"/>
+              </a:xfrm>
+              <a:prstGeom prst="roundRect">
+                <a:avLst>
+                  <a:gd name="adj" fmla="val 10286"/>
+                </a:avLst>
+              </a:prstGeom>
+              <a:noFill/>
+              <a:ln>
+                <a:solidFill>
+                  <a:schemeClr val="tx1"/>
+                </a:solidFill>
+              </a:ln>
+              <a:effectLst/>
+            </p:spPr>
+            <p:style>
+              <a:lnRef idx="1">
+                <a:schemeClr val="accent1"/>
+              </a:lnRef>
+              <a:fillRef idx="3">
+                <a:schemeClr val="accent1"/>
+              </a:fillRef>
+              <a:effectRef idx="2">
+                <a:schemeClr val="accent1"/>
+              </a:effectRef>
+              <a:fontRef idx="minor">
+                <a:schemeClr val="lt1"/>
+              </a:fontRef>
+            </p:style>
+            <p:txBody>
+              <a:bodyPr rtlCol="0" anchor="ctr"/>
+              <a:lstStyle/>
+              <a:p>
+                <a:pPr algn="ctr"/>
+                <a:endParaRPr lang="fr-FR"/>
+              </a:p>
+            </p:txBody>
+          </p:sp>
+          <p:sp>
+            <p:nvSpPr>
+              <p:cNvPr id="4" name="Rectangle à coins arrondis 3"/>
+              <p:cNvSpPr/>
+              <p:nvPr/>
+            </p:nvSpPr>
+            <p:spPr>
+              <a:xfrm>
+                <a:off x="959370" y="3197187"/>
+                <a:ext cx="1644363" cy="779488"/>
+              </a:xfrm>
+              <a:prstGeom prst="roundRect">
+                <a:avLst/>
+              </a:prstGeom>
+              <a:solidFill>
+                <a:srgbClr val="05BEFF"/>
+              </a:solidFill>
+              <a:ln>
+                <a:solidFill>
+                  <a:schemeClr val="bg2">
+                    <a:lumMod val="50000"/>
+                  </a:schemeClr>
+                </a:solidFill>
+              </a:ln>
+              <a:effectLst/>
+            </p:spPr>
+            <p:style>
+              <a:lnRef idx="1">
+                <a:schemeClr val="accent1"/>
+              </a:lnRef>
+              <a:fillRef idx="3">
+                <a:schemeClr val="accent1"/>
+              </a:fillRef>
+              <a:effectRef idx="2">
+                <a:schemeClr val="accent1"/>
+              </a:effectRef>
+              <a:fontRef idx="minor">
+                <a:schemeClr val="lt1"/>
+              </a:fontRef>
+            </p:style>
+            <p:txBody>
+              <a:bodyPr rtlCol="0" anchor="ctr"/>
+              <a:lstStyle/>
+              <a:p>
+                <a:pPr algn="ctr"/>
+                <a:r>
+                  <a:rPr lang="fr-FR" sz="3200" dirty="0"/>
+                  <a:t>C</a:t>
+                </a:r>
+                <a:r>
+                  <a:rPr lang="fr-FR" sz="3200" dirty="0" smtClean="0"/>
+                  <a:t>ours</a:t>
+                </a:r>
+                <a:endParaRPr lang="fr-FR" dirty="0"/>
+              </a:p>
+            </p:txBody>
+          </p:sp>
+        </p:grpSp>
+        <p:sp>
+          <p:nvSpPr>
+            <p:cNvPr id="10" name="ZoneTexte 9"/>
+            <p:cNvSpPr txBox="1"/>
+            <p:nvPr/>
+          </p:nvSpPr>
+          <p:spPr>
+            <a:xfrm>
+              <a:off x="959370" y="4092317"/>
+              <a:ext cx="1644363" cy="1323439"/>
+            </a:xfrm>
+            <a:prstGeom prst="rect">
+              <a:avLst/>
+            </a:prstGeom>
+            <a:noFill/>
+          </p:spPr>
+          <p:txBody>
+            <a:bodyPr wrap="square" rtlCol="0">
+              <a:spAutoFit/>
+            </a:bodyPr>
+            <a:lstStyle/>
+            <a:p>
+              <a:pPr marL="285750" indent="-285750">
+                <a:buFontTx/>
+                <a:buChar char="-"/>
+              </a:pPr>
+              <a:r>
+                <a:rPr lang="fr-FR" sz="2000" dirty="0" smtClean="0"/>
+                <a:t>Professeur</a:t>
+              </a:r>
+            </a:p>
+            <a:p>
+              <a:pPr marL="285750" indent="-285750">
+                <a:buFontTx/>
+                <a:buChar char="-"/>
+              </a:pPr>
+              <a:r>
+                <a:rPr lang="fr-FR" sz="2000" dirty="0" smtClean="0"/>
+                <a:t>Matière</a:t>
+              </a:r>
+            </a:p>
+            <a:p>
+              <a:pPr marL="285750" indent="-285750">
+                <a:buFontTx/>
+                <a:buChar char="-"/>
+              </a:pPr>
+              <a:r>
+                <a:rPr lang="fr-FR" sz="2000" dirty="0" smtClean="0"/>
+                <a:t>Classe</a:t>
+              </a:r>
+            </a:p>
+            <a:p>
+              <a:pPr marL="285750" indent="-285750">
+                <a:buFontTx/>
+                <a:buChar char="-"/>
+              </a:pPr>
+              <a:r>
+                <a:rPr lang="fr-FR" sz="2000" dirty="0" smtClean="0"/>
+                <a:t>Salle</a:t>
+              </a:r>
+              <a:endParaRPr lang="fr-FR" sz="2000" dirty="0"/>
+            </a:p>
+          </p:txBody>
+        </p:sp>
+      </p:grpSp>
+      <p:graphicFrame>
+        <p:nvGraphicFramePr>
+          <p:cNvPr id="11" name="Tableau 10"/>
+          <p:cNvGraphicFramePr>
+            <a:graphicFrameLocks noGrp="1"/>
+          </p:cNvGraphicFramePr>
+          <p:nvPr>
+            <p:extLst>
+              <p:ext uri="{D42A27DB-BD31-4B8C-83A1-F6EECF244321}">
+                <p14:modId xmlns:p14="http://schemas.microsoft.com/office/powerpoint/2010/main" val="269784474"/>
+              </p:ext>
+            </p:extLst>
+          </p:nvPr>
+        </p:nvGraphicFramePr>
+        <p:xfrm>
+          <a:off x="2743201" y="3669590"/>
+          <a:ext cx="6042355" cy="2302732"/>
+        </p:xfrm>
+        <a:graphic>
+          <a:graphicData uri="http://schemas.openxmlformats.org/drawingml/2006/table">
+            <a:tbl>
+              <a:tblPr firstRow="1" bandRow="1">
+                <a:tableStyleId>{F2DE63D5-997A-4646-A377-4702673A728D}</a:tableStyleId>
+              </a:tblPr>
+              <a:tblGrid>
+                <a:gridCol w="841230"/>
+                <a:gridCol w="781926"/>
+                <a:gridCol w="820240"/>
+                <a:gridCol w="1009379"/>
+                <a:gridCol w="735802"/>
+                <a:gridCol w="1045497"/>
+                <a:gridCol w="808281"/>
+              </a:tblGrid>
+              <a:tr h="694166">
+                <a:tc>
+                  <a:txBody>
+                    <a:bodyPr/>
+                    <a:lstStyle/>
+                    <a:p>
+                      <a:endParaRPr lang="fr-FR" dirty="0"/>
+                    </a:p>
+                  </a:txBody>
+                  <a:tcPr>
+                    <a:lnR w="12700" cap="flat" cmpd="sng" algn="ctr">
+                      <a:solidFill>
+                        <a:srgbClr val="000000"/>
+                      </a:solidFill>
+                      <a:prstDash val="solid"/>
+                      <a:round/>
+                      <a:headEnd type="none" w="med" len="med"/>
+                      <a:tailEnd type="none" w="med" len="med"/>
+                    </a:lnR>
+                    <a:lnB w="12700" cap="flat" cmpd="sng" algn="ctr">
+                      <a:solidFill>
+                        <a:srgbClr val="000000"/>
+                      </a:solidFill>
+                      <a:prstDash val="solid"/>
+                      <a:round/>
+                      <a:headEnd type="none" w="med" len="med"/>
+                      <a:tailEnd type="none" w="med" len="med"/>
+                    </a:lnB>
+                  </a:tcPr>
+                </a:tc>
+                <a:tc>
+                  <a:txBody>
+                    <a:bodyPr/>
+                    <a:lstStyle/>
+                    <a:p>
+                      <a:pPr algn="ctr"/>
+                      <a:r>
+                        <a:rPr lang="fr-FR" sz="1800" dirty="0" smtClean="0"/>
+                        <a:t>LUN</a:t>
+                      </a:r>
+                      <a:endParaRPr lang="fr-FR" sz="1200" dirty="0"/>
+                    </a:p>
+                  </a:txBody>
+                  <a:tcPr anchor="ctr">
+                    <a:lnL w="12700" cap="flat" cmpd="sng" algn="ctr">
+                      <a:solidFill>
+                        <a:srgbClr val="000000"/>
+                      </a:solidFill>
+                      <a:prstDash val="solid"/>
+                      <a:round/>
+                      <a:headEnd type="none" w="med" len="med"/>
+                      <a:tailEnd type="none" w="med" len="med"/>
+                    </a:lnL>
+                    <a:lnR w="12700" cap="flat" cmpd="sng" algn="ctr">
+                      <a:solidFill>
+                        <a:srgbClr val="000000"/>
+                      </a:solidFill>
+                      <a:prstDash val="solid"/>
+                      <a:round/>
+                      <a:headEnd type="none" w="med" len="med"/>
+                      <a:tailEnd type="none" w="med" len="med"/>
+                    </a:lnR>
+                    <a:lnB w="12700" cap="flat" cmpd="sng" algn="ctr">
+                      <a:solidFill>
+                        <a:srgbClr val="000000"/>
+                      </a:solidFill>
+                      <a:prstDash val="solid"/>
+                      <a:round/>
+                      <a:headEnd type="none" w="med" len="med"/>
+                      <a:tailEnd type="none" w="med" len="med"/>
+                    </a:lnB>
+                  </a:tcPr>
+                </a:tc>
+                <a:tc>
+                  <a:txBody>
+                    <a:bodyPr/>
+                    <a:lstStyle/>
+                    <a:p>
+                      <a:pPr algn="ctr"/>
+                      <a:r>
+                        <a:rPr lang="fr-FR" sz="1800" dirty="0" smtClean="0"/>
+                        <a:t>MAR</a:t>
+                      </a:r>
+                      <a:endParaRPr lang="fr-FR" dirty="0"/>
+                    </a:p>
+                  </a:txBody>
+                  <a:tcPr anchor="ctr">
+                    <a:lnL w="12700" cap="flat" cmpd="sng" algn="ctr">
+                      <a:solidFill>
+                        <a:srgbClr val="000000"/>
+                      </a:solidFill>
+                      <a:prstDash val="solid"/>
+                      <a:round/>
+                      <a:headEnd type="none" w="med" len="med"/>
+                      <a:tailEnd type="none" w="med" len="med"/>
+                    </a:lnL>
+                    <a:lnR w="12700" cap="flat" cmpd="sng" algn="ctr">
+                      <a:solidFill>
+                        <a:srgbClr val="000000"/>
+                      </a:solidFill>
+                      <a:prstDash val="solid"/>
+                      <a:round/>
+                      <a:headEnd type="none" w="med" len="med"/>
+                      <a:tailEnd type="none" w="med" len="med"/>
+                    </a:lnR>
+                    <a:lnB w="12700" cap="flat" cmpd="sng" algn="ctr">
+                      <a:solidFill>
+                        <a:srgbClr val="000000"/>
+                      </a:solidFill>
+                      <a:prstDash val="solid"/>
+                      <a:round/>
+                      <a:headEnd type="none" w="med" len="med"/>
+                      <a:tailEnd type="none" w="med" len="med"/>
+                    </a:lnB>
+                  </a:tcPr>
+                </a:tc>
+                <a:tc>
+                  <a:txBody>
+                    <a:bodyPr/>
+                    <a:lstStyle/>
+                    <a:p>
+                      <a:pPr algn="ctr"/>
+                      <a:r>
+                        <a:rPr lang="fr-FR" sz="1800" dirty="0" smtClean="0"/>
+                        <a:t>MER</a:t>
+                      </a:r>
+                      <a:endParaRPr lang="fr-FR" dirty="0"/>
+                    </a:p>
+                  </a:txBody>
+                  <a:tcPr anchor="ctr">
+                    <a:lnL w="12700" cap="flat" cmpd="sng" algn="ctr">
+                      <a:solidFill>
+                        <a:srgbClr val="000000"/>
+                      </a:solidFill>
+                      <a:prstDash val="solid"/>
+                      <a:round/>
+                      <a:headEnd type="none" w="med" len="med"/>
+                      <a:tailEnd type="none" w="med" len="med"/>
+                    </a:lnL>
+                    <a:lnR w="12700" cap="flat" cmpd="sng" algn="ctr">
+                      <a:solidFill>
+                        <a:srgbClr val="000000"/>
+                      </a:solidFill>
+                      <a:prstDash val="solid"/>
+                      <a:round/>
+                      <a:headEnd type="none" w="med" len="med"/>
+                      <a:tailEnd type="none" w="med" len="med"/>
+                    </a:lnR>
+                    <a:lnB w="12700" cap="flat" cmpd="sng" algn="ctr">
+                      <a:solidFill>
+                        <a:srgbClr val="000000"/>
+                      </a:solidFill>
+                      <a:prstDash val="solid"/>
+                      <a:round/>
+                      <a:headEnd type="none" w="med" len="med"/>
+                      <a:tailEnd type="none" w="med" len="med"/>
+                    </a:lnB>
+                  </a:tcPr>
+                </a:tc>
+                <a:tc>
+                  <a:txBody>
+                    <a:bodyPr/>
+                    <a:lstStyle/>
+                    <a:p>
+                      <a:pPr algn="ctr"/>
+                      <a:r>
+                        <a:rPr lang="fr-FR" sz="1800" dirty="0" smtClean="0"/>
+                        <a:t>JEU</a:t>
+                      </a:r>
+                      <a:endParaRPr lang="fr-FR" dirty="0"/>
+                    </a:p>
+                  </a:txBody>
+                  <a:tcPr anchor="ctr">
+                    <a:lnL w="12700" cap="flat" cmpd="sng" algn="ctr">
+                      <a:solidFill>
+                        <a:srgbClr val="000000"/>
+                      </a:solidFill>
+                      <a:prstDash val="solid"/>
+                      <a:round/>
+                      <a:headEnd type="none" w="med" len="med"/>
+                      <a:tailEnd type="none" w="med" len="med"/>
+                    </a:lnL>
+                    <a:lnR w="12700" cap="flat" cmpd="sng" algn="ctr">
+                      <a:solidFill>
+                        <a:srgbClr val="000000"/>
+                      </a:solidFill>
+                      <a:prstDash val="solid"/>
+                      <a:round/>
+                      <a:headEnd type="none" w="med" len="med"/>
+                      <a:tailEnd type="none" w="med" len="med"/>
+                    </a:lnR>
+                    <a:lnB w="12700" cap="flat" cmpd="sng" algn="ctr">
+                      <a:solidFill>
+                        <a:srgbClr val="000000"/>
+                      </a:solidFill>
+                      <a:prstDash val="solid"/>
+                      <a:round/>
+                      <a:headEnd type="none" w="med" len="med"/>
+                      <a:tailEnd type="none" w="med" len="med"/>
+                    </a:lnB>
+                  </a:tcPr>
+                </a:tc>
+                <a:tc>
+                  <a:txBody>
+                    <a:bodyPr/>
+                    <a:lstStyle/>
+                    <a:p>
+                      <a:pPr algn="ctr"/>
+                      <a:r>
+                        <a:rPr lang="fr-FR" dirty="0" smtClean="0"/>
+                        <a:t>VEN</a:t>
+                      </a:r>
+                      <a:endParaRPr lang="fr-FR" dirty="0"/>
+                    </a:p>
+                  </a:txBody>
+                  <a:tcPr anchor="ctr">
+                    <a:lnL w="12700" cap="flat" cmpd="sng" algn="ctr">
+                      <a:solidFill>
+                        <a:srgbClr val="000000"/>
+                      </a:solidFill>
+                      <a:prstDash val="solid"/>
+                      <a:round/>
+                      <a:headEnd type="none" w="med" len="med"/>
+                      <a:tailEnd type="none" w="med" len="med"/>
+                    </a:lnL>
+                    <a:lnR w="12700" cap="flat" cmpd="sng" algn="ctr">
+                      <a:solidFill>
+                        <a:srgbClr val="000000"/>
+                      </a:solidFill>
+                      <a:prstDash val="solid"/>
+                      <a:round/>
+                      <a:headEnd type="none" w="med" len="med"/>
+                      <a:tailEnd type="none" w="med" len="med"/>
+                    </a:lnR>
+                    <a:lnB w="12700" cap="flat" cmpd="sng" algn="ctr">
+                      <a:solidFill>
+                        <a:srgbClr val="000000"/>
+                      </a:solidFill>
+                      <a:prstDash val="solid"/>
+                      <a:round/>
+                      <a:headEnd type="none" w="med" len="med"/>
+                      <a:tailEnd type="none" w="med" len="med"/>
+                    </a:lnB>
+                  </a:tcPr>
+                </a:tc>
+                <a:tc>
+                  <a:txBody>
+                    <a:bodyPr/>
+                    <a:lstStyle/>
+                    <a:p>
+                      <a:pPr algn="ctr"/>
+                      <a:r>
+                        <a:rPr lang="fr-FR" dirty="0" smtClean="0"/>
+                        <a:t>SAM</a:t>
+                      </a:r>
+                      <a:endParaRPr lang="fr-FR" dirty="0"/>
+                    </a:p>
+                  </a:txBody>
+                  <a:tcPr anchor="ctr">
+                    <a:lnL w="12700" cap="flat" cmpd="sng" algn="ctr">
+                      <a:solidFill>
+                        <a:srgbClr val="000000"/>
+                      </a:solidFill>
+                      <a:prstDash val="solid"/>
+                      <a:round/>
+                      <a:headEnd type="none" w="med" len="med"/>
+                      <a:tailEnd type="none" w="med" len="med"/>
+                    </a:lnL>
+                    <a:lnB w="12700" cap="flat" cmpd="sng" algn="ctr">
+                      <a:solidFill>
+                        <a:srgbClr val="000000"/>
+                      </a:solidFill>
+                      <a:prstDash val="solid"/>
+                      <a:round/>
+                      <a:headEnd type="none" w="med" len="med"/>
+                      <a:tailEnd type="none" w="med" len="med"/>
+                    </a:lnB>
+                  </a:tcPr>
+                </a:tc>
+              </a:tr>
+              <a:tr h="694166">
+                <a:tc>
+                  <a:txBody>
+                    <a:bodyPr/>
+                    <a:lstStyle/>
+                    <a:p>
+                      <a:r>
+                        <a:rPr lang="fr-FR" dirty="0" smtClean="0"/>
+                        <a:t>Matin</a:t>
+                      </a:r>
+                    </a:p>
+                    <a:p>
+                      <a:r>
+                        <a:rPr lang="fr-FR" dirty="0" smtClean="0"/>
+                        <a:t>(4H)</a:t>
+                      </a:r>
+                      <a:endParaRPr lang="fr-FR" dirty="0"/>
+                    </a:p>
+                  </a:txBody>
+                  <a:tcPr>
+                    <a:lnR w="12700" cap="flat" cmpd="sng" algn="ctr">
+                      <a:solidFill>
+                        <a:srgbClr val="000000"/>
+                      </a:solidFill>
+                      <a:prstDash val="solid"/>
+                      <a:round/>
+                      <a:headEnd type="none" w="med" len="med"/>
+                      <a:tailEnd type="none" w="med" len="med"/>
+                    </a:lnR>
+                    <a:lnT w="12700" cap="flat" cmpd="sng" algn="ctr">
+                      <a:solidFill>
+                        <a:srgbClr val="000000"/>
+                      </a:solidFill>
+                      <a:prstDash val="solid"/>
+                      <a:round/>
+                      <a:headEnd type="none" w="med" len="med"/>
+                      <a:tailEnd type="none" w="med" len="med"/>
+                    </a:lnT>
+                    <a:lnB w="12700" cap="flat" cmpd="sng" algn="ctr">
+                      <a:solidFill>
+                        <a:srgbClr val="000000"/>
+                      </a:solidFill>
+                      <a:prstDash val="solid"/>
+                      <a:round/>
+                      <a:headEnd type="none" w="med" len="med"/>
+                      <a:tailEnd type="none" w="med" len="med"/>
+                    </a:lnB>
+                  </a:tcPr>
+                </a:tc>
+                <a:tc>
+                  <a:txBody>
+                    <a:bodyPr/>
+                    <a:lstStyle/>
+                    <a:p>
+                      <a:pPr algn="ctr"/>
+                      <a:endParaRPr lang="fr-FR" sz="2400" dirty="0"/>
+                    </a:p>
+                  </a:txBody>
+                  <a:tcPr anchor="ctr">
+                    <a:lnL w="12700" cap="flat" cmpd="sng" algn="ctr">
+                      <a:solidFill>
+                        <a:srgbClr val="000000"/>
+                      </a:solidFill>
+                      <a:prstDash val="solid"/>
+                      <a:round/>
+                      <a:headEnd type="none" w="med" len="med"/>
+                      <a:tailEnd type="none" w="med" len="med"/>
+                    </a:lnL>
+                    <a:lnR w="12700" cap="flat" cmpd="sng" algn="ctr">
+                      <a:solidFill>
+                        <a:srgbClr val="000000"/>
+                      </a:solidFill>
+                      <a:prstDash val="solid"/>
+                      <a:round/>
+                      <a:headEnd type="none" w="med" len="med"/>
+                      <a:tailEnd type="none" w="med" len="med"/>
+                    </a:lnR>
+                    <a:lnT w="12700" cap="flat" cmpd="sng" algn="ctr">
+                      <a:solidFill>
+                        <a:srgbClr val="000000"/>
+                      </a:solidFill>
+                      <a:prstDash val="solid"/>
+                      <a:round/>
+                      <a:headEnd type="none" w="med" len="med"/>
+                      <a:tailEnd type="none" w="med" len="med"/>
+                    </a:lnT>
+                    <a:lnB w="12700" cap="flat" cmpd="sng" algn="ctr">
+                      <a:solidFill>
+                        <a:srgbClr val="000000"/>
+                      </a:solidFill>
+                      <a:prstDash val="solid"/>
+                      <a:round/>
+                      <a:headEnd type="none" w="med" len="med"/>
+                      <a:tailEnd type="none" w="med" len="med"/>
+                    </a:lnB>
+                  </a:tcPr>
+                </a:tc>
+                <a:tc>
+                  <a:txBody>
+                    <a:bodyPr/>
+                    <a:lstStyle/>
+                    <a:p>
+                      <a:pPr algn="ctr"/>
+                      <a:endParaRPr lang="fr-FR" sz="2400" dirty="0"/>
+                    </a:p>
+                  </a:txBody>
+                  <a:tcPr anchor="ctr">
+                    <a:lnL w="12700" cap="flat" cmpd="sng" algn="ctr">
+                      <a:solidFill>
+                        <a:srgbClr val="000000"/>
+                      </a:solidFill>
+                      <a:prstDash val="solid"/>
+                      <a:round/>
+                      <a:headEnd type="none" w="med" len="med"/>
+                      <a:tailEnd type="none" w="med" len="med"/>
+                    </a:lnL>
+                    <a:lnR w="12700" cap="flat" cmpd="sng" algn="ctr">
+                      <a:solidFill>
+                        <a:srgbClr val="000000"/>
+                      </a:solidFill>
+                      <a:prstDash val="solid"/>
+                      <a:round/>
+                      <a:headEnd type="none" w="med" len="med"/>
+                      <a:tailEnd type="none" w="med" len="med"/>
+                    </a:lnR>
+                    <a:lnT w="12700" cap="flat" cmpd="sng" algn="ctr">
+                      <a:solidFill>
+                        <a:srgbClr val="000000"/>
+                      </a:solidFill>
+                      <a:prstDash val="solid"/>
+                      <a:round/>
+                      <a:headEnd type="none" w="med" len="med"/>
+                      <a:tailEnd type="none" w="med" len="med"/>
+                    </a:lnT>
+                    <a:lnB w="12700" cap="flat" cmpd="sng" algn="ctr">
+                      <a:solidFill>
+                        <a:srgbClr val="000000"/>
+                      </a:solidFill>
+                      <a:prstDash val="solid"/>
+                      <a:round/>
+                      <a:headEnd type="none" w="med" len="med"/>
+                      <a:tailEnd type="none" w="med" len="med"/>
+                    </a:lnB>
+                  </a:tcPr>
+                </a:tc>
+                <a:tc>
+                  <a:txBody>
+                    <a:bodyPr/>
+                    <a:lstStyle/>
+                    <a:p>
+                      <a:pPr algn="ctr"/>
+                      <a:endParaRPr lang="fr-FR" sz="2400" dirty="0"/>
+                    </a:p>
+                  </a:txBody>
+                  <a:tcPr anchor="ctr">
+                    <a:lnL w="12700" cap="flat" cmpd="sng" algn="ctr">
+                      <a:solidFill>
+                        <a:srgbClr val="000000"/>
+                      </a:solidFill>
+                      <a:prstDash val="solid"/>
+                      <a:round/>
+                      <a:headEnd type="none" w="med" len="med"/>
+                      <a:tailEnd type="none" w="med" len="med"/>
+                    </a:lnL>
+                    <a:lnR w="12700" cap="flat" cmpd="sng" algn="ctr">
+                      <a:solidFill>
+                        <a:srgbClr val="000000"/>
+                      </a:solidFill>
+                      <a:prstDash val="solid"/>
+                      <a:round/>
+                      <a:headEnd type="none" w="med" len="med"/>
+                      <a:tailEnd type="none" w="med" len="med"/>
+                    </a:lnR>
+                    <a:lnT w="12700" cap="flat" cmpd="sng" algn="ctr">
+                      <a:solidFill>
+                        <a:srgbClr val="000000"/>
+                      </a:solidFill>
+                      <a:prstDash val="solid"/>
+                      <a:round/>
+                      <a:headEnd type="none" w="med" len="med"/>
+                      <a:tailEnd type="none" w="med" len="med"/>
+                    </a:lnT>
+                    <a:lnB w="12700" cap="flat" cmpd="sng" algn="ctr">
+                      <a:solidFill>
+                        <a:srgbClr val="000000"/>
+                      </a:solidFill>
+                      <a:prstDash val="solid"/>
+                      <a:round/>
+                      <a:headEnd type="none" w="med" len="med"/>
+                      <a:tailEnd type="none" w="med" len="med"/>
+                    </a:lnB>
+                  </a:tcPr>
+                </a:tc>
+                <a:tc>
+                  <a:txBody>
+                    <a:bodyPr/>
+                    <a:lstStyle/>
+                    <a:p>
+                      <a:pPr algn="ctr"/>
+                      <a:endParaRPr lang="fr-FR" sz="2400" dirty="0"/>
+                    </a:p>
+                  </a:txBody>
+                  <a:tcPr anchor="ctr">
+                    <a:lnL w="12700" cap="flat" cmpd="sng" algn="ctr">
+                      <a:solidFill>
+                        <a:srgbClr val="000000"/>
+                      </a:solidFill>
+                      <a:prstDash val="solid"/>
+                      <a:round/>
+                      <a:headEnd type="none" w="med" len="med"/>
+                      <a:tailEnd type="none" w="med" len="med"/>
+                    </a:lnL>
+                    <a:lnR w="12700" cap="flat" cmpd="sng" algn="ctr">
+                      <a:solidFill>
+                        <a:srgbClr val="000000"/>
+                      </a:solidFill>
+                      <a:prstDash val="solid"/>
+                      <a:round/>
+                      <a:headEnd type="none" w="med" len="med"/>
+                      <a:tailEnd type="none" w="med" len="med"/>
+                    </a:lnR>
+                    <a:lnT w="12700" cap="flat" cmpd="sng" algn="ctr">
+                      <a:solidFill>
+                        <a:srgbClr val="000000"/>
+                      </a:solidFill>
+                      <a:prstDash val="solid"/>
+                      <a:round/>
+                      <a:headEnd type="none" w="med" len="med"/>
+                      <a:tailEnd type="none" w="med" len="med"/>
+                    </a:lnT>
+                    <a:lnB w="12700" cap="flat" cmpd="sng" algn="ctr">
+                      <a:solidFill>
+                        <a:srgbClr val="000000"/>
+                      </a:solidFill>
+                      <a:prstDash val="solid"/>
+                      <a:round/>
+                      <a:headEnd type="none" w="med" len="med"/>
+                      <a:tailEnd type="none" w="med" len="med"/>
+                    </a:lnB>
+                  </a:tcPr>
+                </a:tc>
+                <a:tc>
+                  <a:txBody>
+                    <a:bodyPr/>
+                    <a:lstStyle/>
+                    <a:p>
+                      <a:pPr algn="ctr"/>
+                      <a:endParaRPr lang="fr-FR" sz="2400" dirty="0"/>
+                    </a:p>
+                  </a:txBody>
+                  <a:tcPr anchor="ctr">
+                    <a:lnL w="12700" cap="flat" cmpd="sng" algn="ctr">
+                      <a:solidFill>
+                        <a:srgbClr val="000000"/>
+                      </a:solidFill>
+                      <a:prstDash val="solid"/>
+                      <a:round/>
+                      <a:headEnd type="none" w="med" len="med"/>
+                      <a:tailEnd type="none" w="med" len="med"/>
+                    </a:lnL>
+                    <a:lnR w="12700" cap="flat" cmpd="sng" algn="ctr">
+                      <a:solidFill>
+                        <a:srgbClr val="000000"/>
+                      </a:solidFill>
+                      <a:prstDash val="solid"/>
+                      <a:round/>
+                      <a:headEnd type="none" w="med" len="med"/>
+                      <a:tailEnd type="none" w="med" len="med"/>
+                    </a:lnR>
+                    <a:lnT w="12700" cap="flat" cmpd="sng" algn="ctr">
+                      <a:solidFill>
+                        <a:srgbClr val="000000"/>
+                      </a:solidFill>
+                      <a:prstDash val="solid"/>
+                      <a:round/>
+                      <a:headEnd type="none" w="med" len="med"/>
+                      <a:tailEnd type="none" w="med" len="med"/>
+                    </a:lnT>
+                    <a:lnB w="12700" cap="flat" cmpd="sng" algn="ctr">
+                      <a:solidFill>
+                        <a:srgbClr val="000000"/>
+                      </a:solidFill>
+                      <a:prstDash val="solid"/>
+                      <a:round/>
+                      <a:headEnd type="none" w="med" len="med"/>
+                      <a:tailEnd type="none" w="med" len="med"/>
+                    </a:lnB>
+                  </a:tcPr>
+                </a:tc>
+                <a:tc>
+                  <a:txBody>
+                    <a:bodyPr/>
+                    <a:lstStyle/>
+                    <a:p>
+                      <a:pPr algn="ctr"/>
+                      <a:endParaRPr lang="fr-FR" sz="2400" dirty="0"/>
+                    </a:p>
+                  </a:txBody>
+                  <a:tcPr anchor="ctr">
+                    <a:lnL w="12700" cap="flat" cmpd="sng" algn="ctr">
+                      <a:solidFill>
+                        <a:srgbClr val="000000"/>
+                      </a:solidFill>
+                      <a:prstDash val="solid"/>
+                      <a:round/>
+                      <a:headEnd type="none" w="med" len="med"/>
+                      <a:tailEnd type="none" w="med" len="med"/>
+                    </a:lnL>
+                    <a:lnT w="12700" cap="flat" cmpd="sng" algn="ctr">
+                      <a:solidFill>
+                        <a:srgbClr val="000000"/>
+                      </a:solidFill>
+                      <a:prstDash val="solid"/>
+                      <a:round/>
+                      <a:headEnd type="none" w="med" len="med"/>
+                      <a:tailEnd type="none" w="med" len="med"/>
+                    </a:lnT>
+                    <a:lnB w="12700" cap="flat" cmpd="sng" algn="ctr">
+                      <a:solidFill>
+                        <a:srgbClr val="000000"/>
+                      </a:solidFill>
+                      <a:prstDash val="solid"/>
+                      <a:round/>
+                      <a:headEnd type="none" w="med" len="med"/>
+                      <a:tailEnd type="none" w="med" len="med"/>
+                    </a:lnB>
+                  </a:tcPr>
+                </a:tc>
+              </a:tr>
+              <a:tr h="766432">
+                <a:tc>
+                  <a:txBody>
+                    <a:bodyPr/>
+                    <a:lstStyle/>
+                    <a:p>
+                      <a:r>
+                        <a:rPr lang="fr-FR" dirty="0" smtClean="0"/>
+                        <a:t>Après-midi</a:t>
+                      </a:r>
+                    </a:p>
+                    <a:p>
+                      <a:r>
+                        <a:rPr lang="fr-FR" dirty="0" smtClean="0"/>
+                        <a:t>(4H)</a:t>
+                      </a:r>
+                      <a:endParaRPr lang="fr-FR" dirty="0"/>
+                    </a:p>
+                  </a:txBody>
+                  <a:tcPr>
+                    <a:lnR w="12700" cap="flat" cmpd="sng" algn="ctr">
+                      <a:solidFill>
+                        <a:srgbClr val="000000"/>
+                      </a:solidFill>
+                      <a:prstDash val="solid"/>
+                      <a:round/>
+                      <a:headEnd type="none" w="med" len="med"/>
+                      <a:tailEnd type="none" w="med" len="med"/>
+                    </a:lnR>
+                    <a:lnT w="12700" cap="flat" cmpd="sng" algn="ctr">
+                      <a:solidFill>
+                        <a:srgbClr val="000000"/>
+                      </a:solidFill>
+                      <a:prstDash val="solid"/>
+                      <a:round/>
+                      <a:headEnd type="none" w="med" len="med"/>
+                      <a:tailEnd type="none" w="med" len="med"/>
+                    </a:lnT>
+                  </a:tcPr>
+                </a:tc>
+                <a:tc>
+                  <a:txBody>
+                    <a:bodyPr/>
+                    <a:lstStyle/>
+                    <a:p>
+                      <a:pPr algn="ctr"/>
+                      <a:endParaRPr lang="fr-FR" sz="2400" dirty="0"/>
+                    </a:p>
+                  </a:txBody>
+                  <a:tcPr anchor="ctr">
+                    <a:lnL w="12700" cap="flat" cmpd="sng" algn="ctr">
+                      <a:solidFill>
+                        <a:srgbClr val="000000"/>
+                      </a:solidFill>
+                      <a:prstDash val="solid"/>
+                      <a:round/>
+                      <a:headEnd type="none" w="med" len="med"/>
+                      <a:tailEnd type="none" w="med" len="med"/>
+                    </a:lnL>
+                    <a:lnR w="12700" cap="flat" cmpd="sng" algn="ctr">
+                      <a:solidFill>
+                        <a:srgbClr val="000000"/>
+                      </a:solidFill>
+                      <a:prstDash val="solid"/>
+                      <a:round/>
+                      <a:headEnd type="none" w="med" len="med"/>
+                      <a:tailEnd type="none" w="med" len="med"/>
+                    </a:lnR>
+                    <a:lnT w="12700" cap="flat" cmpd="sng" algn="ctr">
+                      <a:solidFill>
+                        <a:srgbClr val="000000"/>
+                      </a:solidFill>
+                      <a:prstDash val="solid"/>
+                      <a:round/>
+                      <a:headEnd type="none" w="med" len="med"/>
+                      <a:tailEnd type="none" w="med" len="med"/>
+                    </a:lnT>
+                  </a:tcPr>
+                </a:tc>
+                <a:tc>
+                  <a:txBody>
+                    <a:bodyPr/>
+                    <a:lstStyle/>
+                    <a:p>
+                      <a:pPr algn="ctr"/>
+                      <a:endParaRPr lang="fr-FR" sz="2400" dirty="0"/>
+                    </a:p>
+                  </a:txBody>
+                  <a:tcPr anchor="ctr">
+                    <a:lnL w="12700" cap="flat" cmpd="sng" algn="ctr">
+                      <a:solidFill>
+                        <a:srgbClr val="000000"/>
+                      </a:solidFill>
+                      <a:prstDash val="solid"/>
+                      <a:round/>
+                      <a:headEnd type="none" w="med" len="med"/>
+                      <a:tailEnd type="none" w="med" len="med"/>
+                    </a:lnL>
+                    <a:lnR w="12700" cap="flat" cmpd="sng" algn="ctr">
+                      <a:solidFill>
+                        <a:srgbClr val="000000"/>
+                      </a:solidFill>
+                      <a:prstDash val="solid"/>
+                      <a:round/>
+                      <a:headEnd type="none" w="med" len="med"/>
+                      <a:tailEnd type="none" w="med" len="med"/>
+                    </a:lnR>
+                    <a:lnT w="12700" cap="flat" cmpd="sng" algn="ctr">
+                      <a:solidFill>
+                        <a:srgbClr val="000000"/>
+                      </a:solidFill>
+                      <a:prstDash val="solid"/>
+                      <a:round/>
+                      <a:headEnd type="none" w="med" len="med"/>
+                      <a:tailEnd type="none" w="med" len="med"/>
+                    </a:lnT>
+                  </a:tcPr>
+                </a:tc>
+                <a:tc>
+                  <a:txBody>
+                    <a:bodyPr/>
+                    <a:lstStyle/>
+                    <a:p>
+                      <a:pPr algn="ctr"/>
+                      <a:endParaRPr lang="fr-FR" sz="2400" dirty="0"/>
+                    </a:p>
+                  </a:txBody>
+                  <a:tcPr anchor="ctr">
+                    <a:lnL w="12700" cap="flat" cmpd="sng" algn="ctr">
+                      <a:solidFill>
+                        <a:srgbClr val="000000"/>
+                      </a:solidFill>
+                      <a:prstDash val="solid"/>
+                      <a:round/>
+                      <a:headEnd type="none" w="med" len="med"/>
+                      <a:tailEnd type="none" w="med" len="med"/>
+                    </a:lnL>
+                    <a:lnR w="12700" cap="flat" cmpd="sng" algn="ctr">
+                      <a:solidFill>
+                        <a:srgbClr val="000000"/>
+                      </a:solidFill>
+                      <a:prstDash val="solid"/>
+                      <a:round/>
+                      <a:headEnd type="none" w="med" len="med"/>
+                      <a:tailEnd type="none" w="med" len="med"/>
+                    </a:lnR>
+                    <a:lnT w="12700" cap="flat" cmpd="sng" algn="ctr">
+                      <a:solidFill>
+                        <a:srgbClr val="000000"/>
+                      </a:solidFill>
+                      <a:prstDash val="solid"/>
+                      <a:round/>
+                      <a:headEnd type="none" w="med" len="med"/>
+                      <a:tailEnd type="none" w="med" len="med"/>
+                    </a:lnT>
+                  </a:tcPr>
+                </a:tc>
+                <a:tc>
+                  <a:txBody>
+                    <a:bodyPr/>
+                    <a:lstStyle/>
+                    <a:p>
+                      <a:pPr algn="ctr"/>
+                      <a:endParaRPr lang="fr-FR" sz="2400" dirty="0"/>
+                    </a:p>
+                  </a:txBody>
+                  <a:tcPr anchor="ctr">
+                    <a:lnL w="12700" cap="flat" cmpd="sng" algn="ctr">
+                      <a:solidFill>
+                        <a:srgbClr val="000000"/>
+                      </a:solidFill>
+                      <a:prstDash val="solid"/>
+                      <a:round/>
+                      <a:headEnd type="none" w="med" len="med"/>
+                      <a:tailEnd type="none" w="med" len="med"/>
+                    </a:lnL>
+                    <a:lnR w="12700" cap="flat" cmpd="sng" algn="ctr">
+                      <a:solidFill>
+                        <a:srgbClr val="000000"/>
+                      </a:solidFill>
+                      <a:prstDash val="solid"/>
+                      <a:round/>
+                      <a:headEnd type="none" w="med" len="med"/>
+                      <a:tailEnd type="none" w="med" len="med"/>
+                    </a:lnR>
+                    <a:lnT w="12700" cap="flat" cmpd="sng" algn="ctr">
+                      <a:solidFill>
+                        <a:srgbClr val="000000"/>
+                      </a:solidFill>
+                      <a:prstDash val="solid"/>
+                      <a:round/>
+                      <a:headEnd type="none" w="med" len="med"/>
+                      <a:tailEnd type="none" w="med" len="med"/>
+                    </a:lnT>
+                  </a:tcPr>
+                </a:tc>
+                <a:tc>
+                  <a:txBody>
+                    <a:bodyPr/>
+                    <a:lstStyle/>
+                    <a:p>
+                      <a:pPr algn="ctr"/>
+                      <a:endParaRPr lang="fr-FR" sz="2400" dirty="0"/>
+                    </a:p>
+                  </a:txBody>
+                  <a:tcPr anchor="ctr">
+                    <a:lnL w="12700" cap="flat" cmpd="sng" algn="ctr">
+                      <a:solidFill>
+                        <a:srgbClr val="000000"/>
+                      </a:solidFill>
+                      <a:prstDash val="solid"/>
+                      <a:round/>
+                      <a:headEnd type="none" w="med" len="med"/>
+                      <a:tailEnd type="none" w="med" len="med"/>
+                    </a:lnL>
+                    <a:lnR w="12700" cap="flat" cmpd="sng" algn="ctr">
+                      <a:solidFill>
+                        <a:srgbClr val="000000"/>
+                      </a:solidFill>
+                      <a:prstDash val="solid"/>
+                      <a:round/>
+                      <a:headEnd type="none" w="med" len="med"/>
+                      <a:tailEnd type="none" w="med" len="med"/>
+                    </a:lnR>
+                    <a:lnT w="12700" cap="flat" cmpd="sng" algn="ctr">
+                      <a:solidFill>
+                        <a:srgbClr val="000000"/>
+                      </a:solidFill>
+                      <a:prstDash val="solid"/>
+                      <a:round/>
+                      <a:headEnd type="none" w="med" len="med"/>
+                      <a:tailEnd type="none" w="med" len="med"/>
+                    </a:lnT>
+                  </a:tcPr>
+                </a:tc>
+                <a:tc>
+                  <a:txBody>
+                    <a:bodyPr/>
+                    <a:lstStyle/>
+                    <a:p>
+                      <a:pPr algn="ctr"/>
+                      <a:endParaRPr lang="fr-FR" sz="2400" dirty="0"/>
+                    </a:p>
+                  </a:txBody>
+                  <a:tcPr anchor="ctr">
+                    <a:lnL w="12700" cap="flat" cmpd="sng" algn="ctr">
+                      <a:solidFill>
+                        <a:srgbClr val="000000"/>
+                      </a:solidFill>
+                      <a:prstDash val="solid"/>
+                      <a:round/>
+                      <a:headEnd type="none" w="med" len="med"/>
+                      <a:tailEnd type="none" w="med" len="med"/>
+                    </a:lnL>
+                    <a:lnT w="12700" cap="flat" cmpd="sng" algn="ctr">
+                      <a:solidFill>
+                        <a:srgbClr val="000000"/>
+                      </a:solidFill>
+                      <a:prstDash val="solid"/>
+                      <a:round/>
+                      <a:headEnd type="none" w="med" len="med"/>
+                      <a:tailEnd type="none" w="med" len="med"/>
+                    </a:lnT>
+                  </a:tcPr>
+                </a:tc>
+              </a:tr>
+            </a:tbl>
+          </a:graphicData>
+        </a:graphic>
+      </p:graphicFrame>
+      <p:cxnSp>
+        <p:nvCxnSpPr>
+          <p:cNvPr id="15" name="Connecteur droit avec flèche 14"/>
+          <p:cNvCxnSpPr/>
+          <p:nvPr/>
+        </p:nvCxnSpPr>
         <p:spPr>
           <a:xfrm>
-            <a:off x="-38487" y="2185273"/>
-            <a:ext cx="9144000" cy="4354286"/>
+            <a:off x="2064093" y="3043008"/>
+            <a:ext cx="1878320" cy="1706206"/>
           </a:xfrm>
-          <a:prstGeom prst="rect">
+          <a:prstGeom prst="straightConnector1">
             <a:avLst/>
           </a:prstGeom>
+          <a:ln>
+            <a:solidFill>
+              <a:schemeClr val="bg2">
+                <a:lumMod val="50000"/>
+              </a:schemeClr>
+            </a:solidFill>
+            <a:tailEnd type="arrow"/>
+          </a:ln>
         </p:spPr>
-      </p:pic>
+        <p:style>
+          <a:lnRef idx="2">
+            <a:schemeClr val="accent1"/>
+          </a:lnRef>
+          <a:fillRef idx="0">
+            <a:schemeClr val="accent1"/>
+          </a:fillRef>
+          <a:effectRef idx="1">
+            <a:schemeClr val="accent1"/>
+          </a:effectRef>
+          <a:fontRef idx="minor">
+            <a:schemeClr val="tx1"/>
+          </a:fontRef>
+        </p:style>
+      </p:cxnSp>
     </p:spTree>
     <p:extLst>
       <p:ext uri="{BB962C8B-B14F-4D97-AF65-F5344CB8AC3E}">
@@ -6600,7 +7700,110 @@
   <p:timing>
     <p:tnLst>
       <p:par>
-        <p:cTn xmlns:p14="http://schemas.microsoft.com/office/powerpoint/2010/main" id="1" dur="indefinite" restart="never" nodeType="tmRoot"/>
+        <p:cTn id="1" dur="indefinite" restart="never" nodeType="tmRoot">
+          <p:childTnLst>
+            <p:seq concurrent="1" nextAc="seek">
+              <p:cTn id="2" dur="indefinite" nodeType="mainSeq">
+                <p:childTnLst>
+                  <p:par>
+                    <p:cTn id="3" fill="hold">
+                      <p:stCondLst>
+                        <p:cond delay="indefinite"/>
+                      </p:stCondLst>
+                      <p:childTnLst>
+                        <p:par>
+                          <p:cTn id="4" fill="hold">
+                            <p:stCondLst>
+                              <p:cond delay="0"/>
+                            </p:stCondLst>
+                            <p:childTnLst>
+                              <p:par>
+                                <p:cTn id="5" presetID="1" presetClass="entr" presetSubtype="0" fill="hold" nodeType="clickEffect">
+                                  <p:stCondLst>
+                                    <p:cond delay="0"/>
+                                  </p:stCondLst>
+                                  <p:childTnLst>
+                                    <p:set>
+                                      <p:cBhvr>
+                                        <p:cTn id="6" dur="1" fill="hold">
+                                          <p:stCondLst>
+                                            <p:cond delay="0"/>
+                                          </p:stCondLst>
+                                        </p:cTn>
+                                        <p:tgtEl>
+                                          <p:spTgt spid="11"/>
+                                        </p:tgtEl>
+                                        <p:attrNameLst>
+                                          <p:attrName>style.visibility</p:attrName>
+                                        </p:attrNameLst>
+                                      </p:cBhvr>
+                                      <p:to>
+                                        <p:strVal val="visible"/>
+                                      </p:to>
+                                    </p:set>
+                                  </p:childTnLst>
+                                </p:cTn>
+                              </p:par>
+                              <p:par>
+                                <p:cTn id="7" presetID="22" presetClass="entr" presetSubtype="1" fill="hold" nodeType="withEffect">
+                                  <p:stCondLst>
+                                    <p:cond delay="0"/>
+                                  </p:stCondLst>
+                                  <p:childTnLst>
+                                    <p:set>
+                                      <p:cBhvr>
+                                        <p:cTn id="8" dur="1" fill="hold">
+                                          <p:stCondLst>
+                                            <p:cond delay="0"/>
+                                          </p:stCondLst>
+                                        </p:cTn>
+                                        <p:tgtEl>
+                                          <p:spTgt spid="15"/>
+                                        </p:tgtEl>
+                                        <p:attrNameLst>
+                                          <p:attrName>style.visibility</p:attrName>
+                                        </p:attrNameLst>
+                                      </p:cBhvr>
+                                      <p:to>
+                                        <p:strVal val="visible"/>
+                                      </p:to>
+                                    </p:set>
+                                    <p:animEffect transition="in" filter="wipe(up)">
+                                      <p:cBhvr>
+                                        <p:cTn id="9" dur="250"/>
+                                        <p:tgtEl>
+                                          <p:spTgt spid="15"/>
+                                        </p:tgtEl>
+                                      </p:cBhvr>
+                                    </p:animEffect>
+                                  </p:childTnLst>
+                                </p:cTn>
+                              </p:par>
+                            </p:childTnLst>
+                          </p:cTn>
+                        </p:par>
+                      </p:childTnLst>
+                    </p:cTn>
+                  </p:par>
+                </p:childTnLst>
+              </p:cTn>
+              <p:prevCondLst>
+                <p:cond evt="onPrev" delay="0">
+                  <p:tgtEl>
+                    <p:sldTgt/>
+                  </p:tgtEl>
+                </p:cond>
+              </p:prevCondLst>
+              <p:nextCondLst>
+                <p:cond evt="onNext" delay="0">
+                  <p:tgtEl>
+                    <p:sldTgt/>
+                  </p:tgtEl>
+                </p:cond>
+              </p:nextCondLst>
+            </p:seq>
+          </p:childTnLst>
+        </p:cTn>
       </p:par>
     </p:tnLst>
   </p:timing>
@@ -7992,7 +9195,11 @@
           <a:p>
             <a:r>
               <a:rPr lang="fr-FR" dirty="0" smtClean="0"/>
-              <a:t>MISE EN FORME DES DONNEES</a:t>
+              <a:t>MISE EN FORME DES </a:t>
+            </a:r>
+            <a:r>
+              <a:rPr lang="fr-FR" dirty="0" smtClean="0"/>
+              <a:t>DONNÉES</a:t>
             </a:r>
             <a:endParaRPr lang="fr-FR" dirty="0"/>
           </a:p>
@@ -8086,7 +9293,7 @@
   <p:timing>
     <p:tnLst>
       <p:par>
-        <p:cTn xmlns:p14="http://schemas.microsoft.com/office/powerpoint/2010/main" id="1" dur="indefinite" restart="never" nodeType="tmRoot">
+        <p:cTn id="1" dur="indefinite" restart="never" nodeType="tmRoot">
           <p:childTnLst>
             <p:seq concurrent="1" nextAc="seek">
               <p:cTn id="2" dur="indefinite" nodeType="mainSeq">
@@ -8551,8 +9758,16 @@
           <a:lstStyle/>
           <a:p>
             <a:r>
+              <a:rPr lang="fr-FR" dirty="0"/>
+              <a:t>É</a:t>
+            </a:r>
+            <a:r>
               <a:rPr lang="fr-FR" dirty="0" smtClean="0"/>
-              <a:t>ETAPES DE CONCEPTION</a:t>
+              <a:t>TAPES </a:t>
+            </a:r>
+            <a:r>
+              <a:rPr lang="fr-FR" dirty="0" smtClean="0"/>
+              <a:t>DE CONCEPTION</a:t>
             </a:r>
             <a:endParaRPr lang="fr-FR" dirty="0"/>
           </a:p>
@@ -8754,7 +9969,7 @@
     </p:spTree>
     <p:extLst>
       <p:ext uri="{BB962C8B-B14F-4D97-AF65-F5344CB8AC3E}">
-        <p14:creationId xmlns:p14="http://schemas.microsoft.com/office/powerpoint/2010/main" val="3766399618"/>
+        <p14:creationId xmlns:p14="http://schemas.microsoft.com/office/powerpoint/2010/main" val="1027451656"/>
       </p:ext>
     </p:extLst>
   </p:cSld>
@@ -8764,7 +9979,7 @@
   <p:timing>
     <p:tnLst>
       <p:par>
-        <p:cTn xmlns:p14="http://schemas.microsoft.com/office/powerpoint/2010/main" id="1" dur="indefinite" restart="never" nodeType="tmRoot">
+        <p:cTn id="1" dur="indefinite" restart="never" nodeType="tmRoot">
           <p:childTnLst>
             <p:seq concurrent="1" nextAc="seek">
               <p:cTn id="2" dur="indefinite" nodeType="mainSeq">
@@ -8968,8 +10183,13 @@
           <a:p>
             <a:r>
               <a:rPr lang="fr-FR" dirty="0"/>
-              <a:t>INSTANCE DU PROBLEME</a:t>
-            </a:r>
+              <a:t>INSTANCE DU </a:t>
+            </a:r>
+            <a:r>
+              <a:rPr lang="fr-FR" dirty="0" smtClean="0"/>
+              <a:t>PROBLÈME</a:t>
+            </a:r>
+            <a:endParaRPr lang="fr-FR" dirty="0"/>
           </a:p>
         </p:txBody>
       </p:sp>
@@ -9229,7 +10449,7 @@
   <p:timing>
     <p:tnLst>
       <p:par>
-        <p:cTn xmlns:p14="http://schemas.microsoft.com/office/powerpoint/2010/main" id="1" dur="indefinite" restart="never" nodeType="tmRoot">
+        <p:cTn id="1" dur="indefinite" restart="never" nodeType="tmRoot">
           <p:childTnLst>
             <p:seq concurrent="1" nextAc="seek">
               <p:cTn id="2" dur="indefinite" nodeType="mainSeq">
@@ -9382,8 +10602,13 @@
           <a:p>
             <a:r>
               <a:rPr lang="fr-FR" dirty="0"/>
-              <a:t>INSTANCE DU PROBLEME</a:t>
-            </a:r>
+              <a:t>INSTANCE DU </a:t>
+            </a:r>
+            <a:r>
+              <a:rPr lang="fr-FR" dirty="0" smtClean="0"/>
+              <a:t>PROBLÈME</a:t>
+            </a:r>
+            <a:endParaRPr lang="fr-FR" dirty="0"/>
           </a:p>
         </p:txBody>
       </p:sp>
@@ -11766,7 +12991,7 @@
   <p:timing>
     <p:tnLst>
       <p:par>
-        <p:cTn xmlns:p14="http://schemas.microsoft.com/office/powerpoint/2010/main" id="1" dur="indefinite" restart="never" nodeType="tmRoot">
+        <p:cTn id="1" dur="indefinite" restart="never" nodeType="tmRoot">
           <p:childTnLst>
             <p:seq concurrent="1" nextAc="seek">
               <p:cTn id="2" dur="indefinite" nodeType="mainSeq">
@@ -12355,7 +13580,7 @@
   <p:timing>
     <p:tnLst>
       <p:par>
-        <p:cTn xmlns:p14="http://schemas.microsoft.com/office/powerpoint/2010/main" id="1" dur="indefinite" restart="never" nodeType="tmRoot"/>
+        <p:cTn id="1" dur="indefinite" restart="never" nodeType="tmRoot"/>
       </p:par>
     </p:tnLst>
   </p:timing>

--- a/Soutenance_miProjet.pptx
+++ b/Soutenance_miProjet.pptx
@@ -7,14 +7,17 @@
   <p:notesMasterIdLst>
     <p:notesMasterId r:id="rId11"/>
   </p:notesMasterIdLst>
+  <p:handoutMasterIdLst>
+    <p:handoutMasterId r:id="rId12"/>
+  </p:handoutMasterIdLst>
   <p:sldIdLst>
     <p:sldId id="256" r:id="rId2"/>
     <p:sldId id="257" r:id="rId3"/>
     <p:sldId id="258" r:id="rId4"/>
     <p:sldId id="259" r:id="rId5"/>
     <p:sldId id="262" r:id="rId6"/>
-    <p:sldId id="266" r:id="rId7"/>
-    <p:sldId id="263" r:id="rId8"/>
+    <p:sldId id="267" r:id="rId7"/>
+    <p:sldId id="268" r:id="rId8"/>
     <p:sldId id="264" r:id="rId9"/>
     <p:sldId id="265" r:id="rId10"/>
   </p:sldIdLst>
@@ -118,6 +121,171 @@
 </p:presentation>
 </file>
 
+<file path=ppt/handoutMasters/handoutMaster1.xml><?xml version="1.0" encoding="utf-8"?>
+<p:handoutMaster xmlns:a="http://schemas.openxmlformats.org/drawingml/2006/main" xmlns:r="http://schemas.openxmlformats.org/officeDocument/2006/relationships" xmlns:p="http://schemas.openxmlformats.org/presentationml/2006/main">
+  <p:cSld>
+    <p:bg>
+      <p:bgRef idx="1001">
+        <a:schemeClr val="bg1"/>
+      </p:bgRef>
+    </p:bg>
+    <p:spTree>
+      <p:nvGrpSpPr>
+        <p:cNvPr id="1" name=""/>
+        <p:cNvGrpSpPr/>
+        <p:nvPr/>
+      </p:nvGrpSpPr>
+      <p:grpSpPr>
+        <a:xfrm>
+          <a:off x="0" y="0"/>
+          <a:ext cx="0" cy="0"/>
+          <a:chOff x="0" y="0"/>
+          <a:chExt cx="0" cy="0"/>
+        </a:xfrm>
+      </p:grpSpPr>
+      <p:sp>
+        <p:nvSpPr>
+          <p:cNvPr id="2" name="Espace réservé de l'en-tête 1"/>
+          <p:cNvSpPr>
+            <a:spLocks noGrp="1"/>
+          </p:cNvSpPr>
+          <p:nvPr>
+            <p:ph type="hdr" sz="quarter"/>
+          </p:nvPr>
+        </p:nvSpPr>
+        <p:spPr>
+          <a:xfrm>
+            <a:off x="0" y="0"/>
+            <a:ext cx="2971800" cy="457200"/>
+          </a:xfrm>
+          <a:prstGeom prst="rect">
+            <a:avLst/>
+          </a:prstGeom>
+        </p:spPr>
+        <p:txBody>
+          <a:bodyPr vert="horz" lIns="91440" tIns="45720" rIns="91440" bIns="45720" rtlCol="0"/>
+          <a:lstStyle>
+            <a:lvl1pPr algn="l">
+              <a:defRPr sz="1200"/>
+            </a:lvl1pPr>
+          </a:lstStyle>
+          <a:p>
+            <a:endParaRPr lang="fr-FR"/>
+          </a:p>
+        </p:txBody>
+      </p:sp>
+      <p:sp>
+        <p:nvSpPr>
+          <p:cNvPr id="3" name="Espace réservé de la date 2"/>
+          <p:cNvSpPr>
+            <a:spLocks noGrp="1"/>
+          </p:cNvSpPr>
+          <p:nvPr>
+            <p:ph type="dt" sz="quarter" idx="1"/>
+          </p:nvPr>
+        </p:nvSpPr>
+        <p:spPr>
+          <a:xfrm>
+            <a:off x="3884613" y="0"/>
+            <a:ext cx="2971800" cy="457200"/>
+          </a:xfrm>
+          <a:prstGeom prst="rect">
+            <a:avLst/>
+          </a:prstGeom>
+        </p:spPr>
+        <p:txBody>
+          <a:bodyPr vert="horz" lIns="91440" tIns="45720" rIns="91440" bIns="45720" rtlCol="0"/>
+          <a:lstStyle>
+            <a:lvl1pPr algn="r">
+              <a:defRPr sz="1200"/>
+            </a:lvl1pPr>
+          </a:lstStyle>
+          <a:p>
+            <a:fld id="{C74A0543-1E3F-4B76-BE3D-6D34BB7333F2}" type="datetimeFigureOut">
+              <a:rPr lang="fr-FR" smtClean="0"/>
+              <a:t>18/12/2013</a:t>
+            </a:fld>
+            <a:endParaRPr lang="fr-FR"/>
+          </a:p>
+        </p:txBody>
+      </p:sp>
+      <p:sp>
+        <p:nvSpPr>
+          <p:cNvPr id="4" name="Espace réservé du pied de page 3"/>
+          <p:cNvSpPr>
+            <a:spLocks noGrp="1"/>
+          </p:cNvSpPr>
+          <p:nvPr>
+            <p:ph type="ftr" sz="quarter" idx="2"/>
+          </p:nvPr>
+        </p:nvSpPr>
+        <p:spPr>
+          <a:xfrm>
+            <a:off x="0" y="8685213"/>
+            <a:ext cx="2971800" cy="457200"/>
+          </a:xfrm>
+          <a:prstGeom prst="rect">
+            <a:avLst/>
+          </a:prstGeom>
+        </p:spPr>
+        <p:txBody>
+          <a:bodyPr vert="horz" lIns="91440" tIns="45720" rIns="91440" bIns="45720" rtlCol="0" anchor="b"/>
+          <a:lstStyle>
+            <a:lvl1pPr algn="l">
+              <a:defRPr sz="1200"/>
+            </a:lvl1pPr>
+          </a:lstStyle>
+          <a:p>
+            <a:endParaRPr lang="fr-FR"/>
+          </a:p>
+        </p:txBody>
+      </p:sp>
+      <p:sp>
+        <p:nvSpPr>
+          <p:cNvPr id="5" name="Espace réservé du numéro de diapositive 4"/>
+          <p:cNvSpPr>
+            <a:spLocks noGrp="1"/>
+          </p:cNvSpPr>
+          <p:nvPr>
+            <p:ph type="sldNum" sz="quarter" idx="3"/>
+          </p:nvPr>
+        </p:nvSpPr>
+        <p:spPr>
+          <a:xfrm>
+            <a:off x="3884613" y="8685213"/>
+            <a:ext cx="2971800" cy="457200"/>
+          </a:xfrm>
+          <a:prstGeom prst="rect">
+            <a:avLst/>
+          </a:prstGeom>
+        </p:spPr>
+        <p:txBody>
+          <a:bodyPr vert="horz" lIns="91440" tIns="45720" rIns="91440" bIns="45720" rtlCol="0" anchor="b"/>
+          <a:lstStyle>
+            <a:lvl1pPr algn="r">
+              <a:defRPr sz="1200"/>
+            </a:lvl1pPr>
+          </a:lstStyle>
+          <a:p>
+            <a:fld id="{4C814C75-5166-417C-86D6-1B6EE6936001}" type="slidenum">
+              <a:rPr lang="fr-FR" smtClean="0"/>
+              <a:t>‹#›</a:t>
+            </a:fld>
+            <a:endParaRPr lang="fr-FR"/>
+          </a:p>
+        </p:txBody>
+      </p:sp>
+    </p:spTree>
+    <p:extLst>
+      <p:ext uri="{BB962C8B-B14F-4D97-AF65-F5344CB8AC3E}">
+        <p14:creationId xmlns:p14="http://schemas.microsoft.com/office/powerpoint/2010/main" val="586412111"/>
+      </p:ext>
+    </p:extLst>
+  </p:cSld>
+  <p:clrMap bg1="lt1" tx1="dk1" bg2="lt2" tx2="dk2" accent1="accent1" accent2="accent2" accent3="accent3" accent4="accent4" accent5="accent5" accent6="accent6" hlink="hlink" folHlink="folHlink"/>
+</p:handoutMaster>
+</file>
+
 <file path=ppt/notesMasters/notesMaster1.xml><?xml version="1.0" encoding="utf-8"?>
 <p:notesMaster xmlns:a="http://schemas.openxmlformats.org/drawingml/2006/main" xmlns:r="http://schemas.openxmlformats.org/officeDocument/2006/relationships" xmlns:p="http://schemas.openxmlformats.org/presentationml/2006/main">
   <p:cSld>
@@ -200,7 +368,7 @@
           <a:p>
             <a:fld id="{33A439F9-8DCE-794B-AB34-EBB3DE4A108F}" type="datetimeFigureOut">
               <a:rPr lang="fr-FR" smtClean="0"/>
-              <a:t>17/12/2013</a:t>
+              <a:t>18/12/2013</a:t>
             </a:fld>
             <a:endParaRPr lang="fr-FR"/>
           </a:p>
@@ -359,7 +527,7 @@
           <a:p>
             <a:fld id="{B956A79E-FAC0-1942-8597-B8D8938A06DC}" type="slidenum">
               <a:rPr lang="fr-FR" smtClean="0"/>
-              <a:t>‹N°›</a:t>
+              <a:t>‹#›</a:t>
             </a:fld>
             <a:endParaRPr lang="fr-FR"/>
           </a:p>
@@ -800,7 +968,7 @@
     </p:spTree>
     <p:extLst>
       <p:ext uri="{BB962C8B-B14F-4D97-AF65-F5344CB8AC3E}">
-        <p14:creationId xmlns:p14="http://schemas.microsoft.com/office/powerpoint/2010/main" val="3069866041"/>
+        <p14:creationId xmlns:p14="http://schemas.microsoft.com/office/powerpoint/2010/main" val="4108654170"/>
       </p:ext>
     </p:extLst>
   </p:cSld>
@@ -1007,7 +1175,7 @@
             <a:pPr eaLnBrk="1" latinLnBrk="0" hangingPunct="1"/>
             <a:fld id="{7E67FBA8-66D5-45E8-A9CB-6E4000F8E69E}" type="datetime1">
               <a:rPr lang="en-US" smtClean="0"/>
-              <a:t>12/17/2013</a:t>
+              <a:t>18/12/2013</a:t>
             </a:fld>
             <a:endParaRPr lang="en-US"/>
           </a:p>
@@ -1053,7 +1221,7 @@
           <a:p>
             <a:fld id="{7F5CE407-6216-4202-80E4-A30DC2F709B2}" type="slidenum">
               <a:rPr lang="en-US" smtClean="0"/>
-              <a:t>‹N°›</a:t>
+              <a:t>‹#›</a:t>
             </a:fld>
             <a:endParaRPr lang="en-US"/>
           </a:p>
@@ -1140,7 +1308,7 @@
           <a:p>
             <a:fld id="{3FFF98ED-0755-4755-8632-F7C31FD349F7}" type="datetime1">
               <a:rPr lang="en-US" smtClean="0"/>
-              <a:t>12/17/2013</a:t>
+              <a:t>18/12/2013</a:t>
             </a:fld>
             <a:endParaRPr lang="en-US"/>
           </a:p>
@@ -1186,7 +1354,7 @@
           <a:p>
             <a:fld id="{886BB73A-582F-4420-9A14-CB10A2B2E5E8}" type="slidenum">
               <a:rPr lang="en-US" smtClean="0"/>
-              <a:t>‹N°›</a:t>
+              <a:t>‹#›</a:t>
             </a:fld>
             <a:endParaRPr lang="en-US"/>
           </a:p>
@@ -1449,7 +1617,7 @@
           <a:p>
             <a:fld id="{5A1A947A-C5EE-4C17-A02D-6B0D5BC94F10}" type="datetime1">
               <a:rPr lang="en-US" smtClean="0"/>
-              <a:t>12/17/2013</a:t>
+              <a:t>18/12/2013</a:t>
             </a:fld>
             <a:endParaRPr lang="en-US"/>
           </a:p>
@@ -1495,7 +1663,7 @@
           <a:p>
             <a:fld id="{7F5CE407-6216-4202-80E4-A30DC2F709B2}" type="slidenum">
               <a:rPr lang="en-US" smtClean="0"/>
-              <a:t>‹N°›</a:t>
+              <a:t>‹#›</a:t>
             </a:fld>
             <a:endParaRPr lang="en-US"/>
           </a:p>
@@ -1678,7 +1846,7 @@
           <a:p>
             <a:fld id="{A0CE5133-35BD-4B9D-A767-7CFF8D1AB082}" type="datetime1">
               <a:rPr lang="en-US" smtClean="0"/>
-              <a:t>12/17/2013</a:t>
+              <a:t>18/12/2013</a:t>
             </a:fld>
             <a:endParaRPr lang="en-US"/>
           </a:p>
@@ -1724,7 +1892,7 @@
           <a:p>
             <a:fld id="{886BB73A-582F-4420-9A14-CB10A2B2E5E8}" type="slidenum">
               <a:rPr lang="en-US" smtClean="0"/>
-              <a:t>‹N°›</a:t>
+              <a:t>‹#›</a:t>
             </a:fld>
             <a:endParaRPr lang="en-US"/>
           </a:p>
@@ -1952,7 +2120,7 @@
           <a:p>
             <a:fld id="{DD548307-BFB2-4F00-9A09-ABF429E2346C}" type="datetime1">
               <a:rPr lang="en-US" smtClean="0"/>
-              <a:t>12/17/2013</a:t>
+              <a:t>18/12/2013</a:t>
             </a:fld>
             <a:endParaRPr lang="en-US"/>
           </a:p>
@@ -1998,7 +2166,7 @@
           <a:p>
             <a:fld id="{886BB73A-582F-4420-9A14-CB10A2B2E5E8}" type="slidenum">
               <a:rPr lang="en-US" smtClean="0"/>
-              <a:t>‹N°›</a:t>
+              <a:t>‹#›</a:t>
             </a:fld>
             <a:endParaRPr lang="en-US"/>
           </a:p>
@@ -2281,7 +2449,7 @@
           <a:p>
             <a:fld id="{5D07E66A-D2B8-49C1-B953-A60E29E54617}" type="datetime1">
               <a:rPr lang="en-US" smtClean="0"/>
-              <a:t>12/17/2013</a:t>
+              <a:t>18/12/2013</a:t>
             </a:fld>
             <a:endParaRPr lang="en-US"/>
           </a:p>
@@ -2327,7 +2495,7 @@
           <a:p>
             <a:fld id="{886BB73A-582F-4420-9A14-CB10A2B2E5E8}" type="slidenum">
               <a:rPr lang="en-US" smtClean="0"/>
-              <a:t>‹N°›</a:t>
+              <a:t>‹#›</a:t>
             </a:fld>
             <a:endParaRPr lang="en-US"/>
           </a:p>
@@ -2478,7 +2646,7 @@
           <a:p>
             <a:fld id="{49118059-27B3-498F-8140-2579206B8D99}" type="datetime1">
               <a:rPr lang="en-US" smtClean="0"/>
-              <a:t>12/17/2013</a:t>
+              <a:t>18/12/2013</a:t>
             </a:fld>
             <a:endParaRPr lang="en-US"/>
           </a:p>
@@ -2524,7 +2692,7 @@
           <a:p>
             <a:fld id="{886BB73A-582F-4420-9A14-CB10A2B2E5E8}" type="slidenum">
               <a:rPr lang="en-US" smtClean="0"/>
-              <a:t>‹N°›</a:t>
+              <a:t>‹#›</a:t>
             </a:fld>
             <a:endParaRPr lang="en-US"/>
           </a:p>
@@ -2586,7 +2754,7 @@
           <a:p>
             <a:fld id="{495AAB71-EB13-4CC7-B74A-37B7843E29AD}" type="datetime1">
               <a:rPr lang="en-US" smtClean="0"/>
-              <a:t>12/17/2013</a:t>
+              <a:t>18/12/2013</a:t>
             </a:fld>
             <a:endParaRPr lang="en-US"/>
           </a:p>
@@ -2632,7 +2800,7 @@
           <a:p>
             <a:fld id="{886BB73A-582F-4420-9A14-CB10A2B2E5E8}" type="slidenum">
               <a:rPr lang="en-US" smtClean="0"/>
-              <a:t>‹N°›</a:t>
+              <a:t>‹#›</a:t>
             </a:fld>
             <a:endParaRPr lang="en-US"/>
           </a:p>
@@ -2759,7 +2927,7 @@
           <a:p>
             <a:fld id="{56DDDAB1-01C0-4E58-8631-78ED1D427A3A}" type="datetime1">
               <a:rPr lang="en-US" smtClean="0"/>
-              <a:t>12/17/2013</a:t>
+              <a:t>18/12/2013</a:t>
             </a:fld>
             <a:endParaRPr lang="en-US"/>
           </a:p>
@@ -2805,7 +2973,7 @@
           <a:p>
             <a:fld id="{886BB73A-582F-4420-9A14-CB10A2B2E5E8}" type="slidenum">
               <a:rPr lang="en-US" smtClean="0"/>
-              <a:t>‹N°›</a:t>
+              <a:t>‹#›</a:t>
             </a:fld>
             <a:endParaRPr lang="en-US"/>
           </a:p>
@@ -3028,7 +3196,7 @@
             <a:pPr eaLnBrk="1" latinLnBrk="0" hangingPunct="1"/>
             <a:fld id="{E53AAB49-BFD3-4F12-BD10-7962ECE1A1D8}" type="datetime1">
               <a:rPr lang="en-US" smtClean="0"/>
-              <a:t>12/17/2013</a:t>
+              <a:t>18/12/2013</a:t>
             </a:fld>
             <a:endParaRPr lang="en-US"/>
           </a:p>
@@ -3089,7 +3257,7 @@
             <a:fld id="{2C6B1FF6-39B9-40F5-8B67-33C6354A3D4F}" type="slidenum">
               <a:rPr kumimoji="0" lang="en-US" smtClean="0"/>
               <a:pPr eaLnBrk="1" latinLnBrk="0" hangingPunct="1"/>
-              <a:t>‹N°›</a:t>
+              <a:t>‹#›</a:t>
             </a:fld>
             <a:endParaRPr kumimoji="0" lang="en-US" dirty="0">
               <a:solidFill>
@@ -3374,7 +3542,7 @@
           <a:p>
             <a:fld id="{FDEC4510-1BAC-4F24-BDE2-91A02A60B456}" type="datetime1">
               <a:rPr lang="en-US" smtClean="0"/>
-              <a:t>12/17/2013</a:t>
+              <a:t>18/12/2013</a:t>
             </a:fld>
             <a:endParaRPr lang="en-US"/>
           </a:p>
@@ -3420,7 +3588,7 @@
           <a:p>
             <a:fld id="{886BB73A-582F-4420-9A14-CB10A2B2E5E8}" type="slidenum">
               <a:rPr lang="en-US" smtClean="0"/>
-              <a:t>‹N°›</a:t>
+              <a:t>‹#›</a:t>
             </a:fld>
             <a:endParaRPr lang="en-US"/>
           </a:p>
@@ -3819,7 +3987,7 @@
           <a:p>
             <a:fld id="{032462A4-1693-4D59-9D5E-9D89B5989000}" type="datetime1">
               <a:rPr lang="en-US" smtClean="0"/>
-              <a:t>12/17/2013</a:t>
+              <a:t>18/12/2013</a:t>
             </a:fld>
             <a:endParaRPr lang="en-US"/>
           </a:p>
@@ -3865,7 +4033,7 @@
           <a:p>
             <a:fld id="{886BB73A-582F-4420-9A14-CB10A2B2E5E8}" type="slidenum">
               <a:rPr lang="en-US" smtClean="0"/>
-              <a:t>‹N°›</a:t>
+              <a:t>‹#›</a:t>
             </a:fld>
             <a:endParaRPr lang="en-US"/>
           </a:p>
@@ -4021,7 +4189,7 @@
           <a:p>
             <a:fld id="{B70ACB4D-32FE-4358-A04E-417D554E1309}" type="datetime1">
               <a:rPr lang="en-US" smtClean="0"/>
-              <a:t>12/17/2013</a:t>
+              <a:t>18/12/2013</a:t>
             </a:fld>
             <a:endParaRPr lang="en-US"/>
           </a:p>
@@ -4067,7 +4235,7 @@
           <a:p>
             <a:fld id="{886BB73A-582F-4420-9A14-CB10A2B2E5E8}" type="slidenum">
               <a:rPr lang="en-US" smtClean="0"/>
-              <a:t>‹N°›</a:t>
+              <a:t>‹#›</a:t>
             </a:fld>
             <a:endParaRPr lang="en-US"/>
           </a:p>
@@ -4308,7 +4476,7 @@
           <a:p>
             <a:fld id="{20B8108D-308F-4812-B17B-BFC5677CF8EB}" type="datetime1">
               <a:rPr lang="en-US" smtClean="0"/>
-              <a:t>12/17/2013</a:t>
+              <a:t>18/12/2013</a:t>
             </a:fld>
             <a:endParaRPr lang="en-US"/>
           </a:p>
@@ -4354,7 +4522,7 @@
           <a:p>
             <a:fld id="{886BB73A-582F-4420-9A14-CB10A2B2E5E8}" type="slidenum">
               <a:rPr lang="en-US" smtClean="0"/>
-              <a:t>‹N°›</a:t>
+              <a:t>‹#›</a:t>
             </a:fld>
             <a:endParaRPr lang="en-US"/>
           </a:p>
@@ -4680,7 +4848,7 @@
           <a:p>
             <a:fld id="{311E8696-9CA1-4A92-9AD2-9FBEEE051D4A}" type="datetime1">
               <a:rPr lang="en-US" smtClean="0"/>
-              <a:t>12/17/2013</a:t>
+              <a:t>18/12/2013</a:t>
             </a:fld>
             <a:endParaRPr lang="en-US"/>
           </a:p>
@@ -4726,7 +4894,7 @@
           <a:p>
             <a:fld id="{886BB73A-582F-4420-9A14-CB10A2B2E5E8}" type="slidenum">
               <a:rPr lang="en-US" smtClean="0"/>
-              <a:t>‹N°›</a:t>
+              <a:t>‹#›</a:t>
             </a:fld>
             <a:endParaRPr lang="en-US"/>
           </a:p>
@@ -5180,7 +5348,7 @@
           <a:p>
             <a:fld id="{FACE8EBF-4B78-47A5-9C4D-C65549CADC98}" type="datetime1">
               <a:rPr lang="en-US" smtClean="0"/>
-              <a:t>12/17/2013</a:t>
+              <a:t>18/12/2013</a:t>
             </a:fld>
             <a:endParaRPr lang="en-US"/>
           </a:p>
@@ -5226,7 +5394,7 @@
           <a:p>
             <a:fld id="{886BB73A-582F-4420-9A14-CB10A2B2E5E8}" type="slidenum">
               <a:rPr lang="en-US" smtClean="0"/>
-              <a:t>‹N°›</a:t>
+              <a:t>‹#›</a:t>
             </a:fld>
             <a:endParaRPr lang="en-US"/>
           </a:p>
@@ -5393,7 +5561,7 @@
           <a:p>
             <a:fld id="{7B44FFAE-43F3-46B8-9C5E-4838052BC682}" type="datetime1">
               <a:rPr lang="en-US" smtClean="0"/>
-              <a:t>12/17/2013</a:t>
+              <a:t>18/12/2013</a:t>
             </a:fld>
             <a:endParaRPr lang="en-US"/>
           </a:p>
@@ -5477,7 +5645,7 @@
           <a:p>
             <a:fld id="{886BB73A-582F-4420-9A14-CB10A2B2E5E8}" type="slidenum">
               <a:rPr lang="en-US" smtClean="0"/>
-              <a:t>‹N°›</a:t>
+              <a:t>‹#›</a:t>
             </a:fld>
             <a:endParaRPr lang="en-US"/>
           </a:p>
@@ -5948,14 +6116,14 @@
             <a:noFill/>
           </a:ln>
           <a:extLst>
-            <a:ext uri="{909E8E84-426E-40DD-AFC4-6F175D3DCCD1}">
+            <a:ext uri="{909E8E84-426E-40dd-AFC4-6F175D3DCCD1}">
               <a14:hiddenFill xmlns:a14="http://schemas.microsoft.com/office/drawing/2010/main">
                 <a:solidFill>
                   <a:schemeClr val="accent1"/>
                 </a:solidFill>
               </a14:hiddenFill>
             </a:ext>
-            <a:ext uri="{91240B29-F687-4F45-9708-019B960494DF}">
+            <a:ext uri="{91240B29-F687-4f45-9708-019B960494DF}">
               <a14:hiddenLine xmlns:a14="http://schemas.microsoft.com/office/drawing/2010/main" w="9525">
                 <a:solidFill>
                   <a:schemeClr val="tx1"/>
@@ -6015,7 +6183,7 @@
   <p:timing>
     <p:tnLst>
       <p:par>
-        <p:cTn id="1" dur="indefinite" restart="never" nodeType="tmRoot"/>
+        <p:cTn xmlns:p14="http://schemas.microsoft.com/office/powerpoint/2010/main" id="1" dur="indefinite" restart="never" nodeType="tmRoot"/>
       </p:par>
     </p:tnLst>
   </p:timing>
@@ -6088,8 +6256,9 @@
             </a:pPr>
             <a:r>
               <a:rPr lang="fr-FR" sz="3200" dirty="0" smtClean="0"/>
-              <a:t>Présentation du problème</a:t>
-            </a:r>
+              <a:t>Contexte</a:t>
+            </a:r>
+            <a:endParaRPr lang="fr-FR" sz="3200" dirty="0" smtClean="0"/>
           </a:p>
           <a:p>
             <a:pPr>
@@ -6114,16 +6283,8 @@
               <a:buChar char="§"/>
             </a:pPr>
             <a:r>
-              <a:rPr lang="fr-FR" sz="3200" dirty="0"/>
-              <a:t>É</a:t>
-            </a:r>
-            <a:r>
               <a:rPr lang="fr-FR" sz="3200" dirty="0" smtClean="0"/>
-              <a:t>tapes </a:t>
-            </a:r>
-            <a:r>
-              <a:rPr lang="fr-FR" sz="3200" dirty="0" smtClean="0"/>
-              <a:t>de conception</a:t>
+              <a:t>Ébauche d’une méthode de résolution</a:t>
             </a:r>
             <a:endParaRPr lang="fr-FR" sz="3200" dirty="0"/>
           </a:p>
@@ -6177,13 +6338,7 @@
           <a:p>
             <a:pPr algn="ctr"/>
             <a:r>
-              <a:rPr lang="en-US" sz="1600" b="0" dirty="0" smtClean="0">
-                <a:solidFill>
-                  <a:schemeClr val="bg1">
-                    <a:lumMod val="75000"/>
-                  </a:schemeClr>
-                </a:solidFill>
-              </a:rPr>
+              <a:rPr lang="en-US" sz="1600" dirty="0" smtClean="0"/>
               <a:t>COUDRAY</a:t>
             </a:r>
             <a:r>
@@ -6217,10 +6372,66 @@
               <a:t> - </a:t>
             </a:r>
             <a:r>
-              <a:rPr lang="en-US" sz="1600" dirty="0" smtClean="0"/>
+              <a:rPr lang="en-US" sz="1600" b="0" dirty="0" smtClean="0">
+                <a:solidFill>
+                  <a:schemeClr val="bg1">
+                    <a:lumMod val="75000"/>
+                  </a:schemeClr>
+                </a:solidFill>
+              </a:rPr>
               <a:t>TRAN</a:t>
             </a:r>
-            <a:endParaRPr lang="en-US" sz="1600" dirty="0"/>
+            <a:endParaRPr lang="en-US" sz="1600" b="0" dirty="0">
+              <a:solidFill>
+                <a:schemeClr val="bg1">
+                  <a:lumMod val="75000"/>
+                </a:schemeClr>
+              </a:solidFill>
+            </a:endParaRPr>
+          </a:p>
+        </p:txBody>
+      </p:sp>
+      <p:sp>
+        <p:nvSpPr>
+          <p:cNvPr id="8" name="ZoneTexte 7"/>
+          <p:cNvSpPr txBox="1"/>
+          <p:nvPr/>
+        </p:nvSpPr>
+        <p:spPr>
+          <a:xfrm>
+            <a:off x="8496321" y="6366034"/>
+            <a:ext cx="647679" cy="338554"/>
+          </a:xfrm>
+          <a:prstGeom prst="rect">
+            <a:avLst/>
+          </a:prstGeom>
+          <a:noFill/>
+        </p:spPr>
+        <p:txBody>
+          <a:bodyPr wrap="square" rtlCol="0">
+            <a:spAutoFit/>
+          </a:bodyPr>
+          <a:lstStyle/>
+          <a:p>
+            <a:r>
+              <a:rPr lang="fr-FR" sz="1600" dirty="0" smtClean="0">
+                <a:solidFill>
+                  <a:schemeClr val="tx1">
+                    <a:lumMod val="50000"/>
+                    <a:lumOff val="50000"/>
+                  </a:schemeClr>
+                </a:solidFill>
+              </a:rPr>
+              <a:t>2/9</a:t>
+            </a:r>
+            <a:endParaRPr lang="fr-FR" dirty="0">
+              <a:solidFill>
+                <a:schemeClr val="tx1">
+                  <a:lumMod val="50000"/>
+                  <a:lumOff val="50000"/>
+                </a:schemeClr>
+              </a:solidFill>
+            </a:endParaRPr>
           </a:p>
         </p:txBody>
       </p:sp>
@@ -6237,7 +6448,7 @@
   <p:timing>
     <p:tnLst>
       <p:par>
-        <p:cTn id="1" dur="indefinite" restart="never" nodeType="tmRoot"/>
+        <p:cTn xmlns:p14="http://schemas.microsoft.com/office/powerpoint/2010/main" id="1" dur="indefinite" restart="never" nodeType="tmRoot"/>
       </p:par>
     </p:tnLst>
   </p:timing>
@@ -6278,7 +6489,7 @@
           <a:p>
             <a:r>
               <a:rPr lang="fr-FR" dirty="0" smtClean="0"/>
-              <a:t>PRÉSENTATION</a:t>
+              <a:t>CONTEXTE</a:t>
             </a:r>
             <a:endParaRPr lang="fr-FR" dirty="0"/>
           </a:p>
@@ -6307,8 +6518,13 @@
             </a:pPr>
             <a:r>
               <a:rPr lang="fr-FR" sz="3200" dirty="0" smtClean="0"/>
-              <a:t>Automatiser la création des emplois du temps de l’école</a:t>
-            </a:r>
+              <a:t>Problème </a:t>
+            </a:r>
+            <a:r>
+              <a:rPr lang="fr-FR" sz="3200" dirty="0" smtClean="0"/>
+              <a:t>d’ordonnancement complexe</a:t>
+            </a:r>
+            <a:endParaRPr lang="fr-FR" sz="3200" dirty="0"/>
           </a:p>
           <a:p>
             <a:pPr>
@@ -6317,9 +6533,12 @@
             </a:pPr>
             <a:r>
               <a:rPr lang="fr-FR" sz="3200" dirty="0" smtClean="0"/>
-              <a:t>Problème d’ordonnancement complexe</a:t>
-            </a:r>
-            <a:endParaRPr lang="fr-FR" sz="3200" dirty="0"/>
+              <a:t>Méthode de résolution </a:t>
+            </a:r>
+            <a:r>
+              <a:rPr lang="fr-FR" sz="3200" dirty="0" smtClean="0"/>
+              <a:t>heuristique</a:t>
+            </a:r>
           </a:p>
           <a:p>
             <a:pPr>
@@ -6327,9 +6546,14 @@
               <a:buChar char="§"/>
             </a:pPr>
             <a:r>
+              <a:rPr lang="fr-FR" sz="3200" dirty="0"/>
+              <a:t>Automatiser la création des emplois du temps de </a:t>
+            </a:r>
+            <a:r>
               <a:rPr lang="fr-FR" sz="3200" dirty="0" smtClean="0"/>
-              <a:t>Pas de solution optimale (dans un temps raisonnable)</a:t>
-            </a:r>
+              <a:t>l’école</a:t>
+            </a:r>
+            <a:endParaRPr lang="fr-FR" sz="3200" dirty="0"/>
           </a:p>
         </p:txBody>
       </p:sp>
@@ -6355,6 +6579,24 @@
           <a:p>
             <a:pPr algn="ctr"/>
             <a:r>
+              <a:rPr lang="en-US" sz="1600" dirty="0" smtClean="0">
+                <a:solidFill>
+                  <a:srgbClr val="7F7F7F"/>
+                </a:solidFill>
+              </a:rPr>
+              <a:t>COUDRAY </a:t>
+            </a:r>
+            <a:r>
+              <a:rPr lang="en-US" sz="1600" dirty="0" smtClean="0">
+                <a:solidFill>
+                  <a:schemeClr val="bg1">
+                    <a:lumMod val="75000"/>
+                  </a:schemeClr>
+                </a:solidFill>
+              </a:rPr>
+              <a:t>- </a:t>
+            </a:r>
+            <a:r>
               <a:rPr lang="en-US" sz="1600" b="0" dirty="0" smtClean="0">
                 <a:solidFill>
                   <a:schemeClr val="bg1">
@@ -6362,7 +6604,7 @@
                   </a:schemeClr>
                 </a:solidFill>
               </a:rPr>
-              <a:t>COUDRAY</a:t>
+              <a:t>JULIEN</a:t>
             </a:r>
             <a:r>
               <a:rPr lang="en-US" sz="1600" dirty="0" smtClean="0">
@@ -6382,23 +6624,70 @@
                   </a:schemeClr>
                 </a:solidFill>
               </a:rPr>
-              <a:t>JULIEN</a:t>
-            </a:r>
-            <a:r>
-              <a:rPr lang="en-US" sz="1600" dirty="0" smtClean="0">
+              <a:t>TRAN</a:t>
+            </a:r>
+            <a:endParaRPr lang="en-US" sz="1600" b="0" dirty="0">
+              <a:solidFill>
+                <a:schemeClr val="bg1">
+                  <a:lumMod val="75000"/>
+                </a:schemeClr>
+              </a:solidFill>
+            </a:endParaRPr>
+          </a:p>
+        </p:txBody>
+      </p:sp>
+      <p:sp>
+        <p:nvSpPr>
+          <p:cNvPr id="6" name="ZoneTexte 5"/>
+          <p:cNvSpPr txBox="1"/>
+          <p:nvPr/>
+        </p:nvSpPr>
+        <p:spPr>
+          <a:xfrm>
+            <a:off x="8496321" y="6366034"/>
+            <a:ext cx="647679" cy="338554"/>
+          </a:xfrm>
+          <a:prstGeom prst="rect">
+            <a:avLst/>
+          </a:prstGeom>
+          <a:noFill/>
+        </p:spPr>
+        <p:txBody>
+          <a:bodyPr wrap="square" rtlCol="0">
+            <a:spAutoFit/>
+          </a:bodyPr>
+          <a:lstStyle/>
+          <a:p>
+            <a:r>
+              <a:rPr lang="fr-FR" sz="1600" dirty="0">
                 <a:solidFill>
-                  <a:schemeClr val="bg1">
-                    <a:lumMod val="75000"/>
+                  <a:schemeClr val="tx1">
+                    <a:lumMod val="50000"/>
+                    <a:lumOff val="50000"/>
                   </a:schemeClr>
                 </a:solidFill>
               </a:rPr>
-              <a:t> - </a:t>
-            </a:r>
-            <a:r>
-              <a:rPr lang="en-US" sz="1600" dirty="0" smtClean="0"/>
-              <a:t>TRAN</a:t>
-            </a:r>
-            <a:endParaRPr lang="en-US" sz="1600" dirty="0"/>
+              <a:t>3</a:t>
+            </a:r>
+            <a:r>
+              <a:rPr lang="fr-FR" sz="1600" dirty="0" smtClean="0">
+                <a:solidFill>
+                  <a:schemeClr val="tx1">
+                    <a:lumMod val="50000"/>
+                    <a:lumOff val="50000"/>
+                  </a:schemeClr>
+                </a:solidFill>
+              </a:rPr>
+              <a:t>/9</a:t>
+            </a:r>
+            <a:endParaRPr lang="fr-FR" dirty="0">
+              <a:solidFill>
+                <a:schemeClr val="tx1">
+                  <a:lumMod val="50000"/>
+                  <a:lumOff val="50000"/>
+                </a:schemeClr>
+              </a:solidFill>
+            </a:endParaRPr>
           </a:p>
         </p:txBody>
       </p:sp>
@@ -6415,7 +6704,7 @@
   <p:timing>
     <p:tnLst>
       <p:par>
-        <p:cTn id="1" dur="indefinite" restart="never" nodeType="tmRoot"/>
+        <p:cTn xmlns:p14="http://schemas.microsoft.com/office/powerpoint/2010/main" id="1" dur="indefinite" restart="never" nodeType="tmRoot"/>
       </p:par>
     </p:tnLst>
   </p:timing>
@@ -6456,15 +6745,7 @@
           <a:p>
             <a:r>
               <a:rPr lang="fr-FR" dirty="0" smtClean="0"/>
-              <a:t>MODÉLISATION </a:t>
-            </a:r>
-            <a:r>
-              <a:rPr lang="fr-FR" dirty="0" smtClean="0"/>
-              <a:t>DES </a:t>
-            </a:r>
-            <a:r>
-              <a:rPr lang="fr-FR" dirty="0" smtClean="0"/>
-              <a:t>DONNÉES</a:t>
+              <a:t>MODÉLISATION DES DONNÉES</a:t>
             </a:r>
             <a:endParaRPr lang="fr-FR" dirty="0"/>
           </a:p>
@@ -6482,7 +6763,7 @@
         </p:nvSpPr>
         <p:spPr>
           <a:xfrm>
-            <a:off x="2603733" y="6304434"/>
+            <a:off x="2603733" y="6264744"/>
             <a:ext cx="4188958" cy="508454"/>
           </a:xfrm>
         </p:spPr>
@@ -6492,13 +6773,7 @@
           <a:p>
             <a:pPr algn="ctr"/>
             <a:r>
-              <a:rPr lang="en-US" sz="1600" b="0" dirty="0" smtClean="0">
-                <a:solidFill>
-                  <a:schemeClr val="bg1">
-                    <a:lumMod val="75000"/>
-                  </a:schemeClr>
-                </a:solidFill>
-              </a:rPr>
+              <a:rPr lang="en-US" sz="1600" dirty="0" smtClean="0"/>
               <a:t>COUDRAY</a:t>
             </a:r>
             <a:r>
@@ -6532,27 +6807,1053 @@
               <a:t> - </a:t>
             </a:r>
             <a:r>
-              <a:rPr lang="en-US" sz="1600" dirty="0" smtClean="0"/>
+              <a:rPr lang="en-US" sz="1600" b="0" dirty="0" smtClean="0">
+                <a:solidFill>
+                  <a:srgbClr val="BFBFBF"/>
+                </a:solidFill>
+              </a:rPr>
               <a:t>TRAN</a:t>
             </a:r>
-            <a:endParaRPr lang="en-US" sz="1600" dirty="0"/>
-          </a:p>
-        </p:txBody>
-      </p:sp>
+            <a:endParaRPr lang="en-US" sz="1600" b="0" dirty="0">
+              <a:solidFill>
+                <a:srgbClr val="BFBFBF"/>
+              </a:solidFill>
+            </a:endParaRPr>
+          </a:p>
+        </p:txBody>
+      </p:sp>
+      <p:graphicFrame>
+        <p:nvGraphicFramePr>
+          <p:cNvPr id="11" name="Tableau 10"/>
+          <p:cNvGraphicFramePr>
+            <a:graphicFrameLocks noGrp="1"/>
+          </p:cNvGraphicFramePr>
+          <p:nvPr>
+            <p:extLst>
+              <p:ext uri="{D42A27DB-BD31-4B8C-83A1-F6EECF244321}">
+                <p14:modId xmlns:p14="http://schemas.microsoft.com/office/powerpoint/2010/main" val="4171750289"/>
+              </p:ext>
+            </p:extLst>
+          </p:nvPr>
+        </p:nvGraphicFramePr>
+        <p:xfrm>
+          <a:off x="2428404" y="3654600"/>
+          <a:ext cx="6492062" cy="2302731"/>
+        </p:xfrm>
+        <a:graphic>
+          <a:graphicData uri="http://schemas.openxmlformats.org/drawingml/2006/table">
+            <a:tbl>
+              <a:tblPr firstRow="1" bandRow="1">
+                <a:tableStyleId>{F2DE63D5-997A-4646-A377-4702673A728D}</a:tableStyleId>
+              </a:tblPr>
+              <a:tblGrid>
+                <a:gridCol w="1244185"/>
+                <a:gridCol w="914400"/>
+                <a:gridCol w="914400"/>
+                <a:gridCol w="899410"/>
+                <a:gridCol w="929390"/>
+                <a:gridCol w="809469"/>
+                <a:gridCol w="780808"/>
+              </a:tblGrid>
+              <a:tr h="694166">
+                <a:tc>
+                  <a:txBody>
+                    <a:bodyPr/>
+                    <a:lstStyle/>
+                    <a:p>
+                      <a:pPr algn="ctr"/>
+                      <a:r>
+                        <a:rPr lang="fr-FR" sz="1800" dirty="0" smtClean="0"/>
+                        <a:t>CLASSE</a:t>
+                      </a:r>
+                      <a:endParaRPr lang="fr-FR" sz="1800" dirty="0"/>
+                    </a:p>
+                  </a:txBody>
+                  <a:tcPr anchor="ctr">
+                    <a:lnR w="12700" cap="flat" cmpd="sng" algn="ctr">
+                      <a:solidFill>
+                        <a:srgbClr val="000000"/>
+                      </a:solidFill>
+                      <a:prstDash val="solid"/>
+                      <a:round/>
+                      <a:headEnd type="none" w="med" len="med"/>
+                      <a:tailEnd type="none" w="med" len="med"/>
+                    </a:lnR>
+                    <a:lnB w="12700" cap="flat" cmpd="sng" algn="ctr">
+                      <a:solidFill>
+                        <a:srgbClr val="000000"/>
+                      </a:solidFill>
+                      <a:prstDash val="solid"/>
+                      <a:round/>
+                      <a:headEnd type="none" w="med" len="med"/>
+                      <a:tailEnd type="none" w="med" len="med"/>
+                    </a:lnB>
+                  </a:tcPr>
+                </a:tc>
+                <a:tc>
+                  <a:txBody>
+                    <a:bodyPr/>
+                    <a:lstStyle/>
+                    <a:p>
+                      <a:pPr algn="ctr"/>
+                      <a:r>
+                        <a:rPr lang="fr-FR" sz="1800" dirty="0" smtClean="0"/>
+                        <a:t>Lun</a:t>
+                      </a:r>
+                      <a:endParaRPr lang="fr-FR" sz="1200" dirty="0"/>
+                    </a:p>
+                  </a:txBody>
+                  <a:tcPr anchor="ctr">
+                    <a:lnL w="12700" cap="flat" cmpd="sng" algn="ctr">
+                      <a:solidFill>
+                        <a:srgbClr val="000000"/>
+                      </a:solidFill>
+                      <a:prstDash val="solid"/>
+                      <a:round/>
+                      <a:headEnd type="none" w="med" len="med"/>
+                      <a:tailEnd type="none" w="med" len="med"/>
+                    </a:lnL>
+                    <a:lnR w="12700" cap="flat" cmpd="sng" algn="ctr">
+                      <a:solidFill>
+                        <a:srgbClr val="000000"/>
+                      </a:solidFill>
+                      <a:prstDash val="solid"/>
+                      <a:round/>
+                      <a:headEnd type="none" w="med" len="med"/>
+                      <a:tailEnd type="none" w="med" len="med"/>
+                    </a:lnR>
+                    <a:lnB w="12700" cap="flat" cmpd="sng" algn="ctr">
+                      <a:solidFill>
+                        <a:srgbClr val="000000"/>
+                      </a:solidFill>
+                      <a:prstDash val="solid"/>
+                      <a:round/>
+                      <a:headEnd type="none" w="med" len="med"/>
+                      <a:tailEnd type="none" w="med" len="med"/>
+                    </a:lnB>
+                  </a:tcPr>
+                </a:tc>
+                <a:tc>
+                  <a:txBody>
+                    <a:bodyPr/>
+                    <a:lstStyle/>
+                    <a:p>
+                      <a:pPr algn="ctr"/>
+                      <a:r>
+                        <a:rPr lang="fr-FR" sz="1800" dirty="0" smtClean="0"/>
+                        <a:t>Mar</a:t>
+                      </a:r>
+                      <a:endParaRPr lang="fr-FR" dirty="0"/>
+                    </a:p>
+                  </a:txBody>
+                  <a:tcPr anchor="ctr">
+                    <a:lnL w="12700" cap="flat" cmpd="sng" algn="ctr">
+                      <a:solidFill>
+                        <a:srgbClr val="000000"/>
+                      </a:solidFill>
+                      <a:prstDash val="solid"/>
+                      <a:round/>
+                      <a:headEnd type="none" w="med" len="med"/>
+                      <a:tailEnd type="none" w="med" len="med"/>
+                    </a:lnL>
+                    <a:lnR w="12700" cap="flat" cmpd="sng" algn="ctr">
+                      <a:solidFill>
+                        <a:srgbClr val="000000"/>
+                      </a:solidFill>
+                      <a:prstDash val="solid"/>
+                      <a:round/>
+                      <a:headEnd type="none" w="med" len="med"/>
+                      <a:tailEnd type="none" w="med" len="med"/>
+                    </a:lnR>
+                    <a:lnB w="12700" cap="flat" cmpd="sng" algn="ctr">
+                      <a:solidFill>
+                        <a:srgbClr val="000000"/>
+                      </a:solidFill>
+                      <a:prstDash val="solid"/>
+                      <a:round/>
+                      <a:headEnd type="none" w="med" len="med"/>
+                      <a:tailEnd type="none" w="med" len="med"/>
+                    </a:lnB>
+                  </a:tcPr>
+                </a:tc>
+                <a:tc>
+                  <a:txBody>
+                    <a:bodyPr/>
+                    <a:lstStyle/>
+                    <a:p>
+                      <a:pPr algn="ctr"/>
+                      <a:r>
+                        <a:rPr lang="fr-FR" sz="1800" dirty="0" smtClean="0"/>
+                        <a:t>Mer</a:t>
+                      </a:r>
+                      <a:endParaRPr lang="fr-FR" dirty="0"/>
+                    </a:p>
+                  </a:txBody>
+                  <a:tcPr anchor="ctr">
+                    <a:lnL w="12700" cap="flat" cmpd="sng" algn="ctr">
+                      <a:solidFill>
+                        <a:srgbClr val="000000"/>
+                      </a:solidFill>
+                      <a:prstDash val="solid"/>
+                      <a:round/>
+                      <a:headEnd type="none" w="med" len="med"/>
+                      <a:tailEnd type="none" w="med" len="med"/>
+                    </a:lnL>
+                    <a:lnR w="12700" cap="flat" cmpd="sng" algn="ctr">
+                      <a:solidFill>
+                        <a:srgbClr val="000000"/>
+                      </a:solidFill>
+                      <a:prstDash val="solid"/>
+                      <a:round/>
+                      <a:headEnd type="none" w="med" len="med"/>
+                      <a:tailEnd type="none" w="med" len="med"/>
+                    </a:lnR>
+                    <a:lnB w="12700" cap="flat" cmpd="sng" algn="ctr">
+                      <a:solidFill>
+                        <a:srgbClr val="000000"/>
+                      </a:solidFill>
+                      <a:prstDash val="solid"/>
+                      <a:round/>
+                      <a:headEnd type="none" w="med" len="med"/>
+                      <a:tailEnd type="none" w="med" len="med"/>
+                    </a:lnB>
+                  </a:tcPr>
+                </a:tc>
+                <a:tc>
+                  <a:txBody>
+                    <a:bodyPr/>
+                    <a:lstStyle/>
+                    <a:p>
+                      <a:pPr algn="ctr"/>
+                      <a:r>
+                        <a:rPr lang="fr-FR" sz="1800" dirty="0" smtClean="0"/>
+                        <a:t>Jeu</a:t>
+                      </a:r>
+                      <a:endParaRPr lang="fr-FR" dirty="0"/>
+                    </a:p>
+                  </a:txBody>
+                  <a:tcPr anchor="ctr">
+                    <a:lnL w="12700" cap="flat" cmpd="sng" algn="ctr">
+                      <a:solidFill>
+                        <a:srgbClr val="000000"/>
+                      </a:solidFill>
+                      <a:prstDash val="solid"/>
+                      <a:round/>
+                      <a:headEnd type="none" w="med" len="med"/>
+                      <a:tailEnd type="none" w="med" len="med"/>
+                    </a:lnL>
+                    <a:lnR w="12700" cap="flat" cmpd="sng" algn="ctr">
+                      <a:solidFill>
+                        <a:srgbClr val="000000"/>
+                      </a:solidFill>
+                      <a:prstDash val="solid"/>
+                      <a:round/>
+                      <a:headEnd type="none" w="med" len="med"/>
+                      <a:tailEnd type="none" w="med" len="med"/>
+                    </a:lnR>
+                    <a:lnB w="12700" cap="flat" cmpd="sng" algn="ctr">
+                      <a:solidFill>
+                        <a:srgbClr val="000000"/>
+                      </a:solidFill>
+                      <a:prstDash val="solid"/>
+                      <a:round/>
+                      <a:headEnd type="none" w="med" len="med"/>
+                      <a:tailEnd type="none" w="med" len="med"/>
+                    </a:lnB>
+                  </a:tcPr>
+                </a:tc>
+                <a:tc>
+                  <a:txBody>
+                    <a:bodyPr/>
+                    <a:lstStyle/>
+                    <a:p>
+                      <a:pPr algn="ctr"/>
+                      <a:r>
+                        <a:rPr lang="fr-FR" dirty="0" err="1" smtClean="0"/>
+                        <a:t>Ven</a:t>
+                      </a:r>
+                      <a:endParaRPr lang="fr-FR" dirty="0"/>
+                    </a:p>
+                  </a:txBody>
+                  <a:tcPr anchor="ctr">
+                    <a:lnL w="12700" cap="flat" cmpd="sng" algn="ctr">
+                      <a:solidFill>
+                        <a:srgbClr val="000000"/>
+                      </a:solidFill>
+                      <a:prstDash val="solid"/>
+                      <a:round/>
+                      <a:headEnd type="none" w="med" len="med"/>
+                      <a:tailEnd type="none" w="med" len="med"/>
+                    </a:lnL>
+                    <a:lnR w="12700" cap="flat" cmpd="sng" algn="ctr">
+                      <a:solidFill>
+                        <a:srgbClr val="000000"/>
+                      </a:solidFill>
+                      <a:prstDash val="solid"/>
+                      <a:round/>
+                      <a:headEnd type="none" w="med" len="med"/>
+                      <a:tailEnd type="none" w="med" len="med"/>
+                    </a:lnR>
+                    <a:lnB w="12700" cap="flat" cmpd="sng" algn="ctr">
+                      <a:solidFill>
+                        <a:srgbClr val="000000"/>
+                      </a:solidFill>
+                      <a:prstDash val="solid"/>
+                      <a:round/>
+                      <a:headEnd type="none" w="med" len="med"/>
+                      <a:tailEnd type="none" w="med" len="med"/>
+                    </a:lnB>
+                  </a:tcPr>
+                </a:tc>
+                <a:tc>
+                  <a:txBody>
+                    <a:bodyPr/>
+                    <a:lstStyle/>
+                    <a:p>
+                      <a:pPr algn="ctr"/>
+                      <a:r>
+                        <a:rPr lang="fr-FR" dirty="0" smtClean="0"/>
+                        <a:t>Sam</a:t>
+                      </a:r>
+                      <a:endParaRPr lang="fr-FR" dirty="0"/>
+                    </a:p>
+                  </a:txBody>
+                  <a:tcPr anchor="ctr">
+                    <a:lnL w="12700" cap="flat" cmpd="sng" algn="ctr">
+                      <a:solidFill>
+                        <a:srgbClr val="000000"/>
+                      </a:solidFill>
+                      <a:prstDash val="solid"/>
+                      <a:round/>
+                      <a:headEnd type="none" w="med" len="med"/>
+                      <a:tailEnd type="none" w="med" len="med"/>
+                    </a:lnL>
+                    <a:lnB w="12700" cap="flat" cmpd="sng" algn="ctr">
+                      <a:solidFill>
+                        <a:srgbClr val="000000"/>
+                      </a:solidFill>
+                      <a:prstDash val="solid"/>
+                      <a:round/>
+                      <a:headEnd type="none" w="med" len="med"/>
+                      <a:tailEnd type="none" w="med" len="med"/>
+                    </a:lnB>
+                  </a:tcPr>
+                </a:tc>
+              </a:tr>
+              <a:tr h="694166">
+                <a:tc>
+                  <a:txBody>
+                    <a:bodyPr/>
+                    <a:lstStyle/>
+                    <a:p>
+                      <a:r>
+                        <a:rPr lang="fr-FR" dirty="0" smtClean="0"/>
+                        <a:t>Matin</a:t>
+                      </a:r>
+                    </a:p>
+                    <a:p>
+                      <a:r>
+                        <a:rPr lang="fr-FR" dirty="0" smtClean="0"/>
+                        <a:t>(4H)</a:t>
+                      </a:r>
+                      <a:endParaRPr lang="fr-FR" dirty="0"/>
+                    </a:p>
+                  </a:txBody>
+                  <a:tcPr>
+                    <a:lnR w="12700" cap="flat" cmpd="sng" algn="ctr">
+                      <a:solidFill>
+                        <a:srgbClr val="000000"/>
+                      </a:solidFill>
+                      <a:prstDash val="solid"/>
+                      <a:round/>
+                      <a:headEnd type="none" w="med" len="med"/>
+                      <a:tailEnd type="none" w="med" len="med"/>
+                    </a:lnR>
+                    <a:lnT w="12700" cap="flat" cmpd="sng" algn="ctr">
+                      <a:solidFill>
+                        <a:srgbClr val="000000"/>
+                      </a:solidFill>
+                      <a:prstDash val="solid"/>
+                      <a:round/>
+                      <a:headEnd type="none" w="med" len="med"/>
+                      <a:tailEnd type="none" w="med" len="med"/>
+                    </a:lnT>
+                    <a:lnB w="12700" cap="flat" cmpd="sng" algn="ctr">
+                      <a:solidFill>
+                        <a:srgbClr val="000000"/>
+                      </a:solidFill>
+                      <a:prstDash val="solid"/>
+                      <a:round/>
+                      <a:headEnd type="none" w="med" len="med"/>
+                      <a:tailEnd type="none" w="med" len="med"/>
+                    </a:lnB>
+                  </a:tcPr>
+                </a:tc>
+                <a:tc>
+                  <a:txBody>
+                    <a:bodyPr/>
+                    <a:lstStyle/>
+                    <a:p>
+                      <a:pPr algn="ctr"/>
+                      <a:endParaRPr lang="fr-FR" sz="2400" dirty="0"/>
+                    </a:p>
+                  </a:txBody>
+                  <a:tcPr anchor="ctr">
+                    <a:lnL w="12700" cap="flat" cmpd="sng" algn="ctr">
+                      <a:solidFill>
+                        <a:srgbClr val="000000"/>
+                      </a:solidFill>
+                      <a:prstDash val="solid"/>
+                      <a:round/>
+                      <a:headEnd type="none" w="med" len="med"/>
+                      <a:tailEnd type="none" w="med" len="med"/>
+                    </a:lnL>
+                    <a:lnR w="12700" cap="flat" cmpd="sng" algn="ctr">
+                      <a:solidFill>
+                        <a:srgbClr val="000000"/>
+                      </a:solidFill>
+                      <a:prstDash val="solid"/>
+                      <a:round/>
+                      <a:headEnd type="none" w="med" len="med"/>
+                      <a:tailEnd type="none" w="med" len="med"/>
+                    </a:lnR>
+                    <a:lnT w="12700" cap="flat" cmpd="sng" algn="ctr">
+                      <a:solidFill>
+                        <a:srgbClr val="000000"/>
+                      </a:solidFill>
+                      <a:prstDash val="solid"/>
+                      <a:round/>
+                      <a:headEnd type="none" w="med" len="med"/>
+                      <a:tailEnd type="none" w="med" len="med"/>
+                    </a:lnT>
+                    <a:lnB w="12700" cap="flat" cmpd="sng" algn="ctr">
+                      <a:solidFill>
+                        <a:srgbClr val="000000"/>
+                      </a:solidFill>
+                      <a:prstDash val="solid"/>
+                      <a:round/>
+                      <a:headEnd type="none" w="med" len="med"/>
+                      <a:tailEnd type="none" w="med" len="med"/>
+                    </a:lnB>
+                  </a:tcPr>
+                </a:tc>
+                <a:tc>
+                  <a:txBody>
+                    <a:bodyPr/>
+                    <a:lstStyle/>
+                    <a:p>
+                      <a:pPr algn="ctr"/>
+                      <a:endParaRPr lang="fr-FR" sz="2400" dirty="0"/>
+                    </a:p>
+                  </a:txBody>
+                  <a:tcPr anchor="ctr">
+                    <a:lnL w="12700" cap="flat" cmpd="sng" algn="ctr">
+                      <a:solidFill>
+                        <a:srgbClr val="000000"/>
+                      </a:solidFill>
+                      <a:prstDash val="solid"/>
+                      <a:round/>
+                      <a:headEnd type="none" w="med" len="med"/>
+                      <a:tailEnd type="none" w="med" len="med"/>
+                    </a:lnL>
+                    <a:lnR w="12700" cap="flat" cmpd="sng" algn="ctr">
+                      <a:solidFill>
+                        <a:srgbClr val="000000"/>
+                      </a:solidFill>
+                      <a:prstDash val="solid"/>
+                      <a:round/>
+                      <a:headEnd type="none" w="med" len="med"/>
+                      <a:tailEnd type="none" w="med" len="med"/>
+                    </a:lnR>
+                    <a:lnT w="12700" cap="flat" cmpd="sng" algn="ctr">
+                      <a:solidFill>
+                        <a:srgbClr val="000000"/>
+                      </a:solidFill>
+                      <a:prstDash val="solid"/>
+                      <a:round/>
+                      <a:headEnd type="none" w="med" len="med"/>
+                      <a:tailEnd type="none" w="med" len="med"/>
+                    </a:lnT>
+                    <a:lnB w="12700" cap="flat" cmpd="sng" algn="ctr">
+                      <a:solidFill>
+                        <a:srgbClr val="000000"/>
+                      </a:solidFill>
+                      <a:prstDash val="solid"/>
+                      <a:round/>
+                      <a:headEnd type="none" w="med" len="med"/>
+                      <a:tailEnd type="none" w="med" len="med"/>
+                    </a:lnB>
+                  </a:tcPr>
+                </a:tc>
+                <a:tc>
+                  <a:txBody>
+                    <a:bodyPr/>
+                    <a:lstStyle/>
+                    <a:p>
+                      <a:pPr algn="ctr"/>
+                      <a:endParaRPr lang="fr-FR" sz="2400" dirty="0"/>
+                    </a:p>
+                  </a:txBody>
+                  <a:tcPr anchor="ctr">
+                    <a:lnL w="12700" cap="flat" cmpd="sng" algn="ctr">
+                      <a:solidFill>
+                        <a:srgbClr val="000000"/>
+                      </a:solidFill>
+                      <a:prstDash val="solid"/>
+                      <a:round/>
+                      <a:headEnd type="none" w="med" len="med"/>
+                      <a:tailEnd type="none" w="med" len="med"/>
+                    </a:lnL>
+                    <a:lnR w="12700" cap="flat" cmpd="sng" algn="ctr">
+                      <a:solidFill>
+                        <a:srgbClr val="000000"/>
+                      </a:solidFill>
+                      <a:prstDash val="solid"/>
+                      <a:round/>
+                      <a:headEnd type="none" w="med" len="med"/>
+                      <a:tailEnd type="none" w="med" len="med"/>
+                    </a:lnR>
+                    <a:lnT w="12700" cap="flat" cmpd="sng" algn="ctr">
+                      <a:solidFill>
+                        <a:srgbClr val="000000"/>
+                      </a:solidFill>
+                      <a:prstDash val="solid"/>
+                      <a:round/>
+                      <a:headEnd type="none" w="med" len="med"/>
+                      <a:tailEnd type="none" w="med" len="med"/>
+                    </a:lnT>
+                    <a:lnB w="12700" cap="flat" cmpd="sng" algn="ctr">
+                      <a:solidFill>
+                        <a:srgbClr val="000000"/>
+                      </a:solidFill>
+                      <a:prstDash val="solid"/>
+                      <a:round/>
+                      <a:headEnd type="none" w="med" len="med"/>
+                      <a:tailEnd type="none" w="med" len="med"/>
+                    </a:lnB>
+                  </a:tcPr>
+                </a:tc>
+                <a:tc>
+                  <a:txBody>
+                    <a:bodyPr/>
+                    <a:lstStyle/>
+                    <a:p>
+                      <a:pPr algn="ctr"/>
+                      <a:endParaRPr lang="fr-FR" sz="2400" dirty="0"/>
+                    </a:p>
+                  </a:txBody>
+                  <a:tcPr anchor="ctr">
+                    <a:lnL w="12700" cap="flat" cmpd="sng" algn="ctr">
+                      <a:solidFill>
+                        <a:srgbClr val="000000"/>
+                      </a:solidFill>
+                      <a:prstDash val="solid"/>
+                      <a:round/>
+                      <a:headEnd type="none" w="med" len="med"/>
+                      <a:tailEnd type="none" w="med" len="med"/>
+                    </a:lnL>
+                    <a:lnR w="12700" cap="flat" cmpd="sng" algn="ctr">
+                      <a:solidFill>
+                        <a:srgbClr val="000000"/>
+                      </a:solidFill>
+                      <a:prstDash val="solid"/>
+                      <a:round/>
+                      <a:headEnd type="none" w="med" len="med"/>
+                      <a:tailEnd type="none" w="med" len="med"/>
+                    </a:lnR>
+                    <a:lnT w="12700" cap="flat" cmpd="sng" algn="ctr">
+                      <a:solidFill>
+                        <a:srgbClr val="000000"/>
+                      </a:solidFill>
+                      <a:prstDash val="solid"/>
+                      <a:round/>
+                      <a:headEnd type="none" w="med" len="med"/>
+                      <a:tailEnd type="none" w="med" len="med"/>
+                    </a:lnT>
+                    <a:lnB w="12700" cap="flat" cmpd="sng" algn="ctr">
+                      <a:solidFill>
+                        <a:srgbClr val="000000"/>
+                      </a:solidFill>
+                      <a:prstDash val="solid"/>
+                      <a:round/>
+                      <a:headEnd type="none" w="med" len="med"/>
+                      <a:tailEnd type="none" w="med" len="med"/>
+                    </a:lnB>
+                  </a:tcPr>
+                </a:tc>
+                <a:tc>
+                  <a:txBody>
+                    <a:bodyPr/>
+                    <a:lstStyle/>
+                    <a:p>
+                      <a:pPr algn="ctr"/>
+                      <a:endParaRPr lang="fr-FR" sz="2400" dirty="0"/>
+                    </a:p>
+                  </a:txBody>
+                  <a:tcPr anchor="ctr">
+                    <a:lnL w="12700" cap="flat" cmpd="sng" algn="ctr">
+                      <a:solidFill>
+                        <a:srgbClr val="000000"/>
+                      </a:solidFill>
+                      <a:prstDash val="solid"/>
+                      <a:round/>
+                      <a:headEnd type="none" w="med" len="med"/>
+                      <a:tailEnd type="none" w="med" len="med"/>
+                    </a:lnL>
+                    <a:lnR w="12700" cap="flat" cmpd="sng" algn="ctr">
+                      <a:solidFill>
+                        <a:srgbClr val="000000"/>
+                      </a:solidFill>
+                      <a:prstDash val="solid"/>
+                      <a:round/>
+                      <a:headEnd type="none" w="med" len="med"/>
+                      <a:tailEnd type="none" w="med" len="med"/>
+                    </a:lnR>
+                    <a:lnT w="12700" cap="flat" cmpd="sng" algn="ctr">
+                      <a:solidFill>
+                        <a:srgbClr val="000000"/>
+                      </a:solidFill>
+                      <a:prstDash val="solid"/>
+                      <a:round/>
+                      <a:headEnd type="none" w="med" len="med"/>
+                      <a:tailEnd type="none" w="med" len="med"/>
+                    </a:lnT>
+                    <a:lnB w="12700" cap="flat" cmpd="sng" algn="ctr">
+                      <a:solidFill>
+                        <a:srgbClr val="000000"/>
+                      </a:solidFill>
+                      <a:prstDash val="solid"/>
+                      <a:round/>
+                      <a:headEnd type="none" w="med" len="med"/>
+                      <a:tailEnd type="none" w="med" len="med"/>
+                    </a:lnB>
+                  </a:tcPr>
+                </a:tc>
+                <a:tc>
+                  <a:txBody>
+                    <a:bodyPr/>
+                    <a:lstStyle/>
+                    <a:p>
+                      <a:pPr algn="ctr"/>
+                      <a:endParaRPr lang="fr-FR" sz="2400" dirty="0"/>
+                    </a:p>
+                  </a:txBody>
+                  <a:tcPr anchor="ctr">
+                    <a:lnL w="12700" cap="flat" cmpd="sng" algn="ctr">
+                      <a:solidFill>
+                        <a:srgbClr val="000000"/>
+                      </a:solidFill>
+                      <a:prstDash val="solid"/>
+                      <a:round/>
+                      <a:headEnd type="none" w="med" len="med"/>
+                      <a:tailEnd type="none" w="med" len="med"/>
+                    </a:lnL>
+                    <a:lnT w="12700" cap="flat" cmpd="sng" algn="ctr">
+                      <a:solidFill>
+                        <a:srgbClr val="000000"/>
+                      </a:solidFill>
+                      <a:prstDash val="solid"/>
+                      <a:round/>
+                      <a:headEnd type="none" w="med" len="med"/>
+                      <a:tailEnd type="none" w="med" len="med"/>
+                    </a:lnT>
+                    <a:lnB w="12700" cap="flat" cmpd="sng" algn="ctr">
+                      <a:solidFill>
+                        <a:srgbClr val="000000"/>
+                      </a:solidFill>
+                      <a:prstDash val="solid"/>
+                      <a:round/>
+                      <a:headEnd type="none" w="med" len="med"/>
+                      <a:tailEnd type="none" w="med" len="med"/>
+                    </a:lnB>
+                  </a:tcPr>
+                </a:tc>
+              </a:tr>
+              <a:tr h="766432">
+                <a:tc>
+                  <a:txBody>
+                    <a:bodyPr/>
+                    <a:lstStyle/>
+                    <a:p>
+                      <a:r>
+                        <a:rPr lang="fr-FR" dirty="0" smtClean="0"/>
+                        <a:t>Après-midi</a:t>
+                      </a:r>
+                    </a:p>
+                    <a:p>
+                      <a:r>
+                        <a:rPr lang="fr-FR" dirty="0" smtClean="0"/>
+                        <a:t>(4H)</a:t>
+                      </a:r>
+                      <a:endParaRPr lang="fr-FR" dirty="0"/>
+                    </a:p>
+                  </a:txBody>
+                  <a:tcPr>
+                    <a:lnR w="12700" cap="flat" cmpd="sng" algn="ctr">
+                      <a:solidFill>
+                        <a:srgbClr val="000000"/>
+                      </a:solidFill>
+                      <a:prstDash val="solid"/>
+                      <a:round/>
+                      <a:headEnd type="none" w="med" len="med"/>
+                      <a:tailEnd type="none" w="med" len="med"/>
+                    </a:lnR>
+                    <a:lnT w="12700" cap="flat" cmpd="sng" algn="ctr">
+                      <a:solidFill>
+                        <a:srgbClr val="000000"/>
+                      </a:solidFill>
+                      <a:prstDash val="solid"/>
+                      <a:round/>
+                      <a:headEnd type="none" w="med" len="med"/>
+                      <a:tailEnd type="none" w="med" len="med"/>
+                    </a:lnT>
+                  </a:tcPr>
+                </a:tc>
+                <a:tc>
+                  <a:txBody>
+                    <a:bodyPr/>
+                    <a:lstStyle/>
+                    <a:p>
+                      <a:pPr algn="ctr"/>
+                      <a:endParaRPr lang="fr-FR" sz="2400" dirty="0"/>
+                    </a:p>
+                  </a:txBody>
+                  <a:tcPr anchor="ctr">
+                    <a:lnL w="12700" cap="flat" cmpd="sng" algn="ctr">
+                      <a:solidFill>
+                        <a:srgbClr val="000000"/>
+                      </a:solidFill>
+                      <a:prstDash val="solid"/>
+                      <a:round/>
+                      <a:headEnd type="none" w="med" len="med"/>
+                      <a:tailEnd type="none" w="med" len="med"/>
+                    </a:lnL>
+                    <a:lnR w="12700" cap="flat" cmpd="sng" algn="ctr">
+                      <a:solidFill>
+                        <a:srgbClr val="000000"/>
+                      </a:solidFill>
+                      <a:prstDash val="solid"/>
+                      <a:round/>
+                      <a:headEnd type="none" w="med" len="med"/>
+                      <a:tailEnd type="none" w="med" len="med"/>
+                    </a:lnR>
+                    <a:lnT w="12700" cap="flat" cmpd="sng" algn="ctr">
+                      <a:solidFill>
+                        <a:srgbClr val="000000"/>
+                      </a:solidFill>
+                      <a:prstDash val="solid"/>
+                      <a:round/>
+                      <a:headEnd type="none" w="med" len="med"/>
+                      <a:tailEnd type="none" w="med" len="med"/>
+                    </a:lnT>
+                  </a:tcPr>
+                </a:tc>
+                <a:tc>
+                  <a:txBody>
+                    <a:bodyPr/>
+                    <a:lstStyle/>
+                    <a:p>
+                      <a:pPr algn="ctr"/>
+                      <a:endParaRPr lang="fr-FR" sz="2400" dirty="0"/>
+                    </a:p>
+                  </a:txBody>
+                  <a:tcPr anchor="ctr">
+                    <a:lnL w="12700" cap="flat" cmpd="sng" algn="ctr">
+                      <a:solidFill>
+                        <a:srgbClr val="000000"/>
+                      </a:solidFill>
+                      <a:prstDash val="solid"/>
+                      <a:round/>
+                      <a:headEnd type="none" w="med" len="med"/>
+                      <a:tailEnd type="none" w="med" len="med"/>
+                    </a:lnL>
+                    <a:lnR w="12700" cap="flat" cmpd="sng" algn="ctr">
+                      <a:solidFill>
+                        <a:srgbClr val="000000"/>
+                      </a:solidFill>
+                      <a:prstDash val="solid"/>
+                      <a:round/>
+                      <a:headEnd type="none" w="med" len="med"/>
+                      <a:tailEnd type="none" w="med" len="med"/>
+                    </a:lnR>
+                    <a:lnT w="12700" cap="flat" cmpd="sng" algn="ctr">
+                      <a:solidFill>
+                        <a:srgbClr val="000000"/>
+                      </a:solidFill>
+                      <a:prstDash val="solid"/>
+                      <a:round/>
+                      <a:headEnd type="none" w="med" len="med"/>
+                      <a:tailEnd type="none" w="med" len="med"/>
+                    </a:lnT>
+                  </a:tcPr>
+                </a:tc>
+                <a:tc>
+                  <a:txBody>
+                    <a:bodyPr/>
+                    <a:lstStyle/>
+                    <a:p>
+                      <a:pPr algn="ctr"/>
+                      <a:endParaRPr lang="fr-FR" sz="2400" dirty="0"/>
+                    </a:p>
+                  </a:txBody>
+                  <a:tcPr anchor="ctr">
+                    <a:lnL w="12700" cap="flat" cmpd="sng" algn="ctr">
+                      <a:solidFill>
+                        <a:srgbClr val="000000"/>
+                      </a:solidFill>
+                      <a:prstDash val="solid"/>
+                      <a:round/>
+                      <a:headEnd type="none" w="med" len="med"/>
+                      <a:tailEnd type="none" w="med" len="med"/>
+                    </a:lnL>
+                    <a:lnR w="12700" cap="flat" cmpd="sng" algn="ctr">
+                      <a:solidFill>
+                        <a:srgbClr val="000000"/>
+                      </a:solidFill>
+                      <a:prstDash val="solid"/>
+                      <a:round/>
+                      <a:headEnd type="none" w="med" len="med"/>
+                      <a:tailEnd type="none" w="med" len="med"/>
+                    </a:lnR>
+                    <a:lnT w="12700" cap="flat" cmpd="sng" algn="ctr">
+                      <a:solidFill>
+                        <a:srgbClr val="000000"/>
+                      </a:solidFill>
+                      <a:prstDash val="solid"/>
+                      <a:round/>
+                      <a:headEnd type="none" w="med" len="med"/>
+                      <a:tailEnd type="none" w="med" len="med"/>
+                    </a:lnT>
+                  </a:tcPr>
+                </a:tc>
+                <a:tc>
+                  <a:txBody>
+                    <a:bodyPr/>
+                    <a:lstStyle/>
+                    <a:p>
+                      <a:pPr algn="ctr"/>
+                      <a:endParaRPr lang="fr-FR" sz="2400" dirty="0"/>
+                    </a:p>
+                  </a:txBody>
+                  <a:tcPr anchor="ctr">
+                    <a:lnL w="12700" cap="flat" cmpd="sng" algn="ctr">
+                      <a:solidFill>
+                        <a:srgbClr val="000000"/>
+                      </a:solidFill>
+                      <a:prstDash val="solid"/>
+                      <a:round/>
+                      <a:headEnd type="none" w="med" len="med"/>
+                      <a:tailEnd type="none" w="med" len="med"/>
+                    </a:lnL>
+                    <a:lnR w="12700" cap="flat" cmpd="sng" algn="ctr">
+                      <a:solidFill>
+                        <a:srgbClr val="000000"/>
+                      </a:solidFill>
+                      <a:prstDash val="solid"/>
+                      <a:round/>
+                      <a:headEnd type="none" w="med" len="med"/>
+                      <a:tailEnd type="none" w="med" len="med"/>
+                    </a:lnR>
+                    <a:lnT w="12700" cap="flat" cmpd="sng" algn="ctr">
+                      <a:solidFill>
+                        <a:srgbClr val="000000"/>
+                      </a:solidFill>
+                      <a:prstDash val="solid"/>
+                      <a:round/>
+                      <a:headEnd type="none" w="med" len="med"/>
+                      <a:tailEnd type="none" w="med" len="med"/>
+                    </a:lnT>
+                  </a:tcPr>
+                </a:tc>
+                <a:tc>
+                  <a:txBody>
+                    <a:bodyPr/>
+                    <a:lstStyle/>
+                    <a:p>
+                      <a:pPr algn="ctr"/>
+                      <a:endParaRPr lang="fr-FR" sz="2400" dirty="0"/>
+                    </a:p>
+                  </a:txBody>
+                  <a:tcPr anchor="ctr">
+                    <a:lnL w="12700" cap="flat" cmpd="sng" algn="ctr">
+                      <a:solidFill>
+                        <a:srgbClr val="000000"/>
+                      </a:solidFill>
+                      <a:prstDash val="solid"/>
+                      <a:round/>
+                      <a:headEnd type="none" w="med" len="med"/>
+                      <a:tailEnd type="none" w="med" len="med"/>
+                    </a:lnL>
+                    <a:lnR w="12700" cap="flat" cmpd="sng" algn="ctr">
+                      <a:solidFill>
+                        <a:srgbClr val="000000"/>
+                      </a:solidFill>
+                      <a:prstDash val="solid"/>
+                      <a:round/>
+                      <a:headEnd type="none" w="med" len="med"/>
+                      <a:tailEnd type="none" w="med" len="med"/>
+                    </a:lnR>
+                    <a:lnT w="12700" cap="flat" cmpd="sng" algn="ctr">
+                      <a:solidFill>
+                        <a:srgbClr val="000000"/>
+                      </a:solidFill>
+                      <a:prstDash val="solid"/>
+                      <a:round/>
+                      <a:headEnd type="none" w="med" len="med"/>
+                      <a:tailEnd type="none" w="med" len="med"/>
+                    </a:lnT>
+                  </a:tcPr>
+                </a:tc>
+                <a:tc>
+                  <a:txBody>
+                    <a:bodyPr/>
+                    <a:lstStyle/>
+                    <a:p>
+                      <a:pPr algn="ctr"/>
+                      <a:endParaRPr lang="fr-FR" sz="2400" dirty="0"/>
+                    </a:p>
+                  </a:txBody>
+                  <a:tcPr anchor="ctr">
+                    <a:lnL w="12700" cap="flat" cmpd="sng" algn="ctr">
+                      <a:solidFill>
+                        <a:srgbClr val="000000"/>
+                      </a:solidFill>
+                      <a:prstDash val="solid"/>
+                      <a:round/>
+                      <a:headEnd type="none" w="med" len="med"/>
+                      <a:tailEnd type="none" w="med" len="med"/>
+                    </a:lnL>
+                    <a:lnT w="12700" cap="flat" cmpd="sng" algn="ctr">
+                      <a:solidFill>
+                        <a:srgbClr val="000000"/>
+                      </a:solidFill>
+                      <a:prstDash val="solid"/>
+                      <a:round/>
+                      <a:headEnd type="none" w="med" len="med"/>
+                      <a:tailEnd type="none" w="med" len="med"/>
+                    </a:lnT>
+                  </a:tcPr>
+                </a:tc>
+              </a:tr>
+            </a:tbl>
+          </a:graphicData>
+        </a:graphic>
+      </p:graphicFrame>
+      <p:cxnSp>
+        <p:nvCxnSpPr>
+          <p:cNvPr id="15" name="Connecteur droit avec flèche 14"/>
+          <p:cNvCxnSpPr/>
+          <p:nvPr/>
+        </p:nvCxnSpPr>
+        <p:spPr>
+          <a:xfrm>
+            <a:off x="1929182" y="3879188"/>
+            <a:ext cx="2028221" cy="785948"/>
+          </a:xfrm>
+          <a:prstGeom prst="straightConnector1">
+            <a:avLst/>
+          </a:prstGeom>
+          <a:ln>
+            <a:solidFill>
+              <a:schemeClr val="bg2">
+                <a:lumMod val="50000"/>
+              </a:schemeClr>
+            </a:solidFill>
+            <a:tailEnd type="arrow"/>
+          </a:ln>
+        </p:spPr>
+        <p:style>
+          <a:lnRef idx="2">
+            <a:schemeClr val="accent1"/>
+          </a:lnRef>
+          <a:fillRef idx="0">
+            <a:schemeClr val="accent1"/>
+          </a:fillRef>
+          <a:effectRef idx="1">
+            <a:schemeClr val="accent1"/>
+          </a:effectRef>
+          <a:fontRef idx="minor">
+            <a:schemeClr val="tx1"/>
+          </a:fontRef>
+        </p:style>
+      </p:cxnSp>
       <p:grpSp>
         <p:nvGrpSpPr>
-          <p:cNvPr id="13" name="Groupe 12"/>
+          <p:cNvPr id="5" name="Groupe 4"/>
           <p:cNvGrpSpPr/>
           <p:nvPr/>
         </p:nvGrpSpPr>
         <p:grpSpPr>
           <a:xfrm>
-            <a:off x="419730" y="2582597"/>
+            <a:off x="284819" y="2485355"/>
             <a:ext cx="1644363" cy="2218569"/>
-            <a:chOff x="959370" y="3197187"/>
+            <a:chOff x="419729" y="2560305"/>
             <a:chExt cx="1644363" cy="2218569"/>
           </a:xfrm>
         </p:grpSpPr>
+        <p:sp>
+          <p:nvSpPr>
+            <p:cNvPr id="10" name="ZoneTexte 9"/>
+            <p:cNvSpPr txBox="1"/>
+            <p:nvPr/>
+          </p:nvSpPr>
+          <p:spPr>
+            <a:xfrm>
+              <a:off x="419729" y="3455435"/>
+              <a:ext cx="1644363" cy="1015663"/>
+            </a:xfrm>
+            <a:prstGeom prst="rect">
+              <a:avLst/>
+            </a:prstGeom>
+            <a:noFill/>
+            <a:scene3d>
+              <a:camera prst="orthographicFront"/>
+              <a:lightRig rig="threePt" dir="t"/>
+            </a:scene3d>
+            <a:sp3d>
+              <a:contourClr>
+                <a:schemeClr val="bg1"/>
+              </a:contourClr>
+            </a:sp3d>
+          </p:spPr>
+          <p:txBody>
+            <a:bodyPr wrap="square" rtlCol="0">
+              <a:spAutoFit/>
+            </a:bodyPr>
+            <a:lstStyle/>
+            <a:p>
+              <a:pPr marL="285750" indent="-285750">
+                <a:buFontTx/>
+                <a:buChar char="-"/>
+              </a:pPr>
+              <a:r>
+                <a:rPr lang="fr-FR" sz="2000" dirty="0" smtClean="0"/>
+                <a:t>Professeur</a:t>
+              </a:r>
+            </a:p>
+            <a:p>
+              <a:pPr marL="285750" indent="-285750">
+                <a:buFontTx/>
+                <a:buChar char="-"/>
+              </a:pPr>
+              <a:r>
+                <a:rPr lang="fr-FR" sz="2000" dirty="0" smtClean="0"/>
+                <a:t>Matière</a:t>
+              </a:r>
+            </a:p>
+            <a:p>
+              <a:pPr marL="285750" indent="-285750">
+                <a:buFontTx/>
+                <a:buChar char="-"/>
+              </a:pPr>
+              <a:r>
+                <a:rPr lang="fr-FR" sz="2000" dirty="0" smtClean="0"/>
+                <a:t>Salle</a:t>
+              </a:r>
+              <a:endParaRPr lang="fr-FR" sz="2000" dirty="0"/>
+            </a:p>
+          </p:txBody>
+        </p:sp>
         <p:grpSp>
           <p:nvGrpSpPr>
             <p:cNvPr id="12" name="Groupe 11"/>
@@ -6561,11 +7862,15 @@
           </p:nvGrpSpPr>
           <p:grpSpPr>
             <a:xfrm>
-              <a:off x="959370" y="3197187"/>
+              <a:off x="419729" y="2560305"/>
               <a:ext cx="1644363" cy="2218569"/>
               <a:chOff x="959370" y="3197187"/>
               <a:chExt cx="1644363" cy="2218569"/>
             </a:xfrm>
+            <a:scene3d>
+              <a:camera prst="orthographicFront"/>
+              <a:lightRig rig="threePt" dir="t"/>
+            </a:scene3d>
           </p:grpSpPr>
           <p:sp>
             <p:nvSpPr>
@@ -6586,10 +7891,16 @@
               <a:noFill/>
               <a:ln>
                 <a:solidFill>
-                  <a:schemeClr val="tx1"/>
+                  <a:schemeClr val="accent3"/>
                 </a:solidFill>
               </a:ln>
               <a:effectLst/>
+              <a:sp3d contourW="12700">
+                <a:bevelT w="0" h="0"/>
+                <a:contourClr>
+                  <a:schemeClr val="accent3"/>
+                </a:contourClr>
+              </a:sp3d>
             </p:spPr>
             <p:style>
               <a:lnRef idx="1">
@@ -6629,16 +7940,22 @@
                 <a:avLst/>
               </a:prstGeom>
               <a:solidFill>
-                <a:srgbClr val="05BEFF"/>
+                <a:schemeClr val="accent3"/>
               </a:solidFill>
               <a:ln>
                 <a:solidFill>
-                  <a:schemeClr val="bg2">
-                    <a:lumMod val="50000"/>
-                  </a:schemeClr>
+                  <a:schemeClr val="accent3"/>
                 </a:solidFill>
               </a:ln>
               <a:effectLst/>
+              <a:sp3d extrusionH="76200" contourW="12700" prstMaterial="matte">
+                <a:extrusionClr>
+                  <a:schemeClr val="accent3"/>
+                </a:extrusionClr>
+                <a:contourClr>
+                  <a:schemeClr val="accent3"/>
+                </a:contourClr>
+              </a:sp3d>
             </p:spPr>
             <p:style>
               <a:lnRef idx="1">
@@ -6660,11 +7977,45 @@
               <a:p>
                 <a:pPr algn="ctr"/>
                 <a:r>
-                  <a:rPr lang="fr-FR" sz="3200" dirty="0"/>
+                  <a:rPr lang="fr-FR" sz="3200" dirty="0">
+                    <a:ln w="18415" cmpd="sng">
+                      <a:solidFill>
+                        <a:srgbClr val="FFFFFF"/>
+                      </a:solidFill>
+                      <a:prstDash val="solid"/>
+                    </a:ln>
+                    <a:solidFill>
+                      <a:srgbClr val="FFFFFF"/>
+                    </a:solidFill>
+                    <a:effectLst>
+                      <a:outerShdw blurRad="63500" dir="3600000" algn="tl" rotWithShape="0">
+                        <a:srgbClr val="000000">
+                          <a:alpha val="70000"/>
+                        </a:srgbClr>
+                      </a:outerShdw>
+                    </a:effectLst>
+                  </a:rPr>
                   <a:t>C</a:t>
                 </a:r>
                 <a:r>
-                  <a:rPr lang="fr-FR" sz="3200" dirty="0" smtClean="0"/>
+                  <a:rPr lang="fr-FR" sz="3200" dirty="0" smtClean="0">
+                    <a:ln w="18415" cmpd="sng">
+                      <a:solidFill>
+                        <a:srgbClr val="FFFFFF"/>
+                      </a:solidFill>
+                      <a:prstDash val="solid"/>
+                    </a:ln>
+                    <a:solidFill>
+                      <a:srgbClr val="FFFFFF"/>
+                    </a:solidFill>
+                    <a:effectLst>
+                      <a:outerShdw blurRad="63500" dir="3600000" algn="tl" rotWithShape="0">
+                        <a:srgbClr val="000000">
+                          <a:alpha val="70000"/>
+                        </a:srgbClr>
+                      </a:outerShdw>
+                    </a:effectLst>
+                  </a:rPr>
                   <a:t>ours</a:t>
                 </a:r>
                 <a:endParaRPr lang="fr-FR" dirty="0"/>
@@ -6672,1021 +8023,100 @@
             </p:txBody>
           </p:sp>
         </p:grpSp>
-        <p:sp>
-          <p:nvSpPr>
-            <p:cNvPr id="10" name="ZoneTexte 9"/>
-            <p:cNvSpPr txBox="1"/>
-            <p:nvPr/>
-          </p:nvSpPr>
-          <p:spPr>
-            <a:xfrm>
-              <a:off x="959370" y="4092317"/>
-              <a:ext cx="1644363" cy="1323439"/>
-            </a:xfrm>
-            <a:prstGeom prst="rect">
-              <a:avLst/>
-            </a:prstGeom>
-            <a:noFill/>
-          </p:spPr>
-          <p:txBody>
-            <a:bodyPr wrap="square" rtlCol="0">
-              <a:spAutoFit/>
-            </a:bodyPr>
-            <a:lstStyle/>
-            <a:p>
-              <a:pPr marL="285750" indent="-285750">
-                <a:buFontTx/>
-                <a:buChar char="-"/>
-              </a:pPr>
-              <a:r>
-                <a:rPr lang="fr-FR" sz="2000" dirty="0" smtClean="0"/>
-                <a:t>Professeur</a:t>
-              </a:r>
-            </a:p>
-            <a:p>
-              <a:pPr marL="285750" indent="-285750">
-                <a:buFontTx/>
-                <a:buChar char="-"/>
-              </a:pPr>
-              <a:r>
-                <a:rPr lang="fr-FR" sz="2000" dirty="0" smtClean="0"/>
-                <a:t>Matière</a:t>
-              </a:r>
-            </a:p>
-            <a:p>
-              <a:pPr marL="285750" indent="-285750">
-                <a:buFontTx/>
-                <a:buChar char="-"/>
-              </a:pPr>
-              <a:r>
-                <a:rPr lang="fr-FR" sz="2000" dirty="0" smtClean="0"/>
-                <a:t>Classe</a:t>
-              </a:r>
-            </a:p>
-            <a:p>
-              <a:pPr marL="285750" indent="-285750">
-                <a:buFontTx/>
-                <a:buChar char="-"/>
-              </a:pPr>
-              <a:r>
-                <a:rPr lang="fr-FR" sz="2000" dirty="0" smtClean="0"/>
-                <a:t>Salle</a:t>
-              </a:r>
-              <a:endParaRPr lang="fr-FR" sz="2000" dirty="0"/>
-            </a:p>
-          </p:txBody>
-        </p:sp>
       </p:grpSp>
-      <p:graphicFrame>
-        <p:nvGraphicFramePr>
-          <p:cNvPr id="11" name="Tableau 10"/>
-          <p:cNvGraphicFramePr>
-            <a:graphicFrameLocks noGrp="1"/>
-          </p:cNvGraphicFramePr>
-          <p:nvPr>
-            <p:extLst>
-              <p:ext uri="{D42A27DB-BD31-4B8C-83A1-F6EECF244321}">
-                <p14:modId xmlns:p14="http://schemas.microsoft.com/office/powerpoint/2010/main" val="269784474"/>
-              </p:ext>
-            </p:extLst>
-          </p:nvPr>
-        </p:nvGraphicFramePr>
-        <p:xfrm>
-          <a:off x="2743201" y="3669590"/>
-          <a:ext cx="6042355" cy="2302732"/>
-        </p:xfrm>
-        <a:graphic>
-          <a:graphicData uri="http://schemas.openxmlformats.org/drawingml/2006/table">
-            <a:tbl>
-              <a:tblPr firstRow="1" bandRow="1">
-                <a:tableStyleId>{F2DE63D5-997A-4646-A377-4702673A728D}</a:tableStyleId>
-              </a:tblPr>
-              <a:tblGrid>
-                <a:gridCol w="841230"/>
-                <a:gridCol w="781926"/>
-                <a:gridCol w="820240"/>
-                <a:gridCol w="1009379"/>
-                <a:gridCol w="735802"/>
-                <a:gridCol w="1045497"/>
-                <a:gridCol w="808281"/>
-              </a:tblGrid>
-              <a:tr h="694166">
-                <a:tc>
-                  <a:txBody>
-                    <a:bodyPr/>
-                    <a:lstStyle/>
-                    <a:p>
-                      <a:endParaRPr lang="fr-FR" dirty="0"/>
-                    </a:p>
-                  </a:txBody>
-                  <a:tcPr>
-                    <a:lnR w="12700" cap="flat" cmpd="sng" algn="ctr">
-                      <a:solidFill>
-                        <a:srgbClr val="000000"/>
-                      </a:solidFill>
-                      <a:prstDash val="solid"/>
-                      <a:round/>
-                      <a:headEnd type="none" w="med" len="med"/>
-                      <a:tailEnd type="none" w="med" len="med"/>
-                    </a:lnR>
-                    <a:lnB w="12700" cap="flat" cmpd="sng" algn="ctr">
-                      <a:solidFill>
-                        <a:srgbClr val="000000"/>
-                      </a:solidFill>
-                      <a:prstDash val="solid"/>
-                      <a:round/>
-                      <a:headEnd type="none" w="med" len="med"/>
-                      <a:tailEnd type="none" w="med" len="med"/>
-                    </a:lnB>
-                  </a:tcPr>
-                </a:tc>
-                <a:tc>
-                  <a:txBody>
-                    <a:bodyPr/>
-                    <a:lstStyle/>
-                    <a:p>
-                      <a:pPr algn="ctr"/>
-                      <a:r>
-                        <a:rPr lang="fr-FR" sz="1800" dirty="0" smtClean="0"/>
-                        <a:t>LUN</a:t>
-                      </a:r>
-                      <a:endParaRPr lang="fr-FR" sz="1200" dirty="0"/>
-                    </a:p>
-                  </a:txBody>
-                  <a:tcPr anchor="ctr">
-                    <a:lnL w="12700" cap="flat" cmpd="sng" algn="ctr">
-                      <a:solidFill>
-                        <a:srgbClr val="000000"/>
-                      </a:solidFill>
-                      <a:prstDash val="solid"/>
-                      <a:round/>
-                      <a:headEnd type="none" w="med" len="med"/>
-                      <a:tailEnd type="none" w="med" len="med"/>
-                    </a:lnL>
-                    <a:lnR w="12700" cap="flat" cmpd="sng" algn="ctr">
-                      <a:solidFill>
-                        <a:srgbClr val="000000"/>
-                      </a:solidFill>
-                      <a:prstDash val="solid"/>
-                      <a:round/>
-                      <a:headEnd type="none" w="med" len="med"/>
-                      <a:tailEnd type="none" w="med" len="med"/>
-                    </a:lnR>
-                    <a:lnB w="12700" cap="flat" cmpd="sng" algn="ctr">
-                      <a:solidFill>
-                        <a:srgbClr val="000000"/>
-                      </a:solidFill>
-                      <a:prstDash val="solid"/>
-                      <a:round/>
-                      <a:headEnd type="none" w="med" len="med"/>
-                      <a:tailEnd type="none" w="med" len="med"/>
-                    </a:lnB>
-                  </a:tcPr>
-                </a:tc>
-                <a:tc>
-                  <a:txBody>
-                    <a:bodyPr/>
-                    <a:lstStyle/>
-                    <a:p>
-                      <a:pPr algn="ctr"/>
-                      <a:r>
-                        <a:rPr lang="fr-FR" sz="1800" dirty="0" smtClean="0"/>
-                        <a:t>MAR</a:t>
-                      </a:r>
-                      <a:endParaRPr lang="fr-FR" dirty="0"/>
-                    </a:p>
-                  </a:txBody>
-                  <a:tcPr anchor="ctr">
-                    <a:lnL w="12700" cap="flat" cmpd="sng" algn="ctr">
-                      <a:solidFill>
-                        <a:srgbClr val="000000"/>
-                      </a:solidFill>
-                      <a:prstDash val="solid"/>
-                      <a:round/>
-                      <a:headEnd type="none" w="med" len="med"/>
-                      <a:tailEnd type="none" w="med" len="med"/>
-                    </a:lnL>
-                    <a:lnR w="12700" cap="flat" cmpd="sng" algn="ctr">
-                      <a:solidFill>
-                        <a:srgbClr val="000000"/>
-                      </a:solidFill>
-                      <a:prstDash val="solid"/>
-                      <a:round/>
-                      <a:headEnd type="none" w="med" len="med"/>
-                      <a:tailEnd type="none" w="med" len="med"/>
-                    </a:lnR>
-                    <a:lnB w="12700" cap="flat" cmpd="sng" algn="ctr">
-                      <a:solidFill>
-                        <a:srgbClr val="000000"/>
-                      </a:solidFill>
-                      <a:prstDash val="solid"/>
-                      <a:round/>
-                      <a:headEnd type="none" w="med" len="med"/>
-                      <a:tailEnd type="none" w="med" len="med"/>
-                    </a:lnB>
-                  </a:tcPr>
-                </a:tc>
-                <a:tc>
-                  <a:txBody>
-                    <a:bodyPr/>
-                    <a:lstStyle/>
-                    <a:p>
-                      <a:pPr algn="ctr"/>
-                      <a:r>
-                        <a:rPr lang="fr-FR" sz="1800" dirty="0" smtClean="0"/>
-                        <a:t>MER</a:t>
-                      </a:r>
-                      <a:endParaRPr lang="fr-FR" dirty="0"/>
-                    </a:p>
-                  </a:txBody>
-                  <a:tcPr anchor="ctr">
-                    <a:lnL w="12700" cap="flat" cmpd="sng" algn="ctr">
-                      <a:solidFill>
-                        <a:srgbClr val="000000"/>
-                      </a:solidFill>
-                      <a:prstDash val="solid"/>
-                      <a:round/>
-                      <a:headEnd type="none" w="med" len="med"/>
-                      <a:tailEnd type="none" w="med" len="med"/>
-                    </a:lnL>
-                    <a:lnR w="12700" cap="flat" cmpd="sng" algn="ctr">
-                      <a:solidFill>
-                        <a:srgbClr val="000000"/>
-                      </a:solidFill>
-                      <a:prstDash val="solid"/>
-                      <a:round/>
-                      <a:headEnd type="none" w="med" len="med"/>
-                      <a:tailEnd type="none" w="med" len="med"/>
-                    </a:lnR>
-                    <a:lnB w="12700" cap="flat" cmpd="sng" algn="ctr">
-                      <a:solidFill>
-                        <a:srgbClr val="000000"/>
-                      </a:solidFill>
-                      <a:prstDash val="solid"/>
-                      <a:round/>
-                      <a:headEnd type="none" w="med" len="med"/>
-                      <a:tailEnd type="none" w="med" len="med"/>
-                    </a:lnB>
-                  </a:tcPr>
-                </a:tc>
-                <a:tc>
-                  <a:txBody>
-                    <a:bodyPr/>
-                    <a:lstStyle/>
-                    <a:p>
-                      <a:pPr algn="ctr"/>
-                      <a:r>
-                        <a:rPr lang="fr-FR" sz="1800" dirty="0" smtClean="0"/>
-                        <a:t>JEU</a:t>
-                      </a:r>
-                      <a:endParaRPr lang="fr-FR" dirty="0"/>
-                    </a:p>
-                  </a:txBody>
-                  <a:tcPr anchor="ctr">
-                    <a:lnL w="12700" cap="flat" cmpd="sng" algn="ctr">
-                      <a:solidFill>
-                        <a:srgbClr val="000000"/>
-                      </a:solidFill>
-                      <a:prstDash val="solid"/>
-                      <a:round/>
-                      <a:headEnd type="none" w="med" len="med"/>
-                      <a:tailEnd type="none" w="med" len="med"/>
-                    </a:lnL>
-                    <a:lnR w="12700" cap="flat" cmpd="sng" algn="ctr">
-                      <a:solidFill>
-                        <a:srgbClr val="000000"/>
-                      </a:solidFill>
-                      <a:prstDash val="solid"/>
-                      <a:round/>
-                      <a:headEnd type="none" w="med" len="med"/>
-                      <a:tailEnd type="none" w="med" len="med"/>
-                    </a:lnR>
-                    <a:lnB w="12700" cap="flat" cmpd="sng" algn="ctr">
-                      <a:solidFill>
-                        <a:srgbClr val="000000"/>
-                      </a:solidFill>
-                      <a:prstDash val="solid"/>
-                      <a:round/>
-                      <a:headEnd type="none" w="med" len="med"/>
-                      <a:tailEnd type="none" w="med" len="med"/>
-                    </a:lnB>
-                  </a:tcPr>
-                </a:tc>
-                <a:tc>
-                  <a:txBody>
-                    <a:bodyPr/>
-                    <a:lstStyle/>
-                    <a:p>
-                      <a:pPr algn="ctr"/>
-                      <a:r>
-                        <a:rPr lang="fr-FR" dirty="0" smtClean="0"/>
-                        <a:t>VEN</a:t>
-                      </a:r>
-                      <a:endParaRPr lang="fr-FR" dirty="0"/>
-                    </a:p>
-                  </a:txBody>
-                  <a:tcPr anchor="ctr">
-                    <a:lnL w="12700" cap="flat" cmpd="sng" algn="ctr">
-                      <a:solidFill>
-                        <a:srgbClr val="000000"/>
-                      </a:solidFill>
-                      <a:prstDash val="solid"/>
-                      <a:round/>
-                      <a:headEnd type="none" w="med" len="med"/>
-                      <a:tailEnd type="none" w="med" len="med"/>
-                    </a:lnL>
-                    <a:lnR w="12700" cap="flat" cmpd="sng" algn="ctr">
-                      <a:solidFill>
-                        <a:srgbClr val="000000"/>
-                      </a:solidFill>
-                      <a:prstDash val="solid"/>
-                      <a:round/>
-                      <a:headEnd type="none" w="med" len="med"/>
-                      <a:tailEnd type="none" w="med" len="med"/>
-                    </a:lnR>
-                    <a:lnB w="12700" cap="flat" cmpd="sng" algn="ctr">
-                      <a:solidFill>
-                        <a:srgbClr val="000000"/>
-                      </a:solidFill>
-                      <a:prstDash val="solid"/>
-                      <a:round/>
-                      <a:headEnd type="none" w="med" len="med"/>
-                      <a:tailEnd type="none" w="med" len="med"/>
-                    </a:lnB>
-                  </a:tcPr>
-                </a:tc>
-                <a:tc>
-                  <a:txBody>
-                    <a:bodyPr/>
-                    <a:lstStyle/>
-                    <a:p>
-                      <a:pPr algn="ctr"/>
-                      <a:r>
-                        <a:rPr lang="fr-FR" dirty="0" smtClean="0"/>
-                        <a:t>SAM</a:t>
-                      </a:r>
-                      <a:endParaRPr lang="fr-FR" dirty="0"/>
-                    </a:p>
-                  </a:txBody>
-                  <a:tcPr anchor="ctr">
-                    <a:lnL w="12700" cap="flat" cmpd="sng" algn="ctr">
-                      <a:solidFill>
-                        <a:srgbClr val="000000"/>
-                      </a:solidFill>
-                      <a:prstDash val="solid"/>
-                      <a:round/>
-                      <a:headEnd type="none" w="med" len="med"/>
-                      <a:tailEnd type="none" w="med" len="med"/>
-                    </a:lnL>
-                    <a:lnB w="12700" cap="flat" cmpd="sng" algn="ctr">
-                      <a:solidFill>
-                        <a:srgbClr val="000000"/>
-                      </a:solidFill>
-                      <a:prstDash val="solid"/>
-                      <a:round/>
-                      <a:headEnd type="none" w="med" len="med"/>
-                      <a:tailEnd type="none" w="med" len="med"/>
-                    </a:lnB>
-                  </a:tcPr>
-                </a:tc>
-              </a:tr>
-              <a:tr h="694166">
-                <a:tc>
-                  <a:txBody>
-                    <a:bodyPr/>
-                    <a:lstStyle/>
-                    <a:p>
-                      <a:r>
-                        <a:rPr lang="fr-FR" dirty="0" smtClean="0"/>
-                        <a:t>Matin</a:t>
-                      </a:r>
-                    </a:p>
-                    <a:p>
-                      <a:r>
-                        <a:rPr lang="fr-FR" dirty="0" smtClean="0"/>
-                        <a:t>(4H)</a:t>
-                      </a:r>
-                      <a:endParaRPr lang="fr-FR" dirty="0"/>
-                    </a:p>
-                  </a:txBody>
-                  <a:tcPr>
-                    <a:lnR w="12700" cap="flat" cmpd="sng" algn="ctr">
-                      <a:solidFill>
-                        <a:srgbClr val="000000"/>
-                      </a:solidFill>
-                      <a:prstDash val="solid"/>
-                      <a:round/>
-                      <a:headEnd type="none" w="med" len="med"/>
-                      <a:tailEnd type="none" w="med" len="med"/>
-                    </a:lnR>
-                    <a:lnT w="12700" cap="flat" cmpd="sng" algn="ctr">
-                      <a:solidFill>
-                        <a:srgbClr val="000000"/>
-                      </a:solidFill>
-                      <a:prstDash val="solid"/>
-                      <a:round/>
-                      <a:headEnd type="none" w="med" len="med"/>
-                      <a:tailEnd type="none" w="med" len="med"/>
-                    </a:lnT>
-                    <a:lnB w="12700" cap="flat" cmpd="sng" algn="ctr">
-                      <a:solidFill>
-                        <a:srgbClr val="000000"/>
-                      </a:solidFill>
-                      <a:prstDash val="solid"/>
-                      <a:round/>
-                      <a:headEnd type="none" w="med" len="med"/>
-                      <a:tailEnd type="none" w="med" len="med"/>
-                    </a:lnB>
-                  </a:tcPr>
-                </a:tc>
-                <a:tc>
-                  <a:txBody>
-                    <a:bodyPr/>
-                    <a:lstStyle/>
-                    <a:p>
-                      <a:pPr algn="ctr"/>
-                      <a:endParaRPr lang="fr-FR" sz="2400" dirty="0"/>
-                    </a:p>
-                  </a:txBody>
-                  <a:tcPr anchor="ctr">
-                    <a:lnL w="12700" cap="flat" cmpd="sng" algn="ctr">
-                      <a:solidFill>
-                        <a:srgbClr val="000000"/>
-                      </a:solidFill>
-                      <a:prstDash val="solid"/>
-                      <a:round/>
-                      <a:headEnd type="none" w="med" len="med"/>
-                      <a:tailEnd type="none" w="med" len="med"/>
-                    </a:lnL>
-                    <a:lnR w="12700" cap="flat" cmpd="sng" algn="ctr">
-                      <a:solidFill>
-                        <a:srgbClr val="000000"/>
-                      </a:solidFill>
-                      <a:prstDash val="solid"/>
-                      <a:round/>
-                      <a:headEnd type="none" w="med" len="med"/>
-                      <a:tailEnd type="none" w="med" len="med"/>
-                    </a:lnR>
-                    <a:lnT w="12700" cap="flat" cmpd="sng" algn="ctr">
-                      <a:solidFill>
-                        <a:srgbClr val="000000"/>
-                      </a:solidFill>
-                      <a:prstDash val="solid"/>
-                      <a:round/>
-                      <a:headEnd type="none" w="med" len="med"/>
-                      <a:tailEnd type="none" w="med" len="med"/>
-                    </a:lnT>
-                    <a:lnB w="12700" cap="flat" cmpd="sng" algn="ctr">
-                      <a:solidFill>
-                        <a:srgbClr val="000000"/>
-                      </a:solidFill>
-                      <a:prstDash val="solid"/>
-                      <a:round/>
-                      <a:headEnd type="none" w="med" len="med"/>
-                      <a:tailEnd type="none" w="med" len="med"/>
-                    </a:lnB>
-                  </a:tcPr>
-                </a:tc>
-                <a:tc>
-                  <a:txBody>
-                    <a:bodyPr/>
-                    <a:lstStyle/>
-                    <a:p>
-                      <a:pPr algn="ctr"/>
-                      <a:endParaRPr lang="fr-FR" sz="2400" dirty="0"/>
-                    </a:p>
-                  </a:txBody>
-                  <a:tcPr anchor="ctr">
-                    <a:lnL w="12700" cap="flat" cmpd="sng" algn="ctr">
-                      <a:solidFill>
-                        <a:srgbClr val="000000"/>
-                      </a:solidFill>
-                      <a:prstDash val="solid"/>
-                      <a:round/>
-                      <a:headEnd type="none" w="med" len="med"/>
-                      <a:tailEnd type="none" w="med" len="med"/>
-                    </a:lnL>
-                    <a:lnR w="12700" cap="flat" cmpd="sng" algn="ctr">
-                      <a:solidFill>
-                        <a:srgbClr val="000000"/>
-                      </a:solidFill>
-                      <a:prstDash val="solid"/>
-                      <a:round/>
-                      <a:headEnd type="none" w="med" len="med"/>
-                      <a:tailEnd type="none" w="med" len="med"/>
-                    </a:lnR>
-                    <a:lnT w="12700" cap="flat" cmpd="sng" algn="ctr">
-                      <a:solidFill>
-                        <a:srgbClr val="000000"/>
-                      </a:solidFill>
-                      <a:prstDash val="solid"/>
-                      <a:round/>
-                      <a:headEnd type="none" w="med" len="med"/>
-                      <a:tailEnd type="none" w="med" len="med"/>
-                    </a:lnT>
-                    <a:lnB w="12700" cap="flat" cmpd="sng" algn="ctr">
-                      <a:solidFill>
-                        <a:srgbClr val="000000"/>
-                      </a:solidFill>
-                      <a:prstDash val="solid"/>
-                      <a:round/>
-                      <a:headEnd type="none" w="med" len="med"/>
-                      <a:tailEnd type="none" w="med" len="med"/>
-                    </a:lnB>
-                  </a:tcPr>
-                </a:tc>
-                <a:tc>
-                  <a:txBody>
-                    <a:bodyPr/>
-                    <a:lstStyle/>
-                    <a:p>
-                      <a:pPr algn="ctr"/>
-                      <a:endParaRPr lang="fr-FR" sz="2400" dirty="0"/>
-                    </a:p>
-                  </a:txBody>
-                  <a:tcPr anchor="ctr">
-                    <a:lnL w="12700" cap="flat" cmpd="sng" algn="ctr">
-                      <a:solidFill>
-                        <a:srgbClr val="000000"/>
-                      </a:solidFill>
-                      <a:prstDash val="solid"/>
-                      <a:round/>
-                      <a:headEnd type="none" w="med" len="med"/>
-                      <a:tailEnd type="none" w="med" len="med"/>
-                    </a:lnL>
-                    <a:lnR w="12700" cap="flat" cmpd="sng" algn="ctr">
-                      <a:solidFill>
-                        <a:srgbClr val="000000"/>
-                      </a:solidFill>
-                      <a:prstDash val="solid"/>
-                      <a:round/>
-                      <a:headEnd type="none" w="med" len="med"/>
-                      <a:tailEnd type="none" w="med" len="med"/>
-                    </a:lnR>
-                    <a:lnT w="12700" cap="flat" cmpd="sng" algn="ctr">
-                      <a:solidFill>
-                        <a:srgbClr val="000000"/>
-                      </a:solidFill>
-                      <a:prstDash val="solid"/>
-                      <a:round/>
-                      <a:headEnd type="none" w="med" len="med"/>
-                      <a:tailEnd type="none" w="med" len="med"/>
-                    </a:lnT>
-                    <a:lnB w="12700" cap="flat" cmpd="sng" algn="ctr">
-                      <a:solidFill>
-                        <a:srgbClr val="000000"/>
-                      </a:solidFill>
-                      <a:prstDash val="solid"/>
-                      <a:round/>
-                      <a:headEnd type="none" w="med" len="med"/>
-                      <a:tailEnd type="none" w="med" len="med"/>
-                    </a:lnB>
-                  </a:tcPr>
-                </a:tc>
-                <a:tc>
-                  <a:txBody>
-                    <a:bodyPr/>
-                    <a:lstStyle/>
-                    <a:p>
-                      <a:pPr algn="ctr"/>
-                      <a:endParaRPr lang="fr-FR" sz="2400" dirty="0"/>
-                    </a:p>
-                  </a:txBody>
-                  <a:tcPr anchor="ctr">
-                    <a:lnL w="12700" cap="flat" cmpd="sng" algn="ctr">
-                      <a:solidFill>
-                        <a:srgbClr val="000000"/>
-                      </a:solidFill>
-                      <a:prstDash val="solid"/>
-                      <a:round/>
-                      <a:headEnd type="none" w="med" len="med"/>
-                      <a:tailEnd type="none" w="med" len="med"/>
-                    </a:lnL>
-                    <a:lnR w="12700" cap="flat" cmpd="sng" algn="ctr">
-                      <a:solidFill>
-                        <a:srgbClr val="000000"/>
-                      </a:solidFill>
-                      <a:prstDash val="solid"/>
-                      <a:round/>
-                      <a:headEnd type="none" w="med" len="med"/>
-                      <a:tailEnd type="none" w="med" len="med"/>
-                    </a:lnR>
-                    <a:lnT w="12700" cap="flat" cmpd="sng" algn="ctr">
-                      <a:solidFill>
-                        <a:srgbClr val="000000"/>
-                      </a:solidFill>
-                      <a:prstDash val="solid"/>
-                      <a:round/>
-                      <a:headEnd type="none" w="med" len="med"/>
-                      <a:tailEnd type="none" w="med" len="med"/>
-                    </a:lnT>
-                    <a:lnB w="12700" cap="flat" cmpd="sng" algn="ctr">
-                      <a:solidFill>
-                        <a:srgbClr val="000000"/>
-                      </a:solidFill>
-                      <a:prstDash val="solid"/>
-                      <a:round/>
-                      <a:headEnd type="none" w="med" len="med"/>
-                      <a:tailEnd type="none" w="med" len="med"/>
-                    </a:lnB>
-                  </a:tcPr>
-                </a:tc>
-                <a:tc>
-                  <a:txBody>
-                    <a:bodyPr/>
-                    <a:lstStyle/>
-                    <a:p>
-                      <a:pPr algn="ctr"/>
-                      <a:endParaRPr lang="fr-FR" sz="2400" dirty="0"/>
-                    </a:p>
-                  </a:txBody>
-                  <a:tcPr anchor="ctr">
-                    <a:lnL w="12700" cap="flat" cmpd="sng" algn="ctr">
-                      <a:solidFill>
-                        <a:srgbClr val="000000"/>
-                      </a:solidFill>
-                      <a:prstDash val="solid"/>
-                      <a:round/>
-                      <a:headEnd type="none" w="med" len="med"/>
-                      <a:tailEnd type="none" w="med" len="med"/>
-                    </a:lnL>
-                    <a:lnR w="12700" cap="flat" cmpd="sng" algn="ctr">
-                      <a:solidFill>
-                        <a:srgbClr val="000000"/>
-                      </a:solidFill>
-                      <a:prstDash val="solid"/>
-                      <a:round/>
-                      <a:headEnd type="none" w="med" len="med"/>
-                      <a:tailEnd type="none" w="med" len="med"/>
-                    </a:lnR>
-                    <a:lnT w="12700" cap="flat" cmpd="sng" algn="ctr">
-                      <a:solidFill>
-                        <a:srgbClr val="000000"/>
-                      </a:solidFill>
-                      <a:prstDash val="solid"/>
-                      <a:round/>
-                      <a:headEnd type="none" w="med" len="med"/>
-                      <a:tailEnd type="none" w="med" len="med"/>
-                    </a:lnT>
-                    <a:lnB w="12700" cap="flat" cmpd="sng" algn="ctr">
-                      <a:solidFill>
-                        <a:srgbClr val="000000"/>
-                      </a:solidFill>
-                      <a:prstDash val="solid"/>
-                      <a:round/>
-                      <a:headEnd type="none" w="med" len="med"/>
-                      <a:tailEnd type="none" w="med" len="med"/>
-                    </a:lnB>
-                  </a:tcPr>
-                </a:tc>
-                <a:tc>
-                  <a:txBody>
-                    <a:bodyPr/>
-                    <a:lstStyle/>
-                    <a:p>
-                      <a:pPr algn="ctr"/>
-                      <a:endParaRPr lang="fr-FR" sz="2400" dirty="0"/>
-                    </a:p>
-                  </a:txBody>
-                  <a:tcPr anchor="ctr">
-                    <a:lnL w="12700" cap="flat" cmpd="sng" algn="ctr">
-                      <a:solidFill>
-                        <a:srgbClr val="000000"/>
-                      </a:solidFill>
-                      <a:prstDash val="solid"/>
-                      <a:round/>
-                      <a:headEnd type="none" w="med" len="med"/>
-                      <a:tailEnd type="none" w="med" len="med"/>
-                    </a:lnL>
-                    <a:lnT w="12700" cap="flat" cmpd="sng" algn="ctr">
-                      <a:solidFill>
-                        <a:srgbClr val="000000"/>
-                      </a:solidFill>
-                      <a:prstDash val="solid"/>
-                      <a:round/>
-                      <a:headEnd type="none" w="med" len="med"/>
-                      <a:tailEnd type="none" w="med" len="med"/>
-                    </a:lnT>
-                    <a:lnB w="12700" cap="flat" cmpd="sng" algn="ctr">
-                      <a:solidFill>
-                        <a:srgbClr val="000000"/>
-                      </a:solidFill>
-                      <a:prstDash val="solid"/>
-                      <a:round/>
-                      <a:headEnd type="none" w="med" len="med"/>
-                      <a:tailEnd type="none" w="med" len="med"/>
-                    </a:lnB>
-                  </a:tcPr>
-                </a:tc>
-              </a:tr>
-              <a:tr h="766432">
-                <a:tc>
-                  <a:txBody>
-                    <a:bodyPr/>
-                    <a:lstStyle/>
-                    <a:p>
-                      <a:r>
-                        <a:rPr lang="fr-FR" dirty="0" smtClean="0"/>
-                        <a:t>Après-midi</a:t>
-                      </a:r>
-                    </a:p>
-                    <a:p>
-                      <a:r>
-                        <a:rPr lang="fr-FR" dirty="0" smtClean="0"/>
-                        <a:t>(4H)</a:t>
-                      </a:r>
-                      <a:endParaRPr lang="fr-FR" dirty="0"/>
-                    </a:p>
-                  </a:txBody>
-                  <a:tcPr>
-                    <a:lnR w="12700" cap="flat" cmpd="sng" algn="ctr">
-                      <a:solidFill>
-                        <a:srgbClr val="000000"/>
-                      </a:solidFill>
-                      <a:prstDash val="solid"/>
-                      <a:round/>
-                      <a:headEnd type="none" w="med" len="med"/>
-                      <a:tailEnd type="none" w="med" len="med"/>
-                    </a:lnR>
-                    <a:lnT w="12700" cap="flat" cmpd="sng" algn="ctr">
-                      <a:solidFill>
-                        <a:srgbClr val="000000"/>
-                      </a:solidFill>
-                      <a:prstDash val="solid"/>
-                      <a:round/>
-                      <a:headEnd type="none" w="med" len="med"/>
-                      <a:tailEnd type="none" w="med" len="med"/>
-                    </a:lnT>
-                  </a:tcPr>
-                </a:tc>
-                <a:tc>
-                  <a:txBody>
-                    <a:bodyPr/>
-                    <a:lstStyle/>
-                    <a:p>
-                      <a:pPr algn="ctr"/>
-                      <a:endParaRPr lang="fr-FR" sz="2400" dirty="0"/>
-                    </a:p>
-                  </a:txBody>
-                  <a:tcPr anchor="ctr">
-                    <a:lnL w="12700" cap="flat" cmpd="sng" algn="ctr">
-                      <a:solidFill>
-                        <a:srgbClr val="000000"/>
-                      </a:solidFill>
-                      <a:prstDash val="solid"/>
-                      <a:round/>
-                      <a:headEnd type="none" w="med" len="med"/>
-                      <a:tailEnd type="none" w="med" len="med"/>
-                    </a:lnL>
-                    <a:lnR w="12700" cap="flat" cmpd="sng" algn="ctr">
-                      <a:solidFill>
-                        <a:srgbClr val="000000"/>
-                      </a:solidFill>
-                      <a:prstDash val="solid"/>
-                      <a:round/>
-                      <a:headEnd type="none" w="med" len="med"/>
-                      <a:tailEnd type="none" w="med" len="med"/>
-                    </a:lnR>
-                    <a:lnT w="12700" cap="flat" cmpd="sng" algn="ctr">
-                      <a:solidFill>
-                        <a:srgbClr val="000000"/>
-                      </a:solidFill>
-                      <a:prstDash val="solid"/>
-                      <a:round/>
-                      <a:headEnd type="none" w="med" len="med"/>
-                      <a:tailEnd type="none" w="med" len="med"/>
-                    </a:lnT>
-                  </a:tcPr>
-                </a:tc>
-                <a:tc>
-                  <a:txBody>
-                    <a:bodyPr/>
-                    <a:lstStyle/>
-                    <a:p>
-                      <a:pPr algn="ctr"/>
-                      <a:endParaRPr lang="fr-FR" sz="2400" dirty="0"/>
-                    </a:p>
-                  </a:txBody>
-                  <a:tcPr anchor="ctr">
-                    <a:lnL w="12700" cap="flat" cmpd="sng" algn="ctr">
-                      <a:solidFill>
-                        <a:srgbClr val="000000"/>
-                      </a:solidFill>
-                      <a:prstDash val="solid"/>
-                      <a:round/>
-                      <a:headEnd type="none" w="med" len="med"/>
-                      <a:tailEnd type="none" w="med" len="med"/>
-                    </a:lnL>
-                    <a:lnR w="12700" cap="flat" cmpd="sng" algn="ctr">
-                      <a:solidFill>
-                        <a:srgbClr val="000000"/>
-                      </a:solidFill>
-                      <a:prstDash val="solid"/>
-                      <a:round/>
-                      <a:headEnd type="none" w="med" len="med"/>
-                      <a:tailEnd type="none" w="med" len="med"/>
-                    </a:lnR>
-                    <a:lnT w="12700" cap="flat" cmpd="sng" algn="ctr">
-                      <a:solidFill>
-                        <a:srgbClr val="000000"/>
-                      </a:solidFill>
-                      <a:prstDash val="solid"/>
-                      <a:round/>
-                      <a:headEnd type="none" w="med" len="med"/>
-                      <a:tailEnd type="none" w="med" len="med"/>
-                    </a:lnT>
-                  </a:tcPr>
-                </a:tc>
-                <a:tc>
-                  <a:txBody>
-                    <a:bodyPr/>
-                    <a:lstStyle/>
-                    <a:p>
-                      <a:pPr algn="ctr"/>
-                      <a:endParaRPr lang="fr-FR" sz="2400" dirty="0"/>
-                    </a:p>
-                  </a:txBody>
-                  <a:tcPr anchor="ctr">
-                    <a:lnL w="12700" cap="flat" cmpd="sng" algn="ctr">
-                      <a:solidFill>
-                        <a:srgbClr val="000000"/>
-                      </a:solidFill>
-                      <a:prstDash val="solid"/>
-                      <a:round/>
-                      <a:headEnd type="none" w="med" len="med"/>
-                      <a:tailEnd type="none" w="med" len="med"/>
-                    </a:lnL>
-                    <a:lnR w="12700" cap="flat" cmpd="sng" algn="ctr">
-                      <a:solidFill>
-                        <a:srgbClr val="000000"/>
-                      </a:solidFill>
-                      <a:prstDash val="solid"/>
-                      <a:round/>
-                      <a:headEnd type="none" w="med" len="med"/>
-                      <a:tailEnd type="none" w="med" len="med"/>
-                    </a:lnR>
-                    <a:lnT w="12700" cap="flat" cmpd="sng" algn="ctr">
-                      <a:solidFill>
-                        <a:srgbClr val="000000"/>
-                      </a:solidFill>
-                      <a:prstDash val="solid"/>
-                      <a:round/>
-                      <a:headEnd type="none" w="med" len="med"/>
-                      <a:tailEnd type="none" w="med" len="med"/>
-                    </a:lnT>
-                  </a:tcPr>
-                </a:tc>
-                <a:tc>
-                  <a:txBody>
-                    <a:bodyPr/>
-                    <a:lstStyle/>
-                    <a:p>
-                      <a:pPr algn="ctr"/>
-                      <a:endParaRPr lang="fr-FR" sz="2400" dirty="0"/>
-                    </a:p>
-                  </a:txBody>
-                  <a:tcPr anchor="ctr">
-                    <a:lnL w="12700" cap="flat" cmpd="sng" algn="ctr">
-                      <a:solidFill>
-                        <a:srgbClr val="000000"/>
-                      </a:solidFill>
-                      <a:prstDash val="solid"/>
-                      <a:round/>
-                      <a:headEnd type="none" w="med" len="med"/>
-                      <a:tailEnd type="none" w="med" len="med"/>
-                    </a:lnL>
-                    <a:lnR w="12700" cap="flat" cmpd="sng" algn="ctr">
-                      <a:solidFill>
-                        <a:srgbClr val="000000"/>
-                      </a:solidFill>
-                      <a:prstDash val="solid"/>
-                      <a:round/>
-                      <a:headEnd type="none" w="med" len="med"/>
-                      <a:tailEnd type="none" w="med" len="med"/>
-                    </a:lnR>
-                    <a:lnT w="12700" cap="flat" cmpd="sng" algn="ctr">
-                      <a:solidFill>
-                        <a:srgbClr val="000000"/>
-                      </a:solidFill>
-                      <a:prstDash val="solid"/>
-                      <a:round/>
-                      <a:headEnd type="none" w="med" len="med"/>
-                      <a:tailEnd type="none" w="med" len="med"/>
-                    </a:lnT>
-                  </a:tcPr>
-                </a:tc>
-                <a:tc>
-                  <a:txBody>
-                    <a:bodyPr/>
-                    <a:lstStyle/>
-                    <a:p>
-                      <a:pPr algn="ctr"/>
-                      <a:endParaRPr lang="fr-FR" sz="2400" dirty="0"/>
-                    </a:p>
-                  </a:txBody>
-                  <a:tcPr anchor="ctr">
-                    <a:lnL w="12700" cap="flat" cmpd="sng" algn="ctr">
-                      <a:solidFill>
-                        <a:srgbClr val="000000"/>
-                      </a:solidFill>
-                      <a:prstDash val="solid"/>
-                      <a:round/>
-                      <a:headEnd type="none" w="med" len="med"/>
-                      <a:tailEnd type="none" w="med" len="med"/>
-                    </a:lnL>
-                    <a:lnR w="12700" cap="flat" cmpd="sng" algn="ctr">
-                      <a:solidFill>
-                        <a:srgbClr val="000000"/>
-                      </a:solidFill>
-                      <a:prstDash val="solid"/>
-                      <a:round/>
-                      <a:headEnd type="none" w="med" len="med"/>
-                      <a:tailEnd type="none" w="med" len="med"/>
-                    </a:lnR>
-                    <a:lnT w="12700" cap="flat" cmpd="sng" algn="ctr">
-                      <a:solidFill>
-                        <a:srgbClr val="000000"/>
-                      </a:solidFill>
-                      <a:prstDash val="solid"/>
-                      <a:round/>
-                      <a:headEnd type="none" w="med" len="med"/>
-                      <a:tailEnd type="none" w="med" len="med"/>
-                    </a:lnT>
-                  </a:tcPr>
-                </a:tc>
-                <a:tc>
-                  <a:txBody>
-                    <a:bodyPr/>
-                    <a:lstStyle/>
-                    <a:p>
-                      <a:pPr algn="ctr"/>
-                      <a:endParaRPr lang="fr-FR" sz="2400" dirty="0"/>
-                    </a:p>
-                  </a:txBody>
-                  <a:tcPr anchor="ctr">
-                    <a:lnL w="12700" cap="flat" cmpd="sng" algn="ctr">
-                      <a:solidFill>
-                        <a:srgbClr val="000000"/>
-                      </a:solidFill>
-                      <a:prstDash val="solid"/>
-                      <a:round/>
-                      <a:headEnd type="none" w="med" len="med"/>
-                      <a:tailEnd type="none" w="med" len="med"/>
-                    </a:lnL>
-                    <a:lnT w="12700" cap="flat" cmpd="sng" algn="ctr">
-                      <a:solidFill>
-                        <a:srgbClr val="000000"/>
-                      </a:solidFill>
-                      <a:prstDash val="solid"/>
-                      <a:round/>
-                      <a:headEnd type="none" w="med" len="med"/>
-                      <a:tailEnd type="none" w="med" len="med"/>
-                    </a:lnT>
-                  </a:tcPr>
-                </a:tc>
-              </a:tr>
-            </a:tbl>
-          </a:graphicData>
-        </a:graphic>
-      </p:graphicFrame>
-      <p:cxnSp>
-        <p:nvCxnSpPr>
-          <p:cNvPr id="15" name="Connecteur droit avec flèche 14"/>
-          <p:cNvCxnSpPr/>
+      <p:sp>
+        <p:nvSpPr>
+          <p:cNvPr id="13" name="ZoneTexte 12"/>
+          <p:cNvSpPr txBox="1"/>
           <p:nvPr/>
-        </p:nvCxnSpPr>
+        </p:nvSpPr>
         <p:spPr>
           <a:xfrm>
-            <a:off x="2064093" y="3043008"/>
-            <a:ext cx="1878320" cy="1706206"/>
+            <a:off x="8496321" y="6366034"/>
+            <a:ext cx="647679" cy="338554"/>
           </a:xfrm>
-          <a:prstGeom prst="straightConnector1">
+          <a:prstGeom prst="rect">
             <a:avLst/>
           </a:prstGeom>
-          <a:ln>
-            <a:solidFill>
-              <a:schemeClr val="bg2">
-                <a:lumMod val="50000"/>
-              </a:schemeClr>
-            </a:solidFill>
-            <a:tailEnd type="arrow"/>
-          </a:ln>
+          <a:noFill/>
+        </p:spPr>
+        <p:txBody>
+          <a:bodyPr wrap="square" rtlCol="0">
+            <a:spAutoFit/>
+          </a:bodyPr>
+          <a:lstStyle/>
+          <a:p>
+            <a:r>
+              <a:rPr lang="fr-FR" sz="1600" dirty="0">
+                <a:solidFill>
+                  <a:schemeClr val="tx1">
+                    <a:lumMod val="50000"/>
+                    <a:lumOff val="50000"/>
+                  </a:schemeClr>
+                </a:solidFill>
+              </a:rPr>
+              <a:t>4</a:t>
+            </a:r>
+            <a:r>
+              <a:rPr lang="fr-FR" sz="1600" dirty="0" smtClean="0">
+                <a:solidFill>
+                  <a:schemeClr val="tx1">
+                    <a:lumMod val="50000"/>
+                    <a:lumOff val="50000"/>
+                  </a:schemeClr>
+                </a:solidFill>
+              </a:rPr>
+              <a:t>/9</a:t>
+            </a:r>
+            <a:endParaRPr lang="fr-FR" dirty="0">
+              <a:solidFill>
+                <a:schemeClr val="tx1">
+                  <a:lumMod val="50000"/>
+                  <a:lumOff val="50000"/>
+                </a:schemeClr>
+              </a:solidFill>
+            </a:endParaRPr>
+          </a:p>
+        </p:txBody>
+      </p:sp>
+      <p:sp>
+        <p:nvSpPr>
+          <p:cNvPr id="18" name="Multiplication 10"/>
+          <p:cNvSpPr/>
+          <p:nvPr/>
+        </p:nvSpPr>
+        <p:spPr>
+          <a:xfrm>
+            <a:off x="8258463" y="5273863"/>
+            <a:ext cx="561697" cy="512339"/>
+          </a:xfrm>
+          <a:prstGeom prst="mathMultiply">
+            <a:avLst/>
+          </a:prstGeom>
         </p:spPr>
         <p:style>
-          <a:lnRef idx="2">
-            <a:schemeClr val="accent1"/>
+          <a:lnRef idx="1">
+            <a:schemeClr val="dk1"/>
           </a:lnRef>
-          <a:fillRef idx="0">
-            <a:schemeClr val="accent1"/>
+          <a:fillRef idx="3">
+            <a:schemeClr val="dk1"/>
           </a:fillRef>
-          <a:effectRef idx="1">
-            <a:schemeClr val="accent1"/>
+          <a:effectRef idx="2">
+            <a:schemeClr val="dk1"/>
           </a:effectRef>
           <a:fontRef idx="minor">
-            <a:schemeClr val="tx1"/>
+            <a:schemeClr val="lt1"/>
           </a:fontRef>
         </p:style>
-      </p:cxnSp>
+        <p:txBody>
+          <a:bodyPr rtlCol="0" anchor="ctr"/>
+          <a:lstStyle/>
+          <a:p>
+            <a:pPr algn="ctr"/>
+            <a:endParaRPr lang="fr-FR"/>
+          </a:p>
+        </p:txBody>
+      </p:sp>
     </p:spTree>
     <p:extLst>
       <p:ext uri="{BB962C8B-B14F-4D97-AF65-F5344CB8AC3E}">
@@ -7700,110 +8130,7 @@
   <p:timing>
     <p:tnLst>
       <p:par>
-        <p:cTn id="1" dur="indefinite" restart="never" nodeType="tmRoot">
-          <p:childTnLst>
-            <p:seq concurrent="1" nextAc="seek">
-              <p:cTn id="2" dur="indefinite" nodeType="mainSeq">
-                <p:childTnLst>
-                  <p:par>
-                    <p:cTn id="3" fill="hold">
-                      <p:stCondLst>
-                        <p:cond delay="indefinite"/>
-                      </p:stCondLst>
-                      <p:childTnLst>
-                        <p:par>
-                          <p:cTn id="4" fill="hold">
-                            <p:stCondLst>
-                              <p:cond delay="0"/>
-                            </p:stCondLst>
-                            <p:childTnLst>
-                              <p:par>
-                                <p:cTn id="5" presetID="1" presetClass="entr" presetSubtype="0" fill="hold" nodeType="clickEffect">
-                                  <p:stCondLst>
-                                    <p:cond delay="0"/>
-                                  </p:stCondLst>
-                                  <p:childTnLst>
-                                    <p:set>
-                                      <p:cBhvr>
-                                        <p:cTn id="6" dur="1" fill="hold">
-                                          <p:stCondLst>
-                                            <p:cond delay="0"/>
-                                          </p:stCondLst>
-                                        </p:cTn>
-                                        <p:tgtEl>
-                                          <p:spTgt spid="11"/>
-                                        </p:tgtEl>
-                                        <p:attrNameLst>
-                                          <p:attrName>style.visibility</p:attrName>
-                                        </p:attrNameLst>
-                                      </p:cBhvr>
-                                      <p:to>
-                                        <p:strVal val="visible"/>
-                                      </p:to>
-                                    </p:set>
-                                  </p:childTnLst>
-                                </p:cTn>
-                              </p:par>
-                              <p:par>
-                                <p:cTn id="7" presetID="22" presetClass="entr" presetSubtype="1" fill="hold" nodeType="withEffect">
-                                  <p:stCondLst>
-                                    <p:cond delay="0"/>
-                                  </p:stCondLst>
-                                  <p:childTnLst>
-                                    <p:set>
-                                      <p:cBhvr>
-                                        <p:cTn id="8" dur="1" fill="hold">
-                                          <p:stCondLst>
-                                            <p:cond delay="0"/>
-                                          </p:stCondLst>
-                                        </p:cTn>
-                                        <p:tgtEl>
-                                          <p:spTgt spid="15"/>
-                                        </p:tgtEl>
-                                        <p:attrNameLst>
-                                          <p:attrName>style.visibility</p:attrName>
-                                        </p:attrNameLst>
-                                      </p:cBhvr>
-                                      <p:to>
-                                        <p:strVal val="visible"/>
-                                      </p:to>
-                                    </p:set>
-                                    <p:animEffect transition="in" filter="wipe(up)">
-                                      <p:cBhvr>
-                                        <p:cTn id="9" dur="250"/>
-                                        <p:tgtEl>
-                                          <p:spTgt spid="15"/>
-                                        </p:tgtEl>
-                                      </p:cBhvr>
-                                    </p:animEffect>
-                                  </p:childTnLst>
-                                </p:cTn>
-                              </p:par>
-                            </p:childTnLst>
-                          </p:cTn>
-                        </p:par>
-                      </p:childTnLst>
-                    </p:cTn>
-                  </p:par>
-                </p:childTnLst>
-              </p:cTn>
-              <p:prevCondLst>
-                <p:cond evt="onPrev" delay="0">
-                  <p:tgtEl>
-                    <p:sldTgt/>
-                  </p:tgtEl>
-                </p:cond>
-              </p:prevCondLst>
-              <p:nextCondLst>
-                <p:cond evt="onNext" delay="0">
-                  <p:tgtEl>
-                    <p:sldTgt/>
-                  </p:tgtEl>
-                </p:cond>
-              </p:nextCondLst>
-            </p:seq>
-          </p:childTnLst>
-        </p:cTn>
+        <p:cTn xmlns:p14="http://schemas.microsoft.com/office/powerpoint/2010/main" id="1" dur="indefinite" restart="never" nodeType="tmRoot"/>
       </p:par>
     </p:tnLst>
   </p:timing>
@@ -9194,14 +9521,9 @@
           <a:lstStyle/>
           <a:p>
             <a:r>
-              <a:rPr lang="fr-FR" dirty="0" smtClean="0"/>
-              <a:t>MISE EN FORME DES </a:t>
-            </a:r>
-            <a:r>
-              <a:rPr lang="fr-FR" dirty="0" smtClean="0"/>
-              <a:t>DONNÉES</a:t>
-            </a:r>
-            <a:endParaRPr lang="fr-FR" dirty="0"/>
+              <a:rPr lang="fr-FR" dirty="0"/>
+              <a:t>MODÉLISATION DES DONNÉES</a:t>
+            </a:r>
           </a:p>
         </p:txBody>
       </p:sp>
@@ -9227,7 +9549,13 @@
           <a:p>
             <a:pPr algn="ctr"/>
             <a:r>
-              <a:rPr lang="en-US" sz="1600" dirty="0" smtClean="0"/>
+              <a:rPr lang="en-US" sz="1600" b="0" dirty="0" smtClean="0">
+                <a:solidFill>
+                  <a:schemeClr val="bg1">
+                    <a:lumMod val="75000"/>
+                  </a:schemeClr>
+                </a:solidFill>
+              </a:rPr>
               <a:t>COUDRAY</a:t>
             </a:r>
             <a:r>
@@ -9261,19 +9589,70 @@
               <a:t> - </a:t>
             </a:r>
             <a:r>
-              <a:rPr lang="en-US" sz="1600" b="0" dirty="0" smtClean="0">
+              <a:rPr lang="en-US" sz="1600" dirty="0" smtClean="0">
                 <a:solidFill>
-                  <a:schemeClr val="bg1">
-                    <a:lumMod val="75000"/>
+                  <a:srgbClr val="7F7F7F"/>
+                </a:solidFill>
+              </a:rPr>
+              <a:t>TRAN</a:t>
+            </a:r>
+            <a:endParaRPr lang="en-US" sz="1600" dirty="0">
+              <a:solidFill>
+                <a:srgbClr val="7F7F7F"/>
+              </a:solidFill>
+            </a:endParaRPr>
+          </a:p>
+        </p:txBody>
+      </p:sp>
+      <p:sp>
+        <p:nvSpPr>
+          <p:cNvPr id="26" name="ZoneTexte 25"/>
+          <p:cNvSpPr txBox="1"/>
+          <p:nvPr/>
+        </p:nvSpPr>
+        <p:spPr>
+          <a:xfrm>
+            <a:off x="8496321" y="6366034"/>
+            <a:ext cx="647679" cy="338554"/>
+          </a:xfrm>
+          <a:prstGeom prst="rect">
+            <a:avLst/>
+          </a:prstGeom>
+          <a:noFill/>
+        </p:spPr>
+        <p:txBody>
+          <a:bodyPr wrap="square" rtlCol="0">
+            <a:spAutoFit/>
+          </a:bodyPr>
+          <a:lstStyle/>
+          <a:p>
+            <a:r>
+              <a:rPr lang="fr-FR" sz="1600" dirty="0">
+                <a:solidFill>
+                  <a:schemeClr val="tx1">
+                    <a:lumMod val="50000"/>
+                    <a:lumOff val="50000"/>
                   </a:schemeClr>
                 </a:solidFill>
               </a:rPr>
-              <a:t>TRAN</a:t>
-            </a:r>
-            <a:endParaRPr lang="en-US" sz="1600" b="0" dirty="0">
+              <a:t>5</a:t>
+            </a:r>
+            <a:r>
+              <a:rPr lang="fr-FR" sz="1600" dirty="0" smtClean="0">
+                <a:solidFill>
+                  <a:schemeClr val="tx1">
+                    <a:lumMod val="50000"/>
+                    <a:lumOff val="50000"/>
+                  </a:schemeClr>
+                </a:solidFill>
+              </a:rPr>
+              <a:t>/9</a:t>
+            </a:r>
+            <a:endParaRPr lang="fr-FR" dirty="0">
               <a:solidFill>
-                <a:schemeClr val="bg1">
-                  <a:lumMod val="75000"/>
+                <a:schemeClr val="tx1">
+                  <a:lumMod val="50000"/>
+                  <a:lumOff val="50000"/>
                 </a:schemeClr>
               </a:solidFill>
             </a:endParaRPr>
@@ -9293,7 +9672,7 @@
   <p:timing>
     <p:tnLst>
       <p:par>
-        <p:cTn id="1" dur="indefinite" restart="never" nodeType="tmRoot">
+        <p:cTn xmlns:p14="http://schemas.microsoft.com/office/powerpoint/2010/main" id="1" dur="indefinite" restart="never" nodeType="tmRoot">
           <p:childTnLst>
             <p:seq concurrent="1" nextAc="seek">
               <p:cTn id="2" dur="indefinite" nodeType="mainSeq">
@@ -9752,30 +10131,75 @@
             <p:ph type="title"/>
           </p:nvPr>
         </p:nvSpPr>
+        <p:spPr>
+          <a:xfrm>
+            <a:off x="224852" y="345141"/>
+            <a:ext cx="8709286" cy="1603580"/>
+          </a:xfrm>
+        </p:spPr>
+        <p:txBody>
+          <a:bodyPr/>
+          <a:lstStyle/>
+          <a:p>
+            <a:r>
+              <a:rPr lang="fr-FR" dirty="0" smtClean="0"/>
+              <a:t>ÉBAUCHE D’UNE MÉTHODE DE RÉSOLUTION</a:t>
+            </a:r>
+            <a:endParaRPr lang="fr-FR" dirty="0"/>
+          </a:p>
+        </p:txBody>
+      </p:sp>
+      <p:sp>
+        <p:nvSpPr>
+          <p:cNvPr id="3" name="Espace réservé du contenu 2"/>
+          <p:cNvSpPr>
+            <a:spLocks noGrp="1"/>
+          </p:cNvSpPr>
+          <p:nvPr>
+            <p:ph idx="1"/>
+          </p:nvPr>
+        </p:nvSpPr>
         <p:spPr/>
         <p:txBody>
-          <a:bodyPr/>
-          <a:lstStyle/>
-          <a:p>
-            <a:r>
-              <a:rPr lang="fr-FR" dirty="0"/>
-              <a:t>É</a:t>
-            </a:r>
-            <a:r>
-              <a:rPr lang="fr-FR" dirty="0" smtClean="0"/>
-              <a:t>TAPES </a:t>
-            </a:r>
-            <a:r>
-              <a:rPr lang="fr-FR" dirty="0" smtClean="0"/>
-              <a:t>DE CONCEPTION</a:t>
-            </a:r>
-            <a:endParaRPr lang="fr-FR" dirty="0"/>
-          </a:p>
-        </p:txBody>
-      </p:sp>
-      <p:sp>
-        <p:nvSpPr>
-          <p:cNvPr id="7" name="Espace réservé du pied de page 3"/>
+          <a:bodyPr>
+            <a:normAutofit/>
+          </a:bodyPr>
+          <a:lstStyle/>
+          <a:p>
+            <a:pPr>
+              <a:buFont typeface="Wingdings" panose="05000000000000000000" pitchFamily="2" charset="2"/>
+              <a:buChar char="§"/>
+            </a:pPr>
+            <a:r>
+              <a:rPr lang="fr-FR" sz="3200" dirty="0" smtClean="0"/>
+              <a:t>Problème complexe</a:t>
+            </a:r>
+          </a:p>
+          <a:p>
+            <a:pPr>
+              <a:buFont typeface="Wingdings" panose="05000000000000000000" pitchFamily="2" charset="2"/>
+              <a:buChar char="§"/>
+            </a:pPr>
+            <a:r>
+              <a:rPr lang="fr-FR" sz="3200" dirty="0" smtClean="0"/>
+              <a:t>Réduction du nombre de contraintes</a:t>
+            </a:r>
+          </a:p>
+          <a:p>
+            <a:pPr>
+              <a:buFont typeface="Wingdings" panose="05000000000000000000" pitchFamily="2" charset="2"/>
+              <a:buChar char="§"/>
+            </a:pPr>
+            <a:r>
+              <a:rPr lang="fr-FR" sz="3200" dirty="0" smtClean="0"/>
+              <a:t>Ajout de contraintes au fur et à mesure de l’avancée</a:t>
+            </a:r>
+          </a:p>
+        </p:txBody>
+      </p:sp>
+      <p:sp>
+        <p:nvSpPr>
+          <p:cNvPr id="6" name="Espace réservé du pied de page 3"/>
           <p:cNvSpPr>
             <a:spLocks noGrp="1"/>
           </p:cNvSpPr>
@@ -9795,8 +10219,40 @@
           <a:p>
             <a:pPr algn="ctr"/>
             <a:r>
-              <a:rPr lang="en-US" sz="1600" dirty="0" smtClean="0"/>
+              <a:rPr lang="en-US" sz="1600" b="0" dirty="0" smtClean="0">
+                <a:solidFill>
+                  <a:srgbClr val="BFBFBF"/>
+                </a:solidFill>
+              </a:rPr>
               <a:t>COUDRAY</a:t>
+            </a:r>
+            <a:r>
+              <a:rPr lang="en-US" sz="1600" dirty="0" smtClean="0">
+                <a:solidFill>
+                  <a:srgbClr val="BFBFBF"/>
+                </a:solidFill>
+              </a:rPr>
+              <a:t> </a:t>
+            </a:r>
+            <a:r>
+              <a:rPr lang="en-US" sz="1600" dirty="0" smtClean="0">
+                <a:solidFill>
+                  <a:schemeClr val="bg1">
+                    <a:lumMod val="75000"/>
+                  </a:schemeClr>
+                </a:solidFill>
+              </a:rPr>
+              <a:t>- </a:t>
+            </a:r>
+            <a:r>
+              <a:rPr lang="en-US" sz="1600" b="0" dirty="0" smtClean="0">
+                <a:solidFill>
+                  <a:schemeClr val="bg1">
+                    <a:lumMod val="75000"/>
+                  </a:schemeClr>
+                </a:solidFill>
+              </a:rPr>
+              <a:t>JULIEN</a:t>
             </a:r>
             <a:r>
               <a:rPr lang="en-US" sz="1600" dirty="0" smtClean="0">
@@ -9809,100 +10265,10 @@
               <a:t> - </a:t>
             </a:r>
             <a:r>
-              <a:rPr lang="en-US" sz="1600" b="0" dirty="0" smtClean="0">
-                <a:solidFill>
-                  <a:schemeClr val="bg1">
-                    <a:lumMod val="75000"/>
-                  </a:schemeClr>
-                </a:solidFill>
-              </a:rPr>
-              <a:t>JULIEN</a:t>
-            </a:r>
-            <a:r>
-              <a:rPr lang="en-US" sz="1600" dirty="0" smtClean="0">
-                <a:solidFill>
-                  <a:schemeClr val="bg1">
-                    <a:lumMod val="75000"/>
-                  </a:schemeClr>
-                </a:solidFill>
-              </a:rPr>
-              <a:t> - </a:t>
-            </a:r>
-            <a:r>
-              <a:rPr lang="en-US" sz="1600" b="0" dirty="0" smtClean="0">
-                <a:solidFill>
-                  <a:schemeClr val="bg1">
-                    <a:lumMod val="75000"/>
-                  </a:schemeClr>
-                </a:solidFill>
-              </a:rPr>
+              <a:rPr lang="en-US" sz="1600" dirty="0" smtClean="0"/>
               <a:t>TRAN</a:t>
             </a:r>
-            <a:endParaRPr lang="en-US" sz="1600" b="0" dirty="0">
-              <a:solidFill>
-                <a:schemeClr val="bg1">
-                  <a:lumMod val="75000"/>
-                </a:schemeClr>
-              </a:solidFill>
-            </a:endParaRPr>
-          </a:p>
-        </p:txBody>
-      </p:sp>
-      <p:pic>
-        <p:nvPicPr>
-          <p:cNvPr id="6" name="Image 5" descr="DiagrammeClassePPT (2).png"/>
-          <p:cNvPicPr>
-            <a:picLocks noChangeAspect="1"/>
-          </p:cNvPicPr>
-          <p:nvPr/>
-        </p:nvPicPr>
-        <p:blipFill>
-          <a:blip r:embed="rId3">
-            <a:extLst>
-              <a:ext uri="{28A0092B-C50C-407E-A947-70E740481C1C}">
-                <a14:useLocalDpi xmlns:a14="http://schemas.microsoft.com/office/drawing/2010/main" val="0"/>
-              </a:ext>
-            </a:extLst>
-          </a:blip>
-          <a:stretch>
-            <a:fillRect/>
-          </a:stretch>
-        </p:blipFill>
-        <p:spPr>
-          <a:xfrm>
-            <a:off x="-38487" y="2185273"/>
-            <a:ext cx="9144000" cy="4354286"/>
-          </a:xfrm>
-          <a:prstGeom prst="rect">
-            <a:avLst/>
-          </a:prstGeom>
-        </p:spPr>
-      </p:pic>
-      <p:sp>
-        <p:nvSpPr>
-          <p:cNvPr id="5" name="ZoneTexte 4"/>
-          <p:cNvSpPr txBox="1"/>
-          <p:nvPr/>
-        </p:nvSpPr>
-        <p:spPr>
-          <a:xfrm>
-            <a:off x="7235657" y="3501955"/>
-            <a:ext cx="1869855" cy="3037603"/>
-          </a:xfrm>
-          <a:prstGeom prst="rect">
-            <a:avLst/>
-          </a:prstGeom>
-          <a:solidFill>
-            <a:schemeClr val="bg1"/>
-          </a:solidFill>
-        </p:spPr>
-        <p:txBody>
-          <a:bodyPr wrap="square" rtlCol="0">
-            <a:spAutoFit/>
-          </a:bodyPr>
-          <a:lstStyle/>
-          <a:p>
-            <a:endParaRPr lang="fr-FR" dirty="0"/>
+            <a:endParaRPr lang="en-US" sz="1600" dirty="0"/>
           </a:p>
         </p:txBody>
       </p:sp>
@@ -9914,8 +10280,8 @@
         </p:nvSpPr>
         <p:spPr>
           <a:xfrm>
-            <a:off x="3656317" y="3809953"/>
-            <a:ext cx="1924378" cy="461665"/>
+            <a:off x="8496321" y="6366034"/>
+            <a:ext cx="647679" cy="338554"/>
           </a:xfrm>
           <a:prstGeom prst="rect">
             <a:avLst/>
@@ -9929,47 +10295,42 @@
           <a:lstStyle/>
           <a:p>
             <a:r>
-              <a:rPr lang="fr-FR" sz="2400" b="1" dirty="0" smtClean="0"/>
-              <a:t>1 promotion</a:t>
-            </a:r>
-            <a:endParaRPr lang="fr-FR" sz="2400" b="1" dirty="0"/>
-          </a:p>
-        </p:txBody>
-      </p:sp>
-      <p:sp>
-        <p:nvSpPr>
-          <p:cNvPr id="9" name="ZoneTexte 8"/>
-          <p:cNvSpPr txBox="1"/>
-          <p:nvPr/>
-        </p:nvSpPr>
-        <p:spPr>
-          <a:xfrm>
-            <a:off x="3964216" y="4294208"/>
-            <a:ext cx="1924378" cy="461665"/>
-          </a:xfrm>
-          <a:prstGeom prst="rect">
-            <a:avLst/>
-          </a:prstGeom>
-          <a:noFill/>
-        </p:spPr>
-        <p:txBody>
-          <a:bodyPr wrap="square" rtlCol="0">
-            <a:spAutoFit/>
-          </a:bodyPr>
-          <a:lstStyle/>
-          <a:p>
-            <a:r>
-              <a:rPr lang="fr-FR" sz="2400" b="1" dirty="0" smtClean="0"/>
-              <a:t>1 classe</a:t>
-            </a:r>
-            <a:endParaRPr lang="fr-FR" sz="2400" b="1" dirty="0"/>
+              <a:rPr lang="fr-FR" sz="1600" dirty="0">
+                <a:solidFill>
+                  <a:schemeClr val="tx1">
+                    <a:lumMod val="50000"/>
+                    <a:lumOff val="50000"/>
+                  </a:schemeClr>
+                </a:solidFill>
+              </a:rPr>
+              <a:t>6</a:t>
+            </a:r>
+            <a:r>
+              <a:rPr lang="fr-FR" sz="1600" dirty="0" smtClean="0">
+                <a:solidFill>
+                  <a:schemeClr val="tx1">
+                    <a:lumMod val="50000"/>
+                    <a:lumOff val="50000"/>
+                  </a:schemeClr>
+                </a:solidFill>
+              </a:rPr>
+              <a:t>/9</a:t>
+            </a:r>
+            <a:endParaRPr lang="fr-FR" dirty="0">
+              <a:solidFill>
+                <a:schemeClr val="tx1">
+                  <a:lumMod val="50000"/>
+                  <a:lumOff val="50000"/>
+                </a:schemeClr>
+              </a:solidFill>
+            </a:endParaRPr>
           </a:p>
         </p:txBody>
       </p:sp>
     </p:spTree>
     <p:extLst>
       <p:ext uri="{BB962C8B-B14F-4D97-AF65-F5344CB8AC3E}">
-        <p14:creationId xmlns:p14="http://schemas.microsoft.com/office/powerpoint/2010/main" val="1027451656"/>
+        <p14:creationId xmlns:p14="http://schemas.microsoft.com/office/powerpoint/2010/main" val="2506365686"/>
       </p:ext>
     </p:extLst>
   </p:cSld>
@@ -9979,172 +10340,9 @@
   <p:timing>
     <p:tnLst>
       <p:par>
-        <p:cTn id="1" dur="indefinite" restart="never" nodeType="tmRoot">
-          <p:childTnLst>
-            <p:seq concurrent="1" nextAc="seek">
-              <p:cTn id="2" dur="indefinite" nodeType="mainSeq">
-                <p:childTnLst>
-                  <p:par>
-                    <p:cTn id="3" fill="hold">
-                      <p:stCondLst>
-                        <p:cond delay="indefinite"/>
-                      </p:stCondLst>
-                      <p:childTnLst>
-                        <p:par>
-                          <p:cTn id="4" fill="hold">
-                            <p:stCondLst>
-                              <p:cond delay="0"/>
-                            </p:stCondLst>
-                            <p:childTnLst>
-                              <p:par>
-                                <p:cTn id="5" presetID="1" presetClass="exit" presetSubtype="0" fill="hold" grpId="0" nodeType="clickEffect">
-                                  <p:stCondLst>
-                                    <p:cond delay="0"/>
-                                  </p:stCondLst>
-                                  <p:childTnLst>
-                                    <p:set>
-                                      <p:cBhvr>
-                                        <p:cTn id="6" dur="1" fill="hold">
-                                          <p:stCondLst>
-                                            <p:cond delay="0"/>
-                                          </p:stCondLst>
-                                        </p:cTn>
-                                        <p:tgtEl>
-                                          <p:spTgt spid="9"/>
-                                        </p:tgtEl>
-                                        <p:attrNameLst>
-                                          <p:attrName>style.visibility</p:attrName>
-                                        </p:attrNameLst>
-                                      </p:cBhvr>
-                                      <p:to>
-                                        <p:strVal val="hidden"/>
-                                      </p:to>
-                                    </p:set>
-                                  </p:childTnLst>
-                                </p:cTn>
-                              </p:par>
-                            </p:childTnLst>
-                          </p:cTn>
-                        </p:par>
-                      </p:childTnLst>
-                    </p:cTn>
-                  </p:par>
-                  <p:par>
-                    <p:cTn id="7" fill="hold">
-                      <p:stCondLst>
-                        <p:cond delay="indefinite"/>
-                      </p:stCondLst>
-                      <p:childTnLst>
-                        <p:par>
-                          <p:cTn id="8" fill="hold">
-                            <p:stCondLst>
-                              <p:cond delay="0"/>
-                            </p:stCondLst>
-                            <p:childTnLst>
-                              <p:par>
-                                <p:cTn id="9" presetID="1" presetClass="exit" presetSubtype="0" fill="hold" grpId="0" nodeType="clickEffect">
-                                  <p:stCondLst>
-                                    <p:cond delay="0"/>
-                                  </p:stCondLst>
-                                  <p:childTnLst>
-                                    <p:set>
-                                      <p:cBhvr>
-                                        <p:cTn id="10" dur="1" fill="hold">
-                                          <p:stCondLst>
-                                            <p:cond delay="0"/>
-                                          </p:stCondLst>
-                                        </p:cTn>
-                                        <p:tgtEl>
-                                          <p:spTgt spid="8"/>
-                                        </p:tgtEl>
-                                        <p:attrNameLst>
-                                          <p:attrName>style.visibility</p:attrName>
-                                        </p:attrNameLst>
-                                      </p:cBhvr>
-                                      <p:to>
-                                        <p:strVal val="hidden"/>
-                                      </p:to>
-                                    </p:set>
-                                  </p:childTnLst>
-                                </p:cTn>
-                              </p:par>
-                            </p:childTnLst>
-                          </p:cTn>
-                        </p:par>
-                      </p:childTnLst>
-                    </p:cTn>
-                  </p:par>
-                  <p:par>
-                    <p:cTn id="11" fill="hold">
-                      <p:stCondLst>
-                        <p:cond delay="indefinite"/>
-                      </p:stCondLst>
-                      <p:childTnLst>
-                        <p:par>
-                          <p:cTn id="12" fill="hold">
-                            <p:stCondLst>
-                              <p:cond delay="0"/>
-                            </p:stCondLst>
-                            <p:childTnLst>
-                              <p:par>
-                                <p:cTn id="13" presetID="1" presetClass="exit" presetSubtype="0" fill="hold" grpId="0" nodeType="clickEffect">
-                                  <p:stCondLst>
-                                    <p:cond delay="0"/>
-                                  </p:stCondLst>
-                                  <p:childTnLst>
-                                    <p:set>
-                                      <p:cBhvr>
-                                        <p:cTn id="14" dur="1" fill="hold">
-                                          <p:stCondLst>
-                                            <p:cond delay="0"/>
-                                          </p:stCondLst>
-                                        </p:cTn>
-                                        <p:tgtEl>
-                                          <p:spTgt spid="5"/>
-                                        </p:tgtEl>
-                                        <p:attrNameLst>
-                                          <p:attrName>style.visibility</p:attrName>
-                                        </p:attrNameLst>
-                                      </p:cBhvr>
-                                      <p:to>
-                                        <p:strVal val="hidden"/>
-                                      </p:to>
-                                    </p:set>
-                                  </p:childTnLst>
-                                </p:cTn>
-                              </p:par>
-                            </p:childTnLst>
-                          </p:cTn>
-                        </p:par>
-                      </p:childTnLst>
-                    </p:cTn>
-                  </p:par>
-                </p:childTnLst>
-              </p:cTn>
-              <p:prevCondLst>
-                <p:cond evt="onPrev" delay="0">
-                  <p:tgtEl>
-                    <p:sldTgt/>
-                  </p:tgtEl>
-                </p:cond>
-              </p:prevCondLst>
-              <p:nextCondLst>
-                <p:cond evt="onNext" delay="0">
-                  <p:tgtEl>
-                    <p:sldTgt/>
-                  </p:tgtEl>
-                </p:cond>
-              </p:nextCondLst>
-            </p:seq>
-          </p:childTnLst>
-        </p:cTn>
+        <p:cTn xmlns:p14="http://schemas.microsoft.com/office/powerpoint/2010/main" id="1" dur="indefinite" restart="never" nodeType="tmRoot"/>
       </p:par>
     </p:tnLst>
-    <p:bldLst>
-      <p:bldP spid="5" grpId="0" animBg="1"/>
-      <p:bldP spid="8" grpId="0"/>
-      <p:bldP spid="9" grpId="0"/>
-    </p:bldLst>
   </p:timing>
 </p:sld>
 </file>
@@ -10436,10 +10634,65 @@
           </a:p>
         </p:txBody>
       </p:sp>
+      <p:sp>
+        <p:nvSpPr>
+          <p:cNvPr id="9" name="ZoneTexte 8"/>
+          <p:cNvSpPr txBox="1"/>
+          <p:nvPr/>
+        </p:nvSpPr>
+        <p:spPr>
+          <a:xfrm>
+            <a:off x="8496321" y="6366034"/>
+            <a:ext cx="647679" cy="338554"/>
+          </a:xfrm>
+          <a:prstGeom prst="rect">
+            <a:avLst/>
+          </a:prstGeom>
+          <a:noFill/>
+        </p:spPr>
+        <p:txBody>
+          <a:bodyPr wrap="square" rtlCol="0">
+            <a:spAutoFit/>
+          </a:bodyPr>
+          <a:lstStyle/>
+          <a:p>
+            <a:r>
+              <a:rPr lang="fr-FR" sz="1600" dirty="0">
+                <a:solidFill>
+                  <a:schemeClr val="tx1">
+                    <a:lumMod val="50000"/>
+                    <a:lumOff val="50000"/>
+                  </a:schemeClr>
+                </a:solidFill>
+              </a:rPr>
+              <a:t>7</a:t>
+            </a:r>
+            <a:r>
+              <a:rPr lang="fr-FR" sz="1600" dirty="0" smtClean="0">
+                <a:solidFill>
+                  <a:schemeClr val="tx1">
+                    <a:lumMod val="50000"/>
+                    <a:lumOff val="50000"/>
+                  </a:schemeClr>
+                </a:solidFill>
+              </a:rPr>
+              <a:t>/9</a:t>
+            </a:r>
+            <a:endParaRPr lang="fr-FR" dirty="0">
+              <a:solidFill>
+                <a:schemeClr val="tx1">
+                  <a:lumMod val="50000"/>
+                  <a:lumOff val="50000"/>
+                </a:schemeClr>
+              </a:solidFill>
+            </a:endParaRPr>
+          </a:p>
+        </p:txBody>
+      </p:sp>
     </p:spTree>
     <p:extLst>
       <p:ext uri="{BB962C8B-B14F-4D97-AF65-F5344CB8AC3E}">
-        <p14:creationId xmlns:p14="http://schemas.microsoft.com/office/powerpoint/2010/main" val="4059756278"/>
+        <p14:creationId xmlns:p14="http://schemas.microsoft.com/office/powerpoint/2010/main" val="1974425010"/>
       </p:ext>
     </p:extLst>
   </p:cSld>
@@ -10449,7 +10702,7 @@
   <p:timing>
     <p:tnLst>
       <p:par>
-        <p:cTn id="1" dur="indefinite" restart="never" nodeType="tmRoot">
+        <p:cTn xmlns:p14="http://schemas.microsoft.com/office/powerpoint/2010/main" id="1" dur="indefinite" restart="never" nodeType="tmRoot">
           <p:childTnLst>
             <p:seq concurrent="1" nextAc="seek">
               <p:cTn id="2" dur="indefinite" nodeType="mainSeq">
@@ -12991,7 +13244,7 @@
   <p:timing>
     <p:tnLst>
       <p:par>
-        <p:cTn id="1" dur="indefinite" restart="never" nodeType="tmRoot">
+        <p:cTn xmlns:p14="http://schemas.microsoft.com/office/powerpoint/2010/main" id="1" dur="indefinite" restart="never" nodeType="tmRoot">
           <p:childTnLst>
             <p:seq concurrent="1" nextAc="seek">
               <p:cTn id="2" dur="indefinite" nodeType="mainSeq">
@@ -13446,7 +13699,7 @@
             </a:pPr>
             <a:r>
               <a:rPr lang="fr-FR" sz="2800" dirty="0" smtClean="0"/>
-              <a:t>Ce qu’on a fait jusqu’à présent</a:t>
+              <a:t>Travail effectué</a:t>
             </a:r>
           </a:p>
           <a:p>
@@ -13455,6 +13708,37 @@
               <a:buChar char="§"/>
             </a:pPr>
             <a:r>
+              <a:rPr lang="fr-FR" sz="2800" dirty="0"/>
+              <a:t>Revue</a:t>
+            </a:r>
+            <a:r>
+              <a:rPr lang="fr-FR" sz="2400" dirty="0"/>
+              <a:t> </a:t>
+            </a:r>
+            <a:r>
+              <a:rPr lang="fr-FR" sz="2800" dirty="0"/>
+              <a:t>de</a:t>
+            </a:r>
+            <a:r>
+              <a:rPr lang="fr-FR" sz="2400" dirty="0"/>
+              <a:t> </a:t>
+            </a:r>
+            <a:r>
+              <a:rPr lang="fr-FR" sz="2800" dirty="0"/>
+              <a:t>littérature</a:t>
+            </a:r>
+            <a:r>
+              <a:rPr lang="fr-FR" sz="2400" dirty="0"/>
+              <a:t> </a:t>
+            </a:r>
+            <a:endParaRPr lang="fr-FR" sz="2600" dirty="0" smtClean="0"/>
+          </a:p>
+          <a:p>
+            <a:pPr lvl="1">
+              <a:buFont typeface="Wingdings" panose="05000000000000000000" pitchFamily="2" charset="2"/>
+              <a:buChar char="§"/>
+            </a:pPr>
+            <a:r>
               <a:rPr lang="fr-FR" sz="2800" dirty="0" smtClean="0"/>
               <a:t>Architecture fonctionnelle</a:t>
             </a:r>
@@ -13465,8 +13749,8 @@
               <a:buChar char="§"/>
             </a:pPr>
             <a:r>
-              <a:rPr lang="fr-FR" sz="2800" dirty="0" smtClean="0"/>
-              <a:t>Ce qu’il nous reste à faire</a:t>
+              <a:rPr lang="fr-FR" sz="2800" smtClean="0"/>
+              <a:t>Prochaines étapes</a:t>
             </a:r>
             <a:endParaRPr lang="fr-FR" sz="2800" dirty="0"/>
           </a:p>
@@ -13561,6 +13845,61 @@
               <a:solidFill>
                 <a:schemeClr val="bg1">
                   <a:lumMod val="75000"/>
+                </a:schemeClr>
+              </a:solidFill>
+            </a:endParaRPr>
+          </a:p>
+        </p:txBody>
+      </p:sp>
+      <p:sp>
+        <p:nvSpPr>
+          <p:cNvPr id="6" name="ZoneTexte 5"/>
+          <p:cNvSpPr txBox="1"/>
+          <p:nvPr/>
+        </p:nvSpPr>
+        <p:spPr>
+          <a:xfrm>
+            <a:off x="8496321" y="6366034"/>
+            <a:ext cx="647679" cy="338554"/>
+          </a:xfrm>
+          <a:prstGeom prst="rect">
+            <a:avLst/>
+          </a:prstGeom>
+          <a:noFill/>
+        </p:spPr>
+        <p:txBody>
+          <a:bodyPr wrap="square" rtlCol="0">
+            <a:spAutoFit/>
+          </a:bodyPr>
+          <a:lstStyle/>
+          <a:p>
+            <a:r>
+              <a:rPr lang="fr-FR" sz="1600" dirty="0">
+                <a:solidFill>
+                  <a:schemeClr val="tx1">
+                    <a:lumMod val="50000"/>
+                    <a:lumOff val="50000"/>
+                  </a:schemeClr>
+                </a:solidFill>
+              </a:rPr>
+              <a:t>9</a:t>
+            </a:r>
+            <a:r>
+              <a:rPr lang="fr-FR" sz="1600" dirty="0" smtClean="0">
+                <a:solidFill>
+                  <a:schemeClr val="tx1">
+                    <a:lumMod val="50000"/>
+                    <a:lumOff val="50000"/>
+                  </a:schemeClr>
+                </a:solidFill>
+              </a:rPr>
+              <a:t>/9</a:t>
+            </a:r>
+            <a:endParaRPr lang="fr-FR" dirty="0">
+              <a:solidFill>
+                <a:schemeClr val="tx1">
+                  <a:lumMod val="50000"/>
+                  <a:lumOff val="50000"/>
                 </a:schemeClr>
               </a:solidFill>
             </a:endParaRPr>
@@ -13580,7 +13919,7 @@
   <p:timing>
     <p:tnLst>
       <p:par>
-        <p:cTn id="1" dur="indefinite" restart="never" nodeType="tmRoot"/>
+        <p:cTn xmlns:p14="http://schemas.microsoft.com/office/powerpoint/2010/main" id="1" dur="indefinite" restart="never" nodeType="tmRoot"/>
       </p:par>
     </p:tnLst>
   </p:timing>
@@ -14157,4 +14496,289 @@
   </a:objectDefaults>
   <a:extraClrSchemeLst/>
 </a:theme>
+</file>
+
+<file path=ppt/theme/theme3.xml><?xml version="1.0" encoding="utf-8"?>
+<a:theme xmlns:a="http://schemas.openxmlformats.org/drawingml/2006/main" name="Thème Office">
+  <a:themeElements>
+    <a:clrScheme name="Office">
+      <a:dk1>
+        <a:sysClr val="windowText" lastClr="000000"/>
+      </a:dk1>
+      <a:lt1>
+        <a:sysClr val="window" lastClr="FFFFFF"/>
+      </a:lt1>
+      <a:dk2>
+        <a:srgbClr val="1F497D"/>
+      </a:dk2>
+      <a:lt2>
+        <a:srgbClr val="EEECE1"/>
+      </a:lt2>
+      <a:accent1>
+        <a:srgbClr val="4F81BD"/>
+      </a:accent1>
+      <a:accent2>
+        <a:srgbClr val="C0504D"/>
+      </a:accent2>
+      <a:accent3>
+        <a:srgbClr val="9BBB59"/>
+      </a:accent3>
+      <a:accent4>
+        <a:srgbClr val="8064A2"/>
+      </a:accent4>
+      <a:accent5>
+        <a:srgbClr val="4BACC6"/>
+      </a:accent5>
+      <a:accent6>
+        <a:srgbClr val="F79646"/>
+      </a:accent6>
+      <a:hlink>
+        <a:srgbClr val="0000FF"/>
+      </a:hlink>
+      <a:folHlink>
+        <a:srgbClr val="800080"/>
+      </a:folHlink>
+    </a:clrScheme>
+    <a:fontScheme name="Office">
+      <a:majorFont>
+        <a:latin typeface="Calibri"/>
+        <a:ea typeface=""/>
+        <a:cs typeface=""/>
+        <a:font script="Jpan" typeface="ＭＳ Ｐゴシック"/>
+        <a:font script="Hang" typeface="맑은 고딕"/>
+        <a:font script="Hans" typeface="宋体"/>
+        <a:font script="Hant" typeface="新細明體"/>
+        <a:font script="Arab" typeface="Times New Roman"/>
+        <a:font script="Hebr" typeface="Times New Roman"/>
+        <a:font script="Thai" typeface="Angsana New"/>
+        <a:font script="Ethi" typeface="Nyala"/>
+        <a:font script="Beng" typeface="Vrinda"/>
+        <a:font script="Gujr" typeface="Shruti"/>
+        <a:font script="Khmr" typeface="MoolBoran"/>
+        <a:font script="Knda" typeface="Tunga"/>
+        <a:font script="Guru" typeface="Raavi"/>
+        <a:font script="Cans" typeface="Euphemia"/>
+        <a:font script="Cher" typeface="Plantagenet Cherokee"/>
+        <a:font script="Yiii" typeface="Microsoft Yi Baiti"/>
+        <a:font script="Tibt" typeface="Microsoft Himalaya"/>
+        <a:font script="Thaa" typeface="MV Boli"/>
+        <a:font script="Deva" typeface="Mangal"/>
+        <a:font script="Telu" typeface="Gautami"/>
+        <a:font script="Taml" typeface="Latha"/>
+        <a:font script="Syrc" typeface="Estrangelo Edessa"/>
+        <a:font script="Orya" typeface="Kalinga"/>
+        <a:font script="Mlym" typeface="Kartika"/>
+        <a:font script="Laoo" typeface="DokChampa"/>
+        <a:font script="Sinh" typeface="Iskoola Pota"/>
+        <a:font script="Mong" typeface="Mongolian Baiti"/>
+        <a:font script="Viet" typeface="Times New Roman"/>
+        <a:font script="Uigh" typeface="Microsoft Uighur"/>
+        <a:font script="Geor" typeface="Sylfaen"/>
+      </a:majorFont>
+      <a:minorFont>
+        <a:latin typeface="Calibri"/>
+        <a:ea typeface=""/>
+        <a:cs typeface=""/>
+        <a:font script="Jpan" typeface="ＭＳ Ｐゴシック"/>
+        <a:font script="Hang" typeface="맑은 고딕"/>
+        <a:font script="Hans" typeface="宋体"/>
+        <a:font script="Hant" typeface="新細明體"/>
+        <a:font script="Arab" typeface="Arial"/>
+        <a:font script="Hebr" typeface="Arial"/>
+        <a:font script="Thai" typeface="Cordia New"/>
+        <a:font script="Ethi" typeface="Nyala"/>
+        <a:font script="Beng" typeface="Vrinda"/>
+        <a:font script="Gujr" typeface="Shruti"/>
+        <a:font script="Khmr" typeface="DaunPenh"/>
+        <a:font script="Knda" typeface="Tunga"/>
+        <a:font script="Guru" typeface="Raavi"/>
+        <a:font script="Cans" typeface="Euphemia"/>
+        <a:font script="Cher" typeface="Plantagenet Cherokee"/>
+        <a:font script="Yiii" typeface="Microsoft Yi Baiti"/>
+        <a:font script="Tibt" typeface="Microsoft Himalaya"/>
+        <a:font script="Thaa" typeface="MV Boli"/>
+        <a:font script="Deva" typeface="Mangal"/>
+        <a:font script="Telu" typeface="Gautami"/>
+        <a:font script="Taml" typeface="Latha"/>
+        <a:font script="Syrc" typeface="Estrangelo Edessa"/>
+        <a:font script="Orya" typeface="Kalinga"/>
+        <a:font script="Mlym" typeface="Kartika"/>
+        <a:font script="Laoo" typeface="DokChampa"/>
+        <a:font script="Sinh" typeface="Iskoola Pota"/>
+        <a:font script="Mong" typeface="Mongolian Baiti"/>
+        <a:font script="Viet" typeface="Arial"/>
+        <a:font script="Uigh" typeface="Microsoft Uighur"/>
+        <a:font script="Geor" typeface="Sylfaen"/>
+      </a:minorFont>
+    </a:fontScheme>
+    <a:fmtScheme name="Office">
+      <a:fillStyleLst>
+        <a:solidFill>
+          <a:schemeClr val="phClr"/>
+        </a:solidFill>
+        <a:gradFill rotWithShape="1">
+          <a:gsLst>
+            <a:gs pos="0">
+              <a:schemeClr val="phClr">
+                <a:tint val="50000"/>
+                <a:satMod val="300000"/>
+              </a:schemeClr>
+            </a:gs>
+            <a:gs pos="35000">
+              <a:schemeClr val="phClr">
+                <a:tint val="37000"/>
+                <a:satMod val="300000"/>
+              </a:schemeClr>
+            </a:gs>
+            <a:gs pos="100000">
+              <a:schemeClr val="phClr">
+                <a:tint val="15000"/>
+                <a:satMod val="350000"/>
+              </a:schemeClr>
+            </a:gs>
+          </a:gsLst>
+          <a:lin ang="16200000" scaled="1"/>
+        </a:gradFill>
+        <a:gradFill rotWithShape="1">
+          <a:gsLst>
+            <a:gs pos="0">
+              <a:schemeClr val="phClr">
+                <a:shade val="51000"/>
+                <a:satMod val="130000"/>
+              </a:schemeClr>
+            </a:gs>
+            <a:gs pos="80000">
+              <a:schemeClr val="phClr">
+                <a:shade val="93000"/>
+                <a:satMod val="130000"/>
+              </a:schemeClr>
+            </a:gs>
+            <a:gs pos="100000">
+              <a:schemeClr val="phClr">
+                <a:shade val="94000"/>
+                <a:satMod val="135000"/>
+              </a:schemeClr>
+            </a:gs>
+          </a:gsLst>
+          <a:lin ang="16200000" scaled="0"/>
+        </a:gradFill>
+      </a:fillStyleLst>
+      <a:lnStyleLst>
+        <a:ln w="9525" cap="flat" cmpd="sng" algn="ctr">
+          <a:solidFill>
+            <a:schemeClr val="phClr">
+              <a:shade val="95000"/>
+              <a:satMod val="105000"/>
+            </a:schemeClr>
+          </a:solidFill>
+          <a:prstDash val="solid"/>
+        </a:ln>
+        <a:ln w="25400" cap="flat" cmpd="sng" algn="ctr">
+          <a:solidFill>
+            <a:schemeClr val="phClr"/>
+          </a:solidFill>
+          <a:prstDash val="solid"/>
+        </a:ln>
+        <a:ln w="38100" cap="flat" cmpd="sng" algn="ctr">
+          <a:solidFill>
+            <a:schemeClr val="phClr"/>
+          </a:solidFill>
+          <a:prstDash val="solid"/>
+        </a:ln>
+      </a:lnStyleLst>
+      <a:effectStyleLst>
+        <a:effectStyle>
+          <a:effectLst>
+            <a:outerShdw blurRad="40000" dist="20000" dir="5400000" rotWithShape="0">
+              <a:srgbClr val="000000">
+                <a:alpha val="38000"/>
+              </a:srgbClr>
+            </a:outerShdw>
+          </a:effectLst>
+        </a:effectStyle>
+        <a:effectStyle>
+          <a:effectLst>
+            <a:outerShdw blurRad="40000" dist="23000" dir="5400000" rotWithShape="0">
+              <a:srgbClr val="000000">
+                <a:alpha val="35000"/>
+              </a:srgbClr>
+            </a:outerShdw>
+          </a:effectLst>
+        </a:effectStyle>
+        <a:effectStyle>
+          <a:effectLst>
+            <a:outerShdw blurRad="40000" dist="23000" dir="5400000" rotWithShape="0">
+              <a:srgbClr val="000000">
+                <a:alpha val="35000"/>
+              </a:srgbClr>
+            </a:outerShdw>
+          </a:effectLst>
+          <a:scene3d>
+            <a:camera prst="orthographicFront">
+              <a:rot lat="0" lon="0" rev="0"/>
+            </a:camera>
+            <a:lightRig rig="threePt" dir="t">
+              <a:rot lat="0" lon="0" rev="1200000"/>
+            </a:lightRig>
+          </a:scene3d>
+          <a:sp3d>
+            <a:bevelT w="63500" h="25400"/>
+          </a:sp3d>
+        </a:effectStyle>
+      </a:effectStyleLst>
+      <a:bgFillStyleLst>
+        <a:solidFill>
+          <a:schemeClr val="phClr"/>
+        </a:solidFill>
+        <a:gradFill rotWithShape="1">
+          <a:gsLst>
+            <a:gs pos="0">
+              <a:schemeClr val="phClr">
+                <a:tint val="40000"/>
+                <a:satMod val="350000"/>
+              </a:schemeClr>
+            </a:gs>
+            <a:gs pos="40000">
+              <a:schemeClr val="phClr">
+                <a:tint val="45000"/>
+                <a:shade val="99000"/>
+                <a:satMod val="350000"/>
+              </a:schemeClr>
+            </a:gs>
+            <a:gs pos="100000">
+              <a:schemeClr val="phClr">
+                <a:shade val="20000"/>
+                <a:satMod val="255000"/>
+              </a:schemeClr>
+            </a:gs>
+          </a:gsLst>
+          <a:path path="circle">
+            <a:fillToRect l="50000" t="-80000" r="50000" b="180000"/>
+          </a:path>
+        </a:gradFill>
+        <a:gradFill rotWithShape="1">
+          <a:gsLst>
+            <a:gs pos="0">
+              <a:schemeClr val="phClr">
+                <a:tint val="80000"/>
+                <a:satMod val="300000"/>
+              </a:schemeClr>
+            </a:gs>
+            <a:gs pos="100000">
+              <a:schemeClr val="phClr">
+                <a:shade val="30000"/>
+                <a:satMod val="200000"/>
+              </a:schemeClr>
+            </a:gs>
+          </a:gsLst>
+          <a:path path="circle">
+            <a:fillToRect l="50000" t="50000" r="50000" b="50000"/>
+          </a:path>
+        </a:gradFill>
+      </a:bgFillStyleLst>
+    </a:fmtScheme>
+  </a:themeElements>
+  <a:objectDefaults/>
+  <a:extraClrSchemeLst/>
+</a:theme>
 </file>